--- a/testing-advanced.pptx
+++ b/testing-advanced.pptx
@@ -12,7 +12,7 @@
   </p:handoutMasterIdLst>
   <p:sldIdLst>
     <p:sldId id="631" r:id="rId5"/>
-    <p:sldId id="320" r:id="rId6"/>
+    <p:sldId id="632" r:id="rId6"/>
     <p:sldId id="487" r:id="rId7"/>
     <p:sldId id="465" r:id="rId8"/>
     <p:sldId id="579" r:id="rId9"/>
@@ -267,7 +267,7 @@
           <a:p>
             <a:fld id="{0B842F42-2CE9-4E35-95C1-410DC08A50B1}" type="datetimeFigureOut">
               <a:rPr lang="en-US" smtClean="0"/>
-              <a:t>6/15/2021</a:t>
+              <a:t>6/20/2021</a:t>
             </a:fld>
             <a:endParaRPr lang="en-US"/>
           </a:p>
@@ -432,7 +432,7 @@
           <a:p>
             <a:fld id="{6F282904-F315-4730-8D91-37D99E141A6F}" type="datetimeFigureOut">
               <a:rPr lang="en-US" smtClean="0"/>
-              <a:t>6/15/2021</a:t>
+              <a:t>6/20/2021</a:t>
             </a:fld>
             <a:endParaRPr lang="en-US"/>
           </a:p>
@@ -6230,7 +6230,7 @@
           <a:noFill/>
           <a:extLst>
             <a:ext uri="{909E8E84-426E-40dd-AFC4-6F175D3DCCD1}">
-              <a14:hiddenFill xmlns="" xmlns:a14="http://schemas.microsoft.com/office/drawing/2010/main">
+              <a14:hiddenFill xmlns:a14="http://schemas.microsoft.com/office/drawing/2010/main" xmlns="">
                 <a:solidFill>
                   <a:srgbClr val="FFFFFF"/>
                 </a:solidFill>
@@ -8670,13 +8670,13 @@
             </a:pPr>
             <a:r>
               <a:rPr lang="en-US" sz="1600" b="1" dirty="0"/>
-              <a:t>The requested citation the overall tutorial is: David E. Bernholdt, Anshu Dubey, Rinku K. Gupta, and David M. Rogers, Better Scientific Software tutorial, in Improving Scientific Software conference, online, 2021. DOI: </a:t>
+              <a:t>The requested citation the overall tutorial is: David E. Bernholdt, Anshu Dubey, Patricia A. Grubel, Rinku K. Gupta, and David M. Rogers, Better Scientific Software tutorial, in ISC High Performance, online, 2021. DOI: </a:t>
             </a:r>
             <a:r>
               <a:rPr lang="en-US" sz="1600" b="1" dirty="0">
                 <a:hlinkClick r:id="rId4"/>
               </a:rPr>
-              <a:t>10.6084/m9.figshare.14256257</a:t>
+              <a:t>10.6084/m9.figshare.14642520</a:t>
             </a:r>
             <a:endParaRPr lang="en-US" sz="1600" b="1" dirty="0"/>
           </a:p>
@@ -8718,40 +8718,12 @@
               </a:spcBef>
             </a:pPr>
             <a:r>
+              <a:rPr lang="en-US" sz="1400"/>
+              <a:t>This </a:t>
+            </a:r>
+            <a:r>
               <a:rPr lang="en-US" sz="1400" dirty="0"/>
-              <a:t>Additional contributors include: Mike </a:t>
-            </a:r>
-            <a:r>
-              <a:rPr lang="en-US" sz="1400" dirty="0" err="1"/>
-              <a:t>Heroux</a:t>
-            </a:r>
-            <a:r>
-              <a:rPr lang="en-US" sz="1400" dirty="0"/>
-              <a:t>, Alicia </a:t>
-            </a:r>
-            <a:r>
-              <a:rPr lang="en-US" sz="1400" dirty="0" err="1"/>
-              <a:t>Klinvex</a:t>
-            </a:r>
-            <a:r>
-              <a:rPr lang="en-US" sz="1400" dirty="0"/>
-              <a:t>, Mark Miller, Jared O’Neal, Katherine Riley, David Rogers, Deborah Stevens, James </a:t>
-            </a:r>
-            <a:r>
-              <a:rPr lang="en-US" sz="1400" dirty="0" err="1"/>
-              <a:t>Willenbring</a:t>
-            </a:r>
-            <a:endParaRPr lang="en-US" sz="1400" dirty="0"/>
-          </a:p>
-          <a:p>
-            <a:pPr>
-              <a:spcBef>
-                <a:spcPts val="400"/>
-              </a:spcBef>
-            </a:pPr>
-            <a:r>
-              <a:rPr lang="en-US" sz="1400" dirty="0"/>
-              <a:t>This work was supported by the U.S. Department of Energy Office of Science, Office of Advanced Scientific Computing Research (ASCR), and by the </a:t>
+              <a:t>work was supported by the U.S. Department of Energy Office of Science, Office of Advanced Scientific Computing Research (ASCR), and by the </a:t>
             </a:r>
             <a:r>
               <a:rPr lang="en-US" sz="1400" dirty="0" err="1"/>
@@ -8861,8 +8833,8 @@
         </p:blipFill>
         <p:spPr bwMode="auto">
           <a:xfrm>
-            <a:off x="10249254" y="570111"/>
-            <a:ext cx="1661258" cy="585216"/>
+            <a:off x="10230336" y="879673"/>
+            <a:ext cx="838200" cy="295275"/>
           </a:xfrm>
           <a:prstGeom prst="rect">
             <a:avLst/>
@@ -8882,7 +8854,7 @@
     </p:spTree>
     <p:extLst>
       <p:ext uri="{BB962C8B-B14F-4D97-AF65-F5344CB8AC3E}">
-        <p14:creationId xmlns:p14="http://schemas.microsoft.com/office/powerpoint/2010/main" val="978726433"/>
+        <p14:creationId xmlns:p14="http://schemas.microsoft.com/office/powerpoint/2010/main" val="2031572981"/>
       </p:ext>
     </p:extLst>
   </p:cSld>
@@ -14263,9 +14235,12 @@
 </file>
 
 <file path=customXml/item1.xml><?xml version="1.0" encoding="utf-8"?>
-<p:properties xmlns:p="http://schemas.microsoft.com/office/2006/metadata/properties" xmlns:xsi="http://www.w3.org/2001/XMLSchema-instance" xmlns:pc="http://schemas.microsoft.com/office/infopath/2007/PartnerControls">
-  <documentManagement/>
-</p:properties>
+<?mso-contentType ?>
+<FormTemplates xmlns="http://schemas.microsoft.com/sharepoint/v3/contenttype/forms">
+  <Display>DocumentLibraryForm</Display>
+  <Edit>DocumentLibraryForm</Edit>
+  <New>DocumentLibraryForm</New>
+</FormTemplates>
 </file>
 
 <file path=customXml/item2.xml><?xml version="1.0" encoding="utf-8"?>
@@ -14318,25 +14293,15 @@
 </file>
 
 <file path=customXml/item3.xml><?xml version="1.0" encoding="utf-8"?>
-<?mso-contentType ?>
-<FormTemplates xmlns="http://schemas.microsoft.com/sharepoint/v3/contenttype/forms">
-  <Display>DocumentLibraryForm</Display>
-  <Edit>DocumentLibraryForm</Edit>
-  <New>DocumentLibraryForm</New>
-</FormTemplates>
+<p:properties xmlns:p="http://schemas.microsoft.com/office/2006/metadata/properties" xmlns:xsi="http://www.w3.org/2001/XMLSchema-instance" xmlns:pc="http://schemas.microsoft.com/office/infopath/2007/PartnerControls">
+  <documentManagement/>
+</p:properties>
 </file>
 
 <file path=customXml/itemProps1.xml><?xml version="1.0" encoding="utf-8"?>
-<ds:datastoreItem xmlns:ds="http://schemas.openxmlformats.org/officeDocument/2006/customXml" ds:itemID="{A50EC660-24D0-43A0-AE5E-E274115E726B}">
+<ds:datastoreItem xmlns:ds="http://schemas.openxmlformats.org/officeDocument/2006/customXml" ds:itemID="{19E20559-B232-4371-8690-E3D8007EDB82}">
   <ds:schemaRefs>
-    <ds:schemaRef ds:uri="http://purl.org/dc/elements/1.1/"/>
-    <ds:schemaRef ds:uri="http://schemas.microsoft.com/office/2006/metadata/properties"/>
-    <ds:schemaRef ds:uri="http://purl.org/dc/terms/"/>
-    <ds:schemaRef ds:uri="http://schemas.openxmlformats.org/package/2006/metadata/core-properties"/>
-    <ds:schemaRef ds:uri="http://schemas.microsoft.com/office/2006/documentManagement/types"/>
-    <ds:schemaRef ds:uri="http://www.w3.org/XML/1998/namespace"/>
-    <ds:schemaRef ds:uri="http://purl.org/dc/dcmitype/"/>
-    <ds:schemaRef ds:uri="http://schemas.microsoft.com/office/infopath/2007/PartnerControls"/>
+    <ds:schemaRef ds:uri="http://schemas.microsoft.com/sharepoint/v3/contenttype/forms"/>
   </ds:schemaRefs>
 </ds:datastoreItem>
 </file>
@@ -14357,9 +14322,16 @@
 </file>
 
 <file path=customXml/itemProps3.xml><?xml version="1.0" encoding="utf-8"?>
-<ds:datastoreItem xmlns:ds="http://schemas.openxmlformats.org/officeDocument/2006/customXml" ds:itemID="{19E20559-B232-4371-8690-E3D8007EDB82}">
+<ds:datastoreItem xmlns:ds="http://schemas.openxmlformats.org/officeDocument/2006/customXml" ds:itemID="{A50EC660-24D0-43A0-AE5E-E274115E726B}">
   <ds:schemaRefs>
-    <ds:schemaRef ds:uri="http://schemas.microsoft.com/sharepoint/v3/contenttype/forms"/>
+    <ds:schemaRef ds:uri="http://purl.org/dc/elements/1.1/"/>
+    <ds:schemaRef ds:uri="http://schemas.microsoft.com/office/2006/metadata/properties"/>
+    <ds:schemaRef ds:uri="http://purl.org/dc/terms/"/>
+    <ds:schemaRef ds:uri="http://schemas.openxmlformats.org/package/2006/metadata/core-properties"/>
+    <ds:schemaRef ds:uri="http://schemas.microsoft.com/office/2006/documentManagement/types"/>
+    <ds:schemaRef ds:uri="http://www.w3.org/XML/1998/namespace"/>
+    <ds:schemaRef ds:uri="http://purl.org/dc/dcmitype/"/>
+    <ds:schemaRef ds:uri="http://schemas.microsoft.com/office/infopath/2007/PartnerControls"/>
   </ds:schemaRefs>
 </ds:datastoreItem>
 </file>
--- a/testing-advanced.pptx
+++ b/testing-advanced.pptx
@@ -267,7 +267,7 @@
           <a:p>
             <a:fld id="{0B842F42-2CE9-4E35-95C1-410DC08A50B1}" type="datetimeFigureOut">
               <a:rPr lang="en-US" smtClean="0"/>
-              <a:t>6/20/2021</a:t>
+              <a:t>8/6/21</a:t>
             </a:fld>
             <a:endParaRPr lang="en-US"/>
           </a:p>
@@ -432,7 +432,7 @@
           <a:p>
             <a:fld id="{6F282904-F315-4730-8D91-37D99E141A6F}" type="datetimeFigureOut">
               <a:rPr lang="en-US" smtClean="0"/>
-              <a:t>6/20/2021</a:t>
+              <a:t>8/6/21</a:t>
             </a:fld>
             <a:endParaRPr lang="en-US"/>
           </a:p>
@@ -1246,7 +1246,7 @@
                 <a:ea typeface="+mn-ea"/>
                 <a:cs typeface="+mn-cs"/>
               </a:rPr>
-              <a:t>Let's think about this problem as "selecting the right tests."  Taking a step back, there are two 'levels' of tests (regression testing and CI-type tests), and there are multiple 'granularities' of tests (from unit to integration).  Computer scientists tend to gravitate towards tests that run quickly and check data structures, types, definitions, syntax, and error reporting.  These quick tests are great for a continuous integration suite.  Domain scientists tend to think of ways to compare program outputs to external measures - like known solutions and example run cases.  These tests can be long-running, and need interpretation to understand what's going on.  Such tests are often better suited for regression testing - which can be set up to run on dedicated servers on a nightly or weekly schedule.</a:t>
+              <a:t>Let's think about this problem as "selecting the right tests."  Taking a step back, there are two 'levels' of tests (regression testing and CI-type tests), and there are multiple 'granularities' of tests (from unit to integration).  Computer scientists tend to gravitate towards tests that run quickly and check data structures, types, definitions, syntax, and error reporting.  These quick tests are great for a continuous integration suite.  Domain scientists tend to think of ways to compare program outputs to external measures - like known solutions and example run cases.  These tests can be long-running, and need interpretation to understand what's going on.  Such tests are often better suited for scheduled testing - which can be set up to run on dedicated servers on a nightly or weekly schedule.</a:t>
             </a:r>
           </a:p>
           <a:p>
@@ -1685,6 +1685,89 @@
                 <a:cs typeface="+mn-cs"/>
               </a:rPr>
               <a:t> input correctly.  As the package gets more complex, it's non-trivial to devise good tests.  Nevertheless, good tests are extremely important.</a:t>
+            </a:r>
+          </a:p>
+          <a:p>
+            <a:pPr marL="0" marR="0" lvl="0" indent="0" algn="l" defTabSz="914400" rtl="0" eaLnBrk="1" fontAlgn="auto" latinLnBrk="0" hangingPunct="1">
+              <a:lnSpc>
+                <a:spcPct val="100000"/>
+              </a:lnSpc>
+              <a:spcBef>
+                <a:spcPts val="0"/>
+              </a:spcBef>
+              <a:spcAft>
+                <a:spcPts val="0"/>
+              </a:spcAft>
+              <a:buClrTx/>
+              <a:buSzTx/>
+              <a:buFontTx/>
+              <a:buNone/>
+              <a:tabLst/>
+              <a:defRPr/>
+            </a:pPr>
+            <a:endParaRPr lang="en-US" sz="1200" kern="1200" dirty="0">
+              <a:solidFill>
+                <a:schemeClr val="tx1"/>
+              </a:solidFill>
+              <a:effectLst/>
+              <a:latin typeface="+mn-lt"/>
+              <a:ea typeface="+mn-ea"/>
+              <a:cs typeface="+mn-cs"/>
+            </a:endParaRPr>
+          </a:p>
+          <a:p>
+            <a:pPr marL="0" marR="0" lvl="0" indent="0" algn="l" defTabSz="914400" rtl="0" eaLnBrk="1" fontAlgn="auto" latinLnBrk="0" hangingPunct="1">
+              <a:lnSpc>
+                <a:spcPct val="100000"/>
+              </a:lnSpc>
+              <a:spcBef>
+                <a:spcPts val="0"/>
+              </a:spcBef>
+              <a:spcAft>
+                <a:spcPts val="0"/>
+              </a:spcAft>
+              <a:buClrTx/>
+              <a:buSzTx/>
+              <a:buFontTx/>
+              <a:buNone/>
+              <a:tabLst/>
+              <a:defRPr/>
+            </a:pPr>
+            <a:r>
+              <a:rPr lang="en-US" sz="1200" kern="1200" dirty="0">
+                <a:solidFill>
+                  <a:schemeClr val="tx1"/>
+                </a:solidFill>
+                <a:effectLst/>
+                <a:latin typeface="+mn-lt"/>
+                <a:ea typeface="+mn-ea"/>
+                <a:cs typeface="+mn-cs"/>
+              </a:rPr>
+              <a:t>Proper testing procedures can also help encourage new contributors.  Only recently, I had this experience contributing a feature to the "</a:t>
+            </a:r>
+            <a:r>
+              <a:rPr lang="en-US" sz="1200" kern="1200" dirty="0" err="1">
+                <a:solidFill>
+                  <a:schemeClr val="tx1"/>
+                </a:solidFill>
+                <a:effectLst/>
+                <a:latin typeface="+mn-lt"/>
+                <a:ea typeface="+mn-ea"/>
+                <a:cs typeface="+mn-cs"/>
+              </a:rPr>
+              <a:t>alpaka</a:t>
+            </a:r>
+            <a:r>
+              <a:rPr lang="en-US" sz="1200" kern="1200" dirty="0">
+                <a:solidFill>
+                  <a:schemeClr val="tx1"/>
+                </a:solidFill>
+                <a:effectLst/>
+                <a:latin typeface="+mn-lt"/>
+                <a:ea typeface="+mn-ea"/>
+                <a:cs typeface="+mn-cs"/>
+              </a:rPr>
+              <a:t>" code.  The first thing I did was check that the team wanted the feature.  Then I ran their test suite locally.  Everything worked, and then I could build my feature one line at a time – testing everything.  When I finally pushed it to the main repository, I was sure it was something the team onboard with, and that could be easily shown to work well.</a:t>
             </a:r>
           </a:p>
         </p:txBody>
@@ -6066,7 +6149,7 @@
             </a:pPr>
             <a:r>
               <a:rPr lang="en-US" sz="2000" dirty="0"/>
-              <a:t>Better Scientific Software tutorial, ISC, June 2021</a:t>
+              <a:t>Software Productivity Track, ATPESC 2021</a:t>
             </a:r>
           </a:p>
           <a:p>
@@ -6230,7 +6313,7 @@
           <a:noFill/>
           <a:extLst>
             <a:ext uri="{909E8E84-426E-40dd-AFC4-6F175D3DCCD1}">
-              <a14:hiddenFill xmlns:a14="http://schemas.microsoft.com/office/drawing/2010/main" xmlns="">
+              <a14:hiddenFill xmlns="" xmlns:a14="http://schemas.microsoft.com/office/drawing/2010/main">
                 <a:solidFill>
                   <a:srgbClr val="FFFFFF"/>
                 </a:solidFill>
@@ -8939,7 +9022,7 @@
             <a:pPr lvl="1"/>
             <a:r>
               <a:rPr lang="en-US" dirty="0"/>
-              <a:t>Regression testing </a:t>
+              <a:t>Nightly / scheduled testing </a:t>
             </a:r>
           </a:p>
           <a:p>
@@ -14235,15 +14318,6 @@
 </file>
 
 <file path=customXml/item1.xml><?xml version="1.0" encoding="utf-8"?>
-<?mso-contentType ?>
-<FormTemplates xmlns="http://schemas.microsoft.com/sharepoint/v3/contenttype/forms">
-  <Display>DocumentLibraryForm</Display>
-  <Edit>DocumentLibraryForm</Edit>
-  <New>DocumentLibraryForm</New>
-</FormTemplates>
-</file>
-
-<file path=customXml/item2.xml><?xml version="1.0" encoding="utf-8"?>
 <ct:contentTypeSchema xmlns:ct="http://schemas.microsoft.com/office/2006/metadata/contentType" xmlns:ma="http://schemas.microsoft.com/office/2006/metadata/properties/metaAttributes" ct:_="" ma:_="" ma:contentTypeName="Document" ma:contentTypeID="0x010100565464437F680748A68B85EB6594EA7D" ma:contentTypeVersion="0" ma:contentTypeDescription="Create a new document." ma:contentTypeScope="" ma:versionID="fe3f4dd58d5914c51cfc6deaa8ad845c">
   <xsd:schema xmlns:xsd="http://www.w3.org/2001/XMLSchema" xmlns:p="http://schemas.microsoft.com/office/2006/metadata/properties" targetNamespace="http://schemas.microsoft.com/office/2006/metadata/properties" ma:root="true" ma:fieldsID="4aeb20c0e3442673af7ee10786458764">
     <xsd:element name="properties">
@@ -14292,6 +14366,15 @@
 </ct:contentTypeSchema>
 </file>
 
+<file path=customXml/item2.xml><?xml version="1.0" encoding="utf-8"?>
+<?mso-contentType ?>
+<FormTemplates xmlns="http://schemas.microsoft.com/sharepoint/v3/contenttype/forms">
+  <Display>DocumentLibraryForm</Display>
+  <Edit>DocumentLibraryForm</Edit>
+  <New>DocumentLibraryForm</New>
+</FormTemplates>
+</file>
+
 <file path=customXml/item3.xml><?xml version="1.0" encoding="utf-8"?>
 <p:properties xmlns:p="http://schemas.microsoft.com/office/2006/metadata/properties" xmlns:xsi="http://www.w3.org/2001/XMLSchema-instance" xmlns:pc="http://schemas.microsoft.com/office/infopath/2007/PartnerControls">
   <documentManagement/>
@@ -14299,14 +14382,6 @@
 </file>
 
 <file path=customXml/itemProps1.xml><?xml version="1.0" encoding="utf-8"?>
-<ds:datastoreItem xmlns:ds="http://schemas.openxmlformats.org/officeDocument/2006/customXml" ds:itemID="{19E20559-B232-4371-8690-E3D8007EDB82}">
-  <ds:schemaRefs>
-    <ds:schemaRef ds:uri="http://schemas.microsoft.com/sharepoint/v3/contenttype/forms"/>
-  </ds:schemaRefs>
-</ds:datastoreItem>
-</file>
-
-<file path=customXml/itemProps2.xml><?xml version="1.0" encoding="utf-8"?>
 <ds:datastoreItem xmlns:ds="http://schemas.openxmlformats.org/officeDocument/2006/customXml" ds:itemID="{E8DB7DEB-074E-4EE8-9B6E-FD277323109C}">
   <ds:schemaRefs>
     <ds:schemaRef ds:uri="http://schemas.microsoft.com/office/2006/metadata/contentType"/>
@@ -14317,6 +14392,14 @@
     <ds:schemaRef ds:uri="http://purl.org/dc/elements/1.1/"/>
     <ds:schemaRef ds:uri="http://purl.org/dc/terms/"/>
     <ds:schemaRef ds:uri="http://schemas.microsoft.com/office/internal/2005/internalDocumentation"/>
+  </ds:schemaRefs>
+</ds:datastoreItem>
+</file>
+
+<file path=customXml/itemProps2.xml><?xml version="1.0" encoding="utf-8"?>
+<ds:datastoreItem xmlns:ds="http://schemas.openxmlformats.org/officeDocument/2006/customXml" ds:itemID="{19E20559-B232-4371-8690-E3D8007EDB82}">
+  <ds:schemaRefs>
+    <ds:schemaRef ds:uri="http://schemas.microsoft.com/sharepoint/v3/contenttype/forms"/>
   </ds:schemaRefs>
 </ds:datastoreItem>
 </file>

--- a/testing-advanced.pptx
+++ b/testing-advanced.pptx
@@ -12,7 +12,7 @@
   </p:handoutMasterIdLst>
   <p:sldIdLst>
     <p:sldId id="631" r:id="rId5"/>
-    <p:sldId id="632" r:id="rId6"/>
+    <p:sldId id="320" r:id="rId6"/>
     <p:sldId id="487" r:id="rId7"/>
     <p:sldId id="465" r:id="rId8"/>
     <p:sldId id="579" r:id="rId9"/>
@@ -267,7 +267,7 @@
           <a:p>
             <a:fld id="{0B842F42-2CE9-4E35-95C1-410DC08A50B1}" type="datetimeFigureOut">
               <a:rPr lang="en-US" smtClean="0"/>
-              <a:t>8/6/21</a:t>
+              <a:t>8/10/2021</a:t>
             </a:fld>
             <a:endParaRPr lang="en-US"/>
           </a:p>
@@ -432,7 +432,7 @@
           <a:p>
             <a:fld id="{6F282904-F315-4730-8D91-37D99E141A6F}" type="datetimeFigureOut">
               <a:rPr lang="en-US" smtClean="0"/>
-              <a:t>8/6/21</a:t>
+              <a:t>8/10/2021</a:t>
             </a:fld>
             <a:endParaRPr lang="en-US"/>
           </a:p>
@@ -6139,17 +6139,13 @@
           </a:p>
           <a:p>
             <a:pPr>
-              <a:lnSpc>
-                <a:spcPct val="100000"/>
-              </a:lnSpc>
               <a:spcBef>
                 <a:spcPts val="2800"/>
               </a:spcBef>
-              <a:buSzPts val="2000"/>
             </a:pPr>
             <a:r>
               <a:rPr lang="en-US" sz="2000" dirty="0"/>
-              <a:t>Software Productivity Track, ATPESC 2021</a:t>
+              <a:t>Software Productivity and Sustainability track, ATPESC 2021</a:t>
             </a:r>
           </a:p>
           <a:p>
@@ -6313,7 +6309,7 @@
           <a:noFill/>
           <a:extLst>
             <a:ext uri="{909E8E84-426E-40dd-AFC4-6F175D3DCCD1}">
-              <a14:hiddenFill xmlns="" xmlns:a14="http://schemas.microsoft.com/office/drawing/2010/main">
+              <a14:hiddenFill xmlns:a14="http://schemas.microsoft.com/office/drawing/2010/main" xmlns="">
                 <a:solidFill>
                   <a:srgbClr val="FFFFFF"/>
                 </a:solidFill>
@@ -8753,13 +8749,13 @@
             </a:pPr>
             <a:r>
               <a:rPr lang="en-US" sz="1600" b="1" dirty="0"/>
-              <a:t>The requested citation the overall tutorial is: David E. Bernholdt, Anshu Dubey, Patricia A. Grubel, Rinku K. Gupta, and David M. Rogers, Better Scientific Software tutorial, in ISC High Performance, online, 2021. DOI: </a:t>
+              <a:t>The requested citation the overall tutorial is: David E. Bernholdt, Anshu Dubey, Rinku K. Gupta, and David M. Rogers, Software Productivity and Sustainability track, in Argonne Training Program on Extreme-Scale Computing (ATPESC), online, 2021. DOI: </a:t>
             </a:r>
             <a:r>
               <a:rPr lang="en-US" sz="1600" b="1" dirty="0">
                 <a:hlinkClick r:id="rId4"/>
               </a:rPr>
-              <a:t>10.6084/m9.figshare.14642520</a:t>
+              <a:t>10.6084/m9.figshare.15130590</a:t>
             </a:r>
             <a:endParaRPr lang="en-US" sz="1600" b="1" dirty="0"/>
           </a:p>
@@ -8801,12 +8797,8 @@
               </a:spcBef>
             </a:pPr>
             <a:r>
-              <a:rPr lang="en-US" sz="1400"/>
-              <a:t>This </a:t>
-            </a:r>
-            <a:r>
               <a:rPr lang="en-US" sz="1400" dirty="0"/>
-              <a:t>work was supported by the U.S. Department of Energy Office of Science, Office of Advanced Scientific Computing Research (ASCR), and by the </a:t>
+              <a:t>This work was supported by the U.S. Department of Energy Office of Science, Office of Advanced Scientific Computing Research (ASCR), and by the </a:t>
             </a:r>
             <a:r>
               <a:rPr lang="en-US" sz="1400" dirty="0" err="1"/>
@@ -8937,7 +8929,7 @@
     </p:spTree>
     <p:extLst>
       <p:ext uri="{BB962C8B-B14F-4D97-AF65-F5344CB8AC3E}">
-        <p14:creationId xmlns:p14="http://schemas.microsoft.com/office/powerpoint/2010/main" val="2031572981"/>
+        <p14:creationId xmlns:p14="http://schemas.microsoft.com/office/powerpoint/2010/main" val="978726433"/>
       </p:ext>
     </p:extLst>
   </p:cSld>
@@ -14318,6 +14310,21 @@
 </file>
 
 <file path=customXml/item1.xml><?xml version="1.0" encoding="utf-8"?>
+<p:properties xmlns:p="http://schemas.microsoft.com/office/2006/metadata/properties" xmlns:xsi="http://www.w3.org/2001/XMLSchema-instance" xmlns:pc="http://schemas.microsoft.com/office/infopath/2007/PartnerControls">
+  <documentManagement/>
+</p:properties>
+</file>
+
+<file path=customXml/item2.xml><?xml version="1.0" encoding="utf-8"?>
+<?mso-contentType ?>
+<FormTemplates xmlns="http://schemas.microsoft.com/sharepoint/v3/contenttype/forms">
+  <Display>DocumentLibraryForm</Display>
+  <Edit>DocumentLibraryForm</Edit>
+  <New>DocumentLibraryForm</New>
+</FormTemplates>
+</file>
+
+<file path=customXml/item3.xml><?xml version="1.0" encoding="utf-8"?>
 <ct:contentTypeSchema xmlns:ct="http://schemas.microsoft.com/office/2006/metadata/contentType" xmlns:ma="http://schemas.microsoft.com/office/2006/metadata/properties/metaAttributes" ct:_="" ma:_="" ma:contentTypeName="Document" ma:contentTypeID="0x010100565464437F680748A68B85EB6594EA7D" ma:contentTypeVersion="0" ma:contentTypeDescription="Create a new document." ma:contentTypeScope="" ma:versionID="fe3f4dd58d5914c51cfc6deaa8ad845c">
   <xsd:schema xmlns:xsd="http://www.w3.org/2001/XMLSchema" xmlns:p="http://schemas.microsoft.com/office/2006/metadata/properties" targetNamespace="http://schemas.microsoft.com/office/2006/metadata/properties" ma:root="true" ma:fieldsID="4aeb20c0e3442673af7ee10786458764">
     <xsd:element name="properties">
@@ -14366,32 +14373,17 @@
 </ct:contentTypeSchema>
 </file>
 
-<file path=customXml/item2.xml><?xml version="1.0" encoding="utf-8"?>
-<?mso-contentType ?>
-<FormTemplates xmlns="http://schemas.microsoft.com/sharepoint/v3/contenttype/forms">
-  <Display>DocumentLibraryForm</Display>
-  <Edit>DocumentLibraryForm</Edit>
-  <New>DocumentLibraryForm</New>
-</FormTemplates>
-</file>
-
-<file path=customXml/item3.xml><?xml version="1.0" encoding="utf-8"?>
-<p:properties xmlns:p="http://schemas.microsoft.com/office/2006/metadata/properties" xmlns:xsi="http://www.w3.org/2001/XMLSchema-instance" xmlns:pc="http://schemas.microsoft.com/office/infopath/2007/PartnerControls">
-  <documentManagement/>
-</p:properties>
-</file>
-
 <file path=customXml/itemProps1.xml><?xml version="1.0" encoding="utf-8"?>
-<ds:datastoreItem xmlns:ds="http://schemas.openxmlformats.org/officeDocument/2006/customXml" ds:itemID="{E8DB7DEB-074E-4EE8-9B6E-FD277323109C}">
+<ds:datastoreItem xmlns:ds="http://schemas.openxmlformats.org/officeDocument/2006/customXml" ds:itemID="{A50EC660-24D0-43A0-AE5E-E274115E726B}">
   <ds:schemaRefs>
-    <ds:schemaRef ds:uri="http://schemas.microsoft.com/office/2006/metadata/contentType"/>
-    <ds:schemaRef ds:uri="http://schemas.microsoft.com/office/2006/metadata/properties/metaAttributes"/>
-    <ds:schemaRef ds:uri="http://www.w3.org/2001/XMLSchema"/>
+    <ds:schemaRef ds:uri="http://purl.org/dc/elements/1.1/"/>
     <ds:schemaRef ds:uri="http://schemas.microsoft.com/office/2006/metadata/properties"/>
+    <ds:schemaRef ds:uri="http://purl.org/dc/terms/"/>
     <ds:schemaRef ds:uri="http://schemas.openxmlformats.org/package/2006/metadata/core-properties"/>
-    <ds:schemaRef ds:uri="http://purl.org/dc/elements/1.1/"/>
-    <ds:schemaRef ds:uri="http://purl.org/dc/terms/"/>
-    <ds:schemaRef ds:uri="http://schemas.microsoft.com/office/internal/2005/internalDocumentation"/>
+    <ds:schemaRef ds:uri="http://schemas.microsoft.com/office/2006/documentManagement/types"/>
+    <ds:schemaRef ds:uri="http://www.w3.org/XML/1998/namespace"/>
+    <ds:schemaRef ds:uri="http://purl.org/dc/dcmitype/"/>
+    <ds:schemaRef ds:uri="http://schemas.microsoft.com/office/infopath/2007/PartnerControls"/>
   </ds:schemaRefs>
 </ds:datastoreItem>
 </file>
@@ -14405,16 +14397,16 @@
 </file>
 
 <file path=customXml/itemProps3.xml><?xml version="1.0" encoding="utf-8"?>
-<ds:datastoreItem xmlns:ds="http://schemas.openxmlformats.org/officeDocument/2006/customXml" ds:itemID="{A50EC660-24D0-43A0-AE5E-E274115E726B}">
+<ds:datastoreItem xmlns:ds="http://schemas.openxmlformats.org/officeDocument/2006/customXml" ds:itemID="{E8DB7DEB-074E-4EE8-9B6E-FD277323109C}">
   <ds:schemaRefs>
+    <ds:schemaRef ds:uri="http://schemas.microsoft.com/office/2006/metadata/contentType"/>
+    <ds:schemaRef ds:uri="http://schemas.microsoft.com/office/2006/metadata/properties/metaAttributes"/>
+    <ds:schemaRef ds:uri="http://www.w3.org/2001/XMLSchema"/>
+    <ds:schemaRef ds:uri="http://schemas.microsoft.com/office/2006/metadata/properties"/>
+    <ds:schemaRef ds:uri="http://schemas.openxmlformats.org/package/2006/metadata/core-properties"/>
     <ds:schemaRef ds:uri="http://purl.org/dc/elements/1.1/"/>
-    <ds:schemaRef ds:uri="http://schemas.microsoft.com/office/2006/metadata/properties"/>
     <ds:schemaRef ds:uri="http://purl.org/dc/terms/"/>
-    <ds:schemaRef ds:uri="http://schemas.openxmlformats.org/package/2006/metadata/core-properties"/>
-    <ds:schemaRef ds:uri="http://schemas.microsoft.com/office/2006/documentManagement/types"/>
-    <ds:schemaRef ds:uri="http://www.w3.org/XML/1998/namespace"/>
-    <ds:schemaRef ds:uri="http://purl.org/dc/dcmitype/"/>
-    <ds:schemaRef ds:uri="http://schemas.microsoft.com/office/infopath/2007/PartnerControls"/>
+    <ds:schemaRef ds:uri="http://schemas.microsoft.com/office/internal/2005/internalDocumentation"/>
   </ds:schemaRefs>
 </ds:datastoreItem>
 </file>
--- a/testing-advanced.pptx
+++ b/testing-advanced.pptx
@@ -23,7 +23,7 @@
     <p:sldId id="472" r:id="rId14"/>
     <p:sldId id="486" r:id="rId15"/>
     <p:sldId id="586" r:id="rId16"/>
-    <p:sldId id="571" r:id="rId17"/>
+    <p:sldId id="632" r:id="rId17"/>
   </p:sldIdLst>
   <p:sldSz cx="12188825" cy="6858000"/>
   <p:notesSz cx="7010400" cy="9296400"/>
@@ -1047,142 +1047,6 @@
     <p:extLst>
       <p:ext uri="{BB962C8B-B14F-4D97-AF65-F5344CB8AC3E}">
         <p14:creationId xmlns:p14="http://schemas.microsoft.com/office/powerpoint/2010/main" val="2146058748"/>
-      </p:ext>
-    </p:extLst>
-  </p:cSld>
-  <p:clrMapOvr>
-    <a:masterClrMapping/>
-  </p:clrMapOvr>
-</p:notes>
-</file>
-
-<file path=ppt/notesSlides/notesSlide12.xml><?xml version="1.0" encoding="utf-8"?>
-<p:notes xmlns:a="http://schemas.openxmlformats.org/drawingml/2006/main" xmlns:r="http://schemas.openxmlformats.org/officeDocument/2006/relationships" xmlns:p="http://schemas.openxmlformats.org/presentationml/2006/main">
-  <p:cSld>
-    <p:spTree>
-      <p:nvGrpSpPr>
-        <p:cNvPr id="1" name=""/>
-        <p:cNvGrpSpPr/>
-        <p:nvPr/>
-      </p:nvGrpSpPr>
-      <p:grpSpPr>
-        <a:xfrm>
-          <a:off x="0" y="0"/>
-          <a:ext cx="0" cy="0"/>
-          <a:chOff x="0" y="0"/>
-          <a:chExt cx="0" cy="0"/>
-        </a:xfrm>
-      </p:grpSpPr>
-      <p:sp>
-        <p:nvSpPr>
-          <p:cNvPr id="2" name="Slide Image Placeholder 1"/>
-          <p:cNvSpPr>
-            <a:spLocks noGrp="1" noRot="1" noChangeAspect="1"/>
-          </p:cNvSpPr>
-          <p:nvPr>
-            <p:ph type="sldImg"/>
-          </p:nvPr>
-        </p:nvSpPr>
-        <p:spPr/>
-      </p:sp>
-      <p:sp>
-        <p:nvSpPr>
-          <p:cNvPr id="3" name="Notes Placeholder 2"/>
-          <p:cNvSpPr>
-            <a:spLocks noGrp="1"/>
-          </p:cNvSpPr>
-          <p:nvPr>
-            <p:ph type="body" idx="1"/>
-          </p:nvPr>
-        </p:nvSpPr>
-        <p:spPr/>
-        <p:txBody>
-          <a:bodyPr/>
-          <a:lstStyle/>
-          <a:p>
-            <a:pPr marL="0" marR="0" lvl="0" indent="0" algn="l" defTabSz="914400" rtl="0" eaLnBrk="1" fontAlgn="auto" latinLnBrk="0" hangingPunct="1">
-              <a:lnSpc>
-                <a:spcPct val="100000"/>
-              </a:lnSpc>
-              <a:spcBef>
-                <a:spcPts val="0"/>
-              </a:spcBef>
-              <a:spcAft>
-                <a:spcPts val="0"/>
-              </a:spcAft>
-              <a:buClrTx/>
-              <a:buSzTx/>
-              <a:buFontTx/>
-              <a:buNone/>
-              <a:tabLst/>
-              <a:defRPr/>
-            </a:pPr>
-            <a:r>
-              <a:rPr lang="en-US" sz="1200" kern="1200" dirty="0">
-                <a:solidFill>
-                  <a:schemeClr val="tx1"/>
-                </a:solidFill>
-                <a:effectLst/>
-                <a:latin typeface="+mn-lt"/>
-                <a:ea typeface="+mn-ea"/>
-                <a:cs typeface="+mn-cs"/>
-              </a:rPr>
-              <a:t>So here are the key takeaways from this talk.  Testing requires a thoughtful plan that works in the context of your project.  You should pick tests for their ability to quickly pinpoint the source of potential errors.  This includes both unit-level and integration tests.  It also includes tests that run as quick correctness checks and longer-</a:t>
-            </a:r>
-            <a:r>
-              <a:rPr lang="en-US" sz="1200" kern="1200" dirty="0" err="1">
-                <a:solidFill>
-                  <a:schemeClr val="tx1"/>
-                </a:solidFill>
-                <a:effectLst/>
-                <a:latin typeface="+mn-lt"/>
-                <a:ea typeface="+mn-ea"/>
-                <a:cs typeface="+mn-cs"/>
-              </a:rPr>
-              <a:t>runnning</a:t>
-            </a:r>
-            <a:r>
-              <a:rPr lang="en-US" sz="1200" kern="1200" dirty="0">
-                <a:solidFill>
-                  <a:schemeClr val="tx1"/>
-                </a:solidFill>
-                <a:effectLst/>
-                <a:latin typeface="+mn-lt"/>
-                <a:ea typeface="+mn-ea"/>
-                <a:cs typeface="+mn-cs"/>
-              </a:rPr>
-              <a:t> regression testing.  Finally, testing is part of a holistic validation strategy.  As you iterate on the science problem, the importance of features changes, and the implementations can move a lot.  Time and effort spent testing should move your project forward by providing stability where it's most critical.</a:t>
-            </a:r>
-          </a:p>
-        </p:txBody>
-      </p:sp>
-      <p:sp>
-        <p:nvSpPr>
-          <p:cNvPr id="4" name="Slide Number Placeholder 3"/>
-          <p:cNvSpPr>
-            <a:spLocks noGrp="1"/>
-          </p:cNvSpPr>
-          <p:nvPr>
-            <p:ph type="sldNum" sz="quarter" idx="5"/>
-          </p:nvPr>
-        </p:nvSpPr>
-        <p:spPr/>
-        <p:txBody>
-          <a:bodyPr/>
-          <a:lstStyle/>
-          <a:p>
-            <a:fld id="{54E672D7-8E2D-4611-973D-F4591A707C34}" type="slidenum">
-              <a:rPr lang="en-US" smtClean="0"/>
-              <a:t>13</a:t>
-            </a:fld>
-            <a:endParaRPr lang="en-US"/>
-          </a:p>
-        </p:txBody>
-      </p:sp>
-    </p:spTree>
-    <p:extLst>
-      <p:ext uri="{BB962C8B-B14F-4D97-AF65-F5344CB8AC3E}">
-        <p14:creationId xmlns:p14="http://schemas.microsoft.com/office/powerpoint/2010/main" val="2382867484"/>
       </p:ext>
     </p:extLst>
   </p:cSld>
@@ -4997,264 +4861,6 @@
 </p:sldLayout>
 </file>
 
-<file path=ppt/slideLayouts/slideLayout8.xml><?xml version="1.0" encoding="utf-8"?>
-<p:sldLayout xmlns:a="http://schemas.openxmlformats.org/drawingml/2006/main" xmlns:r="http://schemas.openxmlformats.org/officeDocument/2006/relationships" xmlns:p="http://schemas.openxmlformats.org/presentationml/2006/main" showMasterSp="0" userDrawn="1">
-  <p:cSld name="1_*Section Break">
-    <p:spTree>
-      <p:nvGrpSpPr>
-        <p:cNvPr id="1" name=""/>
-        <p:cNvGrpSpPr/>
-        <p:nvPr/>
-      </p:nvGrpSpPr>
-      <p:grpSpPr>
-        <a:xfrm>
-          <a:off x="0" y="0"/>
-          <a:ext cx="0" cy="0"/>
-          <a:chOff x="0" y="0"/>
-          <a:chExt cx="0" cy="0"/>
-        </a:xfrm>
-      </p:grpSpPr>
-      <p:pic>
-        <p:nvPicPr>
-          <p:cNvPr id="37" name="Picture 36" descr="aerial view of Argonne with APS in front 5730-00068.jpg"/>
-          <p:cNvPicPr>
-            <a:picLocks noChangeAspect="1"/>
-          </p:cNvPicPr>
-          <p:nvPr userDrawn="1"/>
-        </p:nvPicPr>
-        <p:blipFill rotWithShape="1">
-          <a:blip r:embed="rId2" cstate="email">
-            <a:extLst>
-              <a:ext uri="{28A0092B-C50C-407E-A947-70E740481C1C}">
-                <a14:useLocalDpi xmlns:a14="http://schemas.microsoft.com/office/drawing/2010/main" val="0"/>
-              </a:ext>
-            </a:extLst>
-          </a:blip>
-          <a:srcRect t="10682" b="7135"/>
-          <a:stretch/>
-        </p:blipFill>
-        <p:spPr>
-          <a:xfrm>
-            <a:off x="0" y="1"/>
-            <a:ext cx="12188825" cy="5984917"/>
-          </a:xfrm>
-          <a:prstGeom prst="rect">
-            <a:avLst/>
-          </a:prstGeom>
-        </p:spPr>
-      </p:pic>
-      <p:sp>
-        <p:nvSpPr>
-          <p:cNvPr id="3" name="Text Placeholder 2"/>
-          <p:cNvSpPr>
-            <a:spLocks noGrp="1"/>
-          </p:cNvSpPr>
-          <p:nvPr>
-            <p:ph type="body" sz="quarter" idx="10" hasCustomPrompt="1"/>
-          </p:nvPr>
-        </p:nvSpPr>
-        <p:spPr>
-          <a:xfrm>
-            <a:off x="2" y="-14246"/>
-            <a:ext cx="12188824" cy="5999163"/>
-          </a:xfrm>
-          <a:solidFill>
-            <a:schemeClr val="tx2">
-              <a:alpha val="90000"/>
-            </a:schemeClr>
-          </a:solidFill>
-        </p:spPr>
-        <p:txBody>
-          <a:bodyPr lIns="457200" tIns="0" bIns="457200" anchor="ctr"/>
-          <a:lstStyle>
-            <a:lvl1pPr marL="0" indent="0">
-              <a:buNone/>
-              <a:defRPr sz="2800" b="1" cap="all" baseline="0">
-                <a:solidFill>
-                  <a:schemeClr val="bg1"/>
-                </a:solidFill>
-              </a:defRPr>
-            </a:lvl1pPr>
-          </a:lstStyle>
-          <a:p>
-            <a:pPr lvl="0"/>
-            <a:r>
-              <a:rPr lang="en-US" dirty="0"/>
-              <a:t>Type in SECTION BREAK TITLE</a:t>
-            </a:r>
-          </a:p>
-        </p:txBody>
-      </p:sp>
-      <p:pic>
-        <p:nvPicPr>
-          <p:cNvPr id="5" name="Picture 4">
-            <a:extLst>
-              <a:ext uri="{FF2B5EF4-FFF2-40B4-BE49-F238E27FC236}">
-                <a16:creationId xmlns:a16="http://schemas.microsoft.com/office/drawing/2014/main" id="{C69AFFCA-476B-3D43-BA2A-8057D08F7956}"/>
-              </a:ext>
-            </a:extLst>
-          </p:cNvPr>
-          <p:cNvPicPr>
-            <a:picLocks noChangeAspect="1"/>
-          </p:cNvPicPr>
-          <p:nvPr userDrawn="1"/>
-        </p:nvPicPr>
-        <p:blipFill>
-          <a:blip r:embed="rId3" cstate="print">
-            <a:extLst>
-              <a:ext uri="{28A0092B-C50C-407E-A947-70E740481C1C}">
-                <a14:useLocalDpi xmlns:a14="http://schemas.microsoft.com/office/drawing/2010/main" val="0"/>
-              </a:ext>
-            </a:extLst>
-          </a:blip>
-          <a:stretch>
-            <a:fillRect/>
-          </a:stretch>
-        </p:blipFill>
-        <p:spPr>
-          <a:xfrm>
-            <a:off x="9741160" y="6183517"/>
-            <a:ext cx="1971212" cy="533060"/>
-          </a:xfrm>
-          <a:prstGeom prst="rect">
-            <a:avLst/>
-          </a:prstGeom>
-        </p:spPr>
-      </p:pic>
-      <p:sp>
-        <p:nvSpPr>
-          <p:cNvPr id="8" name="Rectangle 6">
-            <a:extLst>
-              <a:ext uri="{FF2B5EF4-FFF2-40B4-BE49-F238E27FC236}">
-                <a16:creationId xmlns:a16="http://schemas.microsoft.com/office/drawing/2014/main" id="{242ABDB4-62F0-7B4B-8A6A-8FD308A96B7A}"/>
-              </a:ext>
-            </a:extLst>
-          </p:cNvPr>
-          <p:cNvSpPr>
-            <a:spLocks noChangeArrowheads="1"/>
-          </p:cNvSpPr>
-          <p:nvPr userDrawn="1"/>
-        </p:nvSpPr>
-        <p:spPr bwMode="auto">
-          <a:xfrm flipH="1">
-            <a:off x="163374" y="6513051"/>
-            <a:ext cx="515635" cy="146511"/>
-          </a:xfrm>
-          <a:prstGeom prst="rect">
-            <a:avLst/>
-          </a:prstGeom>
-          <a:noFill/>
-          <a:ln w="9525">
-            <a:noFill/>
-            <a:miter lim="800000"/>
-            <a:headEnd/>
-            <a:tailEnd/>
-          </a:ln>
-          <a:effectLst/>
-        </p:spPr>
-        <p:txBody>
-          <a:bodyPr lIns="0" tIns="0" rIns="0" bIns="0"/>
-          <a:lstStyle/>
-          <a:p>
-            <a:pPr algn="l" defTabSz="173038">
-              <a:lnSpc>
-                <a:spcPct val="90000"/>
-              </a:lnSpc>
-              <a:tabLst>
-                <a:tab pos="230188" algn="l"/>
-              </a:tabLst>
-              <a:defRPr/>
-            </a:pPr>
-            <a:fld id="{040BB257-551A-4736-B50F-DCF1BA034C06}" type="slidenum">
-              <a:rPr lang="en-US" sz="1000" smtClean="0">
-                <a:solidFill>
-                  <a:schemeClr val="tx1"/>
-                </a:solidFill>
-                <a:latin typeface="Arial" pitchFamily="34" charset="0"/>
-                <a:cs typeface="Arial" pitchFamily="34" charset="0"/>
-              </a:rPr>
-              <a:pPr algn="l" defTabSz="173038">
-                <a:lnSpc>
-                  <a:spcPct val="90000"/>
-                </a:lnSpc>
-                <a:tabLst>
-                  <a:tab pos="230188" algn="l"/>
-                </a:tabLst>
-                <a:defRPr/>
-              </a:pPr>
-              <a:t>‹#›</a:t>
-            </a:fld>
-            <a:endParaRPr lang="en-US" sz="1000" dirty="0">
-              <a:solidFill>
-                <a:schemeClr val="tx1"/>
-              </a:solidFill>
-              <a:latin typeface="Arial" pitchFamily="34" charset="0"/>
-              <a:cs typeface="Arial" pitchFamily="34" charset="0"/>
-            </a:endParaRPr>
-          </a:p>
-        </p:txBody>
-      </p:sp>
-      <p:pic>
-        <p:nvPicPr>
-          <p:cNvPr id="10" name="Picture 9" descr="IDEAS_logo.png">
-            <a:extLst>
-              <a:ext uri="{FF2B5EF4-FFF2-40B4-BE49-F238E27FC236}">
-                <a16:creationId xmlns:a16="http://schemas.microsoft.com/office/drawing/2014/main" id="{C42140C9-81A5-2246-A51B-3AFFB45AAB95}"/>
-              </a:ext>
-            </a:extLst>
-          </p:cNvPr>
-          <p:cNvPicPr>
-            <a:picLocks noChangeAspect="1"/>
-          </p:cNvPicPr>
-          <p:nvPr userDrawn="1"/>
-        </p:nvPicPr>
-        <p:blipFill>
-          <a:blip r:embed="rId4" cstate="print">
-            <a:extLst>
-              <a:ext uri="{28A0092B-C50C-407E-A947-70E740481C1C}">
-                <a14:useLocalDpi xmlns:a14="http://schemas.microsoft.com/office/drawing/2010/main"/>
-              </a:ext>
-            </a:extLst>
-          </a:blip>
-          <a:stretch>
-            <a:fillRect/>
-          </a:stretch>
-        </p:blipFill>
-        <p:spPr>
-          <a:xfrm>
-            <a:off x="7663530" y="6156960"/>
-            <a:ext cx="1845330" cy="640080"/>
-          </a:xfrm>
-          <a:prstGeom prst="rect">
-            <a:avLst/>
-          </a:prstGeom>
-        </p:spPr>
-      </p:pic>
-    </p:spTree>
-    <p:extLst>
-      <p:ext uri="{BB962C8B-B14F-4D97-AF65-F5344CB8AC3E}">
-        <p14:creationId xmlns:p14="http://schemas.microsoft.com/office/powerpoint/2010/main" val="2053463651"/>
-      </p:ext>
-    </p:extLst>
-  </p:cSld>
-  <p:clrMapOvr>
-    <a:masterClrMapping/>
-  </p:clrMapOvr>
-  <mc:AlternateContent xmlns:mc="http://schemas.openxmlformats.org/markup-compatibility/2006" xmlns:p14="http://schemas.microsoft.com/office/powerpoint/2010/main">
-    <mc:Choice Requires="p14">
-      <p:transition p14:dur="250">
-        <p:fade/>
-      </p:transition>
-    </mc:Choice>
-    <mc:Fallback xmlns="">
-      <p:transition>
-        <p:fade/>
-      </p:transition>
-    </mc:Fallback>
-  </mc:AlternateContent>
-</p:sldLayout>
-</file>
-
 <file path=ppt/slideMasters/slideMaster1.xml><?xml version="1.0" encoding="utf-8"?>
 <p:sldMaster xmlns:a="http://schemas.openxmlformats.org/drawingml/2006/main" xmlns:r="http://schemas.openxmlformats.org/officeDocument/2006/relationships" xmlns:p="http://schemas.openxmlformats.org/presentationml/2006/main" preserve="1">
   <p:cSld>
@@ -5405,7 +5011,7 @@
           <p:nvPr userDrawn="1"/>
         </p:nvPicPr>
         <p:blipFill>
-          <a:blip r:embed="rId10" cstate="print">
+          <a:blip r:embed="rId9" cstate="print">
             <a:extLst>
               <a:ext uri="{28A0092B-C50C-407E-A947-70E740481C1C}">
                 <a14:useLocalDpi xmlns:a14="http://schemas.microsoft.com/office/drawing/2010/main" val="0"/>
@@ -5544,7 +5150,7 @@
           <p:nvPr userDrawn="1"/>
         </p:nvPicPr>
         <p:blipFill>
-          <a:blip r:embed="rId11">
+          <a:blip r:embed="rId10">
             <a:extLst>
               <a:ext uri="{28A0092B-C50C-407E-A947-70E740481C1C}">
                 <a14:useLocalDpi xmlns:a14="http://schemas.microsoft.com/office/drawing/2010/main" val="0"/>
@@ -5581,7 +5187,6 @@
     <p:sldLayoutId id="2147483950" r:id="rId5"/>
     <p:sldLayoutId id="2147483940" r:id="rId6"/>
     <p:sldLayoutId id="2147483941" r:id="rId7"/>
-    <p:sldLayoutId id="2147483952" r:id="rId8"/>
   </p:sldLayoutIdLst>
   <p:hf hdr="0" ftr="0" dt="0"/>
   <p:txStyles>
@@ -6309,7 +5914,7 @@
           <a:noFill/>
           <a:extLst>
             <a:ext uri="{909E8E84-426E-40dd-AFC4-6F175D3DCCD1}">
-              <a14:hiddenFill xmlns:a14="http://schemas.microsoft.com/office/drawing/2010/main" xmlns="">
+              <a14:hiddenFill xmlns="" xmlns:a14="http://schemas.microsoft.com/office/drawing/2010/main">
                 <a:solidFill>
                   <a:srgbClr val="FFFFFF"/>
                 </a:solidFill>
@@ -8504,100 +8109,96 @@
       </p:grpSpPr>
       <p:sp>
         <p:nvSpPr>
-          <p:cNvPr id="2" name="Text Placeholder 1"/>
+          <p:cNvPr id="3" name="Title 2">
+            <a:extLst>
+              <a:ext uri="{FF2B5EF4-FFF2-40B4-BE49-F238E27FC236}">
+                <a16:creationId xmlns:a16="http://schemas.microsoft.com/office/drawing/2014/main" id="{03903D65-8FB0-400B-839C-D6202AD9B225}"/>
+              </a:ext>
+            </a:extLst>
+          </p:cNvPr>
           <p:cNvSpPr>
             <a:spLocks noGrp="1"/>
           </p:cNvSpPr>
           <p:nvPr>
-            <p:ph type="body" sz="quarter" idx="10"/>
+            <p:ph type="title"/>
           </p:nvPr>
         </p:nvSpPr>
         <p:spPr>
-          <a:solidFill>
-            <a:schemeClr val="tx2">
-              <a:lumMod val="75000"/>
-              <a:alpha val="90000"/>
-            </a:schemeClr>
-          </a:solidFill>
+          <a:xfrm>
+            <a:off x="365760" y="411480"/>
+            <a:ext cx="11372473" cy="914400"/>
+          </a:xfrm>
         </p:spPr>
         <p:txBody>
           <a:bodyPr/>
           <a:lstStyle/>
           <a:p>
-            <a:endParaRPr lang="en-US" dirty="0"/>
-          </a:p>
-          <a:p>
             <a:r>
               <a:rPr lang="en-US" dirty="0"/>
               <a:t>Takeaways</a:t>
             </a:r>
           </a:p>
-          <a:p>
-            <a:pPr marL="457200" indent="-457200">
-              <a:buClr>
-                <a:schemeClr val="bg1"/>
-              </a:buClr>
-              <a:buFont typeface="Arial" panose="020B0604020202020204" pitchFamily="34" charset="0"/>
-              <a:buChar char="•"/>
-            </a:pPr>
+        </p:txBody>
+      </p:sp>
+      <p:sp>
+        <p:nvSpPr>
+          <p:cNvPr id="4" name="Content Placeholder 3">
+            <a:extLst>
+              <a:ext uri="{FF2B5EF4-FFF2-40B4-BE49-F238E27FC236}">
+                <a16:creationId xmlns:a16="http://schemas.microsoft.com/office/drawing/2014/main" id="{06B62A54-66D8-47E6-BEFA-291A99FA5358}"/>
+              </a:ext>
+            </a:extLst>
+          </p:cNvPr>
+          <p:cNvSpPr>
+            <a:spLocks noGrp="1"/>
+          </p:cNvSpPr>
+          <p:nvPr>
+            <p:ph idx="1"/>
+          </p:nvPr>
+        </p:nvSpPr>
+        <p:spPr>
+          <a:xfrm>
+            <a:off x="365760" y="1737360"/>
+            <a:ext cx="11369809" cy="4047778"/>
+          </a:xfrm>
+        </p:spPr>
+        <p:txBody>
+          <a:bodyPr/>
+          <a:lstStyle/>
+          <a:p>
             <a:r>
               <a:rPr lang="en-US" dirty="0"/>
               <a:t>Context: understand testing needs and costs</a:t>
             </a:r>
           </a:p>
           <a:p>
-            <a:pPr marL="457200" indent="-457200">
-              <a:buClr>
-                <a:schemeClr val="bg1"/>
-              </a:buClr>
-              <a:buFont typeface="Arial" panose="020B0604020202020204" pitchFamily="34" charset="0"/>
-              <a:buChar char="•"/>
-            </a:pPr>
             <a:r>
               <a:rPr lang="en-US" dirty="0"/>
               <a:t>Devise tests to enable quick pinpointing of errors through reasoning about their behavior</a:t>
             </a:r>
           </a:p>
           <a:p>
-            <a:pPr marL="457200" indent="-457200">
-              <a:buClr>
-                <a:schemeClr val="bg1"/>
-              </a:buClr>
-              <a:buFont typeface="Arial" panose="020B0604020202020204" pitchFamily="34" charset="0"/>
-              <a:buChar char="•"/>
-            </a:pPr>
             <a:r>
               <a:rPr lang="en-US" dirty="0"/>
               <a:t>test at various granularities – bottom-up (UNIT/verification) through top-down (integration/validation)</a:t>
             </a:r>
           </a:p>
           <a:p>
-            <a:pPr marL="457200" indent="-457200">
-              <a:buClr>
-                <a:schemeClr val="bg1"/>
-              </a:buClr>
-              <a:buFont typeface="Arial" panose="020B0604020202020204" pitchFamily="34" charset="0"/>
-              <a:buChar char="•"/>
-            </a:pPr>
             <a:r>
               <a:rPr lang="en-US" dirty="0"/>
               <a:t>Tests at various complexities – CI vs. regression</a:t>
             </a:r>
           </a:p>
           <a:p>
-            <a:pPr marL="457200" indent="-457200">
-              <a:buClr>
-                <a:schemeClr val="bg1"/>
-              </a:buClr>
-              <a:buFont typeface="Arial" panose="020B0604020202020204" pitchFamily="34" charset="0"/>
-              <a:buChar char="•"/>
-            </a:pPr>
             <a:r>
               <a:rPr lang="en-US" dirty="0"/>
               <a:t>Maintain a holistic validation strategy: think globally, act locally</a:t>
             </a:r>
           </a:p>
           <a:p>
+            <a:pPr marL="0" indent="0">
+              <a:buNone/>
+            </a:pPr>
             <a:r>
               <a:rPr lang="en-US" dirty="0"/>
               <a:t>…….Questions ?</a:t>
@@ -8608,25 +8209,13 @@
     </p:spTree>
     <p:extLst>
       <p:ext uri="{BB962C8B-B14F-4D97-AF65-F5344CB8AC3E}">
-        <p14:creationId xmlns:p14="http://schemas.microsoft.com/office/powerpoint/2010/main" val="275738628"/>
+        <p14:creationId xmlns:p14="http://schemas.microsoft.com/office/powerpoint/2010/main" val="378344546"/>
       </p:ext>
     </p:extLst>
   </p:cSld>
   <p:clrMapOvr>
     <a:masterClrMapping/>
   </p:clrMapOvr>
-  <mc:AlternateContent xmlns:mc="http://schemas.openxmlformats.org/markup-compatibility/2006" xmlns:p14="http://schemas.microsoft.com/office/powerpoint/2010/main">
-    <mc:Choice Requires="p14">
-      <p:transition p14:dur="250">
-        <p:fade/>
-      </p:transition>
-    </mc:Choice>
-    <mc:Fallback xmlns="">
-      <p:transition>
-        <p:fade/>
-      </p:transition>
-    </mc:Fallback>
-  </mc:AlternateContent>
 </p:sld>
 </file>
 
@@ -14310,18 +13899,18 @@
 </file>
 
 <file path=customXml/item1.xml><?xml version="1.0" encoding="utf-8"?>
-<p:properties xmlns:p="http://schemas.microsoft.com/office/2006/metadata/properties" xmlns:xsi="http://www.w3.org/2001/XMLSchema-instance" xmlns:pc="http://schemas.microsoft.com/office/infopath/2007/PartnerControls">
-  <documentManagement/>
-</p:properties>
-</file>
-
-<file path=customXml/item2.xml><?xml version="1.0" encoding="utf-8"?>
 <?mso-contentType ?>
 <FormTemplates xmlns="http://schemas.microsoft.com/sharepoint/v3/contenttype/forms">
   <Display>DocumentLibraryForm</Display>
   <Edit>DocumentLibraryForm</Edit>
   <New>DocumentLibraryForm</New>
 </FormTemplates>
+</file>
+
+<file path=customXml/item2.xml><?xml version="1.0" encoding="utf-8"?>
+<p:properties xmlns:p="http://schemas.microsoft.com/office/2006/metadata/properties" xmlns:xsi="http://www.w3.org/2001/XMLSchema-instance" xmlns:pc="http://schemas.microsoft.com/office/infopath/2007/PartnerControls">
+  <documentManagement/>
+</p:properties>
 </file>
 
 <file path=customXml/item3.xml><?xml version="1.0" encoding="utf-8"?>
@@ -14374,6 +13963,14 @@
 </file>
 
 <file path=customXml/itemProps1.xml><?xml version="1.0" encoding="utf-8"?>
+<ds:datastoreItem xmlns:ds="http://schemas.openxmlformats.org/officeDocument/2006/customXml" ds:itemID="{19E20559-B232-4371-8690-E3D8007EDB82}">
+  <ds:schemaRefs>
+    <ds:schemaRef ds:uri="http://schemas.microsoft.com/sharepoint/v3/contenttype/forms"/>
+  </ds:schemaRefs>
+</ds:datastoreItem>
+</file>
+
+<file path=customXml/itemProps2.xml><?xml version="1.0" encoding="utf-8"?>
 <ds:datastoreItem xmlns:ds="http://schemas.openxmlformats.org/officeDocument/2006/customXml" ds:itemID="{A50EC660-24D0-43A0-AE5E-E274115E726B}">
   <ds:schemaRefs>
     <ds:schemaRef ds:uri="http://purl.org/dc/elements/1.1/"/>
@@ -14384,14 +13981,6 @@
     <ds:schemaRef ds:uri="http://www.w3.org/XML/1998/namespace"/>
     <ds:schemaRef ds:uri="http://purl.org/dc/dcmitype/"/>
     <ds:schemaRef ds:uri="http://schemas.microsoft.com/office/infopath/2007/PartnerControls"/>
-  </ds:schemaRefs>
-</ds:datastoreItem>
-</file>
-
-<file path=customXml/itemProps2.xml><?xml version="1.0" encoding="utf-8"?>
-<ds:datastoreItem xmlns:ds="http://schemas.openxmlformats.org/officeDocument/2006/customXml" ds:itemID="{19E20559-B232-4371-8690-E3D8007EDB82}">
-  <ds:schemaRefs>
-    <ds:schemaRef ds:uri="http://schemas.microsoft.com/sharepoint/v3/contenttype/forms"/>
   </ds:schemaRefs>
 </ds:datastoreItem>
 </file>

--- a/testing-advanced.pptx
+++ b/testing-advanced.pptx
@@ -267,7 +267,7 @@
           <a:p>
             <a:fld id="{0B842F42-2CE9-4E35-95C1-410DC08A50B1}" type="datetimeFigureOut">
               <a:rPr lang="en-US" smtClean="0"/>
-              <a:t>8/10/2021</a:t>
+              <a:t>8/11/2021</a:t>
             </a:fld>
             <a:endParaRPr lang="en-US"/>
           </a:p>
@@ -432,7 +432,7 @@
           <a:p>
             <a:fld id="{6F282904-F315-4730-8D91-37D99E141A6F}" type="datetimeFigureOut">
               <a:rPr lang="en-US" smtClean="0"/>
-              <a:t>8/10/2021</a:t>
+              <a:t>8/11/2021</a:t>
             </a:fld>
             <a:endParaRPr lang="en-US"/>
           </a:p>
@@ -5914,7 +5914,7 @@
           <a:noFill/>
           <a:extLst>
             <a:ext uri="{909E8E84-426E-40dd-AFC4-6F175D3DCCD1}">
-              <a14:hiddenFill xmlns="" xmlns:a14="http://schemas.microsoft.com/office/drawing/2010/main">
+              <a14:hiddenFill xmlns:a14="http://schemas.microsoft.com/office/drawing/2010/main" xmlns="">
                 <a:solidFill>
                   <a:srgbClr val="FFFFFF"/>
                 </a:solidFill>
@@ -13899,21 +13899,6 @@
 </file>
 
 <file path=customXml/item1.xml><?xml version="1.0" encoding="utf-8"?>
-<?mso-contentType ?>
-<FormTemplates xmlns="http://schemas.microsoft.com/sharepoint/v3/contenttype/forms">
-  <Display>DocumentLibraryForm</Display>
-  <Edit>DocumentLibraryForm</Edit>
-  <New>DocumentLibraryForm</New>
-</FormTemplates>
-</file>
-
-<file path=customXml/item2.xml><?xml version="1.0" encoding="utf-8"?>
-<p:properties xmlns:p="http://schemas.microsoft.com/office/2006/metadata/properties" xmlns:xsi="http://www.w3.org/2001/XMLSchema-instance" xmlns:pc="http://schemas.microsoft.com/office/infopath/2007/PartnerControls">
-  <documentManagement/>
-</p:properties>
-</file>
-
-<file path=customXml/item3.xml><?xml version="1.0" encoding="utf-8"?>
 <ct:contentTypeSchema xmlns:ct="http://schemas.microsoft.com/office/2006/metadata/contentType" xmlns:ma="http://schemas.microsoft.com/office/2006/metadata/properties/metaAttributes" ct:_="" ma:_="" ma:contentTypeName="Document" ma:contentTypeID="0x010100565464437F680748A68B85EB6594EA7D" ma:contentTypeVersion="0" ma:contentTypeDescription="Create a new document." ma:contentTypeScope="" ma:versionID="fe3f4dd58d5914c51cfc6deaa8ad845c">
   <xsd:schema xmlns:xsd="http://www.w3.org/2001/XMLSchema" xmlns:p="http://schemas.microsoft.com/office/2006/metadata/properties" targetNamespace="http://schemas.microsoft.com/office/2006/metadata/properties" ma:root="true" ma:fieldsID="4aeb20c0e3442673af7ee10786458764">
     <xsd:element name="properties">
@@ -13962,10 +13947,32 @@
 </ct:contentTypeSchema>
 </file>
 
+<file path=customXml/item2.xml><?xml version="1.0" encoding="utf-8"?>
+<p:properties xmlns:p="http://schemas.microsoft.com/office/2006/metadata/properties" xmlns:xsi="http://www.w3.org/2001/XMLSchema-instance" xmlns:pc="http://schemas.microsoft.com/office/infopath/2007/PartnerControls">
+  <documentManagement/>
+</p:properties>
+</file>
+
+<file path=customXml/item3.xml><?xml version="1.0" encoding="utf-8"?>
+<?mso-contentType ?>
+<FormTemplates xmlns="http://schemas.microsoft.com/sharepoint/v3/contenttype/forms">
+  <Display>DocumentLibraryForm</Display>
+  <Edit>DocumentLibraryForm</Edit>
+  <New>DocumentLibraryForm</New>
+</FormTemplates>
+</file>
+
 <file path=customXml/itemProps1.xml><?xml version="1.0" encoding="utf-8"?>
-<ds:datastoreItem xmlns:ds="http://schemas.openxmlformats.org/officeDocument/2006/customXml" ds:itemID="{19E20559-B232-4371-8690-E3D8007EDB82}">
+<ds:datastoreItem xmlns:ds="http://schemas.openxmlformats.org/officeDocument/2006/customXml" ds:itemID="{E8DB7DEB-074E-4EE8-9B6E-FD277323109C}">
   <ds:schemaRefs>
-    <ds:schemaRef ds:uri="http://schemas.microsoft.com/sharepoint/v3/contenttype/forms"/>
+    <ds:schemaRef ds:uri="http://schemas.microsoft.com/office/2006/metadata/contentType"/>
+    <ds:schemaRef ds:uri="http://schemas.microsoft.com/office/2006/metadata/properties/metaAttributes"/>
+    <ds:schemaRef ds:uri="http://www.w3.org/2001/XMLSchema"/>
+    <ds:schemaRef ds:uri="http://schemas.microsoft.com/office/2006/metadata/properties"/>
+    <ds:schemaRef ds:uri="http://schemas.openxmlformats.org/package/2006/metadata/core-properties"/>
+    <ds:schemaRef ds:uri="http://purl.org/dc/elements/1.1/"/>
+    <ds:schemaRef ds:uri="http://purl.org/dc/terms/"/>
+    <ds:schemaRef ds:uri="http://schemas.microsoft.com/office/internal/2005/internalDocumentation"/>
   </ds:schemaRefs>
 </ds:datastoreItem>
 </file>
@@ -13986,16 +13993,9 @@
 </file>
 
 <file path=customXml/itemProps3.xml><?xml version="1.0" encoding="utf-8"?>
-<ds:datastoreItem xmlns:ds="http://schemas.openxmlformats.org/officeDocument/2006/customXml" ds:itemID="{E8DB7DEB-074E-4EE8-9B6E-FD277323109C}">
+<ds:datastoreItem xmlns:ds="http://schemas.openxmlformats.org/officeDocument/2006/customXml" ds:itemID="{19E20559-B232-4371-8690-E3D8007EDB82}">
   <ds:schemaRefs>
-    <ds:schemaRef ds:uri="http://schemas.microsoft.com/office/2006/metadata/contentType"/>
-    <ds:schemaRef ds:uri="http://schemas.microsoft.com/office/2006/metadata/properties/metaAttributes"/>
-    <ds:schemaRef ds:uri="http://www.w3.org/2001/XMLSchema"/>
-    <ds:schemaRef ds:uri="http://schemas.microsoft.com/office/2006/metadata/properties"/>
-    <ds:schemaRef ds:uri="http://schemas.openxmlformats.org/package/2006/metadata/core-properties"/>
-    <ds:schemaRef ds:uri="http://purl.org/dc/elements/1.1/"/>
-    <ds:schemaRef ds:uri="http://purl.org/dc/terms/"/>
-    <ds:schemaRef ds:uri="http://schemas.microsoft.com/office/internal/2005/internalDocumentation"/>
+    <ds:schemaRef ds:uri="http://schemas.microsoft.com/sharepoint/v3/contenttype/forms"/>
   </ds:schemaRefs>
 </ds:datastoreItem>
 </file>
--- a/testing-advanced.pptx
+++ b/testing-advanced.pptx
@@ -12,7 +12,7 @@
   </p:handoutMasterIdLst>
   <p:sldIdLst>
     <p:sldId id="631" r:id="rId5"/>
-    <p:sldId id="320" r:id="rId6"/>
+    <p:sldId id="633" r:id="rId6"/>
     <p:sldId id="487" r:id="rId7"/>
     <p:sldId id="465" r:id="rId8"/>
     <p:sldId id="579" r:id="rId9"/>
@@ -267,7 +267,7 @@
           <a:p>
             <a:fld id="{0B842F42-2CE9-4E35-95C1-410DC08A50B1}" type="datetimeFigureOut">
               <a:rPr lang="en-US" smtClean="0"/>
-              <a:t>8/11/2021</a:t>
+              <a:t>9/1/2021</a:t>
             </a:fld>
             <a:endParaRPr lang="en-US"/>
           </a:p>
@@ -432,7 +432,7 @@
           <a:p>
             <a:fld id="{6F282904-F315-4730-8D91-37D99E141A6F}" type="datetimeFigureOut">
               <a:rPr lang="en-US" smtClean="0"/>
-              <a:t>8/11/2021</a:t>
+              <a:t>9/1/2021</a:t>
             </a:fld>
             <a:endParaRPr lang="en-US"/>
           </a:p>
@@ -5719,10 +5719,26 @@
                   <a:srgbClr val="000000"/>
                 </a:solidFill>
               </a:rPr>
-              <a:t>David M. Rogers</a:t>
+              <a:t>Anshu Dubey</a:t>
+            </a:r>
+            <a:r>
+              <a:rPr lang="en-US" dirty="0">
+                <a:solidFill>
+                  <a:srgbClr val="000000"/>
+                </a:solidFill>
+              </a:rPr>
+              <a:t> </a:t>
+            </a:r>
+            <a:r>
+              <a:rPr lang="en-US" sz="2000" dirty="0">
+                <a:solidFill>
+                  <a:srgbClr val="000000"/>
+                </a:solidFill>
+              </a:rPr>
+              <a:t>(she/her)</a:t>
             </a:r>
             <a:br>
-              <a:rPr lang="en-US" dirty="0">
+              <a:rPr lang="en-US" sz="2000" dirty="0">
                 <a:solidFill>
                   <a:srgbClr val="000000"/>
                 </a:solidFill>
@@ -5734,7 +5750,7 @@
                   <a:srgbClr val="000000"/>
                 </a:solidFill>
               </a:rPr>
-              <a:t>Oak Ridge National Laboratory</a:t>
+              <a:t>Argonne National Laboratory</a:t>
             </a:r>
             <a:endParaRPr lang="en-US" sz="1800" dirty="0">
               <a:solidFill>
@@ -5750,7 +5766,7 @@
             </a:pPr>
             <a:r>
               <a:rPr lang="en-US" sz="2000" dirty="0"/>
-              <a:t>Software Productivity and Sustainability track, ATPESC 2021</a:t>
+              <a:t>Better Scientific Software tutorial @ SC21</a:t>
             </a:r>
           </a:p>
           <a:p>
@@ -5914,7 +5930,7 @@
           <a:noFill/>
           <a:extLst>
             <a:ext uri="{909E8E84-426E-40dd-AFC4-6F175D3DCCD1}">
-              <a14:hiddenFill xmlns:a14="http://schemas.microsoft.com/office/drawing/2010/main" xmlns="">
+              <a14:hiddenFill xmlns="" xmlns:a14="http://schemas.microsoft.com/office/drawing/2010/main">
                 <a:solidFill>
                   <a:srgbClr val="FFFFFF"/>
                 </a:solidFill>
@@ -8338,13 +8354,13 @@
             </a:pPr>
             <a:r>
               <a:rPr lang="en-US" sz="1600" b="1" dirty="0"/>
-              <a:t>The requested citation the overall tutorial is: David E. Bernholdt, Anshu Dubey, Rinku K. Gupta, and David M. Rogers, Software Productivity and Sustainability track, in Argonne Training Program on Extreme-Scale Computing (ATPESC), online, 2021. DOI: </a:t>
+              <a:t>The requested citation the overall tutorial is: David E. Bernholdt, Anshu Dubey, Patricia A. Grubel, Rinku K. Gupta, and Gregory R. Watson, Better Scientific Software tutorial, in the International Conference for High-Performance Computing, Networking, Storage, and Analysis (SC21), St. Louis, MO, USA and online, 2021. DOI: </a:t>
             </a:r>
             <a:r>
               <a:rPr lang="en-US" sz="1600" b="1" dirty="0">
                 <a:hlinkClick r:id="rId4"/>
               </a:rPr>
-              <a:t>10.6084/m9.figshare.15130590</a:t>
+              <a:t>10.6084/m9.figshare.16556628</a:t>
             </a:r>
             <a:endParaRPr lang="en-US" sz="1600" b="1" dirty="0"/>
           </a:p>
@@ -8518,7 +8534,7 @@
     </p:spTree>
     <p:extLst>
       <p:ext uri="{BB962C8B-B14F-4D97-AF65-F5344CB8AC3E}">
-        <p14:creationId xmlns:p14="http://schemas.microsoft.com/office/powerpoint/2010/main" val="978726433"/>
+        <p14:creationId xmlns:p14="http://schemas.microsoft.com/office/powerpoint/2010/main" val="3297254279"/>
       </p:ext>
     </p:extLst>
   </p:cSld>
@@ -13948,18 +13964,18 @@
 </file>
 
 <file path=customXml/item2.xml><?xml version="1.0" encoding="utf-8"?>
-<p:properties xmlns:p="http://schemas.microsoft.com/office/2006/metadata/properties" xmlns:xsi="http://www.w3.org/2001/XMLSchema-instance" xmlns:pc="http://schemas.microsoft.com/office/infopath/2007/PartnerControls">
-  <documentManagement/>
-</p:properties>
-</file>
-
-<file path=customXml/item3.xml><?xml version="1.0" encoding="utf-8"?>
 <?mso-contentType ?>
 <FormTemplates xmlns="http://schemas.microsoft.com/sharepoint/v3/contenttype/forms">
   <Display>DocumentLibraryForm</Display>
   <Edit>DocumentLibraryForm</Edit>
   <New>DocumentLibraryForm</New>
 </FormTemplates>
+</file>
+
+<file path=customXml/item3.xml><?xml version="1.0" encoding="utf-8"?>
+<p:properties xmlns:p="http://schemas.microsoft.com/office/2006/metadata/properties" xmlns:xsi="http://www.w3.org/2001/XMLSchema-instance" xmlns:pc="http://schemas.microsoft.com/office/infopath/2007/PartnerControls">
+  <documentManagement/>
+</p:properties>
 </file>
 
 <file path=customXml/itemProps1.xml><?xml version="1.0" encoding="utf-8"?>
@@ -13978,6 +13994,14 @@
 </file>
 
 <file path=customXml/itemProps2.xml><?xml version="1.0" encoding="utf-8"?>
+<ds:datastoreItem xmlns:ds="http://schemas.openxmlformats.org/officeDocument/2006/customXml" ds:itemID="{19E20559-B232-4371-8690-E3D8007EDB82}">
+  <ds:schemaRefs>
+    <ds:schemaRef ds:uri="http://schemas.microsoft.com/sharepoint/v3/contenttype/forms"/>
+  </ds:schemaRefs>
+</ds:datastoreItem>
+</file>
+
+<file path=customXml/itemProps3.xml><?xml version="1.0" encoding="utf-8"?>
 <ds:datastoreItem xmlns:ds="http://schemas.openxmlformats.org/officeDocument/2006/customXml" ds:itemID="{A50EC660-24D0-43A0-AE5E-E274115E726B}">
   <ds:schemaRefs>
     <ds:schemaRef ds:uri="http://purl.org/dc/elements/1.1/"/>
@@ -13990,12 +14014,4 @@
     <ds:schemaRef ds:uri="http://schemas.microsoft.com/office/infopath/2007/PartnerControls"/>
   </ds:schemaRefs>
 </ds:datastoreItem>
-</file>
-
-<file path=customXml/itemProps3.xml><?xml version="1.0" encoding="utf-8"?>
-<ds:datastoreItem xmlns:ds="http://schemas.openxmlformats.org/officeDocument/2006/customXml" ds:itemID="{19E20559-B232-4371-8690-E3D8007EDB82}">
-  <ds:schemaRefs>
-    <ds:schemaRef ds:uri="http://schemas.microsoft.com/sharepoint/v3/contenttype/forms"/>
-  </ds:schemaRefs>
-</ds:datastoreItem>
 </file>
--- a/testing-advanced.pptx
+++ b/testing-advanced.pptx
@@ -5,25 +5,27 @@
     <p:sldMasterId id="2147483935" r:id="rId4"/>
   </p:sldMasterIdLst>
   <p:notesMasterIdLst>
-    <p:notesMasterId r:id="rId18"/>
+    <p:notesMasterId r:id="rId20"/>
   </p:notesMasterIdLst>
   <p:handoutMasterIdLst>
-    <p:handoutMasterId r:id="rId19"/>
+    <p:handoutMasterId r:id="rId21"/>
   </p:handoutMasterIdLst>
   <p:sldIdLst>
     <p:sldId id="631" r:id="rId5"/>
     <p:sldId id="633" r:id="rId6"/>
     <p:sldId id="487" r:id="rId7"/>
     <p:sldId id="465" r:id="rId8"/>
-    <p:sldId id="579" r:id="rId9"/>
-    <p:sldId id="580" r:id="rId10"/>
-    <p:sldId id="299" r:id="rId11"/>
-    <p:sldId id="581" r:id="rId12"/>
-    <p:sldId id="469" r:id="rId13"/>
-    <p:sldId id="472" r:id="rId14"/>
-    <p:sldId id="486" r:id="rId15"/>
-    <p:sldId id="586" r:id="rId16"/>
-    <p:sldId id="632" r:id="rId17"/>
+    <p:sldId id="634" r:id="rId9"/>
+    <p:sldId id="579" r:id="rId10"/>
+    <p:sldId id="580" r:id="rId11"/>
+    <p:sldId id="299" r:id="rId12"/>
+    <p:sldId id="581" r:id="rId13"/>
+    <p:sldId id="635" r:id="rId14"/>
+    <p:sldId id="469" r:id="rId15"/>
+    <p:sldId id="472" r:id="rId16"/>
+    <p:sldId id="486" r:id="rId17"/>
+    <p:sldId id="586" r:id="rId18"/>
+    <p:sldId id="632" r:id="rId19"/>
   </p:sldIdLst>
   <p:sldSz cx="12188825" cy="6858000"/>
   <p:notesSz cx="7010400" cy="9296400"/>
@@ -267,7 +269,7 @@
           <a:p>
             <a:fld id="{0B842F42-2CE9-4E35-95C1-410DC08A50B1}" type="datetimeFigureOut">
               <a:rPr lang="en-US" smtClean="0"/>
-              <a:t>9/1/2021</a:t>
+              <a:t>9/2/21</a:t>
             </a:fld>
             <a:endParaRPr lang="en-US"/>
           </a:p>
@@ -432,7 +434,7 @@
           <a:p>
             <a:fld id="{6F282904-F315-4730-8D91-37D99E141A6F}" type="datetimeFigureOut">
               <a:rPr lang="en-US" smtClean="0"/>
-              <a:t>9/1/2021</a:t>
+              <a:t>9/2/21</a:t>
             </a:fld>
             <a:endParaRPr lang="en-US"/>
           </a:p>
@@ -882,7 +884,7 @@
                 <a:ea typeface="+mn-ea"/>
                 <a:cs typeface="+mn-cs"/>
               </a:rPr>
-              <a:t>This test can be developed further too.  Changing out the uniform grid for an adaptive mesh, or turning on options for re-gridding should reduce the errors.  If this is not the case, there is a way to quickly pinpoint the underlying cause. The thought-process for analyzing test results can work as follows...</a:t>
+              <a:t>Here's another example of verifying the halo exchange on a cell grid.  The test initializes interior cells with a known function, does the halo exchange, and checks whether the guard cell has been properly copied over.  Similarly, a unit test can be written to verify parts of the computations - like computing energy from pressure and temperature.</a:t>
             </a:r>
           </a:p>
         </p:txBody>
@@ -913,7 +915,7 @@
     </p:spTree>
     <p:extLst>
       <p:ext uri="{BB962C8B-B14F-4D97-AF65-F5344CB8AC3E}">
-        <p14:creationId xmlns:p14="http://schemas.microsoft.com/office/powerpoint/2010/main" val="2492424174"/>
+        <p14:creationId xmlns:p14="http://schemas.microsoft.com/office/powerpoint/2010/main" val="2514086208"/>
       </p:ext>
     </p:extLst>
   </p:cSld>
@@ -967,6 +969,23 @@
           <a:bodyPr/>
           <a:lstStyle/>
           <a:p>
+            <a:pPr marL="0" marR="0" lvl="0" indent="0" algn="l" defTabSz="914400" rtl="0" eaLnBrk="1" fontAlgn="auto" latinLnBrk="0" hangingPunct="1">
+              <a:lnSpc>
+                <a:spcPct val="100000"/>
+              </a:lnSpc>
+              <a:spcBef>
+                <a:spcPts val="0"/>
+              </a:spcBef>
+              <a:spcAft>
+                <a:spcPts val="0"/>
+              </a:spcAft>
+              <a:buClrTx/>
+              <a:buSzTx/>
+              <a:buFontTx/>
+              <a:buNone/>
+              <a:tabLst/>
+              <a:defRPr/>
+            </a:pPr>
             <a:r>
               <a:rPr lang="en-US" sz="1200" kern="1200" dirty="0">
                 <a:solidFill>
@@ -977,7 +996,7 @@
                 <a:ea typeface="+mn-ea"/>
                 <a:cs typeface="+mn-cs"/>
               </a:rPr>
-              <a:t>This final example shows a graphical way to "map" areas of your code for testing.  The x-axis shows different kinds of physical models implemented in FLASH.  The y-axis shows functionalities of the code.  List out all your unit tests and example applications, and put each one in one or more squares.  Here, the </a:t>
+              <a:t>Once those basic unit tests are done, we can create a unit test at the next level.  Here, the </a:t>
             </a:r>
             <a:r>
               <a:rPr lang="en-US" sz="1200" kern="1200" dirty="0" err="1">
@@ -1001,12 +1020,10 @@
                 <a:ea typeface="+mn-ea"/>
                 <a:cs typeface="+mn-cs"/>
               </a:rPr>
-              <a:t> test "SV" exercises the hydro, EOS, and particle models on a uniform grid.  This type of map will show you weak-spots in your testing design.  Not every square needs to be covered, though.  It also helps document areas of your code that are needed for each science scenario.</a:t>
-            </a:r>
-          </a:p>
-          <a:p>
-            <a:r>
-              <a:rPr lang="en-US" sz="1200" kern="1200" dirty="0">
+              <a:t> blast wave is simulated using the cell grid and equation of state previously tested.  The </a:t>
+            </a:r>
+            <a:r>
+              <a:rPr lang="en-US" sz="1200" kern="1200" dirty="0" err="1">
                 <a:solidFill>
                   <a:schemeClr val="tx1"/>
                 </a:solidFill>
@@ -1015,7 +1032,19 @@
                 <a:ea typeface="+mn-ea"/>
                 <a:cs typeface="+mn-cs"/>
               </a:rPr>
-              <a:t>This type of map is complementary to code coverage.  If your program is well-structured, there should be some correspondence between this map and the files that coverage shows as "tested".</a:t>
+              <a:t>Sedov</a:t>
+            </a:r>
+            <a:r>
+              <a:rPr lang="en-US" sz="1200" kern="1200" dirty="0">
+                <a:solidFill>
+                  <a:schemeClr val="tx1"/>
+                </a:solidFill>
+                <a:effectLst/>
+                <a:latin typeface="+mn-lt"/>
+                <a:ea typeface="+mn-ea"/>
+                <a:cs typeface="+mn-cs"/>
+              </a:rPr>
+              <a:t> wave has a known analytical solution, which provides an error estimate for the implementation.  Out-of-tolerance errors at this stage indicate a problem specific to hydrodynamics, since the cells and equation of state are already tested.  In addition, plotting errors vs. space and time helps to train graduate students.</a:t>
             </a:r>
           </a:p>
         </p:txBody>
@@ -1038,6 +1067,479 @@
             <a:fld id="{54E672D7-8E2D-4611-973D-F4591A707C34}" type="slidenum">
               <a:rPr lang="en-US" smtClean="0"/>
               <a:t>12</a:t>
+            </a:fld>
+            <a:endParaRPr lang="en-US"/>
+          </a:p>
+        </p:txBody>
+      </p:sp>
+    </p:spTree>
+    <p:extLst>
+      <p:ext uri="{BB962C8B-B14F-4D97-AF65-F5344CB8AC3E}">
+        <p14:creationId xmlns:p14="http://schemas.microsoft.com/office/powerpoint/2010/main" val="1935325995"/>
+      </p:ext>
+    </p:extLst>
+  </p:cSld>
+  <p:clrMapOvr>
+    <a:masterClrMapping/>
+  </p:clrMapOvr>
+</p:notes>
+</file>
+
+<file path=ppt/notesSlides/notesSlide12.xml><?xml version="1.0" encoding="utf-8"?>
+<p:notes xmlns:a="http://schemas.openxmlformats.org/drawingml/2006/main" xmlns:r="http://schemas.openxmlformats.org/officeDocument/2006/relationships" xmlns:p="http://schemas.openxmlformats.org/presentationml/2006/main">
+  <p:cSld>
+    <p:spTree>
+      <p:nvGrpSpPr>
+        <p:cNvPr id="1" name=""/>
+        <p:cNvGrpSpPr/>
+        <p:nvPr/>
+      </p:nvGrpSpPr>
+      <p:grpSpPr>
+        <a:xfrm>
+          <a:off x="0" y="0"/>
+          <a:ext cx="0" cy="0"/>
+          <a:chOff x="0" y="0"/>
+          <a:chExt cx="0" cy="0"/>
+        </a:xfrm>
+      </p:grpSpPr>
+      <p:sp>
+        <p:nvSpPr>
+          <p:cNvPr id="2" name="Slide Image Placeholder 1"/>
+          <p:cNvSpPr>
+            <a:spLocks noGrp="1" noRot="1" noChangeAspect="1"/>
+          </p:cNvSpPr>
+          <p:nvPr>
+            <p:ph type="sldImg"/>
+          </p:nvPr>
+        </p:nvSpPr>
+        <p:spPr/>
+      </p:sp>
+      <p:sp>
+        <p:nvSpPr>
+          <p:cNvPr id="3" name="Notes Placeholder 2"/>
+          <p:cNvSpPr>
+            <a:spLocks noGrp="1"/>
+          </p:cNvSpPr>
+          <p:nvPr>
+            <p:ph type="body" idx="1"/>
+          </p:nvPr>
+        </p:nvSpPr>
+        <p:spPr/>
+        <p:txBody>
+          <a:bodyPr/>
+          <a:lstStyle/>
+          <a:p>
+            <a:pPr marL="0" marR="0" lvl="0" indent="0" algn="l" defTabSz="914400" rtl="0" eaLnBrk="1" fontAlgn="auto" latinLnBrk="0" hangingPunct="1">
+              <a:lnSpc>
+                <a:spcPct val="100000"/>
+              </a:lnSpc>
+              <a:spcBef>
+                <a:spcPts val="0"/>
+              </a:spcBef>
+              <a:spcAft>
+                <a:spcPts val="0"/>
+              </a:spcAft>
+              <a:buClrTx/>
+              <a:buSzTx/>
+              <a:buFontTx/>
+              <a:buNone/>
+              <a:tabLst/>
+              <a:defRPr/>
+            </a:pPr>
+            <a:r>
+              <a:rPr lang="en-US" sz="1200" kern="1200" dirty="0">
+                <a:solidFill>
+                  <a:schemeClr val="tx1"/>
+                </a:solidFill>
+                <a:effectLst/>
+                <a:latin typeface="+mn-lt"/>
+                <a:ea typeface="+mn-ea"/>
+                <a:cs typeface="+mn-cs"/>
+              </a:rPr>
+              <a:t>This test can be developed further too.  For example, if one is using AMR in the code, then the steps shown here can become tests for specific AMR functionalities in the code. </a:t>
+            </a:r>
+          </a:p>
+          <a:p>
+            <a:pPr marL="0" marR="0" lvl="0" indent="0" algn="l" defTabSz="914400" rtl="0" eaLnBrk="1" fontAlgn="auto" latinLnBrk="0" hangingPunct="1">
+              <a:lnSpc>
+                <a:spcPct val="100000"/>
+              </a:lnSpc>
+              <a:spcBef>
+                <a:spcPts val="0"/>
+              </a:spcBef>
+              <a:spcAft>
+                <a:spcPts val="0"/>
+              </a:spcAft>
+              <a:buClrTx/>
+              <a:buSzTx/>
+              <a:buFontTx/>
+              <a:buNone/>
+              <a:tabLst/>
+              <a:defRPr/>
+            </a:pPr>
+            <a:r>
+              <a:rPr lang="en-US" sz="1200" kern="1200" dirty="0">
+                <a:solidFill>
+                  <a:schemeClr val="tx1"/>
+                </a:solidFill>
+                <a:effectLst/>
+                <a:latin typeface="+mn-lt"/>
+                <a:ea typeface="+mn-ea"/>
+                <a:cs typeface="+mn-cs"/>
+              </a:rPr>
+              <a:t>Run </a:t>
+            </a:r>
+            <a:r>
+              <a:rPr lang="en-US" sz="1200" kern="1200" dirty="0" err="1">
+                <a:solidFill>
+                  <a:schemeClr val="tx1"/>
+                </a:solidFill>
+                <a:effectLst/>
+                <a:latin typeface="+mn-lt"/>
+                <a:ea typeface="+mn-ea"/>
+                <a:cs typeface="+mn-cs"/>
+              </a:rPr>
+              <a:t>Gcfill</a:t>
+            </a:r>
+            <a:r>
+              <a:rPr lang="en-US" sz="1200" kern="1200" dirty="0">
+                <a:solidFill>
+                  <a:schemeClr val="tx1"/>
+                </a:solidFill>
+                <a:effectLst/>
+                <a:latin typeface="+mn-lt"/>
+                <a:ea typeface="+mn-ea"/>
+                <a:cs typeface="+mn-cs"/>
+              </a:rPr>
+              <a:t> and EOS with AMR and </a:t>
+            </a:r>
+            <a:r>
+              <a:rPr lang="en-US" sz="1200" kern="1200" dirty="0" err="1">
+                <a:solidFill>
+                  <a:schemeClr val="tx1"/>
+                </a:solidFill>
+                <a:effectLst/>
+                <a:latin typeface="+mn-lt"/>
+                <a:ea typeface="+mn-ea"/>
+                <a:cs typeface="+mn-cs"/>
+              </a:rPr>
+              <a:t>sedov</a:t>
+            </a:r>
+            <a:r>
+              <a:rPr lang="en-US" sz="1200" kern="1200" dirty="0">
+                <a:solidFill>
+                  <a:schemeClr val="tx1"/>
+                </a:solidFill>
+                <a:effectLst/>
+                <a:latin typeface="+mn-lt"/>
+                <a:ea typeface="+mn-ea"/>
+                <a:cs typeface="+mn-cs"/>
+              </a:rPr>
+              <a:t> with UG. If all three pass, run </a:t>
+            </a:r>
+            <a:r>
+              <a:rPr lang="en-US" sz="1200" kern="1200" dirty="0" err="1">
+                <a:solidFill>
+                  <a:schemeClr val="tx1"/>
+                </a:solidFill>
+                <a:effectLst/>
+                <a:latin typeface="+mn-lt"/>
+                <a:ea typeface="+mn-ea"/>
+                <a:cs typeface="+mn-cs"/>
+              </a:rPr>
+              <a:t>sedov</a:t>
+            </a:r>
+            <a:r>
+              <a:rPr lang="en-US" sz="1200" kern="1200" dirty="0">
+                <a:solidFill>
+                  <a:schemeClr val="tx1"/>
+                </a:solidFill>
+                <a:effectLst/>
+                <a:latin typeface="+mn-lt"/>
+                <a:ea typeface="+mn-ea"/>
+                <a:cs typeface="+mn-cs"/>
+              </a:rPr>
+              <a:t> with no dynamic refinement. The only new AMR feature exercised in this configuration is reconciliation of fluxes at fine-coarse boundaries.</a:t>
+            </a:r>
+          </a:p>
+          <a:p>
+            <a:pPr marL="0" marR="0" lvl="0" indent="0" algn="l" defTabSz="914400" rtl="0" eaLnBrk="1" fontAlgn="auto" latinLnBrk="0" hangingPunct="1">
+              <a:lnSpc>
+                <a:spcPct val="100000"/>
+              </a:lnSpc>
+              <a:spcBef>
+                <a:spcPts val="0"/>
+              </a:spcBef>
+              <a:spcAft>
+                <a:spcPts val="0"/>
+              </a:spcAft>
+              <a:buClrTx/>
+              <a:buSzTx/>
+              <a:buFontTx/>
+              <a:buNone/>
+              <a:tabLst/>
+              <a:defRPr/>
+            </a:pPr>
+            <a:r>
+              <a:rPr lang="en-US" sz="1200" kern="1200" dirty="0">
+                <a:solidFill>
+                  <a:schemeClr val="tx1"/>
+                </a:solidFill>
+                <a:effectLst/>
+                <a:latin typeface="+mn-lt"/>
+                <a:ea typeface="+mn-ea"/>
+                <a:cs typeface="+mn-cs"/>
+              </a:rPr>
+              <a:t>If that passed run with dynamic refinement, where that is the only new feature added. The basic takeaway is in each new test only one new feature is exercised so that a failure can pin-point the cause.</a:t>
+            </a:r>
+          </a:p>
+        </p:txBody>
+      </p:sp>
+      <p:sp>
+        <p:nvSpPr>
+          <p:cNvPr id="4" name="Slide Number Placeholder 3"/>
+          <p:cNvSpPr>
+            <a:spLocks noGrp="1"/>
+          </p:cNvSpPr>
+          <p:nvPr>
+            <p:ph type="sldNum" sz="quarter" idx="5"/>
+          </p:nvPr>
+        </p:nvSpPr>
+        <p:spPr/>
+        <p:txBody>
+          <a:bodyPr/>
+          <a:lstStyle/>
+          <a:p>
+            <a:fld id="{54E672D7-8E2D-4611-973D-F4591A707C34}" type="slidenum">
+              <a:rPr lang="en-US" smtClean="0"/>
+              <a:t>13</a:t>
+            </a:fld>
+            <a:endParaRPr lang="en-US"/>
+          </a:p>
+        </p:txBody>
+      </p:sp>
+    </p:spTree>
+    <p:extLst>
+      <p:ext uri="{BB962C8B-B14F-4D97-AF65-F5344CB8AC3E}">
+        <p14:creationId xmlns:p14="http://schemas.microsoft.com/office/powerpoint/2010/main" val="2492424174"/>
+      </p:ext>
+    </p:extLst>
+  </p:cSld>
+  <p:clrMapOvr>
+    <a:masterClrMapping/>
+  </p:clrMapOvr>
+</p:notes>
+</file>
+
+<file path=ppt/notesSlides/notesSlide13.xml><?xml version="1.0" encoding="utf-8"?>
+<p:notes xmlns:a="http://schemas.openxmlformats.org/drawingml/2006/main" xmlns:r="http://schemas.openxmlformats.org/officeDocument/2006/relationships" xmlns:p="http://schemas.openxmlformats.org/presentationml/2006/main">
+  <p:cSld>
+    <p:spTree>
+      <p:nvGrpSpPr>
+        <p:cNvPr id="1" name=""/>
+        <p:cNvGrpSpPr/>
+        <p:nvPr/>
+      </p:nvGrpSpPr>
+      <p:grpSpPr>
+        <a:xfrm>
+          <a:off x="0" y="0"/>
+          <a:ext cx="0" cy="0"/>
+          <a:chOff x="0" y="0"/>
+          <a:chExt cx="0" cy="0"/>
+        </a:xfrm>
+      </p:grpSpPr>
+      <p:sp>
+        <p:nvSpPr>
+          <p:cNvPr id="2" name="Slide Image Placeholder 1"/>
+          <p:cNvSpPr>
+            <a:spLocks noGrp="1" noRot="1" noChangeAspect="1"/>
+          </p:cNvSpPr>
+          <p:nvPr>
+            <p:ph type="sldImg"/>
+          </p:nvPr>
+        </p:nvSpPr>
+        <p:spPr/>
+      </p:sp>
+      <p:sp>
+        <p:nvSpPr>
+          <p:cNvPr id="3" name="Notes Placeholder 2"/>
+          <p:cNvSpPr>
+            <a:spLocks noGrp="1"/>
+          </p:cNvSpPr>
+          <p:nvPr>
+            <p:ph type="body" idx="1"/>
+          </p:nvPr>
+        </p:nvSpPr>
+        <p:spPr/>
+        <p:txBody>
+          <a:bodyPr/>
+          <a:lstStyle/>
+          <a:p>
+            <a:r>
+              <a:rPr lang="en-US" sz="1200" kern="1200" dirty="0">
+                <a:solidFill>
+                  <a:schemeClr val="tx1"/>
+                </a:solidFill>
+                <a:effectLst/>
+                <a:latin typeface="+mn-lt"/>
+                <a:ea typeface="+mn-ea"/>
+                <a:cs typeface="+mn-cs"/>
+              </a:rPr>
+              <a:t>This final example shows a graphical way to "map" areas of your code for testing.  The x-axis has physical </a:t>
+            </a:r>
+            <a:r>
+              <a:rPr lang="en-US" sz="1200" kern="1200" dirty="0" err="1">
+                <a:solidFill>
+                  <a:schemeClr val="tx1"/>
+                </a:solidFill>
+                <a:effectLst/>
+                <a:latin typeface="+mn-lt"/>
+                <a:ea typeface="+mn-ea"/>
+                <a:cs typeface="+mn-cs"/>
+              </a:rPr>
+              <a:t>capabiliies</a:t>
+            </a:r>
+            <a:r>
+              <a:rPr lang="en-US" sz="1200" kern="1200" dirty="0">
+                <a:solidFill>
+                  <a:schemeClr val="tx1"/>
+                </a:solidFill>
+                <a:effectLst/>
+                <a:latin typeface="+mn-lt"/>
+                <a:ea typeface="+mn-ea"/>
+                <a:cs typeface="+mn-cs"/>
+              </a:rPr>
+              <a:t>.  The y-axis has infrastructure and generic solvers.  List out all test and mark the corresponding squares in the matrix if the two corresponding features are exercised together in the test. For example here SV stands for the </a:t>
+            </a:r>
+            <a:r>
+              <a:rPr lang="en-US" sz="1200" kern="1200" dirty="0" err="1">
+                <a:solidFill>
+                  <a:schemeClr val="tx1"/>
+                </a:solidFill>
+                <a:effectLst/>
+                <a:latin typeface="+mn-lt"/>
+                <a:ea typeface="+mn-ea"/>
+                <a:cs typeface="+mn-cs"/>
+              </a:rPr>
+              <a:t>Sedov</a:t>
+            </a:r>
+            <a:r>
+              <a:rPr lang="en-US" sz="1200" kern="1200" dirty="0">
+                <a:solidFill>
+                  <a:schemeClr val="tx1"/>
+                </a:solidFill>
+                <a:effectLst/>
+                <a:latin typeface="+mn-lt"/>
+                <a:ea typeface="+mn-ea"/>
+                <a:cs typeface="+mn-cs"/>
+              </a:rPr>
+              <a:t> test run with Uniform grid and includes tracer particles. Similarly the </a:t>
+            </a:r>
+            <a:r>
+              <a:rPr lang="en-US" sz="1200" kern="1200" dirty="0" err="1">
+                <a:solidFill>
+                  <a:schemeClr val="tx1"/>
+                </a:solidFill>
+                <a:effectLst/>
+                <a:latin typeface="+mn-lt"/>
+                <a:ea typeface="+mn-ea"/>
+                <a:cs typeface="+mn-cs"/>
+              </a:rPr>
+              <a:t>celluar</a:t>
+            </a:r>
+            <a:r>
+              <a:rPr lang="en-US" sz="1200" kern="1200" dirty="0">
+                <a:solidFill>
+                  <a:schemeClr val="tx1"/>
+                </a:solidFill>
+                <a:effectLst/>
+                <a:latin typeface="+mn-lt"/>
+                <a:ea typeface="+mn-ea"/>
+                <a:cs typeface="+mn-cs"/>
+              </a:rPr>
+              <a:t> test (CL) runs with AMR and also includes nuclear burning and particles in addition to Hydro and EOS.  The idea is to know which of these squares need to be marked to have sufficient amount of interoperability coverage needed by the code.   Not every square needs to be covered, though.  It also helps document areas of your code that are needed for each science scenario.</a:t>
+            </a:r>
+          </a:p>
+          <a:p>
+            <a:r>
+              <a:rPr lang="en-US" sz="1200" kern="1200" dirty="0">
+                <a:solidFill>
+                  <a:schemeClr val="tx1"/>
+                </a:solidFill>
+                <a:effectLst/>
+                <a:latin typeface="+mn-lt"/>
+                <a:ea typeface="+mn-ea"/>
+                <a:cs typeface="+mn-cs"/>
+              </a:rPr>
+              <a:t>This type of map is complementary to code coverage.  If your program is well-structured, there should be some correspondence between this map and the files that coverage shows as "tested".</a:t>
+            </a:r>
+          </a:p>
+          <a:p>
+            <a:endParaRPr lang="en-US" sz="1200" kern="1200" dirty="0">
+              <a:solidFill>
+                <a:schemeClr val="tx1"/>
+              </a:solidFill>
+              <a:effectLst/>
+              <a:latin typeface="+mn-lt"/>
+              <a:ea typeface="+mn-ea"/>
+              <a:cs typeface="+mn-cs"/>
+            </a:endParaRPr>
+          </a:p>
+          <a:p>
+            <a:r>
+              <a:rPr lang="en-US" sz="1200" kern="1200" dirty="0">
+                <a:solidFill>
+                  <a:schemeClr val="tx1"/>
+                </a:solidFill>
+                <a:effectLst/>
+                <a:latin typeface="+mn-lt"/>
+                <a:ea typeface="+mn-ea"/>
+                <a:cs typeface="+mn-cs"/>
+              </a:rPr>
+              <a:t>The Order described here gives guidelines for how to select the tests to maximize the needed coverage while minimizing the cost. It is always desirable to run the fastest and most lightweight tests that can pinpoint the error</a:t>
+            </a:r>
+            <a:r>
+              <a:rPr lang="en-US" sz="1200" kern="1200">
+                <a:solidFill>
+                  <a:schemeClr val="tx1"/>
+                </a:solidFill>
+                <a:effectLst/>
+                <a:latin typeface="+mn-lt"/>
+                <a:ea typeface="+mn-ea"/>
+                <a:cs typeface="+mn-cs"/>
+              </a:rPr>
+              <a:t>. </a:t>
+            </a:r>
+            <a:endParaRPr lang="en-US" sz="1200" kern="1200" dirty="0">
+              <a:solidFill>
+                <a:schemeClr val="tx1"/>
+              </a:solidFill>
+              <a:effectLst/>
+              <a:latin typeface="+mn-lt"/>
+              <a:ea typeface="+mn-ea"/>
+              <a:cs typeface="+mn-cs"/>
+            </a:endParaRPr>
+          </a:p>
+        </p:txBody>
+      </p:sp>
+      <p:sp>
+        <p:nvSpPr>
+          <p:cNvPr id="4" name="Slide Number Placeholder 3"/>
+          <p:cNvSpPr>
+            <a:spLocks noGrp="1"/>
+          </p:cNvSpPr>
+          <p:nvPr>
+            <p:ph type="sldNum" sz="quarter" idx="5"/>
+          </p:nvPr>
+        </p:nvSpPr>
+        <p:spPr/>
+        <p:txBody>
+          <a:bodyPr/>
+          <a:lstStyle/>
+          <a:p>
+            <a:fld id="{54E672D7-8E2D-4611-973D-F4591A707C34}" type="slidenum">
+              <a:rPr lang="en-US" smtClean="0"/>
+              <a:t>14</a:t>
             </a:fld>
             <a:endParaRPr lang="en-US"/>
           </a:p>
@@ -1110,21 +1612,7 @@
                 <a:ea typeface="+mn-ea"/>
                 <a:cs typeface="+mn-cs"/>
               </a:rPr>
-              <a:t>Let's think about this problem as "selecting the right tests."  Taking a step back, there are two 'levels' of tests (regression testing and CI-type tests), and there are multiple 'granularities' of tests (from unit to integration).  Computer scientists tend to gravitate towards tests that run quickly and check data structures, types, definitions, syntax, and error reporting.  These quick tests are great for a continuous integration suite.  Domain scientists tend to think of ways to compare program outputs to external measures - like known solutions and example run cases.  These tests can be long-running, and need interpretation to understand what's going on.  Such tests are often better suited for scheduled testing - which can be set up to run on dedicated servers on a nightly or weekly schedule.</a:t>
-            </a:r>
-          </a:p>
-          <a:p>
-            <a:r>
-              <a:rPr lang="en-US" sz="1200" kern="1200" dirty="0">
-                <a:solidFill>
-                  <a:schemeClr val="tx1"/>
-                </a:solidFill>
-                <a:effectLst/>
-                <a:latin typeface="+mn-lt"/>
-                <a:ea typeface="+mn-ea"/>
-                <a:cs typeface="+mn-cs"/>
-              </a:rPr>
-              <a:t>Since testing is so broad, individual tests can also vary in complexity.  As a rule of thumb, complicated tests get -100 points.  Tests should be as simple as possible, and always provide information on what went wrong.  If a test can't help to diagnose an error condition, it's not a useful test.</a:t>
+              <a:t>Let's think about this problem as "selecting the right tests."  Taking a step back, there are two 'levels' of tests (regression testing and CI-type tests), and there are multiple 'granularities' of tests (from unit to integration).  Computer scientists tend to gravitate towards tests that run quickly and check data structures, types, definitions, syntax, and error reporting.  These quick tests are great for a continuous integration suite.  Domain scientists tend to think of ways to compare program outputs to external measures - like known solutions and example run cases.  These tests can be long-running, and need interpretation to understand what's going on.  Such tests are often better suited for scheduled testing - which can be set up to run on dedicated servers on a nightly or weekly schedule. And there is a range of intermediate levels of testing pertaining to interoperability in component-based software systems, verification of non-trivial functionality such as transparent restart from a checkpoint etc. Since testing is so broad, individual tests can also vary in complexity.  As a rule of thumb, complicated tests get -100 points.  Tests should be as simple as possible, and always provide information on what went wrong.  If a test can't help to diagnose an error condition, it's not a useful test.</a:t>
             </a:r>
           </a:p>
         </p:txBody>
@@ -1224,8 +1712,43 @@
                 <a:ea typeface="+mn-ea"/>
                 <a:cs typeface="+mn-cs"/>
               </a:rPr>
-              <a:t>You might be tempted to get overly creative with test cases, or turn every possible scenario into a test.  This can be counterproductive.  Time spent on creating, maintaining, and interpreting tests takes team resources.  Ideally, tests are closely aligned with the science objectives.  Then the tests themselves provide baselines, and are motivating to create and maintain.  If testing goes too far away from that, it can distract the project away from achieving its next great features.</a:t>
-            </a:r>
+              <a:t>You might be tempted to get overly creative with test cases, or turn every possible scenario into a test.  This can be counterproductive.  Time spent on creating, maintaining, and interpreting tests takes team resources.  Ideally, tests are either  closely aligned with the science objectives for single domain codes, in which case the tests themselves provide baselines, and are motivating to create and maintain.  If testing goes too far away from that, it can distract the project away from achieving its next great features. Or, for  multi-domain general purpose code the collection of tests should maximize coverage while </a:t>
+            </a:r>
+            <a:r>
+              <a:rPr lang="en-US" sz="1200" kern="1200" dirty="0" err="1">
+                <a:solidFill>
+                  <a:schemeClr val="tx1"/>
+                </a:solidFill>
+                <a:effectLst/>
+                <a:latin typeface="+mn-lt"/>
+                <a:ea typeface="+mn-ea"/>
+                <a:cs typeface="+mn-cs"/>
+              </a:rPr>
+              <a:t>minizing</a:t>
+            </a:r>
+            <a:r>
+              <a:rPr lang="en-US" sz="1200" kern="1200" dirty="0">
+                <a:solidFill>
+                  <a:schemeClr val="tx1"/>
+                </a:solidFill>
+                <a:effectLst/>
+                <a:latin typeface="+mn-lt"/>
+                <a:ea typeface="+mn-ea"/>
+                <a:cs typeface="+mn-cs"/>
+              </a:rPr>
+              <a:t> the cost of developing and running the tests.</a:t>
+            </a:r>
+          </a:p>
+          <a:p>
+            <a:endParaRPr lang="en-US" sz="1200" kern="1200" dirty="0">
+              <a:solidFill>
+                <a:schemeClr val="tx1"/>
+              </a:solidFill>
+              <a:effectLst/>
+              <a:latin typeface="+mn-lt"/>
+              <a:ea typeface="+mn-ea"/>
+              <a:cs typeface="+mn-cs"/>
+            </a:endParaRPr>
           </a:p>
           <a:p>
             <a:r>
@@ -1320,7 +1843,12 @@
             <p:ph type="sldImg"/>
           </p:nvPr>
         </p:nvSpPr>
-        <p:spPr/>
+        <p:spPr>
+          <a:xfrm>
+            <a:off x="407988" y="696913"/>
+            <a:ext cx="6194425" cy="3486150"/>
+          </a:xfrm>
+        </p:spPr>
       </p:sp>
       <p:sp>
         <p:nvSpPr>
@@ -1337,23 +1865,6 @@
           <a:bodyPr/>
           <a:lstStyle/>
           <a:p>
-            <a:pPr marL="0" marR="0" lvl="0" indent="0" algn="l" defTabSz="914400" rtl="0" eaLnBrk="1" fontAlgn="auto" latinLnBrk="0" hangingPunct="1">
-              <a:lnSpc>
-                <a:spcPct val="100000"/>
-              </a:lnSpc>
-              <a:spcBef>
-                <a:spcPts val="0"/>
-              </a:spcBef>
-              <a:spcAft>
-                <a:spcPts val="0"/>
-              </a:spcAft>
-              <a:buClrTx/>
-              <a:buSzTx/>
-              <a:buFontTx/>
-              <a:buNone/>
-              <a:tabLst/>
-              <a:defRPr/>
-            </a:pPr>
             <a:r>
               <a:rPr lang="en-US" sz="1200" kern="1200" dirty="0">
                 <a:solidFill>
@@ -1364,10 +1875,12 @@
                 <a:ea typeface="+mn-ea"/>
                 <a:cs typeface="+mn-cs"/>
               </a:rPr>
-              <a:t>OK - now everyone is onboard with your testing plan, and your code is in a good place.  What happens next?  You can double-check your work using a code coverage tool.  You can create a policy on what to do with failed tests and issues marked as "bugs."  It helps to assign responsibility for the test suite - both so that things happen, and also so that you can recognize the hard work put in by that team member.  You should consider your test suite during </a:t>
-            </a:r>
-            <a:r>
-              <a:rPr lang="en-US" sz="1200" kern="1200" dirty="0" err="1">
+              <a:t>For example, users might assume the overlap region between processors is communicated correctly during a halo exchange.  If there's no test that tries this out with varying halo size, there's no way to know when that assumption breaks down.</a:t>
+            </a:r>
+          </a:p>
+          <a:p>
+            <a:r>
+              <a:rPr lang="en-US" sz="1200" kern="1200" dirty="0">
                 <a:solidFill>
                   <a:schemeClr val="tx1"/>
                 </a:solidFill>
@@ -1376,19 +1889,7 @@
                 <a:ea typeface="+mn-ea"/>
                 <a:cs typeface="+mn-cs"/>
               </a:rPr>
-              <a:t>refactorings</a:t>
-            </a:r>
-            <a:r>
-              <a:rPr lang="en-US" sz="1200" kern="1200" dirty="0">
-                <a:solidFill>
-                  <a:schemeClr val="tx1"/>
-                </a:solidFill>
-                <a:effectLst/>
-                <a:latin typeface="+mn-lt"/>
-                <a:ea typeface="+mn-ea"/>
-                <a:cs typeface="+mn-cs"/>
-              </a:rPr>
-              <a:t>, and use it for the code release process.  Cost-effectiveness comes in here because, if you already have defined functionalities and tests, then it's much less likely that your team will get side-tracked by maintaining fixes and patches for past releases.  That is a rabbit-hole nobody wants to go down.</a:t>
+              <a:t>This line of thought leads to the idea of a team meeting focused specifically on creating a "testing plan".  The goal of such a meeting is to clearly map out the expected use of the code.  What parts of the code are critical to long-term stability?  Who on your team should be responsible for ensuring each piece works?  Are there additional difficulties coming from interacting modules?  How can these be reasonably addressed with example use cases?</a:t>
             </a:r>
           </a:p>
         </p:txBody>
@@ -1400,7 +1901,7 @@
             <a:spLocks noGrp="1"/>
           </p:cNvSpPr>
           <p:nvPr>
-            <p:ph type="sldNum" sz="quarter" idx="5"/>
+            <p:ph type="sldNum" sz="quarter" idx="10"/>
           </p:nvPr>
         </p:nvSpPr>
         <p:spPr/>
@@ -1408,7 +1909,7 @@
           <a:bodyPr/>
           <a:lstStyle/>
           <a:p>
-            <a:fld id="{54E672D7-8E2D-4611-973D-F4591A707C34}" type="slidenum">
+            <a:fld id="{A546EF7F-2180-5947-8246-D3E867E2B048}" type="slidenum">
               <a:rPr lang="en-US" smtClean="0"/>
               <a:t>5</a:t>
             </a:fld>
@@ -1419,7 +1920,7 @@
     </p:spTree>
     <p:extLst>
       <p:ext uri="{BB962C8B-B14F-4D97-AF65-F5344CB8AC3E}">
-        <p14:creationId xmlns:p14="http://schemas.microsoft.com/office/powerpoint/2010/main" val="4240883905"/>
+        <p14:creationId xmlns:p14="http://schemas.microsoft.com/office/powerpoint/2010/main" val="1027456559"/>
       </p:ext>
     </p:extLst>
   </p:cSld>
@@ -1500,7 +2001,7 @@
                 <a:ea typeface="+mn-ea"/>
                 <a:cs typeface="+mn-cs"/>
               </a:rPr>
-              <a:t>With those general guidelines in mind, let's get down to some specific examples from the collected experiences of our team members.  Many of these come from </a:t>
+              <a:t>OK - now everyone is onboard with your testing plan, and your code is in a good place.  What happens next?  You can double-check your work using a code coverage tool.  You can create a policy on what to do with failed tests and issues marked as "bugs."  It helps to assign responsibility for the test suite - both so that things happen, and also so that you can recognize the hard work put in by that team member.  You should consider your test suite during </a:t>
             </a:r>
             <a:r>
               <a:rPr lang="en-US" sz="1200" kern="1200" dirty="0" err="1">
@@ -1512,7 +2013,7 @@
                 <a:ea typeface="+mn-ea"/>
                 <a:cs typeface="+mn-cs"/>
               </a:rPr>
-              <a:t>Anshu</a:t>
+              <a:t>refactorings</a:t>
             </a:r>
             <a:r>
               <a:rPr lang="en-US" sz="1200" kern="1200" dirty="0">
@@ -1524,114 +2025,7 @@
                 <a:ea typeface="+mn-ea"/>
                 <a:cs typeface="+mn-cs"/>
               </a:rPr>
-              <a:t> Dubey's work with the E3SM and Flash codes.  Example 1 is an ideal case.  You're developing a new code, and develop your diagnostics as your developing the code itself.  Taking the extra time to harden those diagnostics into a test suite will save you headaches later.  You'll likely have a lot of comparisons against known, expected solutions.  You should try and make things as granular as possible, though.  The scaffolding idea, discussed later, finds a way to "build up" a program, testing each new piece.  Remember to inject errors, so that you know your code will discover </a:t>
-            </a:r>
-            <a:r>
-              <a:rPr lang="en-US" sz="1200" kern="1200" dirty="0" err="1">
-                <a:solidFill>
-                  <a:schemeClr val="tx1"/>
-                </a:solidFill>
-                <a:effectLst/>
-                <a:latin typeface="+mn-lt"/>
-                <a:ea typeface="+mn-ea"/>
-                <a:cs typeface="+mn-cs"/>
-              </a:rPr>
-              <a:t>erroroneous</a:t>
-            </a:r>
-            <a:r>
-              <a:rPr lang="en-US" sz="1200" kern="1200" dirty="0">
-                <a:solidFill>
-                  <a:schemeClr val="tx1"/>
-                </a:solidFill>
-                <a:effectLst/>
-                <a:latin typeface="+mn-lt"/>
-                <a:ea typeface="+mn-ea"/>
-                <a:cs typeface="+mn-cs"/>
-              </a:rPr>
-              <a:t> input correctly.  As the package gets more complex, it's non-trivial to devise good tests.  Nevertheless, good tests are extremely important.</a:t>
-            </a:r>
-          </a:p>
-          <a:p>
-            <a:pPr marL="0" marR="0" lvl="0" indent="0" algn="l" defTabSz="914400" rtl="0" eaLnBrk="1" fontAlgn="auto" latinLnBrk="0" hangingPunct="1">
-              <a:lnSpc>
-                <a:spcPct val="100000"/>
-              </a:lnSpc>
-              <a:spcBef>
-                <a:spcPts val="0"/>
-              </a:spcBef>
-              <a:spcAft>
-                <a:spcPts val="0"/>
-              </a:spcAft>
-              <a:buClrTx/>
-              <a:buSzTx/>
-              <a:buFontTx/>
-              <a:buNone/>
-              <a:tabLst/>
-              <a:defRPr/>
-            </a:pPr>
-            <a:endParaRPr lang="en-US" sz="1200" kern="1200" dirty="0">
-              <a:solidFill>
-                <a:schemeClr val="tx1"/>
-              </a:solidFill>
-              <a:effectLst/>
-              <a:latin typeface="+mn-lt"/>
-              <a:ea typeface="+mn-ea"/>
-              <a:cs typeface="+mn-cs"/>
-            </a:endParaRPr>
-          </a:p>
-          <a:p>
-            <a:pPr marL="0" marR="0" lvl="0" indent="0" algn="l" defTabSz="914400" rtl="0" eaLnBrk="1" fontAlgn="auto" latinLnBrk="0" hangingPunct="1">
-              <a:lnSpc>
-                <a:spcPct val="100000"/>
-              </a:lnSpc>
-              <a:spcBef>
-                <a:spcPts val="0"/>
-              </a:spcBef>
-              <a:spcAft>
-                <a:spcPts val="0"/>
-              </a:spcAft>
-              <a:buClrTx/>
-              <a:buSzTx/>
-              <a:buFontTx/>
-              <a:buNone/>
-              <a:tabLst/>
-              <a:defRPr/>
-            </a:pPr>
-            <a:r>
-              <a:rPr lang="en-US" sz="1200" kern="1200" dirty="0">
-                <a:solidFill>
-                  <a:schemeClr val="tx1"/>
-                </a:solidFill>
-                <a:effectLst/>
-                <a:latin typeface="+mn-lt"/>
-                <a:ea typeface="+mn-ea"/>
-                <a:cs typeface="+mn-cs"/>
-              </a:rPr>
-              <a:t>Proper testing procedures can also help encourage new contributors.  Only recently, I had this experience contributing a feature to the "</a:t>
-            </a:r>
-            <a:r>
-              <a:rPr lang="en-US" sz="1200" kern="1200" dirty="0" err="1">
-                <a:solidFill>
-                  <a:schemeClr val="tx1"/>
-                </a:solidFill>
-                <a:effectLst/>
-                <a:latin typeface="+mn-lt"/>
-                <a:ea typeface="+mn-ea"/>
-                <a:cs typeface="+mn-cs"/>
-              </a:rPr>
-              <a:t>alpaka</a:t>
-            </a:r>
-            <a:r>
-              <a:rPr lang="en-US" sz="1200" kern="1200" dirty="0">
-                <a:solidFill>
-                  <a:schemeClr val="tx1"/>
-                </a:solidFill>
-                <a:effectLst/>
-                <a:latin typeface="+mn-lt"/>
-                <a:ea typeface="+mn-ea"/>
-                <a:cs typeface="+mn-cs"/>
-              </a:rPr>
-              <a:t>" code.  The first thing I did was check that the team wanted the feature.  Then I ran their test suite locally.  Everything worked, and then I could build my feature one line at a time – testing everything.  When I finally pushed it to the main repository, I was sure it was something the team onboard with, and that could be easily shown to work well.</a:t>
+              <a:t>, and use it for the code release process.  Cost-effectiveness comes in here because, if you already have defined functionalities and tests, then it's much less likely that your team will get side-tracked by maintaining fixes and patches for past releases.  That is a rabbit-hole nobody wants to go down.</a:t>
             </a:r>
           </a:p>
         </p:txBody>
@@ -1662,7 +2056,7 @@
     </p:spTree>
     <p:extLst>
       <p:ext uri="{BB962C8B-B14F-4D97-AF65-F5344CB8AC3E}">
-        <p14:creationId xmlns:p14="http://schemas.microsoft.com/office/powerpoint/2010/main" val="1900866051"/>
+        <p14:creationId xmlns:p14="http://schemas.microsoft.com/office/powerpoint/2010/main" val="4240883905"/>
       </p:ext>
     </p:extLst>
   </p:cSld>
@@ -1716,6 +2110,23 @@
           <a:bodyPr/>
           <a:lstStyle/>
           <a:p>
+            <a:pPr marL="0" marR="0" lvl="0" indent="0" algn="l" defTabSz="914400" rtl="0" eaLnBrk="1" fontAlgn="auto" latinLnBrk="0" hangingPunct="1">
+              <a:lnSpc>
+                <a:spcPct val="100000"/>
+              </a:lnSpc>
+              <a:spcBef>
+                <a:spcPts val="0"/>
+              </a:spcBef>
+              <a:spcAft>
+                <a:spcPts val="0"/>
+              </a:spcAft>
+              <a:buClrTx/>
+              <a:buSzTx/>
+              <a:buFontTx/>
+              <a:buNone/>
+              <a:tabLst/>
+              <a:defRPr/>
+            </a:pPr>
             <a:r>
               <a:rPr lang="en-US" sz="1200" kern="1200" dirty="0">
                 <a:solidFill>
@@ -1726,7 +2137,7 @@
                 <a:ea typeface="+mn-ea"/>
                 <a:cs typeface="+mn-cs"/>
               </a:rPr>
-              <a:t>Here's an example from the E3SM code, the </a:t>
+              <a:t>With those general guidelines in mind, let's get down to some specific examples from the collected experiences of our team members.  Many of these come from </a:t>
             </a:r>
             <a:r>
               <a:rPr lang="en-US" sz="1200" kern="1200" dirty="0" err="1">
@@ -1738,7 +2149,7 @@
                 <a:ea typeface="+mn-ea"/>
                 <a:cs typeface="+mn-cs"/>
               </a:rPr>
-              <a:t>Exascale</a:t>
+              <a:t>Anshu</a:t>
             </a:r>
             <a:r>
               <a:rPr lang="en-US" sz="1200" kern="1200" dirty="0">
@@ -1750,12 +2161,10 @@
                 <a:ea typeface="+mn-ea"/>
                 <a:cs typeface="+mn-cs"/>
               </a:rPr>
-              <a:t> Earth System Model.  Although advanced now, it originated in a combination of Fortran codes dealing with various aspects of climate modeling.  As a combination of many modules, it was difficult to create an overall testing strategy.</a:t>
-            </a:r>
-          </a:p>
-          <a:p>
-            <a:r>
-              <a:rPr lang="en-US" sz="1200" kern="1200" dirty="0">
+              <a:t> Dubey's work with the E3SM and Flash codes.  Example 1 is an ideal case.  You're developing a new code, and develop your diagnostics as your developing the code itself.  Taking the extra time to harden those diagnostics into a test suite will save you headaches later.  You'll likely have a lot of comparisons against known, expected solutions.  You should try and make things as granular as possible, though.  The scaffolding idea, discussed later, finds a way to "build up" a program, testing each new piece.  Remember to inject errors, so that you know your code will discover </a:t>
+            </a:r>
+            <a:r>
+              <a:rPr lang="en-US" sz="1200" kern="1200" dirty="0" err="1">
                 <a:solidFill>
                   <a:schemeClr val="tx1"/>
                 </a:solidFill>
@@ -1764,10 +2173,8 @@
                 <a:ea typeface="+mn-ea"/>
                 <a:cs typeface="+mn-cs"/>
               </a:rPr>
-              <a:t>a) Separate a unit.</a:t>
-            </a:r>
-          </a:p>
-          <a:p>
+              <a:t>erroroneous</a:t>
+            </a:r>
             <a:r>
               <a:rPr lang="en-US" sz="1200" kern="1200" dirty="0">
                 <a:solidFill>
@@ -1778,10 +2185,55 @@
                 <a:ea typeface="+mn-ea"/>
                 <a:cs typeface="+mn-cs"/>
               </a:rPr>
-              <a:t>b) Capture the state of the program inputting to that unit.</a:t>
-            </a:r>
-          </a:p>
-          <a:p>
+              <a:t> input correctly.  As the package gets more complex, it's non-trivial to devise good tests.  Nevertheless, good tests are extremely important.</a:t>
+            </a:r>
+          </a:p>
+          <a:p>
+            <a:pPr marL="0" marR="0" lvl="0" indent="0" algn="l" defTabSz="914400" rtl="0" eaLnBrk="1" fontAlgn="auto" latinLnBrk="0" hangingPunct="1">
+              <a:lnSpc>
+                <a:spcPct val="100000"/>
+              </a:lnSpc>
+              <a:spcBef>
+                <a:spcPts val="0"/>
+              </a:spcBef>
+              <a:spcAft>
+                <a:spcPts val="0"/>
+              </a:spcAft>
+              <a:buClrTx/>
+              <a:buSzTx/>
+              <a:buFontTx/>
+              <a:buNone/>
+              <a:tabLst/>
+              <a:defRPr/>
+            </a:pPr>
+            <a:endParaRPr lang="en-US" sz="1200" kern="1200" dirty="0">
+              <a:solidFill>
+                <a:schemeClr val="tx1"/>
+              </a:solidFill>
+              <a:effectLst/>
+              <a:latin typeface="+mn-lt"/>
+              <a:ea typeface="+mn-ea"/>
+              <a:cs typeface="+mn-cs"/>
+            </a:endParaRPr>
+          </a:p>
+          <a:p>
+            <a:pPr marL="0" marR="0" lvl="0" indent="0" algn="l" defTabSz="914400" rtl="0" eaLnBrk="1" fontAlgn="auto" latinLnBrk="0" hangingPunct="1">
+              <a:lnSpc>
+                <a:spcPct val="100000"/>
+              </a:lnSpc>
+              <a:spcBef>
+                <a:spcPts val="0"/>
+              </a:spcBef>
+              <a:spcAft>
+                <a:spcPts val="0"/>
+              </a:spcAft>
+              <a:buClrTx/>
+              <a:buSzTx/>
+              <a:buFontTx/>
+              <a:buNone/>
+              <a:tabLst/>
+              <a:defRPr/>
+            </a:pPr>
             <a:r>
               <a:rPr lang="en-US" sz="1200" kern="1200" dirty="0">
                 <a:solidFill>
@@ -1792,12 +2244,10 @@
                 <a:ea typeface="+mn-ea"/>
                 <a:cs typeface="+mn-cs"/>
               </a:rPr>
-              <a:t>c) Create a test driver to load the state and exercise the unit.</a:t>
-            </a:r>
-          </a:p>
-          <a:p>
-            <a:r>
-              <a:rPr lang="en-US" sz="1200" kern="1200" dirty="0">
+              <a:t>Proper testing procedures can also help encourage new contributors.  Only recently, I had this experience contributing a feature to the "</a:t>
+            </a:r>
+            <a:r>
+              <a:rPr lang="en-US" sz="1200" kern="1200" dirty="0" err="1">
                 <a:solidFill>
                   <a:schemeClr val="tx1"/>
                 </a:solidFill>
@@ -1806,10 +2256,10 @@
                 <a:ea typeface="+mn-ea"/>
                 <a:cs typeface="+mn-cs"/>
               </a:rPr>
-              <a:t>d) If extra functions from the code were accessed, these were </a:t>
-            </a:r>
-            <a:r>
-              <a:rPr lang="en-US" sz="1200" kern="1200" dirty="0" err="1">
+              <a:t>alpaka</a:t>
+            </a:r>
+            <a:r>
+              <a:rPr lang="en-US" sz="1200" kern="1200" dirty="0">
                 <a:solidFill>
                   <a:schemeClr val="tx1"/>
                 </a:solidFill>
@@ -1818,47 +2268,7 @@
                 <a:ea typeface="+mn-ea"/>
                 <a:cs typeface="+mn-cs"/>
               </a:rPr>
-              <a:t>sym</a:t>
-            </a:r>
-            <a:r>
-              <a:rPr lang="en-US" sz="1200" kern="1200" dirty="0">
-                <a:solidFill>
-                  <a:schemeClr val="tx1"/>
-                </a:solidFill>
-                <a:effectLst/>
-                <a:latin typeface="+mn-lt"/>
-                <a:ea typeface="+mn-ea"/>
-                <a:cs typeface="+mn-cs"/>
-              </a:rPr>
-              <a:t>-linked into the test directory.  Here, the branch at the right represents some helper functions that can be imported easily.</a:t>
-            </a:r>
-          </a:p>
-          <a:p>
-            <a:r>
-              <a:rPr lang="en-US" sz="1200" kern="1200" dirty="0">
-                <a:solidFill>
-                  <a:schemeClr val="tx1"/>
-                </a:solidFill>
-                <a:effectLst/>
-                <a:latin typeface="+mn-lt"/>
-                <a:ea typeface="+mn-ea"/>
-                <a:cs typeface="+mn-cs"/>
-              </a:rPr>
-              <a:t>e) That doesn't always work.  The red dot represents a module with lots of dependencies - not needed for this test.  In these cases, the module was modified to remove unnecessary dependencies.</a:t>
-            </a:r>
-          </a:p>
-          <a:p>
-            <a:r>
-              <a:rPr lang="en-US" sz="1200" kern="1200" dirty="0">
-                <a:solidFill>
-                  <a:schemeClr val="tx1"/>
-                </a:solidFill>
-                <a:effectLst/>
-                <a:latin typeface="+mn-lt"/>
-                <a:ea typeface="+mn-ea"/>
-                <a:cs typeface="+mn-cs"/>
-              </a:rPr>
-              <a:t>f) With all the code dependencies sorted out, the test driver itself becomes an isolated unit.  For this example, the original test took hours to run through the batch queue of a cluster.  The new unit test ran in 20 seconds on a developer's laptop.</a:t>
+              <a:t>" code.  The first thing I did was check that the team wanted the feature.  Then I ran their test suite locally.  Everything worked, and then I could build my feature one line at a time – testing everything.  When I finally pushed it to the main repository, I was sure it was something the team onboard with, and that could be easily shown to work well.</a:t>
             </a:r>
           </a:p>
         </p:txBody>
@@ -1889,7 +2299,7 @@
     </p:spTree>
     <p:extLst>
       <p:ext uri="{BB962C8B-B14F-4D97-AF65-F5344CB8AC3E}">
-        <p14:creationId xmlns:p14="http://schemas.microsoft.com/office/powerpoint/2010/main" val="4128517335"/>
+        <p14:creationId xmlns:p14="http://schemas.microsoft.com/office/powerpoint/2010/main" val="1900866051"/>
       </p:ext>
     </p:extLst>
   </p:cSld>
@@ -1943,23 +2353,6 @@
           <a:bodyPr/>
           <a:lstStyle/>
           <a:p>
-            <a:pPr marL="0" marR="0" lvl="0" indent="0" algn="l" defTabSz="914400" rtl="0" eaLnBrk="1" fontAlgn="auto" latinLnBrk="0" hangingPunct="1">
-              <a:lnSpc>
-                <a:spcPct val="100000"/>
-              </a:lnSpc>
-              <a:spcBef>
-                <a:spcPts val="0"/>
-              </a:spcBef>
-              <a:spcAft>
-                <a:spcPts val="0"/>
-              </a:spcAft>
-              <a:buClrTx/>
-              <a:buSzTx/>
-              <a:buFontTx/>
-              <a:buNone/>
-              <a:tabLst/>
-              <a:defRPr/>
-            </a:pPr>
             <a:r>
               <a:rPr lang="en-US" sz="1200" kern="1200" dirty="0">
                 <a:solidFill>
@@ -1970,7 +2363,229 @@
                 <a:ea typeface="+mn-ea"/>
                 <a:cs typeface="+mn-cs"/>
               </a:rPr>
-              <a:t>This third example comes from the FLASH code, which simulates particles and fields in astrophysics, like exploding stars.  Here, the unit-testing framework was developed as a series of layers that build up from basic to advanced functionality.  For example, the cell grid can be tested by creating "fake" functions to put onto the grid, and verifying their behavior.  This mocked dependency means that the test looks directly at the cell grid implementation.  After checking the cell grid works, we are free to use it as a real dependency in subsequent tests of more complicated objects.</a:t>
+              <a:t>Here's an example from the E3SM code, the </a:t>
+            </a:r>
+            <a:r>
+              <a:rPr lang="en-US" sz="1200" kern="1200" dirty="0" err="1">
+                <a:solidFill>
+                  <a:schemeClr val="tx1"/>
+                </a:solidFill>
+                <a:effectLst/>
+                <a:latin typeface="+mn-lt"/>
+                <a:ea typeface="+mn-ea"/>
+                <a:cs typeface="+mn-cs"/>
+              </a:rPr>
+              <a:t>Exascale</a:t>
+            </a:r>
+            <a:r>
+              <a:rPr lang="en-US" sz="1200" kern="1200" dirty="0">
+                <a:solidFill>
+                  <a:schemeClr val="tx1"/>
+                </a:solidFill>
+                <a:effectLst/>
+                <a:latin typeface="+mn-lt"/>
+                <a:ea typeface="+mn-ea"/>
+                <a:cs typeface="+mn-cs"/>
+              </a:rPr>
+              <a:t> Earth System Model.  Although advanced now, it originated in a combination of Fortran codes dealing with various aspects of climate modeling.  The project came together from a collection of independent projects and development practices. They imposed structure on the code through the use of Fortran modules. However, the focus was on running whole models, so their architecture and testing strategies evolved to work with that goal. That led to an unforeseen difficulty. For several sections of the code, even the simplest modification would take running the entire model to test. This meant enqueuing the job in a batch queue that would take non-trivial amount of time to run. What was missing was granular testing. And it wasn’t easy to separate out code sections for testing independently because one Fortran module gets data from another, that in turn gets data from yet another and so on … This is an example of a methodology used to generate an independent test for a code section. </a:t>
+            </a:r>
+          </a:p>
+          <a:p>
+            <a:endParaRPr lang="en-US" sz="1200" kern="1200" dirty="0">
+              <a:solidFill>
+                <a:schemeClr val="tx1"/>
+              </a:solidFill>
+              <a:effectLst/>
+              <a:latin typeface="+mn-lt"/>
+              <a:ea typeface="+mn-ea"/>
+              <a:cs typeface="+mn-cs"/>
+            </a:endParaRPr>
+          </a:p>
+          <a:p>
+            <a:pPr marL="228600" indent="-228600">
+              <a:buAutoNum type="alphaLcParenR"/>
+            </a:pPr>
+            <a:r>
+              <a:rPr lang="en-US" sz="1200" kern="1200" dirty="0">
+                <a:solidFill>
+                  <a:schemeClr val="tx1"/>
+                </a:solidFill>
+                <a:effectLst/>
+                <a:latin typeface="+mn-lt"/>
+                <a:ea typeface="+mn-ea"/>
+                <a:cs typeface="+mn-cs"/>
+              </a:rPr>
+              <a:t>Review the dependencies. Here the model needs to be at a certain ”state” to invoke the target code.</a:t>
+            </a:r>
+          </a:p>
+          <a:p>
+            <a:pPr marL="228600" indent="-228600">
+              <a:buAutoNum type="alphaLcParenR"/>
+            </a:pPr>
+            <a:r>
+              <a:rPr lang="en-US" sz="1200" kern="1200" dirty="0">
+                <a:solidFill>
+                  <a:schemeClr val="tx1"/>
+                </a:solidFill>
+                <a:effectLst/>
+                <a:latin typeface="+mn-lt"/>
+                <a:ea typeface="+mn-ea"/>
+                <a:cs typeface="+mn-cs"/>
+              </a:rPr>
+              <a:t>Look for dependencies on Fortran data modules that are outside the sub-tree containing the source code for this section</a:t>
+            </a:r>
+          </a:p>
+          <a:p>
+            <a:pPr marL="228600" indent="-228600">
+              <a:buAutoNum type="alphaLcParenR"/>
+            </a:pPr>
+            <a:r>
+              <a:rPr lang="en-US" sz="1200" kern="1200" dirty="0">
+                <a:solidFill>
+                  <a:schemeClr val="tx1"/>
+                </a:solidFill>
+                <a:effectLst/>
+                <a:latin typeface="+mn-lt"/>
+                <a:ea typeface="+mn-ea"/>
+                <a:cs typeface="+mn-cs"/>
+              </a:rPr>
+              <a:t>For each of the data modules determine where the dependencies can be pruned. </a:t>
+            </a:r>
+          </a:p>
+          <a:p>
+            <a:r>
+              <a:rPr lang="en-US" sz="1200" kern="1200" dirty="0">
+                <a:solidFill>
+                  <a:schemeClr val="tx1"/>
+                </a:solidFill>
+                <a:effectLst/>
+                <a:latin typeface="+mn-lt"/>
+                <a:ea typeface="+mn-ea"/>
+                <a:cs typeface="+mn-cs"/>
+              </a:rPr>
+              <a:t>d) Run the full model and capture the “state” just before the invocation of the target section.</a:t>
+            </a:r>
+          </a:p>
+          <a:p>
+            <a:r>
+              <a:rPr lang="en-US" sz="1200" kern="1200" dirty="0">
+                <a:solidFill>
+                  <a:schemeClr val="tx1"/>
+                </a:solidFill>
+                <a:effectLst/>
+                <a:latin typeface="+mn-lt"/>
+                <a:ea typeface="+mn-ea"/>
+                <a:cs typeface="+mn-cs"/>
+              </a:rPr>
+              <a:t>e) Create a separate working directory for the test</a:t>
+            </a:r>
+          </a:p>
+          <a:p>
+            <a:r>
+              <a:rPr lang="en-US" sz="1200" kern="1200" dirty="0">
+                <a:solidFill>
+                  <a:schemeClr val="tx1"/>
+                </a:solidFill>
+                <a:effectLst/>
+                <a:latin typeface="+mn-lt"/>
+                <a:ea typeface="+mn-ea"/>
+                <a:cs typeface="+mn-cs"/>
+              </a:rPr>
+              <a:t>f) In this working area create soft links to the files that have dependencies</a:t>
+            </a:r>
+          </a:p>
+          <a:p>
+            <a:r>
+              <a:rPr lang="en-US" sz="1200" kern="1200" dirty="0">
+                <a:solidFill>
+                  <a:schemeClr val="tx1"/>
+                </a:solidFill>
+                <a:effectLst/>
+                <a:latin typeface="+mn-lt"/>
+                <a:ea typeface="+mn-ea"/>
+                <a:cs typeface="+mn-cs"/>
+              </a:rPr>
+              <a:t>g) Where the dependence is to be pruned create a copy of the corresponding file in the working area and modify it as needed.</a:t>
+            </a:r>
+          </a:p>
+          <a:p>
+            <a:r>
+              <a:rPr lang="en-US" sz="1200" kern="1200" dirty="0">
+                <a:solidFill>
+                  <a:schemeClr val="tx1"/>
+                </a:solidFill>
+                <a:effectLst/>
+                <a:latin typeface="+mn-lt"/>
+                <a:ea typeface="+mn-ea"/>
+                <a:cs typeface="+mn-cs"/>
+              </a:rPr>
+              <a:t>e) Create a test driver to load the state and exercise the unit.</a:t>
+            </a:r>
+          </a:p>
+          <a:p>
+            <a:r>
+              <a:rPr lang="en-US" sz="1200" kern="1200" dirty="0">
+                <a:solidFill>
+                  <a:schemeClr val="tx1"/>
+                </a:solidFill>
+                <a:effectLst/>
+                <a:latin typeface="+mn-lt"/>
+                <a:ea typeface="+mn-ea"/>
+                <a:cs typeface="+mn-cs"/>
+              </a:rPr>
+              <a:t>d) If extra functions from the code were accessed, these were </a:t>
+            </a:r>
+            <a:r>
+              <a:rPr lang="en-US" sz="1200" kern="1200" dirty="0" err="1">
+                <a:solidFill>
+                  <a:schemeClr val="tx1"/>
+                </a:solidFill>
+                <a:effectLst/>
+                <a:latin typeface="+mn-lt"/>
+                <a:ea typeface="+mn-ea"/>
+                <a:cs typeface="+mn-cs"/>
+              </a:rPr>
+              <a:t>sym</a:t>
+            </a:r>
+            <a:r>
+              <a:rPr lang="en-US" sz="1200" kern="1200" dirty="0">
+                <a:solidFill>
+                  <a:schemeClr val="tx1"/>
+                </a:solidFill>
+                <a:effectLst/>
+                <a:latin typeface="+mn-lt"/>
+                <a:ea typeface="+mn-ea"/>
+                <a:cs typeface="+mn-cs"/>
+              </a:rPr>
+              <a:t>-linked into the test directory.  Here, the branch at the right represents some helper functions that can be imported easily.</a:t>
+            </a:r>
+          </a:p>
+          <a:p>
+            <a:r>
+              <a:rPr lang="en-US" sz="1200" kern="1200" dirty="0">
+                <a:solidFill>
+                  <a:schemeClr val="tx1"/>
+                </a:solidFill>
+                <a:effectLst/>
+                <a:latin typeface="+mn-lt"/>
+                <a:ea typeface="+mn-ea"/>
+                <a:cs typeface="+mn-cs"/>
+              </a:rPr>
+              <a:t>e) That doesn't always work.  The red dot represents a module with lots of dependencies - not needed for this test.  In these cases, the module was modified to remove unnecessary dependencies.</a:t>
+            </a:r>
+          </a:p>
+          <a:p>
+            <a:r>
+              <a:rPr lang="en-US" sz="1200" kern="1200" dirty="0">
+                <a:solidFill>
+                  <a:schemeClr val="tx1"/>
+                </a:solidFill>
+                <a:effectLst/>
+                <a:latin typeface="+mn-lt"/>
+                <a:ea typeface="+mn-ea"/>
+                <a:cs typeface="+mn-cs"/>
+              </a:rPr>
+              <a:t>f) With all the code dependencies sorted out, the test driver itself becomes an isolated unit.  For this example, the original test took hours to run through the batch queue of a cluster.  The new unit test ran in 20 seconds on a developer's laptop.</a:t>
             </a:r>
           </a:p>
         </p:txBody>
@@ -2001,7 +2616,7 @@
     </p:spTree>
     <p:extLst>
       <p:ext uri="{BB962C8B-B14F-4D97-AF65-F5344CB8AC3E}">
-        <p14:creationId xmlns:p14="http://schemas.microsoft.com/office/powerpoint/2010/main" val="2943802418"/>
+        <p14:creationId xmlns:p14="http://schemas.microsoft.com/office/powerpoint/2010/main" val="4128517335"/>
       </p:ext>
     </p:extLst>
   </p:cSld>
@@ -2082,7 +2697,7 @@
                 <a:ea typeface="+mn-ea"/>
                 <a:cs typeface="+mn-cs"/>
               </a:rPr>
-              <a:t>Here's another example of verifying the halo exchange on a cell grid.  The test initializes interior cells with a known function, does the halo exchange, and checks whether the guard cell has been properly copied over.  Similarly, a unit test can be written to verify parts of the computations - like computing energy from pressure and temperature.</a:t>
+              <a:t>This third example comes from the FLASH code, which simulates particles and fields in astrophysics, like exploding stars.  Here, the unit-testing framework was developed as a series of layers that build up from basic to advanced functionality.  For example, the cell grid can be tested by creating "fake" functions to put onto the grid, and verifying their behavior.  This mocked dependency means that the test looks directly at the cell grid implementation.  After checking the cell grid works, we are free to use it as a real dependency in subsequent tests of more complicated objects.</a:t>
             </a:r>
           </a:p>
         </p:txBody>
@@ -2113,7 +2728,7 @@
     </p:spTree>
     <p:extLst>
       <p:ext uri="{BB962C8B-B14F-4D97-AF65-F5344CB8AC3E}">
-        <p14:creationId xmlns:p14="http://schemas.microsoft.com/office/powerpoint/2010/main" val="2514086208"/>
+        <p14:creationId xmlns:p14="http://schemas.microsoft.com/office/powerpoint/2010/main" val="2943802418"/>
       </p:ext>
     </p:extLst>
   </p:cSld>
@@ -2194,55 +2809,7 @@
                 <a:ea typeface="+mn-ea"/>
                 <a:cs typeface="+mn-cs"/>
               </a:rPr>
-              <a:t>Once those basic unit tests are done, we can create a unit test at the next level.  Here, the </a:t>
-            </a:r>
-            <a:r>
-              <a:rPr lang="en-US" sz="1200" kern="1200" dirty="0" err="1">
-                <a:solidFill>
-                  <a:schemeClr val="tx1"/>
-                </a:solidFill>
-                <a:effectLst/>
-                <a:latin typeface="+mn-lt"/>
-                <a:ea typeface="+mn-ea"/>
-                <a:cs typeface="+mn-cs"/>
-              </a:rPr>
-              <a:t>Sedov</a:t>
-            </a:r>
-            <a:r>
-              <a:rPr lang="en-US" sz="1200" kern="1200" dirty="0">
-                <a:solidFill>
-                  <a:schemeClr val="tx1"/>
-                </a:solidFill>
-                <a:effectLst/>
-                <a:latin typeface="+mn-lt"/>
-                <a:ea typeface="+mn-ea"/>
-                <a:cs typeface="+mn-cs"/>
-              </a:rPr>
-              <a:t> blast wave is simulated using the cell grid and equation of state previously tested.  The </a:t>
-            </a:r>
-            <a:r>
-              <a:rPr lang="en-US" sz="1200" kern="1200" dirty="0" err="1">
-                <a:solidFill>
-                  <a:schemeClr val="tx1"/>
-                </a:solidFill>
-                <a:effectLst/>
-                <a:latin typeface="+mn-lt"/>
-                <a:ea typeface="+mn-ea"/>
-                <a:cs typeface="+mn-cs"/>
-              </a:rPr>
-              <a:t>Sedov</a:t>
-            </a:r>
-            <a:r>
-              <a:rPr lang="en-US" sz="1200" kern="1200" dirty="0">
-                <a:solidFill>
-                  <a:schemeClr val="tx1"/>
-                </a:solidFill>
-                <a:effectLst/>
-                <a:latin typeface="+mn-lt"/>
-                <a:ea typeface="+mn-ea"/>
-                <a:cs typeface="+mn-cs"/>
-              </a:rPr>
-              <a:t> wave has a known analytical solution, which provides an error estimate for the implementation.  Out-of-tolerance errors at this stage indicate a problem specific to hydrodynamics, since the cells and equation of state are already tested.  In addition, plotting errors vs. space and time helps to train graduate students.</a:t>
+              <a:t>Here's another example of verifying the halo exchange on a cell grid.  The test initializes interior cells with a known function, does the halo exchange, and checks whether the guard cell has been properly copied over.  Similarly, a unit test can be written to verify parts of the computations - like computing energy from pressure and temperature.</a:t>
             </a:r>
           </a:p>
         </p:txBody>
@@ -2273,7 +2840,7 @@
     </p:spTree>
     <p:extLst>
       <p:ext uri="{BB962C8B-B14F-4D97-AF65-F5344CB8AC3E}">
-        <p14:creationId xmlns:p14="http://schemas.microsoft.com/office/powerpoint/2010/main" val="1935325995"/>
+        <p14:creationId xmlns:p14="http://schemas.microsoft.com/office/powerpoint/2010/main" val="2531848196"/>
       </p:ext>
     </p:extLst>
   </p:cSld>
@@ -5830,6 +6397,1098 @@
       </p:grpSpPr>
       <p:sp>
         <p:nvSpPr>
+          <p:cNvPr id="2" name="Title 1"/>
+          <p:cNvSpPr>
+            <a:spLocks noGrp="1"/>
+          </p:cNvSpPr>
+          <p:nvPr>
+            <p:ph type="title"/>
+          </p:nvPr>
+        </p:nvSpPr>
+        <p:spPr/>
+        <p:txBody>
+          <a:bodyPr/>
+          <a:lstStyle/>
+          <a:p>
+            <a:r>
+              <a:rPr lang="en-US" dirty="0"/>
+              <a:t>Example 3: Structured Testing</a:t>
+            </a:r>
+          </a:p>
+        </p:txBody>
+      </p:sp>
+      <p:sp>
+        <p:nvSpPr>
+          <p:cNvPr id="5" name="Content Placeholder 4"/>
+          <p:cNvSpPr>
+            <a:spLocks noGrp="1"/>
+          </p:cNvSpPr>
+          <p:nvPr>
+            <p:ph sz="quarter" idx="1"/>
+          </p:nvPr>
+        </p:nvSpPr>
+        <p:spPr>
+          <a:xfrm>
+            <a:off x="496346" y="943897"/>
+            <a:ext cx="4761454" cy="4893023"/>
+          </a:xfrm>
+        </p:spPr>
+        <p:txBody>
+          <a:bodyPr/>
+          <a:lstStyle/>
+          <a:p>
+            <a:pPr marL="0" indent="0">
+              <a:buNone/>
+            </a:pPr>
+            <a:r>
+              <a:rPr lang="en-US" b="1" dirty="0"/>
+              <a:t>Unit test for Grid halo cell fill</a:t>
+            </a:r>
+          </a:p>
+          <a:p>
+            <a:r>
+              <a:rPr lang="en-US" dirty="0"/>
+              <a:t>Verification of guard/ghost/halo  cell fill</a:t>
+            </a:r>
+          </a:p>
+          <a:p>
+            <a:r>
+              <a:rPr lang="en-US" dirty="0"/>
+              <a:t>Initialize field on interior cells (red)</a:t>
+            </a:r>
+          </a:p>
+          <a:p>
+            <a:r>
+              <a:rPr lang="en-US" dirty="0"/>
+              <a:t>Apply guard cell fill</a:t>
+            </a:r>
+          </a:p>
+          <a:p>
+            <a:r>
+              <a:rPr lang="en-US" dirty="0"/>
+              <a:t>Check for equivalence with known fill pattern</a:t>
+            </a:r>
+          </a:p>
+        </p:txBody>
+      </p:sp>
+      <p:sp>
+        <p:nvSpPr>
+          <p:cNvPr id="6" name="Donut 5">
+            <a:extLst>
+              <a:ext uri="{FF2B5EF4-FFF2-40B4-BE49-F238E27FC236}">
+                <a16:creationId xmlns:a16="http://schemas.microsoft.com/office/drawing/2014/main" id="{AF11DFE6-1CA6-7B47-BB91-0A4FD7EE6189}"/>
+              </a:ext>
+            </a:extLst>
+          </p:cNvPr>
+          <p:cNvSpPr/>
+          <p:nvPr/>
+        </p:nvSpPr>
+        <p:spPr>
+          <a:xfrm>
+            <a:off x="164373" y="4461000"/>
+            <a:ext cx="1847200" cy="1758821"/>
+          </a:xfrm>
+          <a:prstGeom prst="donut">
+            <a:avLst/>
+          </a:prstGeom>
+          <a:solidFill>
+            <a:schemeClr val="accent6">
+              <a:lumMod val="40000"/>
+              <a:lumOff val="60000"/>
+            </a:schemeClr>
+          </a:solidFill>
+          <a:ln>
+            <a:solidFill>
+              <a:schemeClr val="tx1"/>
+            </a:solidFill>
+          </a:ln>
+        </p:spPr>
+        <p:style>
+          <a:lnRef idx="1">
+            <a:schemeClr val="accent1"/>
+          </a:lnRef>
+          <a:fillRef idx="3">
+            <a:schemeClr val="accent1"/>
+          </a:fillRef>
+          <a:effectRef idx="2">
+            <a:schemeClr val="accent1"/>
+          </a:effectRef>
+          <a:fontRef idx="minor">
+            <a:schemeClr val="lt1"/>
+          </a:fontRef>
+        </p:style>
+        <p:txBody>
+          <a:bodyPr rtlCol="0" anchor="ctr"/>
+          <a:lstStyle/>
+          <a:p>
+            <a:pPr algn="ctr"/>
+            <a:r>
+              <a:rPr lang="en-US" dirty="0" err="1">
+                <a:solidFill>
+                  <a:schemeClr val="tx1"/>
+                </a:solidFill>
+              </a:rPr>
+              <a:t>gc</a:t>
+            </a:r>
+            <a:r>
+              <a:rPr lang="en-US" dirty="0">
+                <a:solidFill>
+                  <a:schemeClr val="tx1"/>
+                </a:solidFill>
+              </a:rPr>
+              <a:t> test</a:t>
+            </a:r>
+          </a:p>
+        </p:txBody>
+      </p:sp>
+      <p:grpSp>
+        <p:nvGrpSpPr>
+          <p:cNvPr id="9" name="Group 8">
+            <a:extLst>
+              <a:ext uri="{FF2B5EF4-FFF2-40B4-BE49-F238E27FC236}">
+                <a16:creationId xmlns:a16="http://schemas.microsoft.com/office/drawing/2014/main" id="{85793508-B53B-654E-95B1-E2E34F1DE3B4}"/>
+              </a:ext>
+            </a:extLst>
+          </p:cNvPr>
+          <p:cNvGrpSpPr/>
+          <p:nvPr/>
+        </p:nvGrpSpPr>
+        <p:grpSpPr>
+          <a:xfrm>
+            <a:off x="6505642" y="2237359"/>
+            <a:ext cx="2079986" cy="1631092"/>
+            <a:chOff x="9658247" y="3805881"/>
+            <a:chExt cx="2079986" cy="1631092"/>
+          </a:xfrm>
+        </p:grpSpPr>
+        <p:sp>
+          <p:nvSpPr>
+            <p:cNvPr id="10" name="Rectangle 9">
+              <a:extLst>
+                <a:ext uri="{FF2B5EF4-FFF2-40B4-BE49-F238E27FC236}">
+                  <a16:creationId xmlns:a16="http://schemas.microsoft.com/office/drawing/2014/main" id="{F1BC5DAF-FB6C-E846-8754-C13ADB909601}"/>
+                </a:ext>
+              </a:extLst>
+            </p:cNvPr>
+            <p:cNvSpPr/>
+            <p:nvPr/>
+          </p:nvSpPr>
+          <p:spPr>
+            <a:xfrm>
+              <a:off x="9658247" y="3805881"/>
+              <a:ext cx="2079986" cy="1631092"/>
+            </a:xfrm>
+            <a:prstGeom prst="rect">
+              <a:avLst/>
+            </a:prstGeom>
+            <a:solidFill>
+              <a:schemeClr val="accent3">
+                <a:alpha val="58000"/>
+              </a:schemeClr>
+            </a:solidFill>
+            <a:ln>
+              <a:noFill/>
+            </a:ln>
+            <a:effectLst>
+              <a:outerShdw blurRad="44450" dist="27940" dir="5400000" algn="ctr">
+                <a:srgbClr val="000000">
+                  <a:alpha val="32000"/>
+                </a:srgbClr>
+              </a:outerShdw>
+            </a:effectLst>
+          </p:spPr>
+          <p:txBody>
+            <a:bodyPr rot="0" spcFirstLastPara="0" vertOverflow="overflow" horzOverflow="overflow" vert="horz" wrap="square" lIns="121851" tIns="60925" rIns="121851" bIns="60925" numCol="1" spcCol="0" rtlCol="0" fromWordArt="0" anchor="ctr" anchorCtr="0" forceAA="0" compatLnSpc="1">
+              <a:prstTxWarp prst="textNoShape">
+                <a:avLst/>
+              </a:prstTxWarp>
+              <a:noAutofit/>
+            </a:bodyPr>
+            <a:lstStyle/>
+            <a:p>
+              <a:pPr algn="ctr">
+                <a:lnSpc>
+                  <a:spcPct val="90000"/>
+                </a:lnSpc>
+              </a:pPr>
+              <a:endParaRPr lang="en-US" sz="2000" dirty="0">
+                <a:solidFill>
+                  <a:schemeClr val="bg1"/>
+                </a:solidFill>
+              </a:endParaRPr>
+            </a:p>
+          </p:txBody>
+        </p:sp>
+        <p:sp>
+          <p:nvSpPr>
+            <p:cNvPr id="11" name="Rectangle 10">
+              <a:extLst>
+                <a:ext uri="{FF2B5EF4-FFF2-40B4-BE49-F238E27FC236}">
+                  <a16:creationId xmlns:a16="http://schemas.microsoft.com/office/drawing/2014/main" id="{674E4AB0-5EBC-A14F-93BE-2A60B4418EA4}"/>
+                </a:ext>
+              </a:extLst>
+            </p:cNvPr>
+            <p:cNvSpPr/>
+            <p:nvPr/>
+          </p:nvSpPr>
+          <p:spPr>
+            <a:xfrm>
+              <a:off x="10056889" y="4079744"/>
+              <a:ext cx="1285103" cy="1083365"/>
+            </a:xfrm>
+            <a:prstGeom prst="rect">
+              <a:avLst/>
+            </a:prstGeom>
+            <a:solidFill>
+              <a:srgbClr val="FF0000"/>
+            </a:solidFill>
+            <a:ln>
+              <a:noFill/>
+            </a:ln>
+            <a:effectLst>
+              <a:outerShdw blurRad="44450" dist="27940" dir="5400000" algn="ctr">
+                <a:srgbClr val="000000">
+                  <a:alpha val="32000"/>
+                </a:srgbClr>
+              </a:outerShdw>
+            </a:effectLst>
+          </p:spPr>
+          <p:txBody>
+            <a:bodyPr rot="0" spcFirstLastPara="0" vertOverflow="overflow" horzOverflow="overflow" vert="horz" wrap="square" lIns="121851" tIns="60925" rIns="121851" bIns="60925" numCol="1" spcCol="0" rtlCol="0" fromWordArt="0" anchor="ctr" anchorCtr="0" forceAA="0" compatLnSpc="1">
+              <a:prstTxWarp prst="textNoShape">
+                <a:avLst/>
+              </a:prstTxWarp>
+              <a:noAutofit/>
+            </a:bodyPr>
+            <a:lstStyle/>
+            <a:p>
+              <a:pPr algn="ctr">
+                <a:lnSpc>
+                  <a:spcPct val="90000"/>
+                </a:lnSpc>
+              </a:pPr>
+              <a:r>
+                <a:rPr lang="en-US" sz="2000" dirty="0">
+                  <a:solidFill>
+                    <a:schemeClr val="bg1"/>
+                  </a:solidFill>
+                </a:rPr>
+                <a:t>rank 3</a:t>
+              </a:r>
+            </a:p>
+          </p:txBody>
+        </p:sp>
+      </p:grpSp>
+      <p:grpSp>
+        <p:nvGrpSpPr>
+          <p:cNvPr id="12" name="Group 11">
+            <a:extLst>
+              <a:ext uri="{FF2B5EF4-FFF2-40B4-BE49-F238E27FC236}">
+                <a16:creationId xmlns:a16="http://schemas.microsoft.com/office/drawing/2014/main" id="{2348CE2A-6110-8E44-A7B1-762FE7CAAC53}"/>
+              </a:ext>
+            </a:extLst>
+          </p:cNvPr>
+          <p:cNvGrpSpPr/>
+          <p:nvPr/>
+        </p:nvGrpSpPr>
+        <p:grpSpPr>
+          <a:xfrm>
+            <a:off x="7789106" y="1180370"/>
+            <a:ext cx="2079986" cy="1631092"/>
+            <a:chOff x="9658247" y="3805881"/>
+            <a:chExt cx="2079986" cy="1631092"/>
+          </a:xfrm>
+        </p:grpSpPr>
+        <p:sp>
+          <p:nvSpPr>
+            <p:cNvPr id="13" name="Rectangle 12">
+              <a:extLst>
+                <a:ext uri="{FF2B5EF4-FFF2-40B4-BE49-F238E27FC236}">
+                  <a16:creationId xmlns:a16="http://schemas.microsoft.com/office/drawing/2014/main" id="{18E08F0C-3C42-FE43-817A-850D8252FDA8}"/>
+                </a:ext>
+              </a:extLst>
+            </p:cNvPr>
+            <p:cNvSpPr/>
+            <p:nvPr/>
+          </p:nvSpPr>
+          <p:spPr>
+            <a:xfrm>
+              <a:off x="9658247" y="3805881"/>
+              <a:ext cx="2079986" cy="1631092"/>
+            </a:xfrm>
+            <a:prstGeom prst="rect">
+              <a:avLst/>
+            </a:prstGeom>
+            <a:solidFill>
+              <a:schemeClr val="accent3">
+                <a:alpha val="58000"/>
+              </a:schemeClr>
+            </a:solidFill>
+            <a:ln>
+              <a:noFill/>
+            </a:ln>
+            <a:effectLst>
+              <a:outerShdw blurRad="44450" dist="27940" dir="5400000" algn="ctr">
+                <a:srgbClr val="000000">
+                  <a:alpha val="32000"/>
+                </a:srgbClr>
+              </a:outerShdw>
+            </a:effectLst>
+          </p:spPr>
+          <p:txBody>
+            <a:bodyPr rot="0" spcFirstLastPara="0" vertOverflow="overflow" horzOverflow="overflow" vert="horz" wrap="square" lIns="121851" tIns="60925" rIns="121851" bIns="60925" numCol="1" spcCol="0" rtlCol="0" fromWordArt="0" anchor="ctr" anchorCtr="0" forceAA="0" compatLnSpc="1">
+              <a:prstTxWarp prst="textNoShape">
+                <a:avLst/>
+              </a:prstTxWarp>
+              <a:noAutofit/>
+            </a:bodyPr>
+            <a:lstStyle/>
+            <a:p>
+              <a:pPr algn="ctr">
+                <a:lnSpc>
+                  <a:spcPct val="90000"/>
+                </a:lnSpc>
+              </a:pPr>
+              <a:endParaRPr lang="en-US" sz="2000" dirty="0">
+                <a:solidFill>
+                  <a:schemeClr val="bg1"/>
+                </a:solidFill>
+              </a:endParaRPr>
+            </a:p>
+          </p:txBody>
+        </p:sp>
+        <p:sp>
+          <p:nvSpPr>
+            <p:cNvPr id="14" name="Rectangle 13">
+              <a:extLst>
+                <a:ext uri="{FF2B5EF4-FFF2-40B4-BE49-F238E27FC236}">
+                  <a16:creationId xmlns:a16="http://schemas.microsoft.com/office/drawing/2014/main" id="{8E56C841-8950-C544-BBEF-292FA2BFD703}"/>
+                </a:ext>
+              </a:extLst>
+            </p:cNvPr>
+            <p:cNvSpPr/>
+            <p:nvPr/>
+          </p:nvSpPr>
+          <p:spPr>
+            <a:xfrm>
+              <a:off x="10056889" y="4079744"/>
+              <a:ext cx="1285103" cy="1083365"/>
+            </a:xfrm>
+            <a:prstGeom prst="rect">
+              <a:avLst/>
+            </a:prstGeom>
+            <a:solidFill>
+              <a:srgbClr val="FF0000"/>
+            </a:solidFill>
+            <a:ln>
+              <a:noFill/>
+            </a:ln>
+            <a:effectLst>
+              <a:outerShdw blurRad="44450" dist="27940" dir="5400000" algn="ctr">
+                <a:srgbClr val="000000">
+                  <a:alpha val="32000"/>
+                </a:srgbClr>
+              </a:outerShdw>
+            </a:effectLst>
+          </p:spPr>
+          <p:txBody>
+            <a:bodyPr rot="0" spcFirstLastPara="0" vertOverflow="overflow" horzOverflow="overflow" vert="horz" wrap="square" lIns="121851" tIns="60925" rIns="121851" bIns="60925" numCol="1" spcCol="0" rtlCol="0" fromWordArt="0" anchor="ctr" anchorCtr="0" forceAA="0" compatLnSpc="1">
+              <a:prstTxWarp prst="textNoShape">
+                <a:avLst/>
+              </a:prstTxWarp>
+              <a:noAutofit/>
+            </a:bodyPr>
+            <a:lstStyle/>
+            <a:p>
+              <a:pPr algn="ctr">
+                <a:lnSpc>
+                  <a:spcPct val="90000"/>
+                </a:lnSpc>
+              </a:pPr>
+              <a:r>
+                <a:rPr lang="en-US" sz="2000" dirty="0">
+                  <a:solidFill>
+                    <a:schemeClr val="bg1"/>
+                  </a:solidFill>
+                </a:rPr>
+                <a:t>rank 2</a:t>
+              </a:r>
+            </a:p>
+          </p:txBody>
+        </p:sp>
+      </p:grpSp>
+      <p:sp>
+        <p:nvSpPr>
+          <p:cNvPr id="15" name="TextBox 14">
+            <a:extLst>
+              <a:ext uri="{FF2B5EF4-FFF2-40B4-BE49-F238E27FC236}">
+                <a16:creationId xmlns:a16="http://schemas.microsoft.com/office/drawing/2014/main" id="{A8555D94-28CA-8244-A3F4-18ED0B844E35}"/>
+              </a:ext>
+            </a:extLst>
+          </p:cNvPr>
+          <p:cNvSpPr txBox="1"/>
+          <p:nvPr/>
+        </p:nvSpPr>
+        <p:spPr>
+          <a:xfrm>
+            <a:off x="8626426" y="2902167"/>
+            <a:ext cx="1201867" cy="433965"/>
+          </a:xfrm>
+          <a:prstGeom prst="rect">
+            <a:avLst/>
+          </a:prstGeom>
+          <a:noFill/>
+        </p:spPr>
+        <p:txBody>
+          <a:bodyPr wrap="none" lIns="118872" tIns="91440" rIns="118872" bIns="91440" rtlCol="0" anchor="ctr" anchorCtr="0">
+            <a:spAutoFit/>
+          </a:bodyPr>
+          <a:lstStyle/>
+          <a:p>
+            <a:pPr algn="l">
+              <a:lnSpc>
+                <a:spcPct val="90000"/>
+              </a:lnSpc>
+            </a:pPr>
+            <a:r>
+              <a:rPr lang="en-US" dirty="0"/>
+              <a:t>halo cells</a:t>
+            </a:r>
+          </a:p>
+        </p:txBody>
+      </p:sp>
+    </p:spTree>
+    <p:custDataLst>
+      <p:tags r:id="rId1"/>
+    </p:custDataLst>
+    <p:extLst>
+      <p:ext uri="{BB962C8B-B14F-4D97-AF65-F5344CB8AC3E}">
+        <p14:creationId xmlns:p14="http://schemas.microsoft.com/office/powerpoint/2010/main" val="3582748909"/>
+      </p:ext>
+    </p:extLst>
+  </p:cSld>
+  <p:clrMapOvr>
+    <a:masterClrMapping/>
+  </p:clrMapOvr>
+</p:sld>
+</file>
+
+<file path=ppt/slides/slide11.xml><?xml version="1.0" encoding="utf-8"?>
+<p:sld xmlns:a="http://schemas.openxmlformats.org/drawingml/2006/main" xmlns:r="http://schemas.openxmlformats.org/officeDocument/2006/relationships" xmlns:p="http://schemas.openxmlformats.org/presentationml/2006/main">
+  <p:cSld>
+    <p:spTree>
+      <p:nvGrpSpPr>
+        <p:cNvPr id="1" name=""/>
+        <p:cNvGrpSpPr/>
+        <p:nvPr/>
+      </p:nvGrpSpPr>
+      <p:grpSpPr>
+        <a:xfrm>
+          <a:off x="0" y="0"/>
+          <a:ext cx="0" cy="0"/>
+          <a:chOff x="0" y="0"/>
+          <a:chExt cx="0" cy="0"/>
+        </a:xfrm>
+      </p:grpSpPr>
+      <p:sp>
+        <p:nvSpPr>
+          <p:cNvPr id="2" name="Title 1"/>
+          <p:cNvSpPr>
+            <a:spLocks noGrp="1"/>
+          </p:cNvSpPr>
+          <p:nvPr>
+            <p:ph type="title"/>
+          </p:nvPr>
+        </p:nvSpPr>
+        <p:spPr/>
+        <p:txBody>
+          <a:bodyPr/>
+          <a:lstStyle/>
+          <a:p>
+            <a:r>
+              <a:rPr lang="en-US" dirty="0"/>
+              <a:t>Example 3: Structured Testing</a:t>
+            </a:r>
+          </a:p>
+        </p:txBody>
+      </p:sp>
+      <p:sp>
+        <p:nvSpPr>
+          <p:cNvPr id="5" name="Content Placeholder 4"/>
+          <p:cNvSpPr>
+            <a:spLocks noGrp="1"/>
+          </p:cNvSpPr>
+          <p:nvPr>
+            <p:ph sz="quarter" idx="1"/>
+          </p:nvPr>
+        </p:nvSpPr>
+        <p:spPr>
+          <a:xfrm>
+            <a:off x="496346" y="943897"/>
+            <a:ext cx="4761454" cy="4893023"/>
+          </a:xfrm>
+        </p:spPr>
+        <p:txBody>
+          <a:bodyPr/>
+          <a:lstStyle/>
+          <a:p>
+            <a:pPr marL="0" indent="0">
+              <a:buNone/>
+            </a:pPr>
+            <a:r>
+              <a:rPr lang="en-US" b="1" dirty="0"/>
+              <a:t>Unit test for Grid halo cell fill</a:t>
+            </a:r>
+          </a:p>
+          <a:p>
+            <a:r>
+              <a:rPr lang="en-US" dirty="0"/>
+              <a:t>Verification of guard/ghost/halo  cell fill</a:t>
+            </a:r>
+          </a:p>
+          <a:p>
+            <a:r>
+              <a:rPr lang="en-US" dirty="0"/>
+              <a:t>Initialize field on interior cells (red)</a:t>
+            </a:r>
+          </a:p>
+          <a:p>
+            <a:r>
+              <a:rPr lang="en-US" dirty="0"/>
+              <a:t>Apply guard cell fill</a:t>
+            </a:r>
+          </a:p>
+          <a:p>
+            <a:r>
+              <a:rPr lang="en-US" dirty="0"/>
+              <a:t>Check for equivalence with known fill pattern</a:t>
+            </a:r>
+          </a:p>
+        </p:txBody>
+      </p:sp>
+      <p:sp>
+        <p:nvSpPr>
+          <p:cNvPr id="6" name="Donut 5">
+            <a:extLst>
+              <a:ext uri="{FF2B5EF4-FFF2-40B4-BE49-F238E27FC236}">
+                <a16:creationId xmlns:a16="http://schemas.microsoft.com/office/drawing/2014/main" id="{AF11DFE6-1CA6-7B47-BB91-0A4FD7EE6189}"/>
+              </a:ext>
+            </a:extLst>
+          </p:cNvPr>
+          <p:cNvSpPr/>
+          <p:nvPr/>
+        </p:nvSpPr>
+        <p:spPr>
+          <a:xfrm>
+            <a:off x="164373" y="4461000"/>
+            <a:ext cx="1847200" cy="1758821"/>
+          </a:xfrm>
+          <a:prstGeom prst="donut">
+            <a:avLst/>
+          </a:prstGeom>
+          <a:solidFill>
+            <a:schemeClr val="accent6">
+              <a:lumMod val="40000"/>
+              <a:lumOff val="60000"/>
+            </a:schemeClr>
+          </a:solidFill>
+          <a:ln>
+            <a:solidFill>
+              <a:schemeClr val="tx1"/>
+            </a:solidFill>
+          </a:ln>
+        </p:spPr>
+        <p:style>
+          <a:lnRef idx="1">
+            <a:schemeClr val="accent1"/>
+          </a:lnRef>
+          <a:fillRef idx="3">
+            <a:schemeClr val="accent1"/>
+          </a:fillRef>
+          <a:effectRef idx="2">
+            <a:schemeClr val="accent1"/>
+          </a:effectRef>
+          <a:fontRef idx="minor">
+            <a:schemeClr val="lt1"/>
+          </a:fontRef>
+        </p:style>
+        <p:txBody>
+          <a:bodyPr rtlCol="0" anchor="ctr"/>
+          <a:lstStyle/>
+          <a:p>
+            <a:pPr algn="ctr"/>
+            <a:r>
+              <a:rPr lang="en-US" dirty="0" err="1">
+                <a:solidFill>
+                  <a:schemeClr val="tx1"/>
+                </a:solidFill>
+              </a:rPr>
+              <a:t>gc</a:t>
+            </a:r>
+            <a:r>
+              <a:rPr lang="en-US" dirty="0">
+                <a:solidFill>
+                  <a:schemeClr val="tx1"/>
+                </a:solidFill>
+              </a:rPr>
+              <a:t> test</a:t>
+            </a:r>
+          </a:p>
+        </p:txBody>
+      </p:sp>
+      <p:sp>
+        <p:nvSpPr>
+          <p:cNvPr id="8" name="Donut 7">
+            <a:extLst>
+              <a:ext uri="{FF2B5EF4-FFF2-40B4-BE49-F238E27FC236}">
+                <a16:creationId xmlns:a16="http://schemas.microsoft.com/office/drawing/2014/main" id="{C8782544-B531-1D40-A502-BF7E9615BCB6}"/>
+              </a:ext>
+            </a:extLst>
+          </p:cNvPr>
+          <p:cNvSpPr/>
+          <p:nvPr/>
+        </p:nvSpPr>
+        <p:spPr>
+          <a:xfrm>
+            <a:off x="2578899" y="4460999"/>
+            <a:ext cx="1847200" cy="1758821"/>
+          </a:xfrm>
+          <a:prstGeom prst="donut">
+            <a:avLst/>
+          </a:prstGeom>
+          <a:solidFill>
+            <a:schemeClr val="accent6">
+              <a:lumMod val="40000"/>
+              <a:lumOff val="60000"/>
+            </a:schemeClr>
+          </a:solidFill>
+          <a:ln>
+            <a:solidFill>
+              <a:schemeClr val="tx1"/>
+            </a:solidFill>
+          </a:ln>
+        </p:spPr>
+        <p:style>
+          <a:lnRef idx="1">
+            <a:schemeClr val="accent1"/>
+          </a:lnRef>
+          <a:fillRef idx="3">
+            <a:schemeClr val="accent1"/>
+          </a:fillRef>
+          <a:effectRef idx="2">
+            <a:schemeClr val="accent1"/>
+          </a:effectRef>
+          <a:fontRef idx="minor">
+            <a:schemeClr val="lt1"/>
+          </a:fontRef>
+        </p:style>
+        <p:txBody>
+          <a:bodyPr rtlCol="0" anchor="ctr"/>
+          <a:lstStyle/>
+          <a:p>
+            <a:pPr algn="ctr"/>
+            <a:r>
+              <a:rPr lang="en-US" dirty="0">
+                <a:solidFill>
+                  <a:schemeClr val="tx1"/>
+                </a:solidFill>
+              </a:rPr>
+              <a:t>Eos test</a:t>
+            </a:r>
+          </a:p>
+        </p:txBody>
+      </p:sp>
+      <p:sp>
+        <p:nvSpPr>
+          <p:cNvPr id="3" name="TextBox 2">
+            <a:extLst>
+              <a:ext uri="{FF2B5EF4-FFF2-40B4-BE49-F238E27FC236}">
+                <a16:creationId xmlns:a16="http://schemas.microsoft.com/office/drawing/2014/main" id="{EA2BEC30-2CA8-E946-81D4-8C60BCD9EF89}"/>
+              </a:ext>
+            </a:extLst>
+          </p:cNvPr>
+          <p:cNvSpPr txBox="1"/>
+          <p:nvPr/>
+        </p:nvSpPr>
+        <p:spPr>
+          <a:xfrm>
+            <a:off x="4880156" y="4969802"/>
+            <a:ext cx="6229334" cy="433965"/>
+          </a:xfrm>
+          <a:prstGeom prst="rect">
+            <a:avLst/>
+          </a:prstGeom>
+          <a:noFill/>
+        </p:spPr>
+        <p:txBody>
+          <a:bodyPr wrap="none" lIns="118872" tIns="91440" rIns="118872" bIns="91440" rtlCol="0" anchor="ctr" anchorCtr="0">
+            <a:spAutoFit/>
+          </a:bodyPr>
+          <a:lstStyle/>
+          <a:p>
+            <a:pPr algn="l">
+              <a:lnSpc>
+                <a:spcPct val="90000"/>
+              </a:lnSpc>
+            </a:pPr>
+            <a:r>
+              <a:rPr lang="en-US" dirty="0"/>
+              <a:t>Next, build an EOS Test – is E(V,T) consistent with P(V,T)?</a:t>
+            </a:r>
+          </a:p>
+        </p:txBody>
+      </p:sp>
+      <p:grpSp>
+        <p:nvGrpSpPr>
+          <p:cNvPr id="9" name="Group 8">
+            <a:extLst>
+              <a:ext uri="{FF2B5EF4-FFF2-40B4-BE49-F238E27FC236}">
+                <a16:creationId xmlns:a16="http://schemas.microsoft.com/office/drawing/2014/main" id="{85793508-B53B-654E-95B1-E2E34F1DE3B4}"/>
+              </a:ext>
+            </a:extLst>
+          </p:cNvPr>
+          <p:cNvGrpSpPr/>
+          <p:nvPr/>
+        </p:nvGrpSpPr>
+        <p:grpSpPr>
+          <a:xfrm>
+            <a:off x="6505642" y="2237359"/>
+            <a:ext cx="2079986" cy="1631092"/>
+            <a:chOff x="9658247" y="3805881"/>
+            <a:chExt cx="2079986" cy="1631092"/>
+          </a:xfrm>
+        </p:grpSpPr>
+        <p:sp>
+          <p:nvSpPr>
+            <p:cNvPr id="10" name="Rectangle 9">
+              <a:extLst>
+                <a:ext uri="{FF2B5EF4-FFF2-40B4-BE49-F238E27FC236}">
+                  <a16:creationId xmlns:a16="http://schemas.microsoft.com/office/drawing/2014/main" id="{F1BC5DAF-FB6C-E846-8754-C13ADB909601}"/>
+                </a:ext>
+              </a:extLst>
+            </p:cNvPr>
+            <p:cNvSpPr/>
+            <p:nvPr/>
+          </p:nvSpPr>
+          <p:spPr>
+            <a:xfrm>
+              <a:off x="9658247" y="3805881"/>
+              <a:ext cx="2079986" cy="1631092"/>
+            </a:xfrm>
+            <a:prstGeom prst="rect">
+              <a:avLst/>
+            </a:prstGeom>
+            <a:solidFill>
+              <a:schemeClr val="accent3">
+                <a:alpha val="58000"/>
+              </a:schemeClr>
+            </a:solidFill>
+            <a:ln>
+              <a:noFill/>
+            </a:ln>
+            <a:effectLst>
+              <a:outerShdw blurRad="44450" dist="27940" dir="5400000" algn="ctr">
+                <a:srgbClr val="000000">
+                  <a:alpha val="32000"/>
+                </a:srgbClr>
+              </a:outerShdw>
+            </a:effectLst>
+          </p:spPr>
+          <p:txBody>
+            <a:bodyPr rot="0" spcFirstLastPara="0" vertOverflow="overflow" horzOverflow="overflow" vert="horz" wrap="square" lIns="121851" tIns="60925" rIns="121851" bIns="60925" numCol="1" spcCol="0" rtlCol="0" fromWordArt="0" anchor="ctr" anchorCtr="0" forceAA="0" compatLnSpc="1">
+              <a:prstTxWarp prst="textNoShape">
+                <a:avLst/>
+              </a:prstTxWarp>
+              <a:noAutofit/>
+            </a:bodyPr>
+            <a:lstStyle/>
+            <a:p>
+              <a:pPr algn="ctr">
+                <a:lnSpc>
+                  <a:spcPct val="90000"/>
+                </a:lnSpc>
+              </a:pPr>
+              <a:endParaRPr lang="en-US" sz="2000" dirty="0">
+                <a:solidFill>
+                  <a:schemeClr val="bg1"/>
+                </a:solidFill>
+              </a:endParaRPr>
+            </a:p>
+          </p:txBody>
+        </p:sp>
+        <p:sp>
+          <p:nvSpPr>
+            <p:cNvPr id="11" name="Rectangle 10">
+              <a:extLst>
+                <a:ext uri="{FF2B5EF4-FFF2-40B4-BE49-F238E27FC236}">
+                  <a16:creationId xmlns:a16="http://schemas.microsoft.com/office/drawing/2014/main" id="{674E4AB0-5EBC-A14F-93BE-2A60B4418EA4}"/>
+                </a:ext>
+              </a:extLst>
+            </p:cNvPr>
+            <p:cNvSpPr/>
+            <p:nvPr/>
+          </p:nvSpPr>
+          <p:spPr>
+            <a:xfrm>
+              <a:off x="10056889" y="4079744"/>
+              <a:ext cx="1285103" cy="1083365"/>
+            </a:xfrm>
+            <a:prstGeom prst="rect">
+              <a:avLst/>
+            </a:prstGeom>
+            <a:solidFill>
+              <a:srgbClr val="FF0000"/>
+            </a:solidFill>
+            <a:ln>
+              <a:noFill/>
+            </a:ln>
+            <a:effectLst>
+              <a:outerShdw blurRad="44450" dist="27940" dir="5400000" algn="ctr">
+                <a:srgbClr val="000000">
+                  <a:alpha val="32000"/>
+                </a:srgbClr>
+              </a:outerShdw>
+            </a:effectLst>
+          </p:spPr>
+          <p:txBody>
+            <a:bodyPr rot="0" spcFirstLastPara="0" vertOverflow="overflow" horzOverflow="overflow" vert="horz" wrap="square" lIns="121851" tIns="60925" rIns="121851" bIns="60925" numCol="1" spcCol="0" rtlCol="0" fromWordArt="0" anchor="ctr" anchorCtr="0" forceAA="0" compatLnSpc="1">
+              <a:prstTxWarp prst="textNoShape">
+                <a:avLst/>
+              </a:prstTxWarp>
+              <a:noAutofit/>
+            </a:bodyPr>
+            <a:lstStyle/>
+            <a:p>
+              <a:pPr algn="ctr">
+                <a:lnSpc>
+                  <a:spcPct val="90000"/>
+                </a:lnSpc>
+              </a:pPr>
+              <a:r>
+                <a:rPr lang="en-US" sz="2000" dirty="0">
+                  <a:solidFill>
+                    <a:schemeClr val="bg1"/>
+                  </a:solidFill>
+                </a:rPr>
+                <a:t>rank 3</a:t>
+              </a:r>
+            </a:p>
+          </p:txBody>
+        </p:sp>
+      </p:grpSp>
+      <p:grpSp>
+        <p:nvGrpSpPr>
+          <p:cNvPr id="12" name="Group 11">
+            <a:extLst>
+              <a:ext uri="{FF2B5EF4-FFF2-40B4-BE49-F238E27FC236}">
+                <a16:creationId xmlns:a16="http://schemas.microsoft.com/office/drawing/2014/main" id="{2348CE2A-6110-8E44-A7B1-762FE7CAAC53}"/>
+              </a:ext>
+            </a:extLst>
+          </p:cNvPr>
+          <p:cNvGrpSpPr/>
+          <p:nvPr/>
+        </p:nvGrpSpPr>
+        <p:grpSpPr>
+          <a:xfrm>
+            <a:off x="7789106" y="1180370"/>
+            <a:ext cx="2079986" cy="1631092"/>
+            <a:chOff x="9658247" y="3805881"/>
+            <a:chExt cx="2079986" cy="1631092"/>
+          </a:xfrm>
+        </p:grpSpPr>
+        <p:sp>
+          <p:nvSpPr>
+            <p:cNvPr id="13" name="Rectangle 12">
+              <a:extLst>
+                <a:ext uri="{FF2B5EF4-FFF2-40B4-BE49-F238E27FC236}">
+                  <a16:creationId xmlns:a16="http://schemas.microsoft.com/office/drawing/2014/main" id="{18E08F0C-3C42-FE43-817A-850D8252FDA8}"/>
+                </a:ext>
+              </a:extLst>
+            </p:cNvPr>
+            <p:cNvSpPr/>
+            <p:nvPr/>
+          </p:nvSpPr>
+          <p:spPr>
+            <a:xfrm>
+              <a:off x="9658247" y="3805881"/>
+              <a:ext cx="2079986" cy="1631092"/>
+            </a:xfrm>
+            <a:prstGeom prst="rect">
+              <a:avLst/>
+            </a:prstGeom>
+            <a:solidFill>
+              <a:schemeClr val="accent3">
+                <a:alpha val="58000"/>
+              </a:schemeClr>
+            </a:solidFill>
+            <a:ln>
+              <a:noFill/>
+            </a:ln>
+            <a:effectLst>
+              <a:outerShdw blurRad="44450" dist="27940" dir="5400000" algn="ctr">
+                <a:srgbClr val="000000">
+                  <a:alpha val="32000"/>
+                </a:srgbClr>
+              </a:outerShdw>
+            </a:effectLst>
+          </p:spPr>
+          <p:txBody>
+            <a:bodyPr rot="0" spcFirstLastPara="0" vertOverflow="overflow" horzOverflow="overflow" vert="horz" wrap="square" lIns="121851" tIns="60925" rIns="121851" bIns="60925" numCol="1" spcCol="0" rtlCol="0" fromWordArt="0" anchor="ctr" anchorCtr="0" forceAA="0" compatLnSpc="1">
+              <a:prstTxWarp prst="textNoShape">
+                <a:avLst/>
+              </a:prstTxWarp>
+              <a:noAutofit/>
+            </a:bodyPr>
+            <a:lstStyle/>
+            <a:p>
+              <a:pPr algn="ctr">
+                <a:lnSpc>
+                  <a:spcPct val="90000"/>
+                </a:lnSpc>
+              </a:pPr>
+              <a:endParaRPr lang="en-US" sz="2000" dirty="0">
+                <a:solidFill>
+                  <a:schemeClr val="bg1"/>
+                </a:solidFill>
+              </a:endParaRPr>
+            </a:p>
+          </p:txBody>
+        </p:sp>
+        <p:sp>
+          <p:nvSpPr>
+            <p:cNvPr id="14" name="Rectangle 13">
+              <a:extLst>
+                <a:ext uri="{FF2B5EF4-FFF2-40B4-BE49-F238E27FC236}">
+                  <a16:creationId xmlns:a16="http://schemas.microsoft.com/office/drawing/2014/main" id="{8E56C841-8950-C544-BBEF-292FA2BFD703}"/>
+                </a:ext>
+              </a:extLst>
+            </p:cNvPr>
+            <p:cNvSpPr/>
+            <p:nvPr/>
+          </p:nvSpPr>
+          <p:spPr>
+            <a:xfrm>
+              <a:off x="10056889" y="4079744"/>
+              <a:ext cx="1285103" cy="1083365"/>
+            </a:xfrm>
+            <a:prstGeom prst="rect">
+              <a:avLst/>
+            </a:prstGeom>
+            <a:solidFill>
+              <a:srgbClr val="FF0000"/>
+            </a:solidFill>
+            <a:ln>
+              <a:noFill/>
+            </a:ln>
+            <a:effectLst>
+              <a:outerShdw blurRad="44450" dist="27940" dir="5400000" algn="ctr">
+                <a:srgbClr val="000000">
+                  <a:alpha val="32000"/>
+                </a:srgbClr>
+              </a:outerShdw>
+            </a:effectLst>
+          </p:spPr>
+          <p:txBody>
+            <a:bodyPr rot="0" spcFirstLastPara="0" vertOverflow="overflow" horzOverflow="overflow" vert="horz" wrap="square" lIns="121851" tIns="60925" rIns="121851" bIns="60925" numCol="1" spcCol="0" rtlCol="0" fromWordArt="0" anchor="ctr" anchorCtr="0" forceAA="0" compatLnSpc="1">
+              <a:prstTxWarp prst="textNoShape">
+                <a:avLst/>
+              </a:prstTxWarp>
+              <a:noAutofit/>
+            </a:bodyPr>
+            <a:lstStyle/>
+            <a:p>
+              <a:pPr algn="ctr">
+                <a:lnSpc>
+                  <a:spcPct val="90000"/>
+                </a:lnSpc>
+              </a:pPr>
+              <a:r>
+                <a:rPr lang="en-US" sz="2000" dirty="0">
+                  <a:solidFill>
+                    <a:schemeClr val="bg1"/>
+                  </a:solidFill>
+                </a:rPr>
+                <a:t>rank 2</a:t>
+              </a:r>
+            </a:p>
+          </p:txBody>
+        </p:sp>
+      </p:grpSp>
+      <p:sp>
+        <p:nvSpPr>
+          <p:cNvPr id="15" name="TextBox 14">
+            <a:extLst>
+              <a:ext uri="{FF2B5EF4-FFF2-40B4-BE49-F238E27FC236}">
+                <a16:creationId xmlns:a16="http://schemas.microsoft.com/office/drawing/2014/main" id="{A8555D94-28CA-8244-A3F4-18ED0B844E35}"/>
+              </a:ext>
+            </a:extLst>
+          </p:cNvPr>
+          <p:cNvSpPr txBox="1"/>
+          <p:nvPr/>
+        </p:nvSpPr>
+        <p:spPr>
+          <a:xfrm>
+            <a:off x="8626426" y="2902167"/>
+            <a:ext cx="1201867" cy="433965"/>
+          </a:xfrm>
+          <a:prstGeom prst="rect">
+            <a:avLst/>
+          </a:prstGeom>
+          <a:noFill/>
+        </p:spPr>
+        <p:txBody>
+          <a:bodyPr wrap="none" lIns="118872" tIns="91440" rIns="118872" bIns="91440" rtlCol="0" anchor="ctr" anchorCtr="0">
+            <a:spAutoFit/>
+          </a:bodyPr>
+          <a:lstStyle/>
+          <a:p>
+            <a:pPr algn="l">
+              <a:lnSpc>
+                <a:spcPct val="90000"/>
+              </a:lnSpc>
+            </a:pPr>
+            <a:r>
+              <a:rPr lang="en-US" dirty="0"/>
+              <a:t>halo cells</a:t>
+            </a:r>
+          </a:p>
+        </p:txBody>
+      </p:sp>
+    </p:spTree>
+    <p:custDataLst>
+      <p:tags r:id="rId1"/>
+    </p:custDataLst>
+    <p:extLst>
+      <p:ext uri="{BB962C8B-B14F-4D97-AF65-F5344CB8AC3E}">
+        <p14:creationId xmlns:p14="http://schemas.microsoft.com/office/powerpoint/2010/main" val="2442379966"/>
+      </p:ext>
+    </p:extLst>
+  </p:cSld>
+  <p:clrMapOvr>
+    <a:masterClrMapping/>
+  </p:clrMapOvr>
+</p:sld>
+</file>
+
+<file path=ppt/slides/slide12.xml><?xml version="1.0" encoding="utf-8"?>
+<p:sld xmlns:a="http://schemas.openxmlformats.org/drawingml/2006/main" xmlns:r="http://schemas.openxmlformats.org/officeDocument/2006/relationships" xmlns:p="http://schemas.openxmlformats.org/presentationml/2006/main">
+  <p:cSld>
+    <p:spTree>
+      <p:nvGrpSpPr>
+        <p:cNvPr id="1" name=""/>
+        <p:cNvGrpSpPr/>
+        <p:nvPr/>
+      </p:nvGrpSpPr>
+      <p:grpSpPr>
+        <a:xfrm>
+          <a:off x="0" y="0"/>
+          <a:ext cx="0" cy="0"/>
+          <a:chOff x="0" y="0"/>
+          <a:chExt cx="0" cy="0"/>
+        </a:xfrm>
+      </p:grpSpPr>
+      <p:sp>
+        <p:nvSpPr>
           <p:cNvPr id="5" name="Content Placeholder 4"/>
           <p:cNvSpPr>
             <a:spLocks noGrp="1"/>
@@ -5876,12 +7535,6 @@
             <a:r>
               <a:rPr lang="en-US" dirty="0"/>
               <a:t>Shock moves out spherically</a:t>
-            </a:r>
-          </a:p>
-          <a:p>
-            <a:r>
-              <a:rPr lang="en-US" dirty="0"/>
-              <a:t>FLASH with AMR and hydro</a:t>
             </a:r>
           </a:p>
           <a:p>
@@ -5930,7 +7583,7 @@
           <a:noFill/>
           <a:extLst>
             <a:ext uri="{909E8E84-426E-40dd-AFC4-6F175D3DCCD1}">
-              <a14:hiddenFill xmlns="" xmlns:a14="http://schemas.microsoft.com/office/drawing/2010/main">
+              <a14:hiddenFill xmlns:a14="http://schemas.microsoft.com/office/drawing/2010/main" xmlns="">
                 <a:solidFill>
                   <a:srgbClr val="FFFFFF"/>
                 </a:solidFill>
@@ -6578,7 +8231,7 @@
 </p:sld>
 </file>
 
-<file path=ppt/slides/slide11.xml><?xml version="1.0" encoding="utf-8"?>
+<file path=ppt/slides/slide13.xml><?xml version="1.0" encoding="utf-8"?>
 <p:sld xmlns:a="http://schemas.openxmlformats.org/drawingml/2006/main" xmlns:r="http://schemas.openxmlformats.org/officeDocument/2006/relationships" xmlns:p="http://schemas.openxmlformats.org/presentationml/2006/main">
   <p:cSld>
     <p:spTree>
@@ -6956,7 +8609,7 @@
 </p:sld>
 </file>
 
-<file path=ppt/slides/slide12.xml><?xml version="1.0" encoding="utf-8"?>
+<file path=ppt/slides/slide14.xml><?xml version="1.0" encoding="utf-8"?>
 <p:sld xmlns:a="http://schemas.openxmlformats.org/drawingml/2006/main" xmlns:r="http://schemas.openxmlformats.org/officeDocument/2006/relationships" xmlns:p="http://schemas.openxmlformats.org/presentationml/2006/main">
   <p:cSld>
     <p:spTree>
@@ -6990,7 +8643,15 @@
           <a:p>
             <a:r>
               <a:rPr lang="en-US" dirty="0"/>
-              <a:t>Example 4: Coverage Matrix (physics vs. functionalities)</a:t>
+              <a:t>Example 4: Coverage Matrix (</a:t>
+            </a:r>
+            <a:r>
+              <a:rPr lang="en-US" dirty="0" err="1"/>
+              <a:t>Interoperabilities</a:t>
+            </a:r>
+            <a:r>
+              <a:rPr lang="en-US" dirty="0"/>
+              <a:t>)</a:t>
             </a:r>
           </a:p>
         </p:txBody>
@@ -8106,7 +9767,7 @@
 </p:sld>
 </file>
 
-<file path=ppt/slides/slide13.xml><?xml version="1.0" encoding="utf-8"?>
+<file path=ppt/slides/slide15.xml><?xml version="1.0" encoding="utf-8"?>
 <p:sld xmlns:a="http://schemas.openxmlformats.org/drawingml/2006/main" xmlns:r="http://schemas.openxmlformats.org/officeDocument/2006/relationships" xmlns:p="http://schemas.openxmlformats.org/presentationml/2006/main">
   <p:cSld>
     <p:spTree>
@@ -8837,19 +10498,169 @@
           </a:p>
           <a:p>
             <a:r>
-              <a:rPr lang="en-US" b="1" dirty="0">
-                <a:solidFill>
-                  <a:schemeClr val="bg1"/>
-                </a:solidFill>
-                <a:highlight>
-                  <a:srgbClr val="43B1E5"/>
-                </a:highlight>
-              </a:rPr>
-              <a:t>Team Meeting!</a:t>
-            </a:r>
-            <a:r>
               <a:rPr lang="en-US" dirty="0"/>
-              <a:t> Evaluate project needs:</a:t>
+              <a:t>Evaluate project needs:</a:t>
+            </a:r>
+          </a:p>
+          <a:p>
+            <a:pPr lvl="1"/>
+            <a:r>
+              <a:rPr lang="en-US" dirty="0"/>
+              <a:t>Objectives: expected use of the code</a:t>
+            </a:r>
+          </a:p>
+          <a:p>
+            <a:pPr lvl="1"/>
+            <a:r>
+              <a:rPr lang="en-US" dirty="0"/>
+              <a:t>Lifecycle stage: new or production or refactoring</a:t>
+            </a:r>
+          </a:p>
+          <a:p>
+            <a:pPr lvl="1"/>
+            <a:r>
+              <a:rPr lang="en-US" dirty="0"/>
+              <a:t>Team: size and degree of heterogeneity</a:t>
+            </a:r>
+          </a:p>
+          <a:p>
+            <a:pPr lvl="1"/>
+            <a:r>
+              <a:rPr lang="en-US" dirty="0"/>
+              <a:t>Lifetime: one off or ongoing production</a:t>
+            </a:r>
+          </a:p>
+          <a:p>
+            <a:pPr lvl="1"/>
+            <a:r>
+              <a:rPr lang="en-US" dirty="0"/>
+              <a:t>Complexity: modules and their interactions</a:t>
+            </a:r>
+          </a:p>
+          <a:p>
+            <a:pPr lvl="1"/>
+            <a:endParaRPr lang="en-US" dirty="0"/>
+          </a:p>
+        </p:txBody>
+      </p:sp>
+    </p:spTree>
+    <p:extLst>
+      <p:ext uri="{BB962C8B-B14F-4D97-AF65-F5344CB8AC3E}">
+        <p14:creationId xmlns:p14="http://schemas.microsoft.com/office/powerpoint/2010/main" val="3445731576"/>
+      </p:ext>
+    </p:extLst>
+  </p:cSld>
+  <p:clrMapOvr>
+    <a:masterClrMapping/>
+  </p:clrMapOvr>
+</p:sld>
+</file>
+
+<file path=ppt/slides/slide5.xml><?xml version="1.0" encoding="utf-8"?>
+<p:sld xmlns:a="http://schemas.openxmlformats.org/drawingml/2006/main" xmlns:r="http://schemas.openxmlformats.org/officeDocument/2006/relationships" xmlns:p="http://schemas.openxmlformats.org/presentationml/2006/main">
+  <p:cSld>
+    <p:spTree>
+      <p:nvGrpSpPr>
+        <p:cNvPr id="1" name=""/>
+        <p:cNvGrpSpPr/>
+        <p:nvPr/>
+      </p:nvGrpSpPr>
+      <p:grpSpPr>
+        <a:xfrm>
+          <a:off x="0" y="0"/>
+          <a:ext cx="0" cy="0"/>
+          <a:chOff x="0" y="0"/>
+          <a:chExt cx="0" cy="0"/>
+        </a:xfrm>
+      </p:grpSpPr>
+      <p:sp>
+        <p:nvSpPr>
+          <p:cNvPr id="2" name="Title 1"/>
+          <p:cNvSpPr>
+            <a:spLocks noGrp="1"/>
+          </p:cNvSpPr>
+          <p:nvPr>
+            <p:ph type="title"/>
+          </p:nvPr>
+        </p:nvSpPr>
+        <p:spPr/>
+        <p:txBody>
+          <a:bodyPr>
+            <a:normAutofit/>
+          </a:bodyPr>
+          <a:lstStyle/>
+          <a:p>
+            <a:r>
+              <a:rPr lang="en-US" dirty="0"/>
+              <a:t>Why not always use the most stringent testing?</a:t>
+            </a:r>
+          </a:p>
+        </p:txBody>
+      </p:sp>
+      <p:sp>
+        <p:nvSpPr>
+          <p:cNvPr id="5" name="Content Placeholder 4"/>
+          <p:cNvSpPr>
+            <a:spLocks noGrp="1"/>
+          </p:cNvSpPr>
+          <p:nvPr>
+            <p:ph sz="quarter" idx="1"/>
+          </p:nvPr>
+        </p:nvSpPr>
+        <p:spPr>
+          <a:xfrm>
+            <a:off x="368424" y="1039350"/>
+            <a:ext cx="11534016" cy="5407170"/>
+          </a:xfrm>
+        </p:spPr>
+        <p:txBody>
+          <a:bodyPr>
+            <a:normAutofit/>
+          </a:bodyPr>
+          <a:lstStyle/>
+          <a:p>
+            <a:r>
+              <a:rPr lang="en-US" dirty="0"/>
+              <a:t>Effort spent in devising running and maintaining test suite is a tax on team resources</a:t>
+            </a:r>
+          </a:p>
+          <a:p>
+            <a:r>
+              <a:rPr lang="en-US" dirty="0"/>
+              <a:t>When the tax is too high…</a:t>
+            </a:r>
+          </a:p>
+          <a:p>
+            <a:pPr lvl="1"/>
+            <a:r>
+              <a:rPr lang="en-US" dirty="0"/>
+              <a:t>Team cannot meet code-use objectives</a:t>
+            </a:r>
+          </a:p>
+          <a:p>
+            <a:r>
+              <a:rPr lang="en-US" dirty="0"/>
+              <a:t>When is the tax is too low…</a:t>
+            </a:r>
+          </a:p>
+          <a:p>
+            <a:pPr lvl="1"/>
+            <a:r>
+              <a:rPr lang="en-US" dirty="0"/>
+              <a:t>Necessary oversight not provided</a:t>
+            </a:r>
+          </a:p>
+          <a:p>
+            <a:pPr lvl="1"/>
+            <a:r>
+              <a:rPr lang="en-US" dirty="0"/>
+              <a:t>Defects in code sneak through </a:t>
+            </a:r>
+          </a:p>
+          <a:p>
+            <a:r>
+              <a:rPr lang="en-US" dirty="0"/>
+              <a:t>Evaluate project needs:</a:t>
             </a:r>
           </a:p>
           <a:p>
@@ -8895,10 +10706,10 @@
       </p:sp>
       <p:grpSp>
         <p:nvGrpSpPr>
-          <p:cNvPr id="8" name="Group 7">
+          <p:cNvPr id="13" name="Group 12">
             <a:extLst>
               <a:ext uri="{FF2B5EF4-FFF2-40B4-BE49-F238E27FC236}">
-                <a16:creationId xmlns:a16="http://schemas.microsoft.com/office/drawing/2014/main" id="{4F52AD71-49C7-F743-AB85-85CD4BA5138B}"/>
+                <a16:creationId xmlns:a16="http://schemas.microsoft.com/office/drawing/2014/main" id="{7AF58521-B1AC-5E47-9164-88FD3B0E02D7}"/>
               </a:ext>
             </a:extLst>
           </p:cNvPr>
@@ -8907,7 +10718,7 @@
         </p:nvGrpSpPr>
         <p:grpSpPr>
           <a:xfrm>
-            <a:off x="8374783" y="4201194"/>
+            <a:off x="7285571" y="3429000"/>
             <a:ext cx="2079986" cy="1631092"/>
             <a:chOff x="9658247" y="3805881"/>
             <a:chExt cx="2079986" cy="1631092"/>
@@ -8915,10 +10726,10 @@
         </p:grpSpPr>
         <p:sp>
           <p:nvSpPr>
-            <p:cNvPr id="7" name="Rectangle 6">
+            <p:cNvPr id="14" name="Rectangle 13">
               <a:extLst>
                 <a:ext uri="{FF2B5EF4-FFF2-40B4-BE49-F238E27FC236}">
-                  <a16:creationId xmlns:a16="http://schemas.microsoft.com/office/drawing/2014/main" id="{21CD3229-5C0E-644A-9E27-95DBEE5BDB8C}"/>
+                  <a16:creationId xmlns:a16="http://schemas.microsoft.com/office/drawing/2014/main" id="{EE85394E-309A-F943-BDEF-2ADC56C17863}"/>
                 </a:ext>
               </a:extLst>
             </p:cNvPr>
@@ -8973,10 +10784,10 @@
         </p:sp>
         <p:sp>
           <p:nvSpPr>
-            <p:cNvPr id="4" name="Rectangle 3">
+            <p:cNvPr id="15" name="Rectangle 14">
               <a:extLst>
                 <a:ext uri="{FF2B5EF4-FFF2-40B4-BE49-F238E27FC236}">
-                  <a16:creationId xmlns:a16="http://schemas.microsoft.com/office/drawing/2014/main" id="{C391ED94-7A5C-414B-8853-D5F0C063BB90}"/>
+                  <a16:creationId xmlns:a16="http://schemas.microsoft.com/office/drawing/2014/main" id="{FFCDAFAD-ACE4-AD44-901D-940B38E05444}"/>
                 </a:ext>
               </a:extLst>
             </p:cNvPr>
@@ -9033,10 +10844,10 @@
       </p:grpSp>
       <p:grpSp>
         <p:nvGrpSpPr>
-          <p:cNvPr id="9" name="Group 8">
+          <p:cNvPr id="16" name="Group 15">
             <a:extLst>
               <a:ext uri="{FF2B5EF4-FFF2-40B4-BE49-F238E27FC236}">
-                <a16:creationId xmlns:a16="http://schemas.microsoft.com/office/drawing/2014/main" id="{9D9D52F9-164F-C14E-AF03-DD3B5FF29853}"/>
+                <a16:creationId xmlns:a16="http://schemas.microsoft.com/office/drawing/2014/main" id="{ABDDE89E-97EF-0147-AD24-787A3428E32E}"/>
               </a:ext>
             </a:extLst>
           </p:cNvPr>
@@ -9045,7 +10856,7 @@
         </p:nvGrpSpPr>
         <p:grpSpPr>
           <a:xfrm>
-            <a:off x="9658247" y="3144205"/>
+            <a:off x="8569035" y="2372011"/>
             <a:ext cx="2079986" cy="1631092"/>
             <a:chOff x="9658247" y="3805881"/>
             <a:chExt cx="2079986" cy="1631092"/>
@@ -9053,10 +10864,10 @@
         </p:grpSpPr>
         <p:sp>
           <p:nvSpPr>
-            <p:cNvPr id="10" name="Rectangle 9">
+            <p:cNvPr id="17" name="Rectangle 16">
               <a:extLst>
                 <a:ext uri="{FF2B5EF4-FFF2-40B4-BE49-F238E27FC236}">
-                  <a16:creationId xmlns:a16="http://schemas.microsoft.com/office/drawing/2014/main" id="{77CCBD93-666E-C549-9297-51219A2BBC13}"/>
+                  <a16:creationId xmlns:a16="http://schemas.microsoft.com/office/drawing/2014/main" id="{50DB1FE8-633C-8B44-8FD2-CD97039954E0}"/>
                 </a:ext>
               </a:extLst>
             </p:cNvPr>
@@ -9111,10 +10922,10 @@
         </p:sp>
         <p:sp>
           <p:nvSpPr>
-            <p:cNvPr id="11" name="Rectangle 10">
+            <p:cNvPr id="18" name="Rectangle 17">
               <a:extLst>
                 <a:ext uri="{FF2B5EF4-FFF2-40B4-BE49-F238E27FC236}">
-                  <a16:creationId xmlns:a16="http://schemas.microsoft.com/office/drawing/2014/main" id="{4505E698-532E-6E49-A9DB-2E823F84AF90}"/>
+                  <a16:creationId xmlns:a16="http://schemas.microsoft.com/office/drawing/2014/main" id="{42B1DC2B-676A-EE4C-B7DA-36702D7B1BAA}"/>
                 </a:ext>
               </a:extLst>
             </p:cNvPr>
@@ -9171,10 +10982,10 @@
       </p:grpSp>
       <p:sp>
         <p:nvSpPr>
-          <p:cNvPr id="12" name="TextBox 11">
+          <p:cNvPr id="19" name="TextBox 18">
             <a:extLst>
               <a:ext uri="{FF2B5EF4-FFF2-40B4-BE49-F238E27FC236}">
-                <a16:creationId xmlns:a16="http://schemas.microsoft.com/office/drawing/2014/main" id="{4DFF52E9-D81A-FC4B-A3C2-D1EA25461CDB}"/>
+                <a16:creationId xmlns:a16="http://schemas.microsoft.com/office/drawing/2014/main" id="{6143545E-E4DC-5A46-8FC4-5C67CE9F08FD}"/>
               </a:ext>
             </a:extLst>
           </p:cNvPr>
@@ -9183,7 +10994,7 @@
         </p:nvSpPr>
         <p:spPr>
           <a:xfrm>
-            <a:off x="10077604" y="4424679"/>
+            <a:off x="9406355" y="4093808"/>
             <a:ext cx="1201867" cy="433965"/>
           </a:xfrm>
           <a:prstGeom prst="rect">
@@ -9212,159 +11023,7 @@
     </p:spTree>
     <p:extLst>
       <p:ext uri="{BB962C8B-B14F-4D97-AF65-F5344CB8AC3E}">
-        <p14:creationId xmlns:p14="http://schemas.microsoft.com/office/powerpoint/2010/main" val="3445731576"/>
-      </p:ext>
-    </p:extLst>
-  </p:cSld>
-  <p:clrMapOvr>
-    <a:masterClrMapping/>
-  </p:clrMapOvr>
-</p:sld>
-</file>
-
-<file path=ppt/slides/slide5.xml><?xml version="1.0" encoding="utf-8"?>
-<p:sld xmlns:a="http://schemas.openxmlformats.org/drawingml/2006/main" xmlns:r="http://schemas.openxmlformats.org/officeDocument/2006/relationships" xmlns:p="http://schemas.openxmlformats.org/presentationml/2006/main">
-  <p:cSld>
-    <p:spTree>
-      <p:nvGrpSpPr>
-        <p:cNvPr id="1" name=""/>
-        <p:cNvGrpSpPr/>
-        <p:nvPr/>
-      </p:nvGrpSpPr>
-      <p:grpSpPr>
-        <a:xfrm>
-          <a:off x="0" y="0"/>
-          <a:ext cx="0" cy="0"/>
-          <a:chOff x="0" y="0"/>
-          <a:chExt cx="0" cy="0"/>
-        </a:xfrm>
-      </p:grpSpPr>
-      <p:sp>
-        <p:nvSpPr>
-          <p:cNvPr id="2" name="Title 1"/>
-          <p:cNvSpPr>
-            <a:spLocks noGrp="1"/>
-          </p:cNvSpPr>
-          <p:nvPr>
-            <p:ph type="title"/>
-          </p:nvPr>
-        </p:nvSpPr>
-        <p:spPr/>
-        <p:txBody>
-          <a:bodyPr/>
-          <a:lstStyle/>
-          <a:p>
-            <a:r>
-              <a:rPr lang="en-US" dirty="0"/>
-              <a:t>Additional Notes: Good Testing Practices</a:t>
-            </a:r>
-            <a:br>
-              <a:rPr lang="en-US" dirty="0"/>
-            </a:br>
-            <a:endParaRPr lang="en-US" dirty="0"/>
-          </a:p>
-        </p:txBody>
-      </p:sp>
-      <p:sp>
-        <p:nvSpPr>
-          <p:cNvPr id="5" name="Content Placeholder 4"/>
-          <p:cNvSpPr>
-            <a:spLocks noGrp="1"/>
-          </p:cNvSpPr>
-          <p:nvPr>
-            <p:ph sz="quarter" idx="1"/>
-          </p:nvPr>
-        </p:nvSpPr>
-        <p:spPr>
-          <a:xfrm>
-            <a:off x="368424" y="1177290"/>
-            <a:ext cx="11369809" cy="4047778"/>
-          </a:xfrm>
-        </p:spPr>
-        <p:txBody>
-          <a:bodyPr/>
-          <a:lstStyle/>
-          <a:p>
-            <a:r>
-              <a:rPr lang="en-US" dirty="0"/>
-              <a:t>Verify Code coverage</a:t>
-            </a:r>
-          </a:p>
-          <a:p>
-            <a:r>
-              <a:rPr lang="en-US" dirty="0"/>
-              <a:t>Must have consistent policy on dealing with failed tests</a:t>
-            </a:r>
-          </a:p>
-          <a:p>
-            <a:pPr lvl="1"/>
-            <a:r>
-              <a:rPr lang="en-US" dirty="0"/>
-              <a:t>Issue tracking</a:t>
-            </a:r>
-          </a:p>
-          <a:p>
-            <a:pPr lvl="2"/>
-            <a:r>
-              <a:rPr lang="en-US" dirty="0"/>
-              <a:t>How quickly does it need to be fixed?</a:t>
-            </a:r>
-          </a:p>
-          <a:p>
-            <a:pPr lvl="2"/>
-            <a:r>
-              <a:rPr lang="en-US" dirty="0"/>
-              <a:t>Who is responsible for fixing it?</a:t>
-            </a:r>
-          </a:p>
-          <a:p>
-            <a:r>
-              <a:rPr lang="en-US" dirty="0"/>
-              <a:t>Someone should be watching the test suite</a:t>
-            </a:r>
-          </a:p>
-          <a:p>
-            <a:r>
-              <a:rPr lang="en-US" dirty="0"/>
-              <a:t>When refactoring or adding new features, run a regression suite before check in</a:t>
-            </a:r>
-          </a:p>
-          <a:p>
-            <a:pPr lvl="1"/>
-            <a:r>
-              <a:rPr lang="en-US" dirty="0"/>
-              <a:t>Add new regression tests or modify existing ones for the new features</a:t>
-            </a:r>
-          </a:p>
-          <a:p>
-            <a:r>
-              <a:rPr lang="en-US" dirty="0"/>
-              <a:t>Code review before releasing test suite is useful</a:t>
-            </a:r>
-          </a:p>
-          <a:p>
-            <a:pPr lvl="1"/>
-            <a:r>
-              <a:rPr lang="en-US" dirty="0"/>
-              <a:t>Another person may spot issues you didn’t</a:t>
-            </a:r>
-          </a:p>
-          <a:p>
-            <a:pPr lvl="1"/>
-            <a:r>
-              <a:rPr lang="en-US" dirty="0"/>
-              <a:t>Incredibly cost-effective</a:t>
-            </a:r>
-          </a:p>
-          <a:p>
-            <a:endParaRPr lang="en-US" dirty="0"/>
-          </a:p>
-        </p:txBody>
-      </p:sp>
-    </p:spTree>
-    <p:extLst>
-      <p:ext uri="{BB962C8B-B14F-4D97-AF65-F5344CB8AC3E}">
-        <p14:creationId xmlns:p14="http://schemas.microsoft.com/office/powerpoint/2010/main" val="2338338090"/>
+        <p14:creationId xmlns:p14="http://schemas.microsoft.com/office/powerpoint/2010/main" val="2798985827"/>
       </p:ext>
     </p:extLst>
   </p:cSld>
@@ -9408,6 +11067,158 @@
           <a:p>
             <a:r>
               <a:rPr lang="en-US" dirty="0"/>
+              <a:t>Additional Notes: Good Testing Practices</a:t>
+            </a:r>
+            <a:br>
+              <a:rPr lang="en-US" dirty="0"/>
+            </a:br>
+            <a:endParaRPr lang="en-US" dirty="0"/>
+          </a:p>
+        </p:txBody>
+      </p:sp>
+      <p:sp>
+        <p:nvSpPr>
+          <p:cNvPr id="5" name="Content Placeholder 4"/>
+          <p:cNvSpPr>
+            <a:spLocks noGrp="1"/>
+          </p:cNvSpPr>
+          <p:nvPr>
+            <p:ph sz="quarter" idx="1"/>
+          </p:nvPr>
+        </p:nvSpPr>
+        <p:spPr>
+          <a:xfrm>
+            <a:off x="368424" y="1177290"/>
+            <a:ext cx="11369809" cy="4047778"/>
+          </a:xfrm>
+        </p:spPr>
+        <p:txBody>
+          <a:bodyPr/>
+          <a:lstStyle/>
+          <a:p>
+            <a:r>
+              <a:rPr lang="en-US" dirty="0"/>
+              <a:t>Verify Code coverage</a:t>
+            </a:r>
+          </a:p>
+          <a:p>
+            <a:r>
+              <a:rPr lang="en-US" dirty="0"/>
+              <a:t>Must have consistent policy on dealing with failed tests</a:t>
+            </a:r>
+          </a:p>
+          <a:p>
+            <a:pPr lvl="1"/>
+            <a:r>
+              <a:rPr lang="en-US" dirty="0"/>
+              <a:t>Issue tracking</a:t>
+            </a:r>
+          </a:p>
+          <a:p>
+            <a:pPr lvl="2"/>
+            <a:r>
+              <a:rPr lang="en-US" dirty="0"/>
+              <a:t>How quickly does it need to be fixed?</a:t>
+            </a:r>
+          </a:p>
+          <a:p>
+            <a:pPr lvl="2"/>
+            <a:r>
+              <a:rPr lang="en-US" dirty="0"/>
+              <a:t>Who is responsible for fixing it?</a:t>
+            </a:r>
+          </a:p>
+          <a:p>
+            <a:r>
+              <a:rPr lang="en-US" dirty="0"/>
+              <a:t>Someone should be watching the test suite</a:t>
+            </a:r>
+          </a:p>
+          <a:p>
+            <a:r>
+              <a:rPr lang="en-US" dirty="0"/>
+              <a:t>When refactoring or adding new features, run a regression suite before check in</a:t>
+            </a:r>
+          </a:p>
+          <a:p>
+            <a:pPr lvl="1"/>
+            <a:r>
+              <a:rPr lang="en-US" dirty="0"/>
+              <a:t>Add new regression tests or modify existing ones for the new features</a:t>
+            </a:r>
+          </a:p>
+          <a:p>
+            <a:r>
+              <a:rPr lang="en-US" dirty="0"/>
+              <a:t>Code review before releasing test suite is useful</a:t>
+            </a:r>
+          </a:p>
+          <a:p>
+            <a:pPr lvl="1"/>
+            <a:r>
+              <a:rPr lang="en-US" dirty="0"/>
+              <a:t>Another person may spot issues you didn’t</a:t>
+            </a:r>
+          </a:p>
+          <a:p>
+            <a:pPr lvl="1"/>
+            <a:r>
+              <a:rPr lang="en-US" dirty="0"/>
+              <a:t>Incredibly cost-effective</a:t>
+            </a:r>
+          </a:p>
+          <a:p>
+            <a:endParaRPr lang="en-US" dirty="0"/>
+          </a:p>
+        </p:txBody>
+      </p:sp>
+    </p:spTree>
+    <p:extLst>
+      <p:ext uri="{BB962C8B-B14F-4D97-AF65-F5344CB8AC3E}">
+        <p14:creationId xmlns:p14="http://schemas.microsoft.com/office/powerpoint/2010/main" val="2338338090"/>
+      </p:ext>
+    </p:extLst>
+  </p:cSld>
+  <p:clrMapOvr>
+    <a:masterClrMapping/>
+  </p:clrMapOvr>
+</p:sld>
+</file>
+
+<file path=ppt/slides/slide7.xml><?xml version="1.0" encoding="utf-8"?>
+<p:sld xmlns:a="http://schemas.openxmlformats.org/drawingml/2006/main" xmlns:r="http://schemas.openxmlformats.org/officeDocument/2006/relationships" xmlns:p="http://schemas.openxmlformats.org/presentationml/2006/main">
+  <p:cSld>
+    <p:spTree>
+      <p:nvGrpSpPr>
+        <p:cNvPr id="1" name=""/>
+        <p:cNvGrpSpPr/>
+        <p:nvPr/>
+      </p:nvGrpSpPr>
+      <p:grpSpPr>
+        <a:xfrm>
+          <a:off x="0" y="0"/>
+          <a:ext cx="0" cy="0"/>
+          <a:chOff x="0" y="0"/>
+          <a:chExt cx="0" cy="0"/>
+        </a:xfrm>
+      </p:grpSpPr>
+      <p:sp>
+        <p:nvSpPr>
+          <p:cNvPr id="2" name="Title 1"/>
+          <p:cNvSpPr>
+            <a:spLocks noGrp="1"/>
+          </p:cNvSpPr>
+          <p:nvPr>
+            <p:ph type="title"/>
+          </p:nvPr>
+        </p:nvSpPr>
+        <p:spPr/>
+        <p:txBody>
+          <a:bodyPr/>
+          <a:lstStyle/>
+          <a:p>
+            <a:r>
+              <a:rPr lang="en-US" dirty="0"/>
               <a:t>Example 1: Test Development For a New Code</a:t>
             </a:r>
           </a:p>
@@ -9498,7 +11309,7 @@
 </p:sld>
 </file>
 
-<file path=ppt/slides/slide7.xml><?xml version="1.0" encoding="utf-8"?>
+<file path=ppt/slides/slide8.xml><?xml version="1.0" encoding="utf-8"?>
 <p:sld xmlns:a="http://schemas.openxmlformats.org/drawingml/2006/main" xmlns:r="http://schemas.openxmlformats.org/officeDocument/2006/relationships" xmlns:p="http://schemas.openxmlformats.org/presentationml/2006/main">
   <p:cSld>
     <p:spTree>
@@ -11713,7 +13524,7 @@
 </p:sld>
 </file>
 
-<file path=ppt/slides/slide8.xml><?xml version="1.0" encoding="utf-8"?>
+<file path=ppt/slides/slide9.xml><?xml version="1.0" encoding="utf-8"?>
 <p:sld xmlns:a="http://schemas.openxmlformats.org/drawingml/2006/main" xmlns:r="http://schemas.openxmlformats.org/officeDocument/2006/relationships" xmlns:p="http://schemas.openxmlformats.org/presentationml/2006/main">
   <p:cSld>
     <p:spTree>
@@ -11790,7 +13601,7 @@
           <a:p>
             <a:r>
               <a:rPr lang="en-US" dirty="0"/>
-              <a:t>Bottom-up picture (shim if needed)</a:t>
+              <a:t>Bottom-up picture </a:t>
             </a:r>
           </a:p>
           <a:p>
@@ -12544,440 +14355,6 @@
 </p:sld>
 </file>
 
-<file path=ppt/slides/slide9.xml><?xml version="1.0" encoding="utf-8"?>
-<p:sld xmlns:a="http://schemas.openxmlformats.org/drawingml/2006/main" xmlns:r="http://schemas.openxmlformats.org/officeDocument/2006/relationships" xmlns:p="http://schemas.openxmlformats.org/presentationml/2006/main">
-  <p:cSld>
-    <p:spTree>
-      <p:nvGrpSpPr>
-        <p:cNvPr id="1" name=""/>
-        <p:cNvGrpSpPr/>
-        <p:nvPr/>
-      </p:nvGrpSpPr>
-      <p:grpSpPr>
-        <a:xfrm>
-          <a:off x="0" y="0"/>
-          <a:ext cx="0" cy="0"/>
-          <a:chOff x="0" y="0"/>
-          <a:chExt cx="0" cy="0"/>
-        </a:xfrm>
-      </p:grpSpPr>
-      <p:sp>
-        <p:nvSpPr>
-          <p:cNvPr id="2" name="Title 1"/>
-          <p:cNvSpPr>
-            <a:spLocks noGrp="1"/>
-          </p:cNvSpPr>
-          <p:nvPr>
-            <p:ph type="title"/>
-          </p:nvPr>
-        </p:nvSpPr>
-        <p:spPr/>
-        <p:txBody>
-          <a:bodyPr/>
-          <a:lstStyle/>
-          <a:p>
-            <a:r>
-              <a:rPr lang="en-US" dirty="0"/>
-              <a:t>Example 3: Structured Testing</a:t>
-            </a:r>
-          </a:p>
-        </p:txBody>
-      </p:sp>
-      <p:sp>
-        <p:nvSpPr>
-          <p:cNvPr id="5" name="Content Placeholder 4"/>
-          <p:cNvSpPr>
-            <a:spLocks noGrp="1"/>
-          </p:cNvSpPr>
-          <p:nvPr>
-            <p:ph sz="quarter" idx="1"/>
-          </p:nvPr>
-        </p:nvSpPr>
-        <p:spPr>
-          <a:xfrm>
-            <a:off x="496346" y="943897"/>
-            <a:ext cx="4761454" cy="4893023"/>
-          </a:xfrm>
-        </p:spPr>
-        <p:txBody>
-          <a:bodyPr/>
-          <a:lstStyle/>
-          <a:p>
-            <a:pPr marL="0" indent="0">
-              <a:buNone/>
-            </a:pPr>
-            <a:r>
-              <a:rPr lang="en-US" b="1" dirty="0"/>
-              <a:t>Unit test for Grid halo cell fill</a:t>
-            </a:r>
-          </a:p>
-          <a:p>
-            <a:r>
-              <a:rPr lang="en-US" dirty="0"/>
-              <a:t>Verification of guard/ghost/halo  cell fill</a:t>
-            </a:r>
-          </a:p>
-          <a:p>
-            <a:r>
-              <a:rPr lang="en-US" dirty="0"/>
-              <a:t>Initialize field on interior cells (red)</a:t>
-            </a:r>
-          </a:p>
-          <a:p>
-            <a:r>
-              <a:rPr lang="en-US" dirty="0"/>
-              <a:t>Apply guard cell fill</a:t>
-            </a:r>
-          </a:p>
-          <a:p>
-            <a:r>
-              <a:rPr lang="en-US" dirty="0"/>
-              <a:t>Check for equivalence with known fill pattern</a:t>
-            </a:r>
-          </a:p>
-        </p:txBody>
-      </p:sp>
-      <p:pic>
-        <p:nvPicPr>
-          <p:cNvPr id="7" name="Picture 3"/>
-          <p:cNvPicPr>
-            <a:picLocks noChangeAspect="1" noChangeArrowheads="1"/>
-          </p:cNvPicPr>
-          <p:nvPr/>
-        </p:nvPicPr>
-        <p:blipFill rotWithShape="1">
-          <a:blip r:embed="rId4" cstate="email">
-            <a:extLst>
-              <a:ext uri="{28A0092B-C50C-407E-A947-70E740481C1C}">
-                <a14:useLocalDpi xmlns:a14="http://schemas.microsoft.com/office/drawing/2010/main" val="0"/>
-              </a:ext>
-            </a:extLst>
-          </a:blip>
-          <a:srcRect t="8785" b="22588"/>
-          <a:stretch/>
-        </p:blipFill>
-        <p:spPr>
-          <a:xfrm>
-            <a:off x="5704700" y="1517589"/>
-            <a:ext cx="4960523" cy="3846313"/>
-          </a:xfrm>
-          <a:prstGeom prst="rect">
-            <a:avLst/>
-          </a:prstGeom>
-        </p:spPr>
-      </p:pic>
-      <p:sp>
-        <p:nvSpPr>
-          <p:cNvPr id="6" name="Donut 5">
-            <a:extLst>
-              <a:ext uri="{FF2B5EF4-FFF2-40B4-BE49-F238E27FC236}">
-                <a16:creationId xmlns:a16="http://schemas.microsoft.com/office/drawing/2014/main" id="{AF11DFE6-1CA6-7B47-BB91-0A4FD7EE6189}"/>
-              </a:ext>
-            </a:extLst>
-          </p:cNvPr>
-          <p:cNvSpPr/>
-          <p:nvPr/>
-        </p:nvSpPr>
-        <p:spPr>
-          <a:xfrm>
-            <a:off x="164373" y="4461000"/>
-            <a:ext cx="1847200" cy="1758821"/>
-          </a:xfrm>
-          <a:prstGeom prst="donut">
-            <a:avLst/>
-          </a:prstGeom>
-          <a:solidFill>
-            <a:schemeClr val="accent6">
-              <a:lumMod val="40000"/>
-              <a:lumOff val="60000"/>
-            </a:schemeClr>
-          </a:solidFill>
-          <a:ln>
-            <a:solidFill>
-              <a:schemeClr val="tx1"/>
-            </a:solidFill>
-          </a:ln>
-        </p:spPr>
-        <p:style>
-          <a:lnRef idx="1">
-            <a:schemeClr val="accent1"/>
-          </a:lnRef>
-          <a:fillRef idx="3">
-            <a:schemeClr val="accent1"/>
-          </a:fillRef>
-          <a:effectRef idx="2">
-            <a:schemeClr val="accent1"/>
-          </a:effectRef>
-          <a:fontRef idx="minor">
-            <a:schemeClr val="lt1"/>
-          </a:fontRef>
-        </p:style>
-        <p:txBody>
-          <a:bodyPr rtlCol="0" anchor="ctr"/>
-          <a:lstStyle/>
-          <a:p>
-            <a:pPr algn="ctr"/>
-            <a:r>
-              <a:rPr lang="en-US" dirty="0" err="1">
-                <a:solidFill>
-                  <a:schemeClr val="tx1"/>
-                </a:solidFill>
-              </a:rPr>
-              <a:t>gc</a:t>
-            </a:r>
-            <a:r>
-              <a:rPr lang="en-US" dirty="0">
-                <a:solidFill>
-                  <a:schemeClr val="tx1"/>
-                </a:solidFill>
-              </a:rPr>
-              <a:t> test</a:t>
-            </a:r>
-          </a:p>
-        </p:txBody>
-      </p:sp>
-      <p:sp>
-        <p:nvSpPr>
-          <p:cNvPr id="8" name="Donut 7">
-            <a:extLst>
-              <a:ext uri="{FF2B5EF4-FFF2-40B4-BE49-F238E27FC236}">
-                <a16:creationId xmlns:a16="http://schemas.microsoft.com/office/drawing/2014/main" id="{C8782544-B531-1D40-A502-BF7E9615BCB6}"/>
-              </a:ext>
-            </a:extLst>
-          </p:cNvPr>
-          <p:cNvSpPr/>
-          <p:nvPr/>
-        </p:nvSpPr>
-        <p:spPr>
-          <a:xfrm>
-            <a:off x="2578899" y="4460999"/>
-            <a:ext cx="1847200" cy="1758821"/>
-          </a:xfrm>
-          <a:prstGeom prst="donut">
-            <a:avLst/>
-          </a:prstGeom>
-          <a:solidFill>
-            <a:schemeClr val="accent6">
-              <a:lumMod val="40000"/>
-              <a:lumOff val="60000"/>
-            </a:schemeClr>
-          </a:solidFill>
-          <a:ln>
-            <a:solidFill>
-              <a:schemeClr val="tx1"/>
-            </a:solidFill>
-          </a:ln>
-        </p:spPr>
-        <p:style>
-          <a:lnRef idx="1">
-            <a:schemeClr val="accent1"/>
-          </a:lnRef>
-          <a:fillRef idx="3">
-            <a:schemeClr val="accent1"/>
-          </a:fillRef>
-          <a:effectRef idx="2">
-            <a:schemeClr val="accent1"/>
-          </a:effectRef>
-          <a:fontRef idx="minor">
-            <a:schemeClr val="lt1"/>
-          </a:fontRef>
-        </p:style>
-        <p:txBody>
-          <a:bodyPr rtlCol="0" anchor="ctr"/>
-          <a:lstStyle/>
-          <a:p>
-            <a:pPr algn="ctr"/>
-            <a:r>
-              <a:rPr lang="en-US" dirty="0">
-                <a:solidFill>
-                  <a:schemeClr val="tx1"/>
-                </a:solidFill>
-              </a:rPr>
-              <a:t>Eos test</a:t>
-            </a:r>
-          </a:p>
-        </p:txBody>
-      </p:sp>
-      <p:sp>
-        <p:nvSpPr>
-          <p:cNvPr id="3" name="TextBox 2">
-            <a:extLst>
-              <a:ext uri="{FF2B5EF4-FFF2-40B4-BE49-F238E27FC236}">
-                <a16:creationId xmlns:a16="http://schemas.microsoft.com/office/drawing/2014/main" id="{EA2BEC30-2CA8-E946-81D4-8C60BCD9EF89}"/>
-              </a:ext>
-            </a:extLst>
-          </p:cNvPr>
-          <p:cNvSpPr txBox="1"/>
-          <p:nvPr/>
-        </p:nvSpPr>
-        <p:spPr>
-          <a:xfrm>
-            <a:off x="1471938" y="6350589"/>
-            <a:ext cx="6229334" cy="433965"/>
-          </a:xfrm>
-          <a:prstGeom prst="rect">
-            <a:avLst/>
-          </a:prstGeom>
-          <a:noFill/>
-        </p:spPr>
-        <p:txBody>
-          <a:bodyPr wrap="none" lIns="118872" tIns="91440" rIns="118872" bIns="91440" rtlCol="0" anchor="ctr" anchorCtr="0">
-            <a:spAutoFit/>
-          </a:bodyPr>
-          <a:lstStyle/>
-          <a:p>
-            <a:pPr algn="l">
-              <a:lnSpc>
-                <a:spcPct val="90000"/>
-              </a:lnSpc>
-            </a:pPr>
-            <a:r>
-              <a:rPr lang="en-US" dirty="0"/>
-              <a:t>Next, build an EOS Test – is E(V,T) consistent with P(V,T)?</a:t>
-            </a:r>
-          </a:p>
-        </p:txBody>
-      </p:sp>
-    </p:spTree>
-    <p:custDataLst>
-      <p:tags r:id="rId1"/>
-    </p:custDataLst>
-    <p:extLst>
-      <p:ext uri="{BB962C8B-B14F-4D97-AF65-F5344CB8AC3E}">
-        <p14:creationId xmlns:p14="http://schemas.microsoft.com/office/powerpoint/2010/main" val="2442379966"/>
-      </p:ext>
-    </p:extLst>
-  </p:cSld>
-  <p:clrMapOvr>
-    <a:masterClrMapping/>
-  </p:clrMapOvr>
-  <p:timing>
-    <p:tnLst>
-      <p:par>
-        <p:cTn id="1" dur="indefinite" restart="never" nodeType="tmRoot">
-          <p:childTnLst>
-            <p:seq concurrent="1" nextAc="seek">
-              <p:cTn id="2" dur="indefinite" nodeType="mainSeq">
-                <p:childTnLst>
-                  <p:par>
-                    <p:cTn id="3" fill="hold">
-                      <p:stCondLst>
-                        <p:cond delay="indefinite"/>
-                      </p:stCondLst>
-                      <p:childTnLst>
-                        <p:par>
-                          <p:cTn id="4" fill="hold">
-                            <p:stCondLst>
-                              <p:cond delay="0"/>
-                            </p:stCondLst>
-                            <p:childTnLst>
-                              <p:par>
-                                <p:cTn id="5" presetID="1" presetClass="entr" presetSubtype="0" fill="hold" grpId="0" nodeType="clickEffect">
-                                  <p:stCondLst>
-                                    <p:cond delay="0"/>
-                                  </p:stCondLst>
-                                  <p:childTnLst>
-                                    <p:set>
-                                      <p:cBhvr>
-                                        <p:cTn id="6" dur="1" fill="hold">
-                                          <p:stCondLst>
-                                            <p:cond delay="0"/>
-                                          </p:stCondLst>
-                                        </p:cTn>
-                                        <p:tgtEl>
-                                          <p:spTgt spid="6"/>
-                                        </p:tgtEl>
-                                        <p:attrNameLst>
-                                          <p:attrName>style.visibility</p:attrName>
-                                        </p:attrNameLst>
-                                      </p:cBhvr>
-                                      <p:to>
-                                        <p:strVal val="visible"/>
-                                      </p:to>
-                                    </p:set>
-                                  </p:childTnLst>
-                                </p:cTn>
-                              </p:par>
-                            </p:childTnLst>
-                          </p:cTn>
-                        </p:par>
-                      </p:childTnLst>
-                    </p:cTn>
-                  </p:par>
-                  <p:par>
-                    <p:cTn id="7" fill="hold">
-                      <p:stCondLst>
-                        <p:cond delay="indefinite"/>
-                      </p:stCondLst>
-                      <p:childTnLst>
-                        <p:par>
-                          <p:cTn id="8" fill="hold">
-                            <p:stCondLst>
-                              <p:cond delay="0"/>
-                            </p:stCondLst>
-                            <p:childTnLst>
-                              <p:par>
-                                <p:cTn id="9" presetID="1" presetClass="entr" presetSubtype="0" fill="hold" grpId="0" nodeType="clickEffect">
-                                  <p:stCondLst>
-                                    <p:cond delay="0"/>
-                                  </p:stCondLst>
-                                  <p:childTnLst>
-                                    <p:set>
-                                      <p:cBhvr>
-                                        <p:cTn id="10" dur="1" fill="hold">
-                                          <p:stCondLst>
-                                            <p:cond delay="0"/>
-                                          </p:stCondLst>
-                                        </p:cTn>
-                                        <p:tgtEl>
-                                          <p:spTgt spid="8"/>
-                                        </p:tgtEl>
-                                        <p:attrNameLst>
-                                          <p:attrName>style.visibility</p:attrName>
-                                        </p:attrNameLst>
-                                      </p:cBhvr>
-                                      <p:to>
-                                        <p:strVal val="visible"/>
-                                      </p:to>
-                                    </p:set>
-                                  </p:childTnLst>
-                                </p:cTn>
-                              </p:par>
-                            </p:childTnLst>
-                          </p:cTn>
-                        </p:par>
-                      </p:childTnLst>
-                    </p:cTn>
-                  </p:par>
-                </p:childTnLst>
-              </p:cTn>
-              <p:prevCondLst>
-                <p:cond evt="onPrev" delay="0">
-                  <p:tgtEl>
-                    <p:sldTgt/>
-                  </p:tgtEl>
-                </p:cond>
-              </p:prevCondLst>
-              <p:nextCondLst>
-                <p:cond evt="onNext" delay="0">
-                  <p:tgtEl>
-                    <p:sldTgt/>
-                  </p:tgtEl>
-                </p:cond>
-              </p:nextCondLst>
-            </p:seq>
-          </p:childTnLst>
-        </p:cTn>
-      </p:par>
-    </p:tnLst>
-    <p:bldLst>
-      <p:bldP spid="6" grpId="0" animBg="1"/>
-      <p:bldP spid="8" grpId="0" animBg="1"/>
-    </p:bldLst>
-  </p:timing>
-</p:sld>
-</file>
-
 <file path=ppt/tags/tag1.xml><?xml version="1.0" encoding="utf-8"?>
 <p:tagLst xmlns:a="http://schemas.openxmlformats.org/drawingml/2006/main" xmlns:r="http://schemas.openxmlformats.org/officeDocument/2006/relationships" xmlns:p="http://schemas.openxmlformats.org/presentationml/2006/main">
   <p:tag name="TIMING" val="|25.8|7|19.3|5.6|9|17.8|16.3|3.9|16.6|0.7"/>
@@ -12997,6 +14374,12 @@
 </file>
 
 <file path=ppt/tags/tag4.xml><?xml version="1.0" encoding="utf-8"?>
+<p:tagLst xmlns:a="http://schemas.openxmlformats.org/drawingml/2006/main" xmlns:r="http://schemas.openxmlformats.org/officeDocument/2006/relationships" xmlns:p="http://schemas.openxmlformats.org/presentationml/2006/main">
+  <p:tag name="TIMING" val="|102|13.3"/>
+</p:tagLst>
+</file>
+
+<file path=ppt/tags/tag5.xml><?xml version="1.0" encoding="utf-8"?>
 <p:tagLst xmlns:a="http://schemas.openxmlformats.org/drawingml/2006/main" xmlns:r="http://schemas.openxmlformats.org/officeDocument/2006/relationships" xmlns:p="http://schemas.openxmlformats.org/presentationml/2006/main">
   <p:tag name="TIMING" val="|87.2|3.4|1.7|15|27"/>
 </p:tagLst>
@@ -13915,6 +15298,15 @@
 </file>
 
 <file path=customXml/item1.xml><?xml version="1.0" encoding="utf-8"?>
+<?mso-contentType ?>
+<FormTemplates xmlns="http://schemas.microsoft.com/sharepoint/v3/contenttype/forms">
+  <Display>DocumentLibraryForm</Display>
+  <Edit>DocumentLibraryForm</Edit>
+  <New>DocumentLibraryForm</New>
+</FormTemplates>
+</file>
+
+<file path=customXml/item2.xml><?xml version="1.0" encoding="utf-8"?>
 <ct:contentTypeSchema xmlns:ct="http://schemas.microsoft.com/office/2006/metadata/contentType" xmlns:ma="http://schemas.microsoft.com/office/2006/metadata/properties/metaAttributes" ct:_="" ma:_="" ma:contentTypeName="Document" ma:contentTypeID="0x010100565464437F680748A68B85EB6594EA7D" ma:contentTypeVersion="0" ma:contentTypeDescription="Create a new document." ma:contentTypeScope="" ma:versionID="fe3f4dd58d5914c51cfc6deaa8ad845c">
   <xsd:schema xmlns:xsd="http://www.w3.org/2001/XMLSchema" xmlns:p="http://schemas.microsoft.com/office/2006/metadata/properties" targetNamespace="http://schemas.microsoft.com/office/2006/metadata/properties" ma:root="true" ma:fieldsID="4aeb20c0e3442673af7ee10786458764">
     <xsd:element name="properties">
@@ -13963,15 +15355,6 @@
 </ct:contentTypeSchema>
 </file>
 
-<file path=customXml/item2.xml><?xml version="1.0" encoding="utf-8"?>
-<?mso-contentType ?>
-<FormTemplates xmlns="http://schemas.microsoft.com/sharepoint/v3/contenttype/forms">
-  <Display>DocumentLibraryForm</Display>
-  <Edit>DocumentLibraryForm</Edit>
-  <New>DocumentLibraryForm</New>
-</FormTemplates>
-</file>
-
 <file path=customXml/item3.xml><?xml version="1.0" encoding="utf-8"?>
 <p:properties xmlns:p="http://schemas.microsoft.com/office/2006/metadata/properties" xmlns:xsi="http://www.w3.org/2001/XMLSchema-instance" xmlns:pc="http://schemas.microsoft.com/office/infopath/2007/PartnerControls">
   <documentManagement/>
@@ -13979,6 +15362,14 @@
 </file>
 
 <file path=customXml/itemProps1.xml><?xml version="1.0" encoding="utf-8"?>
+<ds:datastoreItem xmlns:ds="http://schemas.openxmlformats.org/officeDocument/2006/customXml" ds:itemID="{19E20559-B232-4371-8690-E3D8007EDB82}">
+  <ds:schemaRefs>
+    <ds:schemaRef ds:uri="http://schemas.microsoft.com/sharepoint/v3/contenttype/forms"/>
+  </ds:schemaRefs>
+</ds:datastoreItem>
+</file>
+
+<file path=customXml/itemProps2.xml><?xml version="1.0" encoding="utf-8"?>
 <ds:datastoreItem xmlns:ds="http://schemas.openxmlformats.org/officeDocument/2006/customXml" ds:itemID="{E8DB7DEB-074E-4EE8-9B6E-FD277323109C}">
   <ds:schemaRefs>
     <ds:schemaRef ds:uri="http://schemas.microsoft.com/office/2006/metadata/contentType"/>
@@ -13989,14 +15380,6 @@
     <ds:schemaRef ds:uri="http://purl.org/dc/elements/1.1/"/>
     <ds:schemaRef ds:uri="http://purl.org/dc/terms/"/>
     <ds:schemaRef ds:uri="http://schemas.microsoft.com/office/internal/2005/internalDocumentation"/>
-  </ds:schemaRefs>
-</ds:datastoreItem>
-</file>
-
-<file path=customXml/itemProps2.xml><?xml version="1.0" encoding="utf-8"?>
-<ds:datastoreItem xmlns:ds="http://schemas.openxmlformats.org/officeDocument/2006/customXml" ds:itemID="{19E20559-B232-4371-8690-E3D8007EDB82}">
-  <ds:schemaRefs>
-    <ds:schemaRef ds:uri="http://schemas.microsoft.com/sharepoint/v3/contenttype/forms"/>
   </ds:schemaRefs>
 </ds:datastoreItem>
 </file>

--- a/testing-advanced.pptx
+++ b/testing-advanced.pptx
@@ -5,10 +5,10 @@
     <p:sldMasterId id="2147483935" r:id="rId4"/>
   </p:sldMasterIdLst>
   <p:notesMasterIdLst>
-    <p:notesMasterId r:id="rId20"/>
+    <p:notesMasterId r:id="rId21"/>
   </p:notesMasterIdLst>
   <p:handoutMasterIdLst>
-    <p:handoutMasterId r:id="rId21"/>
+    <p:handoutMasterId r:id="rId22"/>
   </p:handoutMasterIdLst>
   <p:sldIdLst>
     <p:sldId id="631" r:id="rId5"/>
@@ -16,16 +16,17 @@
     <p:sldId id="487" r:id="rId7"/>
     <p:sldId id="465" r:id="rId8"/>
     <p:sldId id="634" r:id="rId9"/>
-    <p:sldId id="579" r:id="rId10"/>
-    <p:sldId id="580" r:id="rId11"/>
-    <p:sldId id="299" r:id="rId12"/>
-    <p:sldId id="581" r:id="rId13"/>
-    <p:sldId id="635" r:id="rId14"/>
-    <p:sldId id="469" r:id="rId15"/>
-    <p:sldId id="472" r:id="rId16"/>
-    <p:sldId id="486" r:id="rId17"/>
-    <p:sldId id="586" r:id="rId18"/>
-    <p:sldId id="632" r:id="rId19"/>
+    <p:sldId id="636" r:id="rId10"/>
+    <p:sldId id="579" r:id="rId11"/>
+    <p:sldId id="580" r:id="rId12"/>
+    <p:sldId id="299" r:id="rId13"/>
+    <p:sldId id="581" r:id="rId14"/>
+    <p:sldId id="635" r:id="rId15"/>
+    <p:sldId id="469" r:id="rId16"/>
+    <p:sldId id="472" r:id="rId17"/>
+    <p:sldId id="486" r:id="rId18"/>
+    <p:sldId id="586" r:id="rId19"/>
+    <p:sldId id="632" r:id="rId20"/>
   </p:sldIdLst>
   <p:sldSz cx="12188825" cy="6858000"/>
   <p:notesSz cx="7010400" cy="9296400"/>
@@ -269,7 +270,7 @@
           <a:p>
             <a:fld id="{0B842F42-2CE9-4E35-95C1-410DC08A50B1}" type="datetimeFigureOut">
               <a:rPr lang="en-US" smtClean="0"/>
-              <a:t>9/2/21</a:t>
+              <a:t>9/7/21</a:t>
             </a:fld>
             <a:endParaRPr lang="en-US"/>
           </a:p>
@@ -434,7 +435,7 @@
           <a:p>
             <a:fld id="{6F282904-F315-4730-8D91-37D99E141A6F}" type="datetimeFigureOut">
               <a:rPr lang="en-US" smtClean="0"/>
-              <a:t>9/2/21</a:t>
+              <a:t>9/7/21</a:t>
             </a:fld>
             <a:endParaRPr lang="en-US"/>
           </a:p>
@@ -915,7 +916,7 @@
     </p:spTree>
     <p:extLst>
       <p:ext uri="{BB962C8B-B14F-4D97-AF65-F5344CB8AC3E}">
-        <p14:creationId xmlns:p14="http://schemas.microsoft.com/office/powerpoint/2010/main" val="2514086208"/>
+        <p14:creationId xmlns:p14="http://schemas.microsoft.com/office/powerpoint/2010/main" val="2531848196"/>
       </p:ext>
     </p:extLst>
   </p:cSld>
@@ -996,55 +997,7 @@
                 <a:ea typeface="+mn-ea"/>
                 <a:cs typeface="+mn-cs"/>
               </a:rPr>
-              <a:t>Once those basic unit tests are done, we can create a unit test at the next level.  Here, the </a:t>
-            </a:r>
-            <a:r>
-              <a:rPr lang="en-US" sz="1200" kern="1200" dirty="0" err="1">
-                <a:solidFill>
-                  <a:schemeClr val="tx1"/>
-                </a:solidFill>
-                <a:effectLst/>
-                <a:latin typeface="+mn-lt"/>
-                <a:ea typeface="+mn-ea"/>
-                <a:cs typeface="+mn-cs"/>
-              </a:rPr>
-              <a:t>Sedov</a:t>
-            </a:r>
-            <a:r>
-              <a:rPr lang="en-US" sz="1200" kern="1200" dirty="0">
-                <a:solidFill>
-                  <a:schemeClr val="tx1"/>
-                </a:solidFill>
-                <a:effectLst/>
-                <a:latin typeface="+mn-lt"/>
-                <a:ea typeface="+mn-ea"/>
-                <a:cs typeface="+mn-cs"/>
-              </a:rPr>
-              <a:t> blast wave is simulated using the cell grid and equation of state previously tested.  The </a:t>
-            </a:r>
-            <a:r>
-              <a:rPr lang="en-US" sz="1200" kern="1200" dirty="0" err="1">
-                <a:solidFill>
-                  <a:schemeClr val="tx1"/>
-                </a:solidFill>
-                <a:effectLst/>
-                <a:latin typeface="+mn-lt"/>
-                <a:ea typeface="+mn-ea"/>
-                <a:cs typeface="+mn-cs"/>
-              </a:rPr>
-              <a:t>Sedov</a:t>
-            </a:r>
-            <a:r>
-              <a:rPr lang="en-US" sz="1200" kern="1200" dirty="0">
-                <a:solidFill>
-                  <a:schemeClr val="tx1"/>
-                </a:solidFill>
-                <a:effectLst/>
-                <a:latin typeface="+mn-lt"/>
-                <a:ea typeface="+mn-ea"/>
-                <a:cs typeface="+mn-cs"/>
-              </a:rPr>
-              <a:t> wave has a known analytical solution, which provides an error estimate for the implementation.  Out-of-tolerance errors at this stage indicate a problem specific to hydrodynamics, since the cells and equation of state are already tested.  In addition, plotting errors vs. space and time helps to train graduate students.</a:t>
+              <a:t>Here's another example of verifying the halo exchange on a cell grid.  The test initializes interior cells with a known function, does the halo exchange, and checks whether the guard cell has been properly copied over.  Similarly, a unit test can be written to verify parts of the computations - like computing energy from pressure and temperature.</a:t>
             </a:r>
           </a:p>
         </p:txBody>
@@ -1075,7 +1028,7 @@
     </p:spTree>
     <p:extLst>
       <p:ext uri="{BB962C8B-B14F-4D97-AF65-F5344CB8AC3E}">
-        <p14:creationId xmlns:p14="http://schemas.microsoft.com/office/powerpoint/2010/main" val="1935325995"/>
+        <p14:creationId xmlns:p14="http://schemas.microsoft.com/office/powerpoint/2010/main" val="2514086208"/>
       </p:ext>
     </p:extLst>
   </p:cSld>
@@ -1156,29 +1109,10 @@
                 <a:ea typeface="+mn-ea"/>
                 <a:cs typeface="+mn-cs"/>
               </a:rPr>
-              <a:t>This test can be developed further too.  For example, if one is using AMR in the code, then the steps shown here can become tests for specific AMR functionalities in the code. </a:t>
-            </a:r>
-          </a:p>
-          <a:p>
-            <a:pPr marL="0" marR="0" lvl="0" indent="0" algn="l" defTabSz="914400" rtl="0" eaLnBrk="1" fontAlgn="auto" latinLnBrk="0" hangingPunct="1">
-              <a:lnSpc>
-                <a:spcPct val="100000"/>
-              </a:lnSpc>
-              <a:spcBef>
-                <a:spcPts val="0"/>
-              </a:spcBef>
-              <a:spcAft>
-                <a:spcPts val="0"/>
-              </a:spcAft>
-              <a:buClrTx/>
-              <a:buSzTx/>
-              <a:buFontTx/>
-              <a:buNone/>
-              <a:tabLst/>
-              <a:defRPr/>
-            </a:pPr>
-            <a:r>
-              <a:rPr lang="en-US" sz="1200" kern="1200" dirty="0">
+              <a:t>Once those basic unit tests are done, we can create a unit test at the next level.  Here, the </a:t>
+            </a:r>
+            <a:r>
+              <a:rPr lang="en-US" sz="1200" kern="1200" dirty="0" err="1">
                 <a:solidFill>
                   <a:schemeClr val="tx1"/>
                 </a:solidFill>
@@ -1187,10 +1121,10 @@
                 <a:ea typeface="+mn-ea"/>
                 <a:cs typeface="+mn-cs"/>
               </a:rPr>
-              <a:t>Run </a:t>
-            </a:r>
-            <a:r>
-              <a:rPr lang="en-US" sz="1200" kern="1200" dirty="0" err="1">
+              <a:t>Sedov</a:t>
+            </a:r>
+            <a:r>
+              <a:rPr lang="en-US" sz="1200" kern="1200" dirty="0">
                 <a:solidFill>
                   <a:schemeClr val="tx1"/>
                 </a:solidFill>
@@ -1199,10 +1133,10 @@
                 <a:ea typeface="+mn-ea"/>
                 <a:cs typeface="+mn-cs"/>
               </a:rPr>
-              <a:t>Gcfill</a:t>
-            </a:r>
-            <a:r>
-              <a:rPr lang="en-US" sz="1200" kern="1200" dirty="0">
+              <a:t> blast wave is simulated using the cell grid and equation of state previously tested.  The </a:t>
+            </a:r>
+            <a:r>
+              <a:rPr lang="en-US" sz="1200" kern="1200" dirty="0" err="1">
                 <a:solidFill>
                   <a:schemeClr val="tx1"/>
                 </a:solidFill>
@@ -1211,10 +1145,10 @@
                 <a:ea typeface="+mn-ea"/>
                 <a:cs typeface="+mn-cs"/>
               </a:rPr>
-              <a:t> and EOS with AMR and </a:t>
-            </a:r>
-            <a:r>
-              <a:rPr lang="en-US" sz="1200" kern="1200" dirty="0" err="1">
+              <a:t>Sedov</a:t>
+            </a:r>
+            <a:r>
+              <a:rPr lang="en-US" sz="1200" kern="1200" dirty="0">
                 <a:solidFill>
                   <a:schemeClr val="tx1"/>
                 </a:solidFill>
@@ -1223,74 +1157,7 @@
                 <a:ea typeface="+mn-ea"/>
                 <a:cs typeface="+mn-cs"/>
               </a:rPr>
-              <a:t>sedov</a:t>
-            </a:r>
-            <a:r>
-              <a:rPr lang="en-US" sz="1200" kern="1200" dirty="0">
-                <a:solidFill>
-                  <a:schemeClr val="tx1"/>
-                </a:solidFill>
-                <a:effectLst/>
-                <a:latin typeface="+mn-lt"/>
-                <a:ea typeface="+mn-ea"/>
-                <a:cs typeface="+mn-cs"/>
-              </a:rPr>
-              <a:t> with UG. If all three pass, run </a:t>
-            </a:r>
-            <a:r>
-              <a:rPr lang="en-US" sz="1200" kern="1200" dirty="0" err="1">
-                <a:solidFill>
-                  <a:schemeClr val="tx1"/>
-                </a:solidFill>
-                <a:effectLst/>
-                <a:latin typeface="+mn-lt"/>
-                <a:ea typeface="+mn-ea"/>
-                <a:cs typeface="+mn-cs"/>
-              </a:rPr>
-              <a:t>sedov</a:t>
-            </a:r>
-            <a:r>
-              <a:rPr lang="en-US" sz="1200" kern="1200" dirty="0">
-                <a:solidFill>
-                  <a:schemeClr val="tx1"/>
-                </a:solidFill>
-                <a:effectLst/>
-                <a:latin typeface="+mn-lt"/>
-                <a:ea typeface="+mn-ea"/>
-                <a:cs typeface="+mn-cs"/>
-              </a:rPr>
-              <a:t> with no dynamic refinement. The only new AMR feature exercised in this configuration is reconciliation of fluxes at fine-coarse boundaries.</a:t>
-            </a:r>
-          </a:p>
-          <a:p>
-            <a:pPr marL="0" marR="0" lvl="0" indent="0" algn="l" defTabSz="914400" rtl="0" eaLnBrk="1" fontAlgn="auto" latinLnBrk="0" hangingPunct="1">
-              <a:lnSpc>
-                <a:spcPct val="100000"/>
-              </a:lnSpc>
-              <a:spcBef>
-                <a:spcPts val="0"/>
-              </a:spcBef>
-              <a:spcAft>
-                <a:spcPts val="0"/>
-              </a:spcAft>
-              <a:buClrTx/>
-              <a:buSzTx/>
-              <a:buFontTx/>
-              <a:buNone/>
-              <a:tabLst/>
-              <a:defRPr/>
-            </a:pPr>
-            <a:r>
-              <a:rPr lang="en-US" sz="1200" kern="1200" dirty="0">
-                <a:solidFill>
-                  <a:schemeClr val="tx1"/>
-                </a:solidFill>
-                <a:effectLst/>
-                <a:latin typeface="+mn-lt"/>
-                <a:ea typeface="+mn-ea"/>
-                <a:cs typeface="+mn-cs"/>
-              </a:rPr>
-              <a:t>If that passed run with dynamic refinement, where that is the only new feature added. The basic takeaway is in each new test only one new feature is exercised so that a failure can pin-point the cause.</a:t>
+              <a:t> wave has a known analytical solution, which provides an error estimate for the implementation.  Out-of-tolerance errors at this stage indicate a problem specific to hydrodynamics, since the cells and equation of state are already tested.  In addition, plotting errors vs. space and time helps to train graduate students.</a:t>
             </a:r>
           </a:p>
         </p:txBody>
@@ -1321,7 +1188,7 @@
     </p:spTree>
     <p:extLst>
       <p:ext uri="{BB962C8B-B14F-4D97-AF65-F5344CB8AC3E}">
-        <p14:creationId xmlns:p14="http://schemas.microsoft.com/office/powerpoint/2010/main" val="2492424174"/>
+        <p14:creationId xmlns:p14="http://schemas.microsoft.com/office/powerpoint/2010/main" val="1935325995"/>
       </p:ext>
     </p:extLst>
   </p:cSld>
@@ -1375,6 +1242,23 @@
           <a:bodyPr/>
           <a:lstStyle/>
           <a:p>
+            <a:pPr marL="0" marR="0" lvl="0" indent="0" algn="l" defTabSz="914400" rtl="0" eaLnBrk="1" fontAlgn="auto" latinLnBrk="0" hangingPunct="1">
+              <a:lnSpc>
+                <a:spcPct val="100000"/>
+              </a:lnSpc>
+              <a:spcBef>
+                <a:spcPts val="0"/>
+              </a:spcBef>
+              <a:spcAft>
+                <a:spcPts val="0"/>
+              </a:spcAft>
+              <a:buClrTx/>
+              <a:buSzTx/>
+              <a:buFontTx/>
+              <a:buNone/>
+              <a:tabLst/>
+              <a:defRPr/>
+            </a:pPr>
             <a:r>
               <a:rPr lang="en-US" sz="1200" kern="1200" dirty="0">
                 <a:solidFill>
@@ -1385,10 +1269,29 @@
                 <a:ea typeface="+mn-ea"/>
                 <a:cs typeface="+mn-cs"/>
               </a:rPr>
-              <a:t>This final example shows a graphical way to "map" areas of your code for testing.  The x-axis has physical </a:t>
-            </a:r>
-            <a:r>
-              <a:rPr lang="en-US" sz="1200" kern="1200" dirty="0" err="1">
+              <a:t>This test can be developed further too.  For example, if one is using AMR in the code, then the steps shown here can become tests for specific AMR functionalities in the code. </a:t>
+            </a:r>
+          </a:p>
+          <a:p>
+            <a:pPr marL="0" marR="0" lvl="0" indent="0" algn="l" defTabSz="914400" rtl="0" eaLnBrk="1" fontAlgn="auto" latinLnBrk="0" hangingPunct="1">
+              <a:lnSpc>
+                <a:spcPct val="100000"/>
+              </a:lnSpc>
+              <a:spcBef>
+                <a:spcPts val="0"/>
+              </a:spcBef>
+              <a:spcAft>
+                <a:spcPts val="0"/>
+              </a:spcAft>
+              <a:buClrTx/>
+              <a:buSzTx/>
+              <a:buFontTx/>
+              <a:buNone/>
+              <a:tabLst/>
+              <a:defRPr/>
+            </a:pPr>
+            <a:r>
+              <a:rPr lang="en-US" sz="1200" kern="1200" dirty="0">
                 <a:solidFill>
                   <a:schemeClr val="tx1"/>
                 </a:solidFill>
@@ -1397,10 +1300,10 @@
                 <a:ea typeface="+mn-ea"/>
                 <a:cs typeface="+mn-cs"/>
               </a:rPr>
-              <a:t>capabiliies</a:t>
-            </a:r>
-            <a:r>
-              <a:rPr lang="en-US" sz="1200" kern="1200" dirty="0">
+              <a:t>Run </a:t>
+            </a:r>
+            <a:r>
+              <a:rPr lang="en-US" sz="1200" kern="1200" dirty="0" err="1">
                 <a:solidFill>
                   <a:schemeClr val="tx1"/>
                 </a:solidFill>
@@ -1409,10 +1312,10 @@
                 <a:ea typeface="+mn-ea"/>
                 <a:cs typeface="+mn-cs"/>
               </a:rPr>
-              <a:t>.  The y-axis has infrastructure and generic solvers.  List out all test and mark the corresponding squares in the matrix if the two corresponding features are exercised together in the test. For example here SV stands for the </a:t>
-            </a:r>
-            <a:r>
-              <a:rPr lang="en-US" sz="1200" kern="1200" dirty="0" err="1">
+              <a:t>Gcfill</a:t>
+            </a:r>
+            <a:r>
+              <a:rPr lang="en-US" sz="1200" kern="1200" dirty="0">
                 <a:solidFill>
                   <a:schemeClr val="tx1"/>
                 </a:solidFill>
@@ -1421,10 +1324,10 @@
                 <a:ea typeface="+mn-ea"/>
                 <a:cs typeface="+mn-cs"/>
               </a:rPr>
-              <a:t>Sedov</a:t>
-            </a:r>
-            <a:r>
-              <a:rPr lang="en-US" sz="1200" kern="1200" dirty="0">
+              <a:t> and EOS with AMR and </a:t>
+            </a:r>
+            <a:r>
+              <a:rPr lang="en-US" sz="1200" kern="1200" dirty="0" err="1">
                 <a:solidFill>
                   <a:schemeClr val="tx1"/>
                 </a:solidFill>
@@ -1433,10 +1336,10 @@
                 <a:ea typeface="+mn-ea"/>
                 <a:cs typeface="+mn-cs"/>
               </a:rPr>
-              <a:t> test run with Uniform grid and includes tracer particles. Similarly the </a:t>
-            </a:r>
-            <a:r>
-              <a:rPr lang="en-US" sz="1200" kern="1200" dirty="0" err="1">
+              <a:t>sedov</a:t>
+            </a:r>
+            <a:r>
+              <a:rPr lang="en-US" sz="1200" kern="1200" dirty="0">
                 <a:solidFill>
                   <a:schemeClr val="tx1"/>
                 </a:solidFill>
@@ -1445,10 +1348,10 @@
                 <a:ea typeface="+mn-ea"/>
                 <a:cs typeface="+mn-cs"/>
               </a:rPr>
-              <a:t>celluar</a:t>
-            </a:r>
-            <a:r>
-              <a:rPr lang="en-US" sz="1200" kern="1200" dirty="0">
+              <a:t> with UG. If all three pass, run </a:t>
+            </a:r>
+            <a:r>
+              <a:rPr lang="en-US" sz="1200" kern="1200" dirty="0" err="1">
                 <a:solidFill>
                   <a:schemeClr val="tx1"/>
                 </a:solidFill>
@@ -1457,10 +1360,8 @@
                 <a:ea typeface="+mn-ea"/>
                 <a:cs typeface="+mn-cs"/>
               </a:rPr>
-              <a:t> test (CL) runs with AMR and also includes nuclear burning and particles in addition to Hydro and EOS.  The idea is to know which of these squares need to be marked to have sufficient amount of interoperability coverage needed by the code.   Not every square needs to be covered, though.  It also helps document areas of your code that are needed for each science scenario.</a:t>
-            </a:r>
-          </a:p>
-          <a:p>
+              <a:t>sedov</a:t>
+            </a:r>
             <a:r>
               <a:rPr lang="en-US" sz="1200" kern="1200" dirty="0">
                 <a:solidFill>
@@ -1471,21 +1372,27 @@
                 <a:ea typeface="+mn-ea"/>
                 <a:cs typeface="+mn-cs"/>
               </a:rPr>
-              <a:t>This type of map is complementary to code coverage.  If your program is well-structured, there should be some correspondence between this map and the files that coverage shows as "tested".</a:t>
-            </a:r>
-          </a:p>
-          <a:p>
-            <a:endParaRPr lang="en-US" sz="1200" kern="1200" dirty="0">
-              <a:solidFill>
-                <a:schemeClr val="tx1"/>
-              </a:solidFill>
-              <a:effectLst/>
-              <a:latin typeface="+mn-lt"/>
-              <a:ea typeface="+mn-ea"/>
-              <a:cs typeface="+mn-cs"/>
-            </a:endParaRPr>
-          </a:p>
-          <a:p>
+              <a:t> with no dynamic refinement. The only new AMR feature exercised in this configuration is reconciliation of fluxes at fine-coarse boundaries.</a:t>
+            </a:r>
+          </a:p>
+          <a:p>
+            <a:pPr marL="0" marR="0" lvl="0" indent="0" algn="l" defTabSz="914400" rtl="0" eaLnBrk="1" fontAlgn="auto" latinLnBrk="0" hangingPunct="1">
+              <a:lnSpc>
+                <a:spcPct val="100000"/>
+              </a:lnSpc>
+              <a:spcBef>
+                <a:spcPts val="0"/>
+              </a:spcBef>
+              <a:spcAft>
+                <a:spcPts val="0"/>
+              </a:spcAft>
+              <a:buClrTx/>
+              <a:buSzTx/>
+              <a:buFontTx/>
+              <a:buNone/>
+              <a:tabLst/>
+              <a:defRPr/>
+            </a:pPr>
             <a:r>
               <a:rPr lang="en-US" sz="1200" kern="1200" dirty="0">
                 <a:solidFill>
@@ -1496,29 +1403,8 @@
                 <a:ea typeface="+mn-ea"/>
                 <a:cs typeface="+mn-cs"/>
               </a:rPr>
-              <a:t>The Order described here gives guidelines for how to select the tests to maximize the needed coverage while minimizing the cost. It is always desirable to run the fastest and most lightweight tests that can pinpoint the error</a:t>
-            </a:r>
-            <a:r>
-              <a:rPr lang="en-US" sz="1200" kern="1200">
-                <a:solidFill>
-                  <a:schemeClr val="tx1"/>
-                </a:solidFill>
-                <a:effectLst/>
-                <a:latin typeface="+mn-lt"/>
-                <a:ea typeface="+mn-ea"/>
-                <a:cs typeface="+mn-cs"/>
-              </a:rPr>
-              <a:t>. </a:t>
-            </a:r>
-            <a:endParaRPr lang="en-US" sz="1200" kern="1200" dirty="0">
-              <a:solidFill>
-                <a:schemeClr val="tx1"/>
-              </a:solidFill>
-              <a:effectLst/>
-              <a:latin typeface="+mn-lt"/>
-              <a:ea typeface="+mn-ea"/>
-              <a:cs typeface="+mn-cs"/>
-            </a:endParaRPr>
+              <a:t>If that passed run with dynamic refinement, where that is the only new feature added. The basic takeaway is in each new test only one new feature is exercised so that a failure can pin-point the cause.</a:t>
+            </a:r>
           </a:p>
         </p:txBody>
       </p:sp>
@@ -1540,6 +1426,233 @@
             <a:fld id="{54E672D7-8E2D-4611-973D-F4591A707C34}" type="slidenum">
               <a:rPr lang="en-US" smtClean="0"/>
               <a:t>14</a:t>
+            </a:fld>
+            <a:endParaRPr lang="en-US"/>
+          </a:p>
+        </p:txBody>
+      </p:sp>
+    </p:spTree>
+    <p:extLst>
+      <p:ext uri="{BB962C8B-B14F-4D97-AF65-F5344CB8AC3E}">
+        <p14:creationId xmlns:p14="http://schemas.microsoft.com/office/powerpoint/2010/main" val="2492424174"/>
+      </p:ext>
+    </p:extLst>
+  </p:cSld>
+  <p:clrMapOvr>
+    <a:masterClrMapping/>
+  </p:clrMapOvr>
+</p:notes>
+</file>
+
+<file path=ppt/notesSlides/notesSlide14.xml><?xml version="1.0" encoding="utf-8"?>
+<p:notes xmlns:a="http://schemas.openxmlformats.org/drawingml/2006/main" xmlns:r="http://schemas.openxmlformats.org/officeDocument/2006/relationships" xmlns:p="http://schemas.openxmlformats.org/presentationml/2006/main">
+  <p:cSld>
+    <p:spTree>
+      <p:nvGrpSpPr>
+        <p:cNvPr id="1" name=""/>
+        <p:cNvGrpSpPr/>
+        <p:nvPr/>
+      </p:nvGrpSpPr>
+      <p:grpSpPr>
+        <a:xfrm>
+          <a:off x="0" y="0"/>
+          <a:ext cx="0" cy="0"/>
+          <a:chOff x="0" y="0"/>
+          <a:chExt cx="0" cy="0"/>
+        </a:xfrm>
+      </p:grpSpPr>
+      <p:sp>
+        <p:nvSpPr>
+          <p:cNvPr id="2" name="Slide Image Placeholder 1"/>
+          <p:cNvSpPr>
+            <a:spLocks noGrp="1" noRot="1" noChangeAspect="1"/>
+          </p:cNvSpPr>
+          <p:nvPr>
+            <p:ph type="sldImg"/>
+          </p:nvPr>
+        </p:nvSpPr>
+        <p:spPr/>
+      </p:sp>
+      <p:sp>
+        <p:nvSpPr>
+          <p:cNvPr id="3" name="Notes Placeholder 2"/>
+          <p:cNvSpPr>
+            <a:spLocks noGrp="1"/>
+          </p:cNvSpPr>
+          <p:nvPr>
+            <p:ph type="body" idx="1"/>
+          </p:nvPr>
+        </p:nvSpPr>
+        <p:spPr/>
+        <p:txBody>
+          <a:bodyPr/>
+          <a:lstStyle/>
+          <a:p>
+            <a:r>
+              <a:rPr lang="en-US" sz="1200" kern="1200" dirty="0">
+                <a:solidFill>
+                  <a:schemeClr val="tx1"/>
+                </a:solidFill>
+                <a:effectLst/>
+                <a:latin typeface="+mn-lt"/>
+                <a:ea typeface="+mn-ea"/>
+                <a:cs typeface="+mn-cs"/>
+              </a:rPr>
+              <a:t>This final example shows a graphical way to "map" areas of your code for testing.  The x-axis has physical </a:t>
+            </a:r>
+            <a:r>
+              <a:rPr lang="en-US" sz="1200" kern="1200" dirty="0" err="1">
+                <a:solidFill>
+                  <a:schemeClr val="tx1"/>
+                </a:solidFill>
+                <a:effectLst/>
+                <a:latin typeface="+mn-lt"/>
+                <a:ea typeface="+mn-ea"/>
+                <a:cs typeface="+mn-cs"/>
+              </a:rPr>
+              <a:t>capabiliies</a:t>
+            </a:r>
+            <a:r>
+              <a:rPr lang="en-US" sz="1200" kern="1200" dirty="0">
+                <a:solidFill>
+                  <a:schemeClr val="tx1"/>
+                </a:solidFill>
+                <a:effectLst/>
+                <a:latin typeface="+mn-lt"/>
+                <a:ea typeface="+mn-ea"/>
+                <a:cs typeface="+mn-cs"/>
+              </a:rPr>
+              <a:t>.  The y-axis has infrastructure and generic solvers.  List out all test and mark the corresponding squares in the matrix if the two corresponding features are exercised together in the test. For example here SV stands for the </a:t>
+            </a:r>
+            <a:r>
+              <a:rPr lang="en-US" sz="1200" kern="1200" dirty="0" err="1">
+                <a:solidFill>
+                  <a:schemeClr val="tx1"/>
+                </a:solidFill>
+                <a:effectLst/>
+                <a:latin typeface="+mn-lt"/>
+                <a:ea typeface="+mn-ea"/>
+                <a:cs typeface="+mn-cs"/>
+              </a:rPr>
+              <a:t>Sedov</a:t>
+            </a:r>
+            <a:r>
+              <a:rPr lang="en-US" sz="1200" kern="1200" dirty="0">
+                <a:solidFill>
+                  <a:schemeClr val="tx1"/>
+                </a:solidFill>
+                <a:effectLst/>
+                <a:latin typeface="+mn-lt"/>
+                <a:ea typeface="+mn-ea"/>
+                <a:cs typeface="+mn-cs"/>
+              </a:rPr>
+              <a:t> test run with Uniform grid and includes tracer particles. Similarly the </a:t>
+            </a:r>
+            <a:r>
+              <a:rPr lang="en-US" sz="1200" kern="1200" dirty="0" err="1">
+                <a:solidFill>
+                  <a:schemeClr val="tx1"/>
+                </a:solidFill>
+                <a:effectLst/>
+                <a:latin typeface="+mn-lt"/>
+                <a:ea typeface="+mn-ea"/>
+                <a:cs typeface="+mn-cs"/>
+              </a:rPr>
+              <a:t>celluar</a:t>
+            </a:r>
+            <a:r>
+              <a:rPr lang="en-US" sz="1200" kern="1200" dirty="0">
+                <a:solidFill>
+                  <a:schemeClr val="tx1"/>
+                </a:solidFill>
+                <a:effectLst/>
+                <a:latin typeface="+mn-lt"/>
+                <a:ea typeface="+mn-ea"/>
+                <a:cs typeface="+mn-cs"/>
+              </a:rPr>
+              <a:t> test (CL) runs with AMR and also includes nuclear burning and particles in addition to Hydro and EOS.  The idea is to know which of these squares need to be marked to have sufficient amount of interoperability coverage needed by the code.   Not every square needs to be covered, though.  It also helps document areas of your code that are needed for each science scenario.</a:t>
+            </a:r>
+          </a:p>
+          <a:p>
+            <a:r>
+              <a:rPr lang="en-US" sz="1200" kern="1200" dirty="0">
+                <a:solidFill>
+                  <a:schemeClr val="tx1"/>
+                </a:solidFill>
+                <a:effectLst/>
+                <a:latin typeface="+mn-lt"/>
+                <a:ea typeface="+mn-ea"/>
+                <a:cs typeface="+mn-cs"/>
+              </a:rPr>
+              <a:t>This type of map is complementary to code coverage.  If your program is well-structured, there should be some correspondence between this map and the files that coverage shows as "tested".</a:t>
+            </a:r>
+          </a:p>
+          <a:p>
+            <a:endParaRPr lang="en-US" sz="1200" kern="1200" dirty="0">
+              <a:solidFill>
+                <a:schemeClr val="tx1"/>
+              </a:solidFill>
+              <a:effectLst/>
+              <a:latin typeface="+mn-lt"/>
+              <a:ea typeface="+mn-ea"/>
+              <a:cs typeface="+mn-cs"/>
+            </a:endParaRPr>
+          </a:p>
+          <a:p>
+            <a:r>
+              <a:rPr lang="en-US" sz="1200" kern="1200" dirty="0">
+                <a:solidFill>
+                  <a:schemeClr val="tx1"/>
+                </a:solidFill>
+                <a:effectLst/>
+                <a:latin typeface="+mn-lt"/>
+                <a:ea typeface="+mn-ea"/>
+                <a:cs typeface="+mn-cs"/>
+              </a:rPr>
+              <a:t>The Order described here gives guidelines for how to select the tests to maximize the needed coverage while minimizing the cost. It is always desirable to run the fastest and most lightweight tests that can pinpoint the error</a:t>
+            </a:r>
+            <a:r>
+              <a:rPr lang="en-US" sz="1200" kern="1200">
+                <a:solidFill>
+                  <a:schemeClr val="tx1"/>
+                </a:solidFill>
+                <a:effectLst/>
+                <a:latin typeface="+mn-lt"/>
+                <a:ea typeface="+mn-ea"/>
+                <a:cs typeface="+mn-cs"/>
+              </a:rPr>
+              <a:t>. </a:t>
+            </a:r>
+            <a:endParaRPr lang="en-US" sz="1200" kern="1200" dirty="0">
+              <a:solidFill>
+                <a:schemeClr val="tx1"/>
+              </a:solidFill>
+              <a:effectLst/>
+              <a:latin typeface="+mn-lt"/>
+              <a:ea typeface="+mn-ea"/>
+              <a:cs typeface="+mn-cs"/>
+            </a:endParaRPr>
+          </a:p>
+        </p:txBody>
+      </p:sp>
+      <p:sp>
+        <p:nvSpPr>
+          <p:cNvPr id="4" name="Slide Number Placeholder 3"/>
+          <p:cNvSpPr>
+            <a:spLocks noGrp="1"/>
+          </p:cNvSpPr>
+          <p:nvPr>
+            <p:ph type="sldNum" sz="quarter" idx="5"/>
+          </p:nvPr>
+        </p:nvSpPr>
+        <p:spPr/>
+        <p:txBody>
+          <a:bodyPr/>
+          <a:lstStyle/>
+          <a:p>
+            <a:fld id="{54E672D7-8E2D-4611-973D-F4591A707C34}" type="slidenum">
+              <a:rPr lang="en-US" smtClean="0"/>
+              <a:t>15</a:t>
             </a:fld>
             <a:endParaRPr lang="en-US"/>
           </a:p>
@@ -1957,7 +2070,12 @@
             <p:ph type="sldImg"/>
           </p:nvPr>
         </p:nvSpPr>
-        <p:spPr/>
+        <p:spPr>
+          <a:xfrm>
+            <a:off x="407988" y="696913"/>
+            <a:ext cx="6194425" cy="3486150"/>
+          </a:xfrm>
+        </p:spPr>
       </p:sp>
       <p:sp>
         <p:nvSpPr>
@@ -1974,23 +2092,6 @@
           <a:bodyPr/>
           <a:lstStyle/>
           <a:p>
-            <a:pPr marL="0" marR="0" lvl="0" indent="0" algn="l" defTabSz="914400" rtl="0" eaLnBrk="1" fontAlgn="auto" latinLnBrk="0" hangingPunct="1">
-              <a:lnSpc>
-                <a:spcPct val="100000"/>
-              </a:lnSpc>
-              <a:spcBef>
-                <a:spcPts val="0"/>
-              </a:spcBef>
-              <a:spcAft>
-                <a:spcPts val="0"/>
-              </a:spcAft>
-              <a:buClrTx/>
-              <a:buSzTx/>
-              <a:buFontTx/>
-              <a:buNone/>
-              <a:tabLst/>
-              <a:defRPr/>
-            </a:pPr>
             <a:r>
               <a:rPr lang="en-US" sz="1200" kern="1200" dirty="0">
                 <a:solidFill>
@@ -2001,10 +2102,12 @@
                 <a:ea typeface="+mn-ea"/>
                 <a:cs typeface="+mn-cs"/>
               </a:rPr>
-              <a:t>OK - now everyone is onboard with your testing plan, and your code is in a good place.  What happens next?  You can double-check your work using a code coverage tool.  You can create a policy on what to do with failed tests and issues marked as "bugs."  It helps to assign responsibility for the test suite - both so that things happen, and also so that you can recognize the hard work put in by that team member.  You should consider your test suite during </a:t>
-            </a:r>
-            <a:r>
-              <a:rPr lang="en-US" sz="1200" kern="1200" dirty="0" err="1">
+              <a:t>For example, users might assume the overlap region between processors is communicated correctly during a halo exchange.  If there's no test that tries this out with varying halo size, there's no way to know when that assumption breaks down.</a:t>
+            </a:r>
+          </a:p>
+          <a:p>
+            <a:r>
+              <a:rPr lang="en-US" sz="1200" kern="1200" dirty="0">
                 <a:solidFill>
                   <a:schemeClr val="tx1"/>
                 </a:solidFill>
@@ -2013,19 +2116,7 @@
                 <a:ea typeface="+mn-ea"/>
                 <a:cs typeface="+mn-cs"/>
               </a:rPr>
-              <a:t>refactorings</a:t>
-            </a:r>
-            <a:r>
-              <a:rPr lang="en-US" sz="1200" kern="1200" dirty="0">
-                <a:solidFill>
-                  <a:schemeClr val="tx1"/>
-                </a:solidFill>
-                <a:effectLst/>
-                <a:latin typeface="+mn-lt"/>
-                <a:ea typeface="+mn-ea"/>
-                <a:cs typeface="+mn-cs"/>
-              </a:rPr>
-              <a:t>, and use it for the code release process.  Cost-effectiveness comes in here because, if you already have defined functionalities and tests, then it's much less likely that your team will get side-tracked by maintaining fixes and patches for past releases.  That is a rabbit-hole nobody wants to go down.</a:t>
+              <a:t>This line of thought leads to the idea of a team meeting focused specifically on creating a "testing plan".  The goal of such a meeting is to clearly map out the expected use of the code.  What parts of the code are critical to long-term stability?  Who on your team should be responsible for ensuring each piece works?  Are there additional difficulties coming from interacting modules?  How can these be reasonably addressed with example use cases?</a:t>
             </a:r>
           </a:p>
         </p:txBody>
@@ -2037,7 +2128,7 @@
             <a:spLocks noGrp="1"/>
           </p:cNvSpPr>
           <p:nvPr>
-            <p:ph type="sldNum" sz="quarter" idx="5"/>
+            <p:ph type="sldNum" sz="quarter" idx="10"/>
           </p:nvPr>
         </p:nvSpPr>
         <p:spPr/>
@@ -2045,7 +2136,7 @@
           <a:bodyPr/>
           <a:lstStyle/>
           <a:p>
-            <a:fld id="{54E672D7-8E2D-4611-973D-F4591A707C34}" type="slidenum">
+            <a:fld id="{A546EF7F-2180-5947-8246-D3E867E2B048}" type="slidenum">
               <a:rPr lang="en-US" smtClean="0"/>
               <a:t>6</a:t>
             </a:fld>
@@ -2056,7 +2147,7 @@
     </p:spTree>
     <p:extLst>
       <p:ext uri="{BB962C8B-B14F-4D97-AF65-F5344CB8AC3E}">
-        <p14:creationId xmlns:p14="http://schemas.microsoft.com/office/powerpoint/2010/main" val="4240883905"/>
+        <p14:creationId xmlns:p14="http://schemas.microsoft.com/office/powerpoint/2010/main" val="1771987947"/>
       </p:ext>
     </p:extLst>
   </p:cSld>
@@ -2137,7 +2228,7 @@
                 <a:ea typeface="+mn-ea"/>
                 <a:cs typeface="+mn-cs"/>
               </a:rPr>
-              <a:t>With those general guidelines in mind, let's get down to some specific examples from the collected experiences of our team members.  Many of these come from </a:t>
+              <a:t>OK - now everyone is onboard with your testing plan, and your code is in a good place.  What happens next?  You can double-check your work using a code coverage tool.  You can create a policy on what to do with failed tests and issues marked as "bugs."  It helps to assign responsibility for the test suite - both so that things happen, and also so that you can recognize the hard work put in by that team member.  You should consider your test suite during </a:t>
             </a:r>
             <a:r>
               <a:rPr lang="en-US" sz="1200" kern="1200" dirty="0" err="1">
@@ -2149,7 +2240,7 @@
                 <a:ea typeface="+mn-ea"/>
                 <a:cs typeface="+mn-cs"/>
               </a:rPr>
-              <a:t>Anshu</a:t>
+              <a:t>refactorings</a:t>
             </a:r>
             <a:r>
               <a:rPr lang="en-US" sz="1200" kern="1200" dirty="0">
@@ -2161,114 +2252,7 @@
                 <a:ea typeface="+mn-ea"/>
                 <a:cs typeface="+mn-cs"/>
               </a:rPr>
-              <a:t> Dubey's work with the E3SM and Flash codes.  Example 1 is an ideal case.  You're developing a new code, and develop your diagnostics as your developing the code itself.  Taking the extra time to harden those diagnostics into a test suite will save you headaches later.  You'll likely have a lot of comparisons against known, expected solutions.  You should try and make things as granular as possible, though.  The scaffolding idea, discussed later, finds a way to "build up" a program, testing each new piece.  Remember to inject errors, so that you know your code will discover </a:t>
-            </a:r>
-            <a:r>
-              <a:rPr lang="en-US" sz="1200" kern="1200" dirty="0" err="1">
-                <a:solidFill>
-                  <a:schemeClr val="tx1"/>
-                </a:solidFill>
-                <a:effectLst/>
-                <a:latin typeface="+mn-lt"/>
-                <a:ea typeface="+mn-ea"/>
-                <a:cs typeface="+mn-cs"/>
-              </a:rPr>
-              <a:t>erroroneous</a:t>
-            </a:r>
-            <a:r>
-              <a:rPr lang="en-US" sz="1200" kern="1200" dirty="0">
-                <a:solidFill>
-                  <a:schemeClr val="tx1"/>
-                </a:solidFill>
-                <a:effectLst/>
-                <a:latin typeface="+mn-lt"/>
-                <a:ea typeface="+mn-ea"/>
-                <a:cs typeface="+mn-cs"/>
-              </a:rPr>
-              <a:t> input correctly.  As the package gets more complex, it's non-trivial to devise good tests.  Nevertheless, good tests are extremely important.</a:t>
-            </a:r>
-          </a:p>
-          <a:p>
-            <a:pPr marL="0" marR="0" lvl="0" indent="0" algn="l" defTabSz="914400" rtl="0" eaLnBrk="1" fontAlgn="auto" latinLnBrk="0" hangingPunct="1">
-              <a:lnSpc>
-                <a:spcPct val="100000"/>
-              </a:lnSpc>
-              <a:spcBef>
-                <a:spcPts val="0"/>
-              </a:spcBef>
-              <a:spcAft>
-                <a:spcPts val="0"/>
-              </a:spcAft>
-              <a:buClrTx/>
-              <a:buSzTx/>
-              <a:buFontTx/>
-              <a:buNone/>
-              <a:tabLst/>
-              <a:defRPr/>
-            </a:pPr>
-            <a:endParaRPr lang="en-US" sz="1200" kern="1200" dirty="0">
-              <a:solidFill>
-                <a:schemeClr val="tx1"/>
-              </a:solidFill>
-              <a:effectLst/>
-              <a:latin typeface="+mn-lt"/>
-              <a:ea typeface="+mn-ea"/>
-              <a:cs typeface="+mn-cs"/>
-            </a:endParaRPr>
-          </a:p>
-          <a:p>
-            <a:pPr marL="0" marR="0" lvl="0" indent="0" algn="l" defTabSz="914400" rtl="0" eaLnBrk="1" fontAlgn="auto" latinLnBrk="0" hangingPunct="1">
-              <a:lnSpc>
-                <a:spcPct val="100000"/>
-              </a:lnSpc>
-              <a:spcBef>
-                <a:spcPts val="0"/>
-              </a:spcBef>
-              <a:spcAft>
-                <a:spcPts val="0"/>
-              </a:spcAft>
-              <a:buClrTx/>
-              <a:buSzTx/>
-              <a:buFontTx/>
-              <a:buNone/>
-              <a:tabLst/>
-              <a:defRPr/>
-            </a:pPr>
-            <a:r>
-              <a:rPr lang="en-US" sz="1200" kern="1200" dirty="0">
-                <a:solidFill>
-                  <a:schemeClr val="tx1"/>
-                </a:solidFill>
-                <a:effectLst/>
-                <a:latin typeface="+mn-lt"/>
-                <a:ea typeface="+mn-ea"/>
-                <a:cs typeface="+mn-cs"/>
-              </a:rPr>
-              <a:t>Proper testing procedures can also help encourage new contributors.  Only recently, I had this experience contributing a feature to the "</a:t>
-            </a:r>
-            <a:r>
-              <a:rPr lang="en-US" sz="1200" kern="1200" dirty="0" err="1">
-                <a:solidFill>
-                  <a:schemeClr val="tx1"/>
-                </a:solidFill>
-                <a:effectLst/>
-                <a:latin typeface="+mn-lt"/>
-                <a:ea typeface="+mn-ea"/>
-                <a:cs typeface="+mn-cs"/>
-              </a:rPr>
-              <a:t>alpaka</a:t>
-            </a:r>
-            <a:r>
-              <a:rPr lang="en-US" sz="1200" kern="1200" dirty="0">
-                <a:solidFill>
-                  <a:schemeClr val="tx1"/>
-                </a:solidFill>
-                <a:effectLst/>
-                <a:latin typeface="+mn-lt"/>
-                <a:ea typeface="+mn-ea"/>
-                <a:cs typeface="+mn-cs"/>
-              </a:rPr>
-              <a:t>" code.  The first thing I did was check that the team wanted the feature.  Then I ran their test suite locally.  Everything worked, and then I could build my feature one line at a time – testing everything.  When I finally pushed it to the main repository, I was sure it was something the team onboard with, and that could be easily shown to work well.</a:t>
+              <a:t>, and use it for the code release process.  Cost-effectiveness comes in here because, if you already have defined functionalities and tests, then it's much less likely that your team will get side-tracked by maintaining fixes and patches for past releases.  That is a rabbit-hole nobody wants to go down.</a:t>
             </a:r>
           </a:p>
         </p:txBody>
@@ -2299,7 +2283,7 @@
     </p:spTree>
     <p:extLst>
       <p:ext uri="{BB962C8B-B14F-4D97-AF65-F5344CB8AC3E}">
-        <p14:creationId xmlns:p14="http://schemas.microsoft.com/office/powerpoint/2010/main" val="1900866051"/>
+        <p14:creationId xmlns:p14="http://schemas.microsoft.com/office/powerpoint/2010/main" val="4240883905"/>
       </p:ext>
     </p:extLst>
   </p:cSld>
@@ -2353,6 +2337,23 @@
           <a:bodyPr/>
           <a:lstStyle/>
           <a:p>
+            <a:pPr marL="0" marR="0" lvl="0" indent="0" algn="l" defTabSz="914400" rtl="0" eaLnBrk="1" fontAlgn="auto" latinLnBrk="0" hangingPunct="1">
+              <a:lnSpc>
+                <a:spcPct val="100000"/>
+              </a:lnSpc>
+              <a:spcBef>
+                <a:spcPts val="0"/>
+              </a:spcBef>
+              <a:spcAft>
+                <a:spcPts val="0"/>
+              </a:spcAft>
+              <a:buClrTx/>
+              <a:buSzTx/>
+              <a:buFontTx/>
+              <a:buNone/>
+              <a:tabLst/>
+              <a:defRPr/>
+            </a:pPr>
             <a:r>
               <a:rPr lang="en-US" sz="1200" kern="1200" dirty="0">
                 <a:solidFill>
@@ -2363,7 +2364,7 @@
                 <a:ea typeface="+mn-ea"/>
                 <a:cs typeface="+mn-cs"/>
               </a:rPr>
-              <a:t>Here's an example from the E3SM code, the </a:t>
+              <a:t>With those general guidelines in mind, let's get down to some specific examples from the collected experiences of our team members.  Many of these come from </a:t>
             </a:r>
             <a:r>
               <a:rPr lang="en-US" sz="1200" kern="1200" dirty="0" err="1">
@@ -2375,7 +2376,7 @@
                 <a:ea typeface="+mn-ea"/>
                 <a:cs typeface="+mn-cs"/>
               </a:rPr>
-              <a:t>Exascale</a:t>
+              <a:t>Anshu</a:t>
             </a:r>
             <a:r>
               <a:rPr lang="en-US" sz="1200" kern="1200" dirty="0">
@@ -2387,10 +2388,51 @@
                 <a:ea typeface="+mn-ea"/>
                 <a:cs typeface="+mn-cs"/>
               </a:rPr>
-              <a:t> Earth System Model.  Although advanced now, it originated in a combination of Fortran codes dealing with various aspects of climate modeling.  The project came together from a collection of independent projects and development practices. They imposed structure on the code through the use of Fortran modules. However, the focus was on running whole models, so their architecture and testing strategies evolved to work with that goal. That led to an unforeseen difficulty. For several sections of the code, even the simplest modification would take running the entire model to test. This meant enqueuing the job in a batch queue that would take non-trivial amount of time to run. What was missing was granular testing. And it wasn’t easy to separate out code sections for testing independently because one Fortran module gets data from another, that in turn gets data from yet another and so on … This is an example of a methodology used to generate an independent test for a code section. </a:t>
-            </a:r>
-          </a:p>
-          <a:p>
+              <a:t> Dubey's work with the E3SM and Flash codes.  Example 1 is an ideal case.  You're developing a new code, and develop your diagnostics as your developing the code itself.  Taking the extra time to harden those diagnostics into a test suite will save you headaches later.  You'll likely have a lot of comparisons against known, expected solutions.  You should try and make things as granular as possible, though.  The scaffolding idea, discussed later, finds a way to "build up" a program, testing each new piece.  Remember to inject errors, so that you know your code will discover </a:t>
+            </a:r>
+            <a:r>
+              <a:rPr lang="en-US" sz="1200" kern="1200" dirty="0" err="1">
+                <a:solidFill>
+                  <a:schemeClr val="tx1"/>
+                </a:solidFill>
+                <a:effectLst/>
+                <a:latin typeface="+mn-lt"/>
+                <a:ea typeface="+mn-ea"/>
+                <a:cs typeface="+mn-cs"/>
+              </a:rPr>
+              <a:t>erroroneous</a:t>
+            </a:r>
+            <a:r>
+              <a:rPr lang="en-US" sz="1200" kern="1200" dirty="0">
+                <a:solidFill>
+                  <a:schemeClr val="tx1"/>
+                </a:solidFill>
+                <a:effectLst/>
+                <a:latin typeface="+mn-lt"/>
+                <a:ea typeface="+mn-ea"/>
+                <a:cs typeface="+mn-cs"/>
+              </a:rPr>
+              <a:t> input correctly.  As the package gets more complex, it's non-trivial to devise good tests.  Nevertheless, good tests are extremely important.</a:t>
+            </a:r>
+          </a:p>
+          <a:p>
+            <a:pPr marL="0" marR="0" lvl="0" indent="0" algn="l" defTabSz="914400" rtl="0" eaLnBrk="1" fontAlgn="auto" latinLnBrk="0" hangingPunct="1">
+              <a:lnSpc>
+                <a:spcPct val="100000"/>
+              </a:lnSpc>
+              <a:spcBef>
+                <a:spcPts val="0"/>
+              </a:spcBef>
+              <a:spcAft>
+                <a:spcPts val="0"/>
+              </a:spcAft>
+              <a:buClrTx/>
+              <a:buSzTx/>
+              <a:buFontTx/>
+              <a:buNone/>
+              <a:tabLst/>
+              <a:defRPr/>
+            </a:pPr>
             <a:endParaRPr lang="en-US" sz="1200" kern="1200" dirty="0">
               <a:solidFill>
                 <a:schemeClr val="tx1"/>
@@ -2402,8 +2444,22 @@
             </a:endParaRPr>
           </a:p>
           <a:p>
-            <a:pPr marL="228600" indent="-228600">
-              <a:buAutoNum type="alphaLcParenR"/>
+            <a:pPr marL="0" marR="0" lvl="0" indent="0" algn="l" defTabSz="914400" rtl="0" eaLnBrk="1" fontAlgn="auto" latinLnBrk="0" hangingPunct="1">
+              <a:lnSpc>
+                <a:spcPct val="100000"/>
+              </a:lnSpc>
+              <a:spcBef>
+                <a:spcPts val="0"/>
+              </a:spcBef>
+              <a:spcAft>
+                <a:spcPts val="0"/>
+              </a:spcAft>
+              <a:buClrTx/>
+              <a:buSzTx/>
+              <a:buFontTx/>
+              <a:buNone/>
+              <a:tabLst/>
+              <a:defRPr/>
             </a:pPr>
             <a:r>
               <a:rPr lang="en-US" sz="1200" kern="1200" dirty="0">
@@ -2415,15 +2471,10 @@
                 <a:ea typeface="+mn-ea"/>
                 <a:cs typeface="+mn-cs"/>
               </a:rPr>
-              <a:t>Review the dependencies. Here the model needs to be at a certain ”state” to invoke the target code.</a:t>
-            </a:r>
-          </a:p>
-          <a:p>
-            <a:pPr marL="228600" indent="-228600">
-              <a:buAutoNum type="alphaLcParenR"/>
-            </a:pPr>
-            <a:r>
-              <a:rPr lang="en-US" sz="1200" kern="1200" dirty="0">
+              <a:t>Proper testing procedures can also help encourage new contributors.  Only recently, I had this experience contributing a feature to the "</a:t>
+            </a:r>
+            <a:r>
+              <a:rPr lang="en-US" sz="1200" kern="1200" dirty="0" err="1">
                 <a:solidFill>
                   <a:schemeClr val="tx1"/>
                 </a:solidFill>
@@ -2432,13 +2483,8 @@
                 <a:ea typeface="+mn-ea"/>
                 <a:cs typeface="+mn-cs"/>
               </a:rPr>
-              <a:t>Look for dependencies on Fortran data modules that are outside the sub-tree containing the source code for this section</a:t>
-            </a:r>
-          </a:p>
-          <a:p>
-            <a:pPr marL="228600" indent="-228600">
-              <a:buAutoNum type="alphaLcParenR"/>
-            </a:pPr>
+              <a:t>alpaka</a:t>
+            </a:r>
             <a:r>
               <a:rPr lang="en-US" sz="1200" kern="1200" dirty="0">
                 <a:solidFill>
@@ -2449,143 +2495,7 @@
                 <a:ea typeface="+mn-ea"/>
                 <a:cs typeface="+mn-cs"/>
               </a:rPr>
-              <a:t>For each of the data modules determine where the dependencies can be pruned. </a:t>
-            </a:r>
-          </a:p>
-          <a:p>
-            <a:r>
-              <a:rPr lang="en-US" sz="1200" kern="1200" dirty="0">
-                <a:solidFill>
-                  <a:schemeClr val="tx1"/>
-                </a:solidFill>
-                <a:effectLst/>
-                <a:latin typeface="+mn-lt"/>
-                <a:ea typeface="+mn-ea"/>
-                <a:cs typeface="+mn-cs"/>
-              </a:rPr>
-              <a:t>d) Run the full model and capture the “state” just before the invocation of the target section.</a:t>
-            </a:r>
-          </a:p>
-          <a:p>
-            <a:r>
-              <a:rPr lang="en-US" sz="1200" kern="1200" dirty="0">
-                <a:solidFill>
-                  <a:schemeClr val="tx1"/>
-                </a:solidFill>
-                <a:effectLst/>
-                <a:latin typeface="+mn-lt"/>
-                <a:ea typeface="+mn-ea"/>
-                <a:cs typeface="+mn-cs"/>
-              </a:rPr>
-              <a:t>e) Create a separate working directory for the test</a:t>
-            </a:r>
-          </a:p>
-          <a:p>
-            <a:r>
-              <a:rPr lang="en-US" sz="1200" kern="1200" dirty="0">
-                <a:solidFill>
-                  <a:schemeClr val="tx1"/>
-                </a:solidFill>
-                <a:effectLst/>
-                <a:latin typeface="+mn-lt"/>
-                <a:ea typeface="+mn-ea"/>
-                <a:cs typeface="+mn-cs"/>
-              </a:rPr>
-              <a:t>f) In this working area create soft links to the files that have dependencies</a:t>
-            </a:r>
-          </a:p>
-          <a:p>
-            <a:r>
-              <a:rPr lang="en-US" sz="1200" kern="1200" dirty="0">
-                <a:solidFill>
-                  <a:schemeClr val="tx1"/>
-                </a:solidFill>
-                <a:effectLst/>
-                <a:latin typeface="+mn-lt"/>
-                <a:ea typeface="+mn-ea"/>
-                <a:cs typeface="+mn-cs"/>
-              </a:rPr>
-              <a:t>g) Where the dependence is to be pruned create a copy of the corresponding file in the working area and modify it as needed.</a:t>
-            </a:r>
-          </a:p>
-          <a:p>
-            <a:r>
-              <a:rPr lang="en-US" sz="1200" kern="1200" dirty="0">
-                <a:solidFill>
-                  <a:schemeClr val="tx1"/>
-                </a:solidFill>
-                <a:effectLst/>
-                <a:latin typeface="+mn-lt"/>
-                <a:ea typeface="+mn-ea"/>
-                <a:cs typeface="+mn-cs"/>
-              </a:rPr>
-              <a:t>e) Create a test driver to load the state and exercise the unit.</a:t>
-            </a:r>
-          </a:p>
-          <a:p>
-            <a:r>
-              <a:rPr lang="en-US" sz="1200" kern="1200" dirty="0">
-                <a:solidFill>
-                  <a:schemeClr val="tx1"/>
-                </a:solidFill>
-                <a:effectLst/>
-                <a:latin typeface="+mn-lt"/>
-                <a:ea typeface="+mn-ea"/>
-                <a:cs typeface="+mn-cs"/>
-              </a:rPr>
-              <a:t>d) If extra functions from the code were accessed, these were </a:t>
-            </a:r>
-            <a:r>
-              <a:rPr lang="en-US" sz="1200" kern="1200" dirty="0" err="1">
-                <a:solidFill>
-                  <a:schemeClr val="tx1"/>
-                </a:solidFill>
-                <a:effectLst/>
-                <a:latin typeface="+mn-lt"/>
-                <a:ea typeface="+mn-ea"/>
-                <a:cs typeface="+mn-cs"/>
-              </a:rPr>
-              <a:t>sym</a:t>
-            </a:r>
-            <a:r>
-              <a:rPr lang="en-US" sz="1200" kern="1200" dirty="0">
-                <a:solidFill>
-                  <a:schemeClr val="tx1"/>
-                </a:solidFill>
-                <a:effectLst/>
-                <a:latin typeface="+mn-lt"/>
-                <a:ea typeface="+mn-ea"/>
-                <a:cs typeface="+mn-cs"/>
-              </a:rPr>
-              <a:t>-linked into the test directory.  Here, the branch at the right represents some helper functions that can be imported easily.</a:t>
-            </a:r>
-          </a:p>
-          <a:p>
-            <a:r>
-              <a:rPr lang="en-US" sz="1200" kern="1200" dirty="0">
-                <a:solidFill>
-                  <a:schemeClr val="tx1"/>
-                </a:solidFill>
-                <a:effectLst/>
-                <a:latin typeface="+mn-lt"/>
-                <a:ea typeface="+mn-ea"/>
-                <a:cs typeface="+mn-cs"/>
-              </a:rPr>
-              <a:t>e) That doesn't always work.  The red dot represents a module with lots of dependencies - not needed for this test.  In these cases, the module was modified to remove unnecessary dependencies.</a:t>
-            </a:r>
-          </a:p>
-          <a:p>
-            <a:r>
-              <a:rPr lang="en-US" sz="1200" kern="1200" dirty="0">
-                <a:solidFill>
-                  <a:schemeClr val="tx1"/>
-                </a:solidFill>
-                <a:effectLst/>
-                <a:latin typeface="+mn-lt"/>
-                <a:ea typeface="+mn-ea"/>
-                <a:cs typeface="+mn-cs"/>
-              </a:rPr>
-              <a:t>f) With all the code dependencies sorted out, the test driver itself becomes an isolated unit.  For this example, the original test took hours to run through the batch queue of a cluster.  The new unit test ran in 20 seconds on a developer's laptop.</a:t>
+              <a:t>" code.  The first thing I did was check that the team wanted the feature.  Then I ran their test suite locally.  Everything worked, and then I could build my feature one line at a time – testing everything.  When I finally pushed it to the main repository, I was sure it was something the team onboard with, and that could be easily shown to work well.</a:t>
             </a:r>
           </a:p>
         </p:txBody>
@@ -2616,7 +2526,7 @@
     </p:spTree>
     <p:extLst>
       <p:ext uri="{BB962C8B-B14F-4D97-AF65-F5344CB8AC3E}">
-        <p14:creationId xmlns:p14="http://schemas.microsoft.com/office/powerpoint/2010/main" val="4128517335"/>
+        <p14:creationId xmlns:p14="http://schemas.microsoft.com/office/powerpoint/2010/main" val="1900866051"/>
       </p:ext>
     </p:extLst>
   </p:cSld>
@@ -2670,23 +2580,6 @@
           <a:bodyPr/>
           <a:lstStyle/>
           <a:p>
-            <a:pPr marL="0" marR="0" lvl="0" indent="0" algn="l" defTabSz="914400" rtl="0" eaLnBrk="1" fontAlgn="auto" latinLnBrk="0" hangingPunct="1">
-              <a:lnSpc>
-                <a:spcPct val="100000"/>
-              </a:lnSpc>
-              <a:spcBef>
-                <a:spcPts val="0"/>
-              </a:spcBef>
-              <a:spcAft>
-                <a:spcPts val="0"/>
-              </a:spcAft>
-              <a:buClrTx/>
-              <a:buSzTx/>
-              <a:buFontTx/>
-              <a:buNone/>
-              <a:tabLst/>
-              <a:defRPr/>
-            </a:pPr>
             <a:r>
               <a:rPr lang="en-US" sz="1200" kern="1200" dirty="0">
                 <a:solidFill>
@@ -2697,7 +2590,229 @@
                 <a:ea typeface="+mn-ea"/>
                 <a:cs typeface="+mn-cs"/>
               </a:rPr>
-              <a:t>This third example comes from the FLASH code, which simulates particles and fields in astrophysics, like exploding stars.  Here, the unit-testing framework was developed as a series of layers that build up from basic to advanced functionality.  For example, the cell grid can be tested by creating "fake" functions to put onto the grid, and verifying their behavior.  This mocked dependency means that the test looks directly at the cell grid implementation.  After checking the cell grid works, we are free to use it as a real dependency in subsequent tests of more complicated objects.</a:t>
+              <a:t>Here's an example from the E3SM code, the </a:t>
+            </a:r>
+            <a:r>
+              <a:rPr lang="en-US" sz="1200" kern="1200" dirty="0" err="1">
+                <a:solidFill>
+                  <a:schemeClr val="tx1"/>
+                </a:solidFill>
+                <a:effectLst/>
+                <a:latin typeface="+mn-lt"/>
+                <a:ea typeface="+mn-ea"/>
+                <a:cs typeface="+mn-cs"/>
+              </a:rPr>
+              <a:t>Exascale</a:t>
+            </a:r>
+            <a:r>
+              <a:rPr lang="en-US" sz="1200" kern="1200" dirty="0">
+                <a:solidFill>
+                  <a:schemeClr val="tx1"/>
+                </a:solidFill>
+                <a:effectLst/>
+                <a:latin typeface="+mn-lt"/>
+                <a:ea typeface="+mn-ea"/>
+                <a:cs typeface="+mn-cs"/>
+              </a:rPr>
+              <a:t> Earth System Model.  Although advanced now, it originated in a combination of Fortran codes dealing with various aspects of climate modeling.  The project came together from a collection of independent projects and development practices. They imposed structure on the code through the use of Fortran modules. However, the focus was on running whole models, so their architecture and testing strategies evolved to work with that goal. That led to an unforeseen difficulty. For several sections of the code, even the simplest modification would take running the entire model to test. This meant enqueuing the job in a batch queue that would take non-trivial amount of time to run. What was missing was granular testing. And it wasn’t easy to separate out code sections for testing independently because one Fortran module gets data from another, that in turn gets data from yet another and so on … This is an example of a methodology used to generate an independent test for a code section. </a:t>
+            </a:r>
+          </a:p>
+          <a:p>
+            <a:endParaRPr lang="en-US" sz="1200" kern="1200" dirty="0">
+              <a:solidFill>
+                <a:schemeClr val="tx1"/>
+              </a:solidFill>
+              <a:effectLst/>
+              <a:latin typeface="+mn-lt"/>
+              <a:ea typeface="+mn-ea"/>
+              <a:cs typeface="+mn-cs"/>
+            </a:endParaRPr>
+          </a:p>
+          <a:p>
+            <a:pPr marL="228600" indent="-228600">
+              <a:buAutoNum type="alphaLcParenR"/>
+            </a:pPr>
+            <a:r>
+              <a:rPr lang="en-US" sz="1200" kern="1200" dirty="0">
+                <a:solidFill>
+                  <a:schemeClr val="tx1"/>
+                </a:solidFill>
+                <a:effectLst/>
+                <a:latin typeface="+mn-lt"/>
+                <a:ea typeface="+mn-ea"/>
+                <a:cs typeface="+mn-cs"/>
+              </a:rPr>
+              <a:t>Review the dependencies. Here the model needs to be at a certain ”state” to invoke the target code.</a:t>
+            </a:r>
+          </a:p>
+          <a:p>
+            <a:pPr marL="228600" indent="-228600">
+              <a:buAutoNum type="alphaLcParenR"/>
+            </a:pPr>
+            <a:r>
+              <a:rPr lang="en-US" sz="1200" kern="1200" dirty="0">
+                <a:solidFill>
+                  <a:schemeClr val="tx1"/>
+                </a:solidFill>
+                <a:effectLst/>
+                <a:latin typeface="+mn-lt"/>
+                <a:ea typeface="+mn-ea"/>
+                <a:cs typeface="+mn-cs"/>
+              </a:rPr>
+              <a:t>Look for dependencies on Fortran data modules that are outside the sub-tree containing the source code for this section</a:t>
+            </a:r>
+          </a:p>
+          <a:p>
+            <a:pPr marL="228600" indent="-228600">
+              <a:buAutoNum type="alphaLcParenR"/>
+            </a:pPr>
+            <a:r>
+              <a:rPr lang="en-US" sz="1200" kern="1200" dirty="0">
+                <a:solidFill>
+                  <a:schemeClr val="tx1"/>
+                </a:solidFill>
+                <a:effectLst/>
+                <a:latin typeface="+mn-lt"/>
+                <a:ea typeface="+mn-ea"/>
+                <a:cs typeface="+mn-cs"/>
+              </a:rPr>
+              <a:t>For each of the data modules determine where the dependencies can be pruned. </a:t>
+            </a:r>
+          </a:p>
+          <a:p>
+            <a:r>
+              <a:rPr lang="en-US" sz="1200" kern="1200" dirty="0">
+                <a:solidFill>
+                  <a:schemeClr val="tx1"/>
+                </a:solidFill>
+                <a:effectLst/>
+                <a:latin typeface="+mn-lt"/>
+                <a:ea typeface="+mn-ea"/>
+                <a:cs typeface="+mn-cs"/>
+              </a:rPr>
+              <a:t>d) Run the full model and capture the “state” just before the invocation of the target section.</a:t>
+            </a:r>
+          </a:p>
+          <a:p>
+            <a:r>
+              <a:rPr lang="en-US" sz="1200" kern="1200" dirty="0">
+                <a:solidFill>
+                  <a:schemeClr val="tx1"/>
+                </a:solidFill>
+                <a:effectLst/>
+                <a:latin typeface="+mn-lt"/>
+                <a:ea typeface="+mn-ea"/>
+                <a:cs typeface="+mn-cs"/>
+              </a:rPr>
+              <a:t>e) Create a separate working directory for the test</a:t>
+            </a:r>
+          </a:p>
+          <a:p>
+            <a:r>
+              <a:rPr lang="en-US" sz="1200" kern="1200" dirty="0">
+                <a:solidFill>
+                  <a:schemeClr val="tx1"/>
+                </a:solidFill>
+                <a:effectLst/>
+                <a:latin typeface="+mn-lt"/>
+                <a:ea typeface="+mn-ea"/>
+                <a:cs typeface="+mn-cs"/>
+              </a:rPr>
+              <a:t>f) In this working area create soft links to the files that have dependencies</a:t>
+            </a:r>
+          </a:p>
+          <a:p>
+            <a:r>
+              <a:rPr lang="en-US" sz="1200" kern="1200" dirty="0">
+                <a:solidFill>
+                  <a:schemeClr val="tx1"/>
+                </a:solidFill>
+                <a:effectLst/>
+                <a:latin typeface="+mn-lt"/>
+                <a:ea typeface="+mn-ea"/>
+                <a:cs typeface="+mn-cs"/>
+              </a:rPr>
+              <a:t>g) Where the dependence is to be pruned create a copy of the corresponding file in the working area and modify it as needed.</a:t>
+            </a:r>
+          </a:p>
+          <a:p>
+            <a:r>
+              <a:rPr lang="en-US" sz="1200" kern="1200" dirty="0">
+                <a:solidFill>
+                  <a:schemeClr val="tx1"/>
+                </a:solidFill>
+                <a:effectLst/>
+                <a:latin typeface="+mn-lt"/>
+                <a:ea typeface="+mn-ea"/>
+                <a:cs typeface="+mn-cs"/>
+              </a:rPr>
+              <a:t>e) Create a test driver to load the state and exercise the unit.</a:t>
+            </a:r>
+          </a:p>
+          <a:p>
+            <a:r>
+              <a:rPr lang="en-US" sz="1200" kern="1200" dirty="0">
+                <a:solidFill>
+                  <a:schemeClr val="tx1"/>
+                </a:solidFill>
+                <a:effectLst/>
+                <a:latin typeface="+mn-lt"/>
+                <a:ea typeface="+mn-ea"/>
+                <a:cs typeface="+mn-cs"/>
+              </a:rPr>
+              <a:t>d) If extra functions from the code were accessed, these were </a:t>
+            </a:r>
+            <a:r>
+              <a:rPr lang="en-US" sz="1200" kern="1200" dirty="0" err="1">
+                <a:solidFill>
+                  <a:schemeClr val="tx1"/>
+                </a:solidFill>
+                <a:effectLst/>
+                <a:latin typeface="+mn-lt"/>
+                <a:ea typeface="+mn-ea"/>
+                <a:cs typeface="+mn-cs"/>
+              </a:rPr>
+              <a:t>sym</a:t>
+            </a:r>
+            <a:r>
+              <a:rPr lang="en-US" sz="1200" kern="1200" dirty="0">
+                <a:solidFill>
+                  <a:schemeClr val="tx1"/>
+                </a:solidFill>
+                <a:effectLst/>
+                <a:latin typeface="+mn-lt"/>
+                <a:ea typeface="+mn-ea"/>
+                <a:cs typeface="+mn-cs"/>
+              </a:rPr>
+              <a:t>-linked into the test directory.  Here, the branch at the right represents some helper functions that can be imported easily.</a:t>
+            </a:r>
+          </a:p>
+          <a:p>
+            <a:r>
+              <a:rPr lang="en-US" sz="1200" kern="1200" dirty="0">
+                <a:solidFill>
+                  <a:schemeClr val="tx1"/>
+                </a:solidFill>
+                <a:effectLst/>
+                <a:latin typeface="+mn-lt"/>
+                <a:ea typeface="+mn-ea"/>
+                <a:cs typeface="+mn-cs"/>
+              </a:rPr>
+              <a:t>e) That doesn't always work.  The red dot represents a module with lots of dependencies - not needed for this test.  In these cases, the module was modified to remove unnecessary dependencies.</a:t>
+            </a:r>
+          </a:p>
+          <a:p>
+            <a:r>
+              <a:rPr lang="en-US" sz="1200" kern="1200" dirty="0">
+                <a:solidFill>
+                  <a:schemeClr val="tx1"/>
+                </a:solidFill>
+                <a:effectLst/>
+                <a:latin typeface="+mn-lt"/>
+                <a:ea typeface="+mn-ea"/>
+                <a:cs typeface="+mn-cs"/>
+              </a:rPr>
+              <a:t>f) With all the code dependencies sorted out, the test driver itself becomes an isolated unit.  For this example, the original test took hours to run through the batch queue of a cluster.  The new unit test ran in 20 seconds on a developer's laptop.</a:t>
             </a:r>
           </a:p>
         </p:txBody>
@@ -2728,7 +2843,7 @@
     </p:spTree>
     <p:extLst>
       <p:ext uri="{BB962C8B-B14F-4D97-AF65-F5344CB8AC3E}">
-        <p14:creationId xmlns:p14="http://schemas.microsoft.com/office/powerpoint/2010/main" val="2943802418"/>
+        <p14:creationId xmlns:p14="http://schemas.microsoft.com/office/powerpoint/2010/main" val="4128517335"/>
       </p:ext>
     </p:extLst>
   </p:cSld>
@@ -2809,7 +2924,7 @@
                 <a:ea typeface="+mn-ea"/>
                 <a:cs typeface="+mn-cs"/>
               </a:rPr>
-              <a:t>Here's another example of verifying the halo exchange on a cell grid.  The test initializes interior cells with a known function, does the halo exchange, and checks whether the guard cell has been properly copied over.  Similarly, a unit test can be written to verify parts of the computations - like computing energy from pressure and temperature.</a:t>
+              <a:t>This third example comes from the FLASH code, which simulates particles and fields in astrophysics, like exploding stars.  Here, the unit-testing framework was developed as a series of layers that build up from basic to advanced functionality.  For example, the cell grid can be tested by creating "fake" functions to put onto the grid, and verifying their behavior.  This mocked dependency means that the test looks directly at the cell grid implementation.  After checking the cell grid works, we are free to use it as a real dependency in subsequent tests of more complicated objects.</a:t>
             </a:r>
           </a:p>
         </p:txBody>
@@ -2840,7 +2955,7 @@
     </p:spTree>
     <p:extLst>
       <p:ext uri="{BB962C8B-B14F-4D97-AF65-F5344CB8AC3E}">
-        <p14:creationId xmlns:p14="http://schemas.microsoft.com/office/powerpoint/2010/main" val="2531848196"/>
+        <p14:creationId xmlns:p14="http://schemas.microsoft.com/office/powerpoint/2010/main" val="2943802418"/>
       </p:ext>
     </p:extLst>
   </p:cSld>
@@ -6397,6 +6512,837 @@
       </p:grpSpPr>
       <p:sp>
         <p:nvSpPr>
+          <p:cNvPr id="2" name="Title 1">
+            <a:extLst>
+              <a:ext uri="{FF2B5EF4-FFF2-40B4-BE49-F238E27FC236}">
+                <a16:creationId xmlns:a16="http://schemas.microsoft.com/office/drawing/2014/main" id="{E5D0BC0F-AE8E-364D-829C-80FE6B2421CB}"/>
+              </a:ext>
+            </a:extLst>
+          </p:cNvPr>
+          <p:cNvSpPr>
+            <a:spLocks noGrp="1"/>
+          </p:cNvSpPr>
+          <p:nvPr>
+            <p:ph type="title"/>
+          </p:nvPr>
+        </p:nvSpPr>
+        <p:spPr/>
+        <p:txBody>
+          <a:bodyPr/>
+          <a:lstStyle/>
+          <a:p>
+            <a:r>
+              <a:rPr lang="en-US" dirty="0"/>
+              <a:t>Example 3: Structuring Tests to pinpoint bugs</a:t>
+            </a:r>
+            <a:br>
+              <a:rPr lang="en-US" dirty="0"/>
+            </a:br>
+            <a:endParaRPr lang="en-US" dirty="0"/>
+          </a:p>
+        </p:txBody>
+      </p:sp>
+      <p:sp>
+        <p:nvSpPr>
+          <p:cNvPr id="3" name="Content Placeholder 2">
+            <a:extLst>
+              <a:ext uri="{FF2B5EF4-FFF2-40B4-BE49-F238E27FC236}">
+                <a16:creationId xmlns:a16="http://schemas.microsoft.com/office/drawing/2014/main" id="{35C292C8-7C70-414C-96AC-F2D88843B964}"/>
+              </a:ext>
+            </a:extLst>
+          </p:cNvPr>
+          <p:cNvSpPr>
+            <a:spLocks noGrp="1"/>
+          </p:cNvSpPr>
+          <p:nvPr>
+            <p:ph idx="1"/>
+          </p:nvPr>
+        </p:nvSpPr>
+        <p:spPr>
+          <a:xfrm>
+            <a:off x="365760" y="1615440"/>
+            <a:ext cx="5134495" cy="4272742"/>
+          </a:xfrm>
+        </p:spPr>
+        <p:txBody>
+          <a:bodyPr/>
+          <a:lstStyle/>
+          <a:p>
+            <a:r>
+              <a:rPr lang="en-US" dirty="0"/>
+              <a:t>Bottom-up picture </a:t>
+            </a:r>
+          </a:p>
+          <a:p>
+            <a:pPr lvl="1"/>
+            <a:r>
+              <a:rPr lang="en-US" dirty="0"/>
+              <a:t>Components can be exercised against known simpler applications</a:t>
+            </a:r>
+          </a:p>
+          <a:p>
+            <a:pPr lvl="1"/>
+            <a:r>
+              <a:rPr lang="en-US" dirty="0"/>
+              <a:t>Same applies to combination of components</a:t>
+            </a:r>
+          </a:p>
+          <a:p>
+            <a:r>
+              <a:rPr lang="en-US" dirty="0"/>
+              <a:t>Build a scaffolding of verification tests to gain confidence</a:t>
+            </a:r>
+          </a:p>
+          <a:p>
+            <a:pPr marL="346075" lvl="1" indent="0">
+              <a:buNone/>
+            </a:pPr>
+            <a:endParaRPr lang="en-US" dirty="0"/>
+          </a:p>
+        </p:txBody>
+      </p:sp>
+      <p:grpSp>
+        <p:nvGrpSpPr>
+          <p:cNvPr id="4" name="Group 3">
+            <a:extLst>
+              <a:ext uri="{FF2B5EF4-FFF2-40B4-BE49-F238E27FC236}">
+                <a16:creationId xmlns:a16="http://schemas.microsoft.com/office/drawing/2014/main" id="{CED43FD5-A8C1-F54E-B2C6-9E9A7A00C8BB}"/>
+              </a:ext>
+            </a:extLst>
+          </p:cNvPr>
+          <p:cNvGrpSpPr/>
+          <p:nvPr/>
+        </p:nvGrpSpPr>
+        <p:grpSpPr>
+          <a:xfrm>
+            <a:off x="5500255" y="673260"/>
+            <a:ext cx="6591349" cy="4860015"/>
+            <a:chOff x="3304135" y="1211668"/>
+            <a:chExt cx="6591349" cy="4860015"/>
+          </a:xfrm>
+        </p:grpSpPr>
+        <p:sp>
+          <p:nvSpPr>
+            <p:cNvPr id="5" name="Donut 4">
+              <a:extLst>
+                <a:ext uri="{FF2B5EF4-FFF2-40B4-BE49-F238E27FC236}">
+                  <a16:creationId xmlns:a16="http://schemas.microsoft.com/office/drawing/2014/main" id="{8DE58AA3-6E1E-BE42-9F89-BDAE22ABC129}"/>
+                </a:ext>
+              </a:extLst>
+            </p:cNvPr>
+            <p:cNvSpPr/>
+            <p:nvPr/>
+          </p:nvSpPr>
+          <p:spPr>
+            <a:xfrm>
+              <a:off x="3540904" y="4312862"/>
+              <a:ext cx="1847200" cy="1758821"/>
+            </a:xfrm>
+            <a:prstGeom prst="donut">
+              <a:avLst/>
+            </a:prstGeom>
+            <a:solidFill>
+              <a:schemeClr val="accent6">
+                <a:lumMod val="40000"/>
+                <a:lumOff val="60000"/>
+              </a:schemeClr>
+            </a:solidFill>
+            <a:ln>
+              <a:solidFill>
+                <a:schemeClr val="tx1"/>
+              </a:solidFill>
+            </a:ln>
+          </p:spPr>
+          <p:style>
+            <a:lnRef idx="1">
+              <a:schemeClr val="accent1"/>
+            </a:lnRef>
+            <a:fillRef idx="3">
+              <a:schemeClr val="accent1"/>
+            </a:fillRef>
+            <a:effectRef idx="2">
+              <a:schemeClr val="accent1"/>
+            </a:effectRef>
+            <a:fontRef idx="minor">
+              <a:schemeClr val="lt1"/>
+            </a:fontRef>
+          </p:style>
+          <p:txBody>
+            <a:bodyPr rtlCol="0" anchor="ctr"/>
+            <a:lstStyle/>
+            <a:p>
+              <a:pPr algn="ctr"/>
+              <a:r>
+                <a:rPr lang="en-US" dirty="0">
+                  <a:solidFill>
+                    <a:schemeClr val="tx1"/>
+                  </a:solidFill>
+                </a:rPr>
+                <a:t>Unit test</a:t>
+              </a:r>
+            </a:p>
+          </p:txBody>
+        </p:sp>
+        <p:sp>
+          <p:nvSpPr>
+            <p:cNvPr id="6" name="Block Arc 5">
+              <a:extLst>
+                <a:ext uri="{FF2B5EF4-FFF2-40B4-BE49-F238E27FC236}">
+                  <a16:creationId xmlns:a16="http://schemas.microsoft.com/office/drawing/2014/main" id="{FA657B8F-95C7-D44F-AC13-32ACCE427E9D}"/>
+                </a:ext>
+              </a:extLst>
+            </p:cNvPr>
+            <p:cNvSpPr/>
+            <p:nvPr/>
+          </p:nvSpPr>
+          <p:spPr>
+            <a:xfrm>
+              <a:off x="3304135" y="2286536"/>
+              <a:ext cx="2309000" cy="2026325"/>
+            </a:xfrm>
+            <a:prstGeom prst="blockArc">
+              <a:avLst/>
+            </a:prstGeom>
+            <a:solidFill>
+              <a:schemeClr val="accent6">
+                <a:lumMod val="40000"/>
+                <a:lumOff val="60000"/>
+              </a:schemeClr>
+            </a:solidFill>
+            <a:ln>
+              <a:solidFill>
+                <a:schemeClr val="tx1"/>
+              </a:solidFill>
+            </a:ln>
+          </p:spPr>
+          <p:style>
+            <a:lnRef idx="1">
+              <a:schemeClr val="accent1"/>
+            </a:lnRef>
+            <a:fillRef idx="3">
+              <a:schemeClr val="accent1"/>
+            </a:fillRef>
+            <a:effectRef idx="2">
+              <a:schemeClr val="accent1"/>
+            </a:effectRef>
+            <a:fontRef idx="minor">
+              <a:schemeClr val="lt1"/>
+            </a:fontRef>
+          </p:style>
+          <p:txBody>
+            <a:bodyPr rtlCol="0" anchor="ctr"/>
+            <a:lstStyle/>
+            <a:p>
+              <a:pPr algn="ctr"/>
+              <a:endParaRPr lang="en-US">
+                <a:solidFill>
+                  <a:schemeClr val="tx1"/>
+                </a:solidFill>
+              </a:endParaRPr>
+            </a:p>
+          </p:txBody>
+        </p:sp>
+        <p:sp>
+          <p:nvSpPr>
+            <p:cNvPr id="7" name="Block Arc 6">
+              <a:extLst>
+                <a:ext uri="{FF2B5EF4-FFF2-40B4-BE49-F238E27FC236}">
+                  <a16:creationId xmlns:a16="http://schemas.microsoft.com/office/drawing/2014/main" id="{8C26E3A5-01DF-554A-9CE0-F83C73B0A51A}"/>
+                </a:ext>
+              </a:extLst>
+            </p:cNvPr>
+            <p:cNvSpPr/>
+            <p:nvPr/>
+          </p:nvSpPr>
+          <p:spPr>
+            <a:xfrm flipV="1">
+              <a:off x="3304135" y="2285405"/>
+              <a:ext cx="2309000" cy="2027456"/>
+            </a:xfrm>
+            <a:prstGeom prst="blockArc">
+              <a:avLst/>
+            </a:prstGeom>
+            <a:solidFill>
+              <a:schemeClr val="accent3">
+                <a:lumMod val="75000"/>
+              </a:schemeClr>
+            </a:solidFill>
+            <a:ln>
+              <a:solidFill>
+                <a:schemeClr val="tx1"/>
+              </a:solidFill>
+            </a:ln>
+          </p:spPr>
+          <p:style>
+            <a:lnRef idx="1">
+              <a:schemeClr val="accent1"/>
+            </a:lnRef>
+            <a:fillRef idx="3">
+              <a:schemeClr val="accent1"/>
+            </a:fillRef>
+            <a:effectRef idx="2">
+              <a:schemeClr val="accent1"/>
+            </a:effectRef>
+            <a:fontRef idx="minor">
+              <a:schemeClr val="lt1"/>
+            </a:fontRef>
+          </p:style>
+          <p:txBody>
+            <a:bodyPr rtlCol="0" anchor="ctr"/>
+            <a:lstStyle/>
+            <a:p>
+              <a:pPr algn="ctr"/>
+              <a:endParaRPr lang="en-US">
+                <a:ln>
+                  <a:solidFill>
+                    <a:srgbClr val="9BBB59"/>
+                  </a:solidFill>
+                </a:ln>
+                <a:solidFill>
+                  <a:schemeClr val="accent3">
+                    <a:lumMod val="75000"/>
+                  </a:schemeClr>
+                </a:solidFill>
+              </a:endParaRPr>
+            </a:p>
+          </p:txBody>
+        </p:sp>
+        <p:sp>
+          <p:nvSpPr>
+            <p:cNvPr id="8" name="TextBox 7">
+              <a:extLst>
+                <a:ext uri="{FF2B5EF4-FFF2-40B4-BE49-F238E27FC236}">
+                  <a16:creationId xmlns:a16="http://schemas.microsoft.com/office/drawing/2014/main" id="{08FCA895-A7E9-F949-9B76-56112C06C5BC}"/>
+                </a:ext>
+              </a:extLst>
+            </p:cNvPr>
+            <p:cNvSpPr txBox="1"/>
+            <p:nvPr/>
+          </p:nvSpPr>
+          <p:spPr>
+            <a:xfrm>
+              <a:off x="3930007" y="3059544"/>
+              <a:ext cx="1031051" cy="369332"/>
+            </a:xfrm>
+            <a:prstGeom prst="rect">
+              <a:avLst/>
+            </a:prstGeom>
+            <a:noFill/>
+          </p:spPr>
+          <p:txBody>
+            <a:bodyPr wrap="none" rtlCol="0">
+              <a:spAutoFit/>
+            </a:bodyPr>
+            <a:lstStyle/>
+            <a:p>
+              <a:r>
+                <a:rPr lang="en-US" dirty="0"/>
+                <a:t>Unit test</a:t>
+              </a:r>
+            </a:p>
+          </p:txBody>
+        </p:sp>
+        <p:sp>
+          <p:nvSpPr>
+            <p:cNvPr id="9" name="Rectangle 8">
+              <a:extLst>
+                <a:ext uri="{FF2B5EF4-FFF2-40B4-BE49-F238E27FC236}">
+                  <a16:creationId xmlns:a16="http://schemas.microsoft.com/office/drawing/2014/main" id="{283F9715-7634-0744-8505-079BCADA5C89}"/>
+                </a:ext>
+              </a:extLst>
+            </p:cNvPr>
+            <p:cNvSpPr/>
+            <p:nvPr/>
+          </p:nvSpPr>
+          <p:spPr>
+            <a:xfrm>
+              <a:off x="7507401" y="1284297"/>
+              <a:ext cx="408055" cy="202024"/>
+            </a:xfrm>
+            <a:prstGeom prst="rect">
+              <a:avLst/>
+            </a:prstGeom>
+            <a:solidFill>
+              <a:schemeClr val="accent3">
+                <a:lumMod val="75000"/>
+              </a:schemeClr>
+            </a:solidFill>
+            <a:ln>
+              <a:solidFill>
+                <a:schemeClr val="tx1"/>
+              </a:solidFill>
+            </a:ln>
+          </p:spPr>
+          <p:style>
+            <a:lnRef idx="1">
+              <a:schemeClr val="accent1"/>
+            </a:lnRef>
+            <a:fillRef idx="3">
+              <a:schemeClr val="accent1"/>
+            </a:fillRef>
+            <a:effectRef idx="2">
+              <a:schemeClr val="accent1"/>
+            </a:effectRef>
+            <a:fontRef idx="minor">
+              <a:schemeClr val="lt1"/>
+            </a:fontRef>
+          </p:style>
+          <p:txBody>
+            <a:bodyPr rtlCol="0" anchor="ctr"/>
+            <a:lstStyle/>
+            <a:p>
+              <a:pPr algn="ctr"/>
+              <a:endParaRPr lang="en-US"/>
+            </a:p>
+          </p:txBody>
+        </p:sp>
+        <p:sp>
+          <p:nvSpPr>
+            <p:cNvPr id="10" name="Rectangle 9">
+              <a:extLst>
+                <a:ext uri="{FF2B5EF4-FFF2-40B4-BE49-F238E27FC236}">
+                  <a16:creationId xmlns:a16="http://schemas.microsoft.com/office/drawing/2014/main" id="{9D953E38-8BCA-9640-B2FA-D0D1A572BCBA}"/>
+                </a:ext>
+              </a:extLst>
+            </p:cNvPr>
+            <p:cNvSpPr/>
+            <p:nvPr/>
+          </p:nvSpPr>
+          <p:spPr>
+            <a:xfrm>
+              <a:off x="7507401" y="1783024"/>
+              <a:ext cx="408055" cy="202024"/>
+            </a:xfrm>
+            <a:prstGeom prst="rect">
+              <a:avLst/>
+            </a:prstGeom>
+            <a:solidFill>
+              <a:schemeClr val="accent6">
+                <a:lumMod val="40000"/>
+                <a:lumOff val="60000"/>
+              </a:schemeClr>
+            </a:solidFill>
+            <a:ln>
+              <a:solidFill>
+                <a:schemeClr val="tx1"/>
+              </a:solidFill>
+            </a:ln>
+          </p:spPr>
+          <p:style>
+            <a:lnRef idx="1">
+              <a:schemeClr val="accent1"/>
+            </a:lnRef>
+            <a:fillRef idx="3">
+              <a:schemeClr val="accent1"/>
+            </a:fillRef>
+            <a:effectRef idx="2">
+              <a:schemeClr val="accent1"/>
+            </a:effectRef>
+            <a:fontRef idx="minor">
+              <a:schemeClr val="lt1"/>
+            </a:fontRef>
+          </p:style>
+          <p:txBody>
+            <a:bodyPr rtlCol="0" anchor="ctr"/>
+            <a:lstStyle/>
+            <a:p>
+              <a:pPr algn="ctr"/>
+              <a:endParaRPr lang="en-US"/>
+            </a:p>
+          </p:txBody>
+        </p:sp>
+        <p:sp>
+          <p:nvSpPr>
+            <p:cNvPr id="11" name="TextBox 10">
+              <a:extLst>
+                <a:ext uri="{FF2B5EF4-FFF2-40B4-BE49-F238E27FC236}">
+                  <a16:creationId xmlns:a16="http://schemas.microsoft.com/office/drawing/2014/main" id="{BB593106-7995-0146-A61C-AA30D3C88C1B}"/>
+                </a:ext>
+              </a:extLst>
+            </p:cNvPr>
+            <p:cNvSpPr txBox="1"/>
+            <p:nvPr/>
+          </p:nvSpPr>
+          <p:spPr>
+            <a:xfrm>
+              <a:off x="7915456" y="1670987"/>
+              <a:ext cx="1441420" cy="646331"/>
+            </a:xfrm>
+            <a:prstGeom prst="rect">
+              <a:avLst/>
+            </a:prstGeom>
+            <a:noFill/>
+          </p:spPr>
+          <p:txBody>
+            <a:bodyPr wrap="none" rtlCol="0">
+              <a:spAutoFit/>
+            </a:bodyPr>
+            <a:lstStyle/>
+            <a:p>
+              <a:r>
+                <a:rPr lang="en-US" dirty="0"/>
+                <a:t>Mocked up </a:t>
+              </a:r>
+            </a:p>
+            <a:p>
+              <a:r>
+                <a:rPr lang="en-US" dirty="0"/>
+                <a:t>dependency</a:t>
+              </a:r>
+            </a:p>
+          </p:txBody>
+        </p:sp>
+        <p:sp>
+          <p:nvSpPr>
+            <p:cNvPr id="12" name="TextBox 11">
+              <a:extLst>
+                <a:ext uri="{FF2B5EF4-FFF2-40B4-BE49-F238E27FC236}">
+                  <a16:creationId xmlns:a16="http://schemas.microsoft.com/office/drawing/2014/main" id="{79799BDB-C20C-2443-9BB8-7F690DB08D4C}"/>
+                </a:ext>
+              </a:extLst>
+            </p:cNvPr>
+            <p:cNvSpPr txBox="1"/>
+            <p:nvPr/>
+          </p:nvSpPr>
+          <p:spPr>
+            <a:xfrm>
+              <a:off x="7915455" y="1211668"/>
+              <a:ext cx="1980029" cy="369332"/>
+            </a:xfrm>
+            <a:prstGeom prst="rect">
+              <a:avLst/>
+            </a:prstGeom>
+            <a:noFill/>
+          </p:spPr>
+          <p:txBody>
+            <a:bodyPr wrap="none" rtlCol="0">
+              <a:spAutoFit/>
+            </a:bodyPr>
+            <a:lstStyle/>
+            <a:p>
+              <a:r>
+                <a:rPr lang="en-US" dirty="0"/>
+                <a:t>Real dependency</a:t>
+              </a:r>
+            </a:p>
+          </p:txBody>
+        </p:sp>
+        <p:sp>
+          <p:nvSpPr>
+            <p:cNvPr id="13" name="Block Arc 12">
+              <a:extLst>
+                <a:ext uri="{FF2B5EF4-FFF2-40B4-BE49-F238E27FC236}">
+                  <a16:creationId xmlns:a16="http://schemas.microsoft.com/office/drawing/2014/main" id="{CE87C671-1F12-AC40-9BC4-1B091AE498DB}"/>
+                </a:ext>
+              </a:extLst>
+            </p:cNvPr>
+            <p:cNvSpPr/>
+            <p:nvPr/>
+          </p:nvSpPr>
+          <p:spPr>
+            <a:xfrm>
+              <a:off x="6352900" y="2320868"/>
+              <a:ext cx="2309000" cy="2026325"/>
+            </a:xfrm>
+            <a:prstGeom prst="blockArc">
+              <a:avLst/>
+            </a:prstGeom>
+            <a:solidFill>
+              <a:schemeClr val="accent3">
+                <a:lumMod val="75000"/>
+              </a:schemeClr>
+            </a:solidFill>
+            <a:ln>
+              <a:solidFill>
+                <a:schemeClr val="tx1"/>
+              </a:solidFill>
+            </a:ln>
+          </p:spPr>
+          <p:style>
+            <a:lnRef idx="1">
+              <a:schemeClr val="accent1"/>
+            </a:lnRef>
+            <a:fillRef idx="3">
+              <a:schemeClr val="accent1"/>
+            </a:fillRef>
+            <a:effectRef idx="2">
+              <a:schemeClr val="accent1"/>
+            </a:effectRef>
+            <a:fontRef idx="minor">
+              <a:schemeClr val="lt1"/>
+            </a:fontRef>
+          </p:style>
+          <p:txBody>
+            <a:bodyPr rtlCol="0" anchor="ctr"/>
+            <a:lstStyle/>
+            <a:p>
+              <a:pPr algn="ctr"/>
+              <a:endParaRPr lang="en-US">
+                <a:solidFill>
+                  <a:schemeClr val="tx1"/>
+                </a:solidFill>
+              </a:endParaRPr>
+            </a:p>
+          </p:txBody>
+        </p:sp>
+        <p:sp>
+          <p:nvSpPr>
+            <p:cNvPr id="14" name="Block Arc 13">
+              <a:extLst>
+                <a:ext uri="{FF2B5EF4-FFF2-40B4-BE49-F238E27FC236}">
+                  <a16:creationId xmlns:a16="http://schemas.microsoft.com/office/drawing/2014/main" id="{7BF11E91-E16B-E741-997E-AF813D313E3B}"/>
+                </a:ext>
+              </a:extLst>
+            </p:cNvPr>
+            <p:cNvSpPr/>
+            <p:nvPr/>
+          </p:nvSpPr>
+          <p:spPr>
+            <a:xfrm flipV="1">
+              <a:off x="6352900" y="2319737"/>
+              <a:ext cx="2309000" cy="2027456"/>
+            </a:xfrm>
+            <a:prstGeom prst="blockArc">
+              <a:avLst/>
+            </a:prstGeom>
+            <a:solidFill>
+              <a:schemeClr val="accent3">
+                <a:lumMod val="75000"/>
+              </a:schemeClr>
+            </a:solidFill>
+            <a:ln>
+              <a:solidFill>
+                <a:schemeClr val="tx1"/>
+              </a:solidFill>
+            </a:ln>
+          </p:spPr>
+          <p:style>
+            <a:lnRef idx="1">
+              <a:schemeClr val="accent1"/>
+            </a:lnRef>
+            <a:fillRef idx="3">
+              <a:schemeClr val="accent1"/>
+            </a:fillRef>
+            <a:effectRef idx="2">
+              <a:schemeClr val="accent1"/>
+            </a:effectRef>
+            <a:fontRef idx="minor">
+              <a:schemeClr val="lt1"/>
+            </a:fontRef>
+          </p:style>
+          <p:txBody>
+            <a:bodyPr rtlCol="0" anchor="ctr"/>
+            <a:lstStyle/>
+            <a:p>
+              <a:pPr algn="ctr"/>
+              <a:endParaRPr lang="en-US">
+                <a:ln>
+                  <a:solidFill>
+                    <a:srgbClr val="9BBB59"/>
+                  </a:solidFill>
+                </a:ln>
+                <a:solidFill>
+                  <a:schemeClr val="accent3">
+                    <a:lumMod val="75000"/>
+                  </a:schemeClr>
+                </a:solidFill>
+              </a:endParaRPr>
+            </a:p>
+          </p:txBody>
+        </p:sp>
+        <p:sp>
+          <p:nvSpPr>
+            <p:cNvPr id="15" name="TextBox 14">
+              <a:extLst>
+                <a:ext uri="{FF2B5EF4-FFF2-40B4-BE49-F238E27FC236}">
+                  <a16:creationId xmlns:a16="http://schemas.microsoft.com/office/drawing/2014/main" id="{F7FEFA12-95D3-2043-A9C4-533287D19328}"/>
+                </a:ext>
+              </a:extLst>
+            </p:cNvPr>
+            <p:cNvSpPr txBox="1"/>
+            <p:nvPr/>
+          </p:nvSpPr>
+          <p:spPr>
+            <a:xfrm>
+              <a:off x="6978772" y="3093876"/>
+              <a:ext cx="1031051" cy="369332"/>
+            </a:xfrm>
+            <a:prstGeom prst="rect">
+              <a:avLst/>
+            </a:prstGeom>
+            <a:noFill/>
+          </p:spPr>
+          <p:txBody>
+            <a:bodyPr wrap="none" rtlCol="0">
+              <a:spAutoFit/>
+            </a:bodyPr>
+            <a:lstStyle/>
+            <a:p>
+              <a:r>
+                <a:rPr lang="en-US" dirty="0"/>
+                <a:t>Unit test</a:t>
+              </a:r>
+            </a:p>
+          </p:txBody>
+        </p:sp>
+        <p:sp>
+          <p:nvSpPr>
+            <p:cNvPr id="16" name="Right Arrow 15">
+              <a:extLst>
+                <a:ext uri="{FF2B5EF4-FFF2-40B4-BE49-F238E27FC236}">
+                  <a16:creationId xmlns:a16="http://schemas.microsoft.com/office/drawing/2014/main" id="{63EB76E8-8912-8543-9442-4548F1A4F1B6}"/>
+                </a:ext>
+              </a:extLst>
+            </p:cNvPr>
+            <p:cNvSpPr/>
+            <p:nvPr/>
+          </p:nvSpPr>
+          <p:spPr>
+            <a:xfrm>
+              <a:off x="5767840" y="3142863"/>
+              <a:ext cx="519745" cy="369332"/>
+            </a:xfrm>
+            <a:prstGeom prst="rightArrow">
+              <a:avLst/>
+            </a:prstGeom>
+            <a:solidFill>
+              <a:schemeClr val="tx1"/>
+            </a:solidFill>
+          </p:spPr>
+          <p:style>
+            <a:lnRef idx="1">
+              <a:schemeClr val="accent1"/>
+            </a:lnRef>
+            <a:fillRef idx="3">
+              <a:schemeClr val="accent1"/>
+            </a:fillRef>
+            <a:effectRef idx="2">
+              <a:schemeClr val="accent1"/>
+            </a:effectRef>
+            <a:fontRef idx="minor">
+              <a:schemeClr val="lt1"/>
+            </a:fontRef>
+          </p:style>
+          <p:txBody>
+            <a:bodyPr rtlCol="0" anchor="ctr"/>
+            <a:lstStyle/>
+            <a:p>
+              <a:pPr algn="ctr"/>
+              <a:endParaRPr lang="en-US"/>
+            </a:p>
+          </p:txBody>
+        </p:sp>
+      </p:grpSp>
+    </p:spTree>
+    <p:custDataLst>
+      <p:tags r:id="rId1"/>
+    </p:custDataLst>
+    <p:extLst>
+      <p:ext uri="{BB962C8B-B14F-4D97-AF65-F5344CB8AC3E}">
+        <p14:creationId xmlns:p14="http://schemas.microsoft.com/office/powerpoint/2010/main" val="1663136704"/>
+      </p:ext>
+    </p:extLst>
+  </p:cSld>
+  <p:clrMapOvr>
+    <a:masterClrMapping/>
+  </p:clrMapOvr>
+  <p:timing>
+    <p:tnLst>
+      <p:par>
+        <p:cTn id="1" dur="indefinite" restart="never" nodeType="tmRoot">
+          <p:childTnLst>
+            <p:seq concurrent="1" nextAc="seek">
+              <p:cTn id="2" dur="indefinite" nodeType="mainSeq">
+                <p:childTnLst>
+                  <p:par>
+                    <p:cTn id="3" fill="hold">
+                      <p:stCondLst>
+                        <p:cond delay="indefinite"/>
+                      </p:stCondLst>
+                      <p:childTnLst>
+                        <p:par>
+                          <p:cTn id="4" fill="hold">
+                            <p:stCondLst>
+                              <p:cond delay="0"/>
+                            </p:stCondLst>
+                            <p:childTnLst>
+                              <p:par>
+                                <p:cTn id="5" presetID="1" presetClass="entr" presetSubtype="0" fill="hold" nodeType="clickEffect">
+                                  <p:stCondLst>
+                                    <p:cond delay="0"/>
+                                  </p:stCondLst>
+                                  <p:childTnLst>
+                                    <p:set>
+                                      <p:cBhvr>
+                                        <p:cTn id="6" dur="1" fill="hold">
+                                          <p:stCondLst>
+                                            <p:cond delay="0"/>
+                                          </p:stCondLst>
+                                        </p:cTn>
+                                        <p:tgtEl>
+                                          <p:spTgt spid="4"/>
+                                        </p:tgtEl>
+                                        <p:attrNameLst>
+                                          <p:attrName>style.visibility</p:attrName>
+                                        </p:attrNameLst>
+                                      </p:cBhvr>
+                                      <p:to>
+                                        <p:strVal val="visible"/>
+                                      </p:to>
+                                    </p:set>
+                                  </p:childTnLst>
+                                </p:cTn>
+                              </p:par>
+                            </p:childTnLst>
+                          </p:cTn>
+                        </p:par>
+                      </p:childTnLst>
+                    </p:cTn>
+                  </p:par>
+                </p:childTnLst>
+              </p:cTn>
+              <p:prevCondLst>
+                <p:cond evt="onPrev" delay="0">
+                  <p:tgtEl>
+                    <p:sldTgt/>
+                  </p:tgtEl>
+                </p:cond>
+              </p:prevCondLst>
+              <p:nextCondLst>
+                <p:cond evt="onNext" delay="0">
+                  <p:tgtEl>
+                    <p:sldTgt/>
+                  </p:tgtEl>
+                </p:cond>
+              </p:nextCondLst>
+            </p:seq>
+          </p:childTnLst>
+        </p:cTn>
+      </p:par>
+    </p:tnLst>
+  </p:timing>
+</p:sld>
+</file>
+
+<file path=ppt/slides/slide11.xml><?xml version="1.0" encoding="utf-8"?>
+<p:sld xmlns:a="http://schemas.openxmlformats.org/drawingml/2006/main" xmlns:r="http://schemas.openxmlformats.org/officeDocument/2006/relationships" xmlns:p="http://schemas.openxmlformats.org/presentationml/2006/main">
+  <p:cSld>
+    <p:spTree>
+      <p:nvGrpSpPr>
+        <p:cNvPr id="1" name=""/>
+        <p:cNvGrpSpPr/>
+        <p:nvPr/>
+      </p:nvGrpSpPr>
+      <p:grpSpPr>
+        <a:xfrm>
+          <a:off x="0" y="0"/>
+          <a:ext cx="0" cy="0"/>
+          <a:chOff x="0" y="0"/>
+          <a:chExt cx="0" cy="0"/>
+        </a:xfrm>
+      </p:grpSpPr>
+      <p:sp>
+        <p:nvSpPr>
           <p:cNvPr id="2" name="Title 1"/>
           <p:cNvSpPr>
             <a:spLocks noGrp="1"/>
@@ -6873,7 +7819,7 @@
 </p:sld>
 </file>
 
-<file path=ppt/slides/slide11.xml><?xml version="1.0" encoding="utf-8"?>
+<file path=ppt/slides/slide12.xml><?xml version="1.0" encoding="utf-8"?>
 <p:sld xmlns:a="http://schemas.openxmlformats.org/drawingml/2006/main" xmlns:r="http://schemas.openxmlformats.org/officeDocument/2006/relationships" xmlns:p="http://schemas.openxmlformats.org/presentationml/2006/main">
   <p:cSld>
     <p:spTree>
@@ -7470,7 +8416,7 @@
 </p:sld>
 </file>
 
-<file path=ppt/slides/slide12.xml><?xml version="1.0" encoding="utf-8"?>
+<file path=ppt/slides/slide13.xml><?xml version="1.0" encoding="utf-8"?>
 <p:sld xmlns:a="http://schemas.openxmlformats.org/drawingml/2006/main" xmlns:r="http://schemas.openxmlformats.org/officeDocument/2006/relationships" xmlns:p="http://schemas.openxmlformats.org/presentationml/2006/main">
   <p:cSld>
     <p:spTree>
@@ -7583,7 +8529,7 @@
           <a:noFill/>
           <a:extLst>
             <a:ext uri="{909E8E84-426E-40dd-AFC4-6F175D3DCCD1}">
-              <a14:hiddenFill xmlns:a14="http://schemas.microsoft.com/office/drawing/2010/main" xmlns="">
+              <a14:hiddenFill xmlns="" xmlns:a14="http://schemas.microsoft.com/office/drawing/2010/main">
                 <a:solidFill>
                   <a:srgbClr val="FFFFFF"/>
                 </a:solidFill>
@@ -8231,7 +9177,7 @@
 </p:sld>
 </file>
 
-<file path=ppt/slides/slide13.xml><?xml version="1.0" encoding="utf-8"?>
+<file path=ppt/slides/slide14.xml><?xml version="1.0" encoding="utf-8"?>
 <p:sld xmlns:a="http://schemas.openxmlformats.org/drawingml/2006/main" xmlns:r="http://schemas.openxmlformats.org/officeDocument/2006/relationships" xmlns:p="http://schemas.openxmlformats.org/presentationml/2006/main">
   <p:cSld>
     <p:spTree>
@@ -8609,7 +9555,7 @@
 </p:sld>
 </file>
 
-<file path=ppt/slides/slide14.xml><?xml version="1.0" encoding="utf-8"?>
+<file path=ppt/slides/slide15.xml><?xml version="1.0" encoding="utf-8"?>
 <p:sld xmlns:a="http://schemas.openxmlformats.org/drawingml/2006/main" xmlns:r="http://schemas.openxmlformats.org/officeDocument/2006/relationships" xmlns:p="http://schemas.openxmlformats.org/presentationml/2006/main">
   <p:cSld>
     <p:spTree>
@@ -9767,7 +10713,7 @@
 </p:sld>
 </file>
 
-<file path=ppt/slides/slide15.xml><?xml version="1.0" encoding="utf-8"?>
+<file path=ppt/slides/slide16.xml><?xml version="1.0" encoding="utf-8"?>
 <p:sld xmlns:a="http://schemas.openxmlformats.org/drawingml/2006/main" xmlns:r="http://schemas.openxmlformats.org/officeDocument/2006/relationships" xmlns:p="http://schemas.openxmlformats.org/presentationml/2006/main">
   <p:cSld>
     <p:spTree>
@@ -10497,47 +11443,6 @@
             </a:r>
           </a:p>
           <a:p>
-            <a:r>
-              <a:rPr lang="en-US" dirty="0"/>
-              <a:t>Evaluate project needs:</a:t>
-            </a:r>
-          </a:p>
-          <a:p>
-            <a:pPr lvl="1"/>
-            <a:r>
-              <a:rPr lang="en-US" dirty="0"/>
-              <a:t>Objectives: expected use of the code</a:t>
-            </a:r>
-          </a:p>
-          <a:p>
-            <a:pPr lvl="1"/>
-            <a:r>
-              <a:rPr lang="en-US" dirty="0"/>
-              <a:t>Lifecycle stage: new or production or refactoring</a:t>
-            </a:r>
-          </a:p>
-          <a:p>
-            <a:pPr lvl="1"/>
-            <a:r>
-              <a:rPr lang="en-US" dirty="0"/>
-              <a:t>Team: size and degree of heterogeneity</a:t>
-            </a:r>
-          </a:p>
-          <a:p>
-            <a:pPr lvl="1"/>
-            <a:r>
-              <a:rPr lang="en-US" dirty="0"/>
-              <a:t>Lifetime: one off or ongoing production</a:t>
-            </a:r>
-          </a:p>
-          <a:p>
-            <a:pPr lvl="1"/>
-            <a:r>
-              <a:rPr lang="en-US" dirty="0"/>
-              <a:t>Complexity: modules and their interactions</a:t>
-            </a:r>
-          </a:p>
-          <a:p>
             <a:pPr lvl="1"/>
             <a:endParaRPr lang="en-US" dirty="0"/>
           </a:p>
@@ -10658,48 +11563,9 @@
             </a:r>
           </a:p>
           <a:p>
-            <a:r>
-              <a:rPr lang="en-US" dirty="0"/>
-              <a:t>Evaluate project needs:</a:t>
-            </a:r>
-          </a:p>
-          <a:p>
-            <a:pPr lvl="1"/>
-            <a:r>
-              <a:rPr lang="en-US" dirty="0"/>
-              <a:t>Objectives: expected use of the code</a:t>
-            </a:r>
-          </a:p>
-          <a:p>
-            <a:pPr lvl="1"/>
-            <a:r>
-              <a:rPr lang="en-US" dirty="0"/>
-              <a:t>Lifecycle stage: new or production or refactoring</a:t>
-            </a:r>
-          </a:p>
-          <a:p>
-            <a:pPr lvl="1"/>
-            <a:r>
-              <a:rPr lang="en-US" dirty="0"/>
-              <a:t>Team: size and degree of heterogeneity</a:t>
-            </a:r>
-          </a:p>
-          <a:p>
-            <a:pPr lvl="1"/>
-            <a:r>
-              <a:rPr lang="en-US" dirty="0"/>
-              <a:t>Lifetime: one off or ongoing production</a:t>
-            </a:r>
-          </a:p>
-          <a:p>
-            <a:pPr lvl="1"/>
-            <a:r>
-              <a:rPr lang="en-US" dirty="0"/>
-              <a:t>Complexity: modules and their interactions</a:t>
-            </a:r>
-          </a:p>
-          <a:p>
-            <a:pPr lvl="1"/>
+            <a:pPr marL="346075" lvl="1" indent="0">
+              <a:buNone/>
+            </a:pPr>
             <a:endParaRPr lang="en-US" dirty="0"/>
           </a:p>
         </p:txBody>
@@ -11062,17 +11928,15 @@
         </p:nvSpPr>
         <p:spPr/>
         <p:txBody>
-          <a:bodyPr/>
+          <a:bodyPr>
+            <a:normAutofit/>
+          </a:bodyPr>
           <a:lstStyle/>
           <a:p>
             <a:r>
               <a:rPr lang="en-US" dirty="0"/>
-              <a:t>Additional Notes: Good Testing Practices</a:t>
-            </a:r>
-            <a:br>
-              <a:rPr lang="en-US" dirty="0"/>
-            </a:br>
-            <a:endParaRPr lang="en-US" dirty="0"/>
+              <a:t>Why not always use the most stringent testing?</a:t>
+            </a:r>
           </a:p>
         </p:txBody>
       </p:sp>
@@ -11088,94 +11952,421 @@
         </p:nvSpPr>
         <p:spPr>
           <a:xfrm>
-            <a:off x="368424" y="1177290"/>
-            <a:ext cx="11369809" cy="4047778"/>
+            <a:off x="368424" y="1039350"/>
+            <a:ext cx="11534016" cy="5407170"/>
           </a:xfrm>
         </p:spPr>
         <p:txBody>
-          <a:bodyPr/>
+          <a:bodyPr>
+            <a:normAutofit/>
+          </a:bodyPr>
           <a:lstStyle/>
           <a:p>
             <a:r>
               <a:rPr lang="en-US" dirty="0"/>
-              <a:t>Verify Code coverage</a:t>
+              <a:t>Effort spent in devising running and maintaining test suite is a tax on team resources</a:t>
             </a:r>
           </a:p>
           <a:p>
             <a:r>
               <a:rPr lang="en-US" dirty="0"/>
-              <a:t>Must have consistent policy on dealing with failed tests</a:t>
+              <a:t>When the tax is too high…</a:t>
             </a:r>
           </a:p>
           <a:p>
             <a:pPr lvl="1"/>
             <a:r>
               <a:rPr lang="en-US" dirty="0"/>
-              <a:t>Issue tracking</a:t>
-            </a:r>
-          </a:p>
-          <a:p>
-            <a:pPr lvl="2"/>
+              <a:t>Team cannot meet code-use objectives</a:t>
+            </a:r>
+          </a:p>
+          <a:p>
             <a:r>
               <a:rPr lang="en-US" dirty="0"/>
-              <a:t>How quickly does it need to be fixed?</a:t>
-            </a:r>
-          </a:p>
-          <a:p>
-            <a:pPr lvl="2"/>
+              <a:t>When is the tax is too low…</a:t>
+            </a:r>
+          </a:p>
+          <a:p>
+            <a:pPr lvl="1"/>
             <a:r>
               <a:rPr lang="en-US" dirty="0"/>
-              <a:t>Who is responsible for fixing it?</a:t>
-            </a:r>
-          </a:p>
-          <a:p>
+              <a:t>Necessary oversight not provided</a:t>
+            </a:r>
+          </a:p>
+          <a:p>
+            <a:pPr lvl="1"/>
             <a:r>
               <a:rPr lang="en-US" dirty="0"/>
-              <a:t>Someone should be watching the test suite</a:t>
+              <a:t>Defects in code sneak through </a:t>
             </a:r>
           </a:p>
           <a:p>
             <a:r>
               <a:rPr lang="en-US" dirty="0"/>
-              <a:t>When refactoring or adding new features, run a regression suite before check in</a:t>
+              <a:t>Evaluate project needs:</a:t>
             </a:r>
           </a:p>
           <a:p>
             <a:pPr lvl="1"/>
             <a:r>
               <a:rPr lang="en-US" dirty="0"/>
-              <a:t>Add new regression tests or modify existing ones for the new features</a:t>
-            </a:r>
-          </a:p>
-          <a:p>
+              <a:t>Objectives: expected use of the code</a:t>
+            </a:r>
+          </a:p>
+          <a:p>
+            <a:pPr lvl="1"/>
             <a:r>
               <a:rPr lang="en-US" dirty="0"/>
-              <a:t>Code review before releasing test suite is useful</a:t>
+              <a:t>Lifecycle stage: new or production or refactoring</a:t>
             </a:r>
           </a:p>
           <a:p>
             <a:pPr lvl="1"/>
             <a:r>
               <a:rPr lang="en-US" dirty="0"/>
-              <a:t>Another person may spot issues you didn’t</a:t>
+              <a:t>Team: size and degree of heterogeneity</a:t>
             </a:r>
           </a:p>
           <a:p>
             <a:pPr lvl="1"/>
             <a:r>
               <a:rPr lang="en-US" dirty="0"/>
-              <a:t>Incredibly cost-effective</a:t>
-            </a:r>
-          </a:p>
-          <a:p>
+              <a:t>Lifetime: one off or ongoing production</a:t>
+            </a:r>
+          </a:p>
+          <a:p>
+            <a:pPr lvl="1"/>
+            <a:r>
+              <a:rPr lang="en-US" dirty="0"/>
+              <a:t>Complexity: modules and their interactions</a:t>
+            </a:r>
+          </a:p>
+          <a:p>
+            <a:pPr lvl="1"/>
             <a:endParaRPr lang="en-US" dirty="0"/>
+          </a:p>
+        </p:txBody>
+      </p:sp>
+      <p:grpSp>
+        <p:nvGrpSpPr>
+          <p:cNvPr id="13" name="Group 12">
+            <a:extLst>
+              <a:ext uri="{FF2B5EF4-FFF2-40B4-BE49-F238E27FC236}">
+                <a16:creationId xmlns:a16="http://schemas.microsoft.com/office/drawing/2014/main" id="{7AF58521-B1AC-5E47-9164-88FD3B0E02D7}"/>
+              </a:ext>
+            </a:extLst>
+          </p:cNvPr>
+          <p:cNvGrpSpPr/>
+          <p:nvPr/>
+        </p:nvGrpSpPr>
+        <p:grpSpPr>
+          <a:xfrm>
+            <a:off x="7285571" y="3429000"/>
+            <a:ext cx="2079986" cy="1631092"/>
+            <a:chOff x="9658247" y="3805881"/>
+            <a:chExt cx="2079986" cy="1631092"/>
+          </a:xfrm>
+        </p:grpSpPr>
+        <p:sp>
+          <p:nvSpPr>
+            <p:cNvPr id="14" name="Rectangle 13">
+              <a:extLst>
+                <a:ext uri="{FF2B5EF4-FFF2-40B4-BE49-F238E27FC236}">
+                  <a16:creationId xmlns:a16="http://schemas.microsoft.com/office/drawing/2014/main" id="{EE85394E-309A-F943-BDEF-2ADC56C17863}"/>
+                </a:ext>
+              </a:extLst>
+            </p:cNvPr>
+            <p:cNvSpPr/>
+            <p:nvPr/>
+          </p:nvSpPr>
+          <p:spPr>
+            <a:xfrm>
+              <a:off x="9658247" y="3805881"/>
+              <a:ext cx="2079986" cy="1631092"/>
+            </a:xfrm>
+            <a:prstGeom prst="rect">
+              <a:avLst/>
+            </a:prstGeom>
+            <a:solidFill>
+              <a:schemeClr val="accent3">
+                <a:alpha val="58000"/>
+              </a:schemeClr>
+            </a:solidFill>
+            <a:ln>
+              <a:noFill/>
+            </a:ln>
+            <a:effectLst>
+              <a:outerShdw blurRad="44450" dist="27940" dir="5400000" algn="ctr">
+                <a:srgbClr val="000000">
+                  <a:alpha val="32000"/>
+                </a:srgbClr>
+              </a:outerShdw>
+            </a:effectLst>
+          </p:spPr>
+          <p:txBody>
+            <a:bodyPr rot="0" spcFirstLastPara="0" vertOverflow="overflow" horzOverflow="overflow" vert="horz" wrap="square" lIns="121851" tIns="60925" rIns="121851" bIns="60925" numCol="1" spcCol="0" rtlCol="0" fromWordArt="0" anchor="ctr" anchorCtr="0" forceAA="0" compatLnSpc="1">
+              <a:prstTxWarp prst="textNoShape">
+                <a:avLst/>
+              </a:prstTxWarp>
+              <a:noAutofit/>
+            </a:bodyPr>
+            <a:lstStyle/>
+            <a:p>
+              <a:pPr algn="ctr">
+                <a:lnSpc>
+                  <a:spcPct val="90000"/>
+                </a:lnSpc>
+              </a:pPr>
+              <a:endParaRPr lang="en-US" sz="2000" dirty="0">
+                <a:solidFill>
+                  <a:schemeClr val="bg1"/>
+                </a:solidFill>
+              </a:endParaRPr>
+            </a:p>
+          </p:txBody>
+        </p:sp>
+        <p:sp>
+          <p:nvSpPr>
+            <p:cNvPr id="15" name="Rectangle 14">
+              <a:extLst>
+                <a:ext uri="{FF2B5EF4-FFF2-40B4-BE49-F238E27FC236}">
+                  <a16:creationId xmlns:a16="http://schemas.microsoft.com/office/drawing/2014/main" id="{FFCDAFAD-ACE4-AD44-901D-940B38E05444}"/>
+                </a:ext>
+              </a:extLst>
+            </p:cNvPr>
+            <p:cNvSpPr/>
+            <p:nvPr/>
+          </p:nvSpPr>
+          <p:spPr>
+            <a:xfrm>
+              <a:off x="10056889" y="4079744"/>
+              <a:ext cx="1285103" cy="1083365"/>
+            </a:xfrm>
+            <a:prstGeom prst="rect">
+              <a:avLst/>
+            </a:prstGeom>
+            <a:solidFill>
+              <a:srgbClr val="FF0000"/>
+            </a:solidFill>
+            <a:ln>
+              <a:noFill/>
+            </a:ln>
+            <a:effectLst>
+              <a:outerShdw blurRad="44450" dist="27940" dir="5400000" algn="ctr">
+                <a:srgbClr val="000000">
+                  <a:alpha val="32000"/>
+                </a:srgbClr>
+              </a:outerShdw>
+            </a:effectLst>
+          </p:spPr>
+          <p:txBody>
+            <a:bodyPr rot="0" spcFirstLastPara="0" vertOverflow="overflow" horzOverflow="overflow" vert="horz" wrap="square" lIns="121851" tIns="60925" rIns="121851" bIns="60925" numCol="1" spcCol="0" rtlCol="0" fromWordArt="0" anchor="ctr" anchorCtr="0" forceAA="0" compatLnSpc="1">
+              <a:prstTxWarp prst="textNoShape">
+                <a:avLst/>
+              </a:prstTxWarp>
+              <a:noAutofit/>
+            </a:bodyPr>
+            <a:lstStyle/>
+            <a:p>
+              <a:pPr algn="ctr">
+                <a:lnSpc>
+                  <a:spcPct val="90000"/>
+                </a:lnSpc>
+              </a:pPr>
+              <a:r>
+                <a:rPr lang="en-US" sz="2000" dirty="0">
+                  <a:solidFill>
+                    <a:schemeClr val="bg1"/>
+                  </a:solidFill>
+                </a:rPr>
+                <a:t>rank 3</a:t>
+              </a:r>
+            </a:p>
+          </p:txBody>
+        </p:sp>
+      </p:grpSp>
+      <p:grpSp>
+        <p:nvGrpSpPr>
+          <p:cNvPr id="16" name="Group 15">
+            <a:extLst>
+              <a:ext uri="{FF2B5EF4-FFF2-40B4-BE49-F238E27FC236}">
+                <a16:creationId xmlns:a16="http://schemas.microsoft.com/office/drawing/2014/main" id="{ABDDE89E-97EF-0147-AD24-787A3428E32E}"/>
+              </a:ext>
+            </a:extLst>
+          </p:cNvPr>
+          <p:cNvGrpSpPr/>
+          <p:nvPr/>
+        </p:nvGrpSpPr>
+        <p:grpSpPr>
+          <a:xfrm>
+            <a:off x="8569035" y="2372011"/>
+            <a:ext cx="2079986" cy="1631092"/>
+            <a:chOff x="9658247" y="3805881"/>
+            <a:chExt cx="2079986" cy="1631092"/>
+          </a:xfrm>
+        </p:grpSpPr>
+        <p:sp>
+          <p:nvSpPr>
+            <p:cNvPr id="17" name="Rectangle 16">
+              <a:extLst>
+                <a:ext uri="{FF2B5EF4-FFF2-40B4-BE49-F238E27FC236}">
+                  <a16:creationId xmlns:a16="http://schemas.microsoft.com/office/drawing/2014/main" id="{50DB1FE8-633C-8B44-8FD2-CD97039954E0}"/>
+                </a:ext>
+              </a:extLst>
+            </p:cNvPr>
+            <p:cNvSpPr/>
+            <p:nvPr/>
+          </p:nvSpPr>
+          <p:spPr>
+            <a:xfrm>
+              <a:off x="9658247" y="3805881"/>
+              <a:ext cx="2079986" cy="1631092"/>
+            </a:xfrm>
+            <a:prstGeom prst="rect">
+              <a:avLst/>
+            </a:prstGeom>
+            <a:solidFill>
+              <a:schemeClr val="accent3">
+                <a:alpha val="58000"/>
+              </a:schemeClr>
+            </a:solidFill>
+            <a:ln>
+              <a:noFill/>
+            </a:ln>
+            <a:effectLst>
+              <a:outerShdw blurRad="44450" dist="27940" dir="5400000" algn="ctr">
+                <a:srgbClr val="000000">
+                  <a:alpha val="32000"/>
+                </a:srgbClr>
+              </a:outerShdw>
+            </a:effectLst>
+          </p:spPr>
+          <p:txBody>
+            <a:bodyPr rot="0" spcFirstLastPara="0" vertOverflow="overflow" horzOverflow="overflow" vert="horz" wrap="square" lIns="121851" tIns="60925" rIns="121851" bIns="60925" numCol="1" spcCol="0" rtlCol="0" fromWordArt="0" anchor="ctr" anchorCtr="0" forceAA="0" compatLnSpc="1">
+              <a:prstTxWarp prst="textNoShape">
+                <a:avLst/>
+              </a:prstTxWarp>
+              <a:noAutofit/>
+            </a:bodyPr>
+            <a:lstStyle/>
+            <a:p>
+              <a:pPr algn="ctr">
+                <a:lnSpc>
+                  <a:spcPct val="90000"/>
+                </a:lnSpc>
+              </a:pPr>
+              <a:endParaRPr lang="en-US" sz="2000" dirty="0">
+                <a:solidFill>
+                  <a:schemeClr val="bg1"/>
+                </a:solidFill>
+              </a:endParaRPr>
+            </a:p>
+          </p:txBody>
+        </p:sp>
+        <p:sp>
+          <p:nvSpPr>
+            <p:cNvPr id="18" name="Rectangle 17">
+              <a:extLst>
+                <a:ext uri="{FF2B5EF4-FFF2-40B4-BE49-F238E27FC236}">
+                  <a16:creationId xmlns:a16="http://schemas.microsoft.com/office/drawing/2014/main" id="{42B1DC2B-676A-EE4C-B7DA-36702D7B1BAA}"/>
+                </a:ext>
+              </a:extLst>
+            </p:cNvPr>
+            <p:cNvSpPr/>
+            <p:nvPr/>
+          </p:nvSpPr>
+          <p:spPr>
+            <a:xfrm>
+              <a:off x="10056889" y="4079744"/>
+              <a:ext cx="1285103" cy="1083365"/>
+            </a:xfrm>
+            <a:prstGeom prst="rect">
+              <a:avLst/>
+            </a:prstGeom>
+            <a:solidFill>
+              <a:srgbClr val="FF0000"/>
+            </a:solidFill>
+            <a:ln>
+              <a:noFill/>
+            </a:ln>
+            <a:effectLst>
+              <a:outerShdw blurRad="44450" dist="27940" dir="5400000" algn="ctr">
+                <a:srgbClr val="000000">
+                  <a:alpha val="32000"/>
+                </a:srgbClr>
+              </a:outerShdw>
+            </a:effectLst>
+          </p:spPr>
+          <p:txBody>
+            <a:bodyPr rot="0" spcFirstLastPara="0" vertOverflow="overflow" horzOverflow="overflow" vert="horz" wrap="square" lIns="121851" tIns="60925" rIns="121851" bIns="60925" numCol="1" spcCol="0" rtlCol="0" fromWordArt="0" anchor="ctr" anchorCtr="0" forceAA="0" compatLnSpc="1">
+              <a:prstTxWarp prst="textNoShape">
+                <a:avLst/>
+              </a:prstTxWarp>
+              <a:noAutofit/>
+            </a:bodyPr>
+            <a:lstStyle/>
+            <a:p>
+              <a:pPr algn="ctr">
+                <a:lnSpc>
+                  <a:spcPct val="90000"/>
+                </a:lnSpc>
+              </a:pPr>
+              <a:r>
+                <a:rPr lang="en-US" sz="2000" dirty="0">
+                  <a:solidFill>
+                    <a:schemeClr val="bg1"/>
+                  </a:solidFill>
+                </a:rPr>
+                <a:t>rank 2</a:t>
+              </a:r>
+            </a:p>
+          </p:txBody>
+        </p:sp>
+      </p:grpSp>
+      <p:sp>
+        <p:nvSpPr>
+          <p:cNvPr id="19" name="TextBox 18">
+            <a:extLst>
+              <a:ext uri="{FF2B5EF4-FFF2-40B4-BE49-F238E27FC236}">
+                <a16:creationId xmlns:a16="http://schemas.microsoft.com/office/drawing/2014/main" id="{6143545E-E4DC-5A46-8FC4-5C67CE9F08FD}"/>
+              </a:ext>
+            </a:extLst>
+          </p:cNvPr>
+          <p:cNvSpPr txBox="1"/>
+          <p:nvPr/>
+        </p:nvSpPr>
+        <p:spPr>
+          <a:xfrm>
+            <a:off x="9406355" y="4093808"/>
+            <a:ext cx="1201867" cy="433965"/>
+          </a:xfrm>
+          <a:prstGeom prst="rect">
+            <a:avLst/>
+          </a:prstGeom>
+          <a:noFill/>
+        </p:spPr>
+        <p:txBody>
+          <a:bodyPr wrap="none" lIns="118872" tIns="91440" rIns="118872" bIns="91440" rtlCol="0" anchor="ctr" anchorCtr="0">
+            <a:spAutoFit/>
+          </a:bodyPr>
+          <a:lstStyle/>
+          <a:p>
+            <a:pPr algn="l">
+              <a:lnSpc>
+                <a:spcPct val="90000"/>
+              </a:lnSpc>
+            </a:pPr>
+            <a:r>
+              <a:rPr lang="en-US" dirty="0"/>
+              <a:t>halo cells</a:t>
+            </a:r>
           </a:p>
         </p:txBody>
       </p:sp>
     </p:spTree>
     <p:extLst>
       <p:ext uri="{BB962C8B-B14F-4D97-AF65-F5344CB8AC3E}">
-        <p14:creationId xmlns:p14="http://schemas.microsoft.com/office/powerpoint/2010/main" val="2338338090"/>
+        <p14:creationId xmlns:p14="http://schemas.microsoft.com/office/powerpoint/2010/main" val="1951480272"/>
       </p:ext>
     </p:extLst>
   </p:cSld>
@@ -11219,6 +12410,158 @@
           <a:p>
             <a:r>
               <a:rPr lang="en-US" dirty="0"/>
+              <a:t>Additional Notes: Good Testing Practices</a:t>
+            </a:r>
+            <a:br>
+              <a:rPr lang="en-US" dirty="0"/>
+            </a:br>
+            <a:endParaRPr lang="en-US" dirty="0"/>
+          </a:p>
+        </p:txBody>
+      </p:sp>
+      <p:sp>
+        <p:nvSpPr>
+          <p:cNvPr id="5" name="Content Placeholder 4"/>
+          <p:cNvSpPr>
+            <a:spLocks noGrp="1"/>
+          </p:cNvSpPr>
+          <p:nvPr>
+            <p:ph sz="quarter" idx="1"/>
+          </p:nvPr>
+        </p:nvSpPr>
+        <p:spPr>
+          <a:xfrm>
+            <a:off x="368424" y="1177290"/>
+            <a:ext cx="11369809" cy="4047778"/>
+          </a:xfrm>
+        </p:spPr>
+        <p:txBody>
+          <a:bodyPr/>
+          <a:lstStyle/>
+          <a:p>
+            <a:r>
+              <a:rPr lang="en-US" dirty="0"/>
+              <a:t>Verify Code coverage</a:t>
+            </a:r>
+          </a:p>
+          <a:p>
+            <a:r>
+              <a:rPr lang="en-US" dirty="0"/>
+              <a:t>Must have consistent policy on dealing with failed tests</a:t>
+            </a:r>
+          </a:p>
+          <a:p>
+            <a:pPr lvl="1"/>
+            <a:r>
+              <a:rPr lang="en-US" dirty="0"/>
+              <a:t>Issue tracking</a:t>
+            </a:r>
+          </a:p>
+          <a:p>
+            <a:pPr lvl="2"/>
+            <a:r>
+              <a:rPr lang="en-US" dirty="0"/>
+              <a:t>How quickly does it need to be fixed?</a:t>
+            </a:r>
+          </a:p>
+          <a:p>
+            <a:pPr lvl="2"/>
+            <a:r>
+              <a:rPr lang="en-US" dirty="0"/>
+              <a:t>Who is responsible for fixing it?</a:t>
+            </a:r>
+          </a:p>
+          <a:p>
+            <a:r>
+              <a:rPr lang="en-US" dirty="0"/>
+              <a:t>Someone should be watching the test suite</a:t>
+            </a:r>
+          </a:p>
+          <a:p>
+            <a:r>
+              <a:rPr lang="en-US" dirty="0"/>
+              <a:t>When refactoring or adding new features, run a regression suite before check in</a:t>
+            </a:r>
+          </a:p>
+          <a:p>
+            <a:pPr lvl="1"/>
+            <a:r>
+              <a:rPr lang="en-US" dirty="0"/>
+              <a:t>Add new regression tests or modify existing ones for the new features</a:t>
+            </a:r>
+          </a:p>
+          <a:p>
+            <a:r>
+              <a:rPr lang="en-US" dirty="0"/>
+              <a:t>Code review before releasing test suite is useful</a:t>
+            </a:r>
+          </a:p>
+          <a:p>
+            <a:pPr lvl="1"/>
+            <a:r>
+              <a:rPr lang="en-US" dirty="0"/>
+              <a:t>Another person may spot issues you didn’t</a:t>
+            </a:r>
+          </a:p>
+          <a:p>
+            <a:pPr lvl="1"/>
+            <a:r>
+              <a:rPr lang="en-US" dirty="0"/>
+              <a:t>Incredibly cost-effective</a:t>
+            </a:r>
+          </a:p>
+          <a:p>
+            <a:endParaRPr lang="en-US" dirty="0"/>
+          </a:p>
+        </p:txBody>
+      </p:sp>
+    </p:spTree>
+    <p:extLst>
+      <p:ext uri="{BB962C8B-B14F-4D97-AF65-F5344CB8AC3E}">
+        <p14:creationId xmlns:p14="http://schemas.microsoft.com/office/powerpoint/2010/main" val="2338338090"/>
+      </p:ext>
+    </p:extLst>
+  </p:cSld>
+  <p:clrMapOvr>
+    <a:masterClrMapping/>
+  </p:clrMapOvr>
+</p:sld>
+</file>
+
+<file path=ppt/slides/slide8.xml><?xml version="1.0" encoding="utf-8"?>
+<p:sld xmlns:a="http://schemas.openxmlformats.org/drawingml/2006/main" xmlns:r="http://schemas.openxmlformats.org/officeDocument/2006/relationships" xmlns:p="http://schemas.openxmlformats.org/presentationml/2006/main">
+  <p:cSld>
+    <p:spTree>
+      <p:nvGrpSpPr>
+        <p:cNvPr id="1" name=""/>
+        <p:cNvGrpSpPr/>
+        <p:nvPr/>
+      </p:nvGrpSpPr>
+      <p:grpSpPr>
+        <a:xfrm>
+          <a:off x="0" y="0"/>
+          <a:ext cx="0" cy="0"/>
+          <a:chOff x="0" y="0"/>
+          <a:chExt cx="0" cy="0"/>
+        </a:xfrm>
+      </p:grpSpPr>
+      <p:sp>
+        <p:nvSpPr>
+          <p:cNvPr id="2" name="Title 1"/>
+          <p:cNvSpPr>
+            <a:spLocks noGrp="1"/>
+          </p:cNvSpPr>
+          <p:nvPr>
+            <p:ph type="title"/>
+          </p:nvPr>
+        </p:nvSpPr>
+        <p:spPr/>
+        <p:txBody>
+          <a:bodyPr/>
+          <a:lstStyle/>
+          <a:p>
+            <a:r>
+              <a:rPr lang="en-US" dirty="0"/>
               <a:t>Example 1: Test Development For a New Code</a:t>
             </a:r>
           </a:p>
@@ -11236,13 +12579,13 @@
         </p:nvSpPr>
         <p:spPr>
           <a:xfrm>
-            <a:off x="574481" y="1078042"/>
-            <a:ext cx="9953475" cy="4803773"/>
+            <a:off x="685318" y="1494984"/>
+            <a:ext cx="9192974" cy="3868031"/>
           </a:xfrm>
         </p:spPr>
         <p:txBody>
           <a:bodyPr>
-            <a:normAutofit fontScale="92500" lnSpcReduction="10000"/>
+            <a:normAutofit fontScale="85000" lnSpcReduction="20000"/>
           </a:bodyPr>
           <a:lstStyle/>
           <a:p>
@@ -11309,7 +12652,7 @@
 </p:sld>
 </file>
 
-<file path=ppt/slides/slide8.xml><?xml version="1.0" encoding="utf-8"?>
+<file path=ppt/slides/slide9.xml><?xml version="1.0" encoding="utf-8"?>
 <p:sld xmlns:a="http://schemas.openxmlformats.org/drawingml/2006/main" xmlns:r="http://schemas.openxmlformats.org/officeDocument/2006/relationships" xmlns:p="http://schemas.openxmlformats.org/presentationml/2006/main">
   <p:cSld>
     <p:spTree>
@@ -13524,837 +14867,6 @@
 </p:sld>
 </file>
 
-<file path=ppt/slides/slide9.xml><?xml version="1.0" encoding="utf-8"?>
-<p:sld xmlns:a="http://schemas.openxmlformats.org/drawingml/2006/main" xmlns:r="http://schemas.openxmlformats.org/officeDocument/2006/relationships" xmlns:p="http://schemas.openxmlformats.org/presentationml/2006/main">
-  <p:cSld>
-    <p:spTree>
-      <p:nvGrpSpPr>
-        <p:cNvPr id="1" name=""/>
-        <p:cNvGrpSpPr/>
-        <p:nvPr/>
-      </p:nvGrpSpPr>
-      <p:grpSpPr>
-        <a:xfrm>
-          <a:off x="0" y="0"/>
-          <a:ext cx="0" cy="0"/>
-          <a:chOff x="0" y="0"/>
-          <a:chExt cx="0" cy="0"/>
-        </a:xfrm>
-      </p:grpSpPr>
-      <p:sp>
-        <p:nvSpPr>
-          <p:cNvPr id="2" name="Title 1">
-            <a:extLst>
-              <a:ext uri="{FF2B5EF4-FFF2-40B4-BE49-F238E27FC236}">
-                <a16:creationId xmlns:a16="http://schemas.microsoft.com/office/drawing/2014/main" id="{E5D0BC0F-AE8E-364D-829C-80FE6B2421CB}"/>
-              </a:ext>
-            </a:extLst>
-          </p:cNvPr>
-          <p:cNvSpPr>
-            <a:spLocks noGrp="1"/>
-          </p:cNvSpPr>
-          <p:nvPr>
-            <p:ph type="title"/>
-          </p:nvPr>
-        </p:nvSpPr>
-        <p:spPr/>
-        <p:txBody>
-          <a:bodyPr/>
-          <a:lstStyle/>
-          <a:p>
-            <a:r>
-              <a:rPr lang="en-US" dirty="0"/>
-              <a:t>Example 3: Structuring Tests to pinpoint bugs</a:t>
-            </a:r>
-            <a:br>
-              <a:rPr lang="en-US" dirty="0"/>
-            </a:br>
-            <a:endParaRPr lang="en-US" dirty="0"/>
-          </a:p>
-        </p:txBody>
-      </p:sp>
-      <p:sp>
-        <p:nvSpPr>
-          <p:cNvPr id="3" name="Content Placeholder 2">
-            <a:extLst>
-              <a:ext uri="{FF2B5EF4-FFF2-40B4-BE49-F238E27FC236}">
-                <a16:creationId xmlns:a16="http://schemas.microsoft.com/office/drawing/2014/main" id="{35C292C8-7C70-414C-96AC-F2D88843B964}"/>
-              </a:ext>
-            </a:extLst>
-          </p:cNvPr>
-          <p:cNvSpPr>
-            <a:spLocks noGrp="1"/>
-          </p:cNvSpPr>
-          <p:nvPr>
-            <p:ph idx="1"/>
-          </p:nvPr>
-        </p:nvSpPr>
-        <p:spPr>
-          <a:xfrm>
-            <a:off x="365760" y="1615440"/>
-            <a:ext cx="5134495" cy="4272742"/>
-          </a:xfrm>
-        </p:spPr>
-        <p:txBody>
-          <a:bodyPr/>
-          <a:lstStyle/>
-          <a:p>
-            <a:r>
-              <a:rPr lang="en-US" dirty="0"/>
-              <a:t>Bottom-up picture </a:t>
-            </a:r>
-          </a:p>
-          <a:p>
-            <a:pPr lvl="1"/>
-            <a:r>
-              <a:rPr lang="en-US" dirty="0"/>
-              <a:t>Components can be exercised against known simpler applications</a:t>
-            </a:r>
-          </a:p>
-          <a:p>
-            <a:pPr lvl="1"/>
-            <a:r>
-              <a:rPr lang="en-US" dirty="0"/>
-              <a:t>Same applies to combination of components</a:t>
-            </a:r>
-          </a:p>
-          <a:p>
-            <a:r>
-              <a:rPr lang="en-US" dirty="0"/>
-              <a:t>Build a scaffolding of verification tests to gain confidence</a:t>
-            </a:r>
-          </a:p>
-          <a:p>
-            <a:pPr marL="346075" lvl="1" indent="0">
-              <a:buNone/>
-            </a:pPr>
-            <a:endParaRPr lang="en-US" dirty="0"/>
-          </a:p>
-        </p:txBody>
-      </p:sp>
-      <p:grpSp>
-        <p:nvGrpSpPr>
-          <p:cNvPr id="4" name="Group 3">
-            <a:extLst>
-              <a:ext uri="{FF2B5EF4-FFF2-40B4-BE49-F238E27FC236}">
-                <a16:creationId xmlns:a16="http://schemas.microsoft.com/office/drawing/2014/main" id="{CED43FD5-A8C1-F54E-B2C6-9E9A7A00C8BB}"/>
-              </a:ext>
-            </a:extLst>
-          </p:cNvPr>
-          <p:cNvGrpSpPr/>
-          <p:nvPr/>
-        </p:nvGrpSpPr>
-        <p:grpSpPr>
-          <a:xfrm>
-            <a:off x="5500255" y="673260"/>
-            <a:ext cx="6591349" cy="4860015"/>
-            <a:chOff x="3304135" y="1211668"/>
-            <a:chExt cx="6591349" cy="4860015"/>
-          </a:xfrm>
-        </p:grpSpPr>
-        <p:sp>
-          <p:nvSpPr>
-            <p:cNvPr id="5" name="Donut 4">
-              <a:extLst>
-                <a:ext uri="{FF2B5EF4-FFF2-40B4-BE49-F238E27FC236}">
-                  <a16:creationId xmlns:a16="http://schemas.microsoft.com/office/drawing/2014/main" id="{8DE58AA3-6E1E-BE42-9F89-BDAE22ABC129}"/>
-                </a:ext>
-              </a:extLst>
-            </p:cNvPr>
-            <p:cNvSpPr/>
-            <p:nvPr/>
-          </p:nvSpPr>
-          <p:spPr>
-            <a:xfrm>
-              <a:off x="3540904" y="4312862"/>
-              <a:ext cx="1847200" cy="1758821"/>
-            </a:xfrm>
-            <a:prstGeom prst="donut">
-              <a:avLst/>
-            </a:prstGeom>
-            <a:solidFill>
-              <a:schemeClr val="accent6">
-                <a:lumMod val="40000"/>
-                <a:lumOff val="60000"/>
-              </a:schemeClr>
-            </a:solidFill>
-            <a:ln>
-              <a:solidFill>
-                <a:schemeClr val="tx1"/>
-              </a:solidFill>
-            </a:ln>
-          </p:spPr>
-          <p:style>
-            <a:lnRef idx="1">
-              <a:schemeClr val="accent1"/>
-            </a:lnRef>
-            <a:fillRef idx="3">
-              <a:schemeClr val="accent1"/>
-            </a:fillRef>
-            <a:effectRef idx="2">
-              <a:schemeClr val="accent1"/>
-            </a:effectRef>
-            <a:fontRef idx="minor">
-              <a:schemeClr val="lt1"/>
-            </a:fontRef>
-          </p:style>
-          <p:txBody>
-            <a:bodyPr rtlCol="0" anchor="ctr"/>
-            <a:lstStyle/>
-            <a:p>
-              <a:pPr algn="ctr"/>
-              <a:r>
-                <a:rPr lang="en-US" dirty="0">
-                  <a:solidFill>
-                    <a:schemeClr val="tx1"/>
-                  </a:solidFill>
-                </a:rPr>
-                <a:t>Unit test</a:t>
-              </a:r>
-            </a:p>
-          </p:txBody>
-        </p:sp>
-        <p:sp>
-          <p:nvSpPr>
-            <p:cNvPr id="6" name="Block Arc 5">
-              <a:extLst>
-                <a:ext uri="{FF2B5EF4-FFF2-40B4-BE49-F238E27FC236}">
-                  <a16:creationId xmlns:a16="http://schemas.microsoft.com/office/drawing/2014/main" id="{FA657B8F-95C7-D44F-AC13-32ACCE427E9D}"/>
-                </a:ext>
-              </a:extLst>
-            </p:cNvPr>
-            <p:cNvSpPr/>
-            <p:nvPr/>
-          </p:nvSpPr>
-          <p:spPr>
-            <a:xfrm>
-              <a:off x="3304135" y="2286536"/>
-              <a:ext cx="2309000" cy="2026325"/>
-            </a:xfrm>
-            <a:prstGeom prst="blockArc">
-              <a:avLst/>
-            </a:prstGeom>
-            <a:solidFill>
-              <a:schemeClr val="accent6">
-                <a:lumMod val="40000"/>
-                <a:lumOff val="60000"/>
-              </a:schemeClr>
-            </a:solidFill>
-            <a:ln>
-              <a:solidFill>
-                <a:schemeClr val="tx1"/>
-              </a:solidFill>
-            </a:ln>
-          </p:spPr>
-          <p:style>
-            <a:lnRef idx="1">
-              <a:schemeClr val="accent1"/>
-            </a:lnRef>
-            <a:fillRef idx="3">
-              <a:schemeClr val="accent1"/>
-            </a:fillRef>
-            <a:effectRef idx="2">
-              <a:schemeClr val="accent1"/>
-            </a:effectRef>
-            <a:fontRef idx="minor">
-              <a:schemeClr val="lt1"/>
-            </a:fontRef>
-          </p:style>
-          <p:txBody>
-            <a:bodyPr rtlCol="0" anchor="ctr"/>
-            <a:lstStyle/>
-            <a:p>
-              <a:pPr algn="ctr"/>
-              <a:endParaRPr lang="en-US">
-                <a:solidFill>
-                  <a:schemeClr val="tx1"/>
-                </a:solidFill>
-              </a:endParaRPr>
-            </a:p>
-          </p:txBody>
-        </p:sp>
-        <p:sp>
-          <p:nvSpPr>
-            <p:cNvPr id="7" name="Block Arc 6">
-              <a:extLst>
-                <a:ext uri="{FF2B5EF4-FFF2-40B4-BE49-F238E27FC236}">
-                  <a16:creationId xmlns:a16="http://schemas.microsoft.com/office/drawing/2014/main" id="{8C26E3A5-01DF-554A-9CE0-F83C73B0A51A}"/>
-                </a:ext>
-              </a:extLst>
-            </p:cNvPr>
-            <p:cNvSpPr/>
-            <p:nvPr/>
-          </p:nvSpPr>
-          <p:spPr>
-            <a:xfrm flipV="1">
-              <a:off x="3304135" y="2285405"/>
-              <a:ext cx="2309000" cy="2027456"/>
-            </a:xfrm>
-            <a:prstGeom prst="blockArc">
-              <a:avLst/>
-            </a:prstGeom>
-            <a:solidFill>
-              <a:schemeClr val="accent3">
-                <a:lumMod val="75000"/>
-              </a:schemeClr>
-            </a:solidFill>
-            <a:ln>
-              <a:solidFill>
-                <a:schemeClr val="tx1"/>
-              </a:solidFill>
-            </a:ln>
-          </p:spPr>
-          <p:style>
-            <a:lnRef idx="1">
-              <a:schemeClr val="accent1"/>
-            </a:lnRef>
-            <a:fillRef idx="3">
-              <a:schemeClr val="accent1"/>
-            </a:fillRef>
-            <a:effectRef idx="2">
-              <a:schemeClr val="accent1"/>
-            </a:effectRef>
-            <a:fontRef idx="minor">
-              <a:schemeClr val="lt1"/>
-            </a:fontRef>
-          </p:style>
-          <p:txBody>
-            <a:bodyPr rtlCol="0" anchor="ctr"/>
-            <a:lstStyle/>
-            <a:p>
-              <a:pPr algn="ctr"/>
-              <a:endParaRPr lang="en-US">
-                <a:ln>
-                  <a:solidFill>
-                    <a:srgbClr val="9BBB59"/>
-                  </a:solidFill>
-                </a:ln>
-                <a:solidFill>
-                  <a:schemeClr val="accent3">
-                    <a:lumMod val="75000"/>
-                  </a:schemeClr>
-                </a:solidFill>
-              </a:endParaRPr>
-            </a:p>
-          </p:txBody>
-        </p:sp>
-        <p:sp>
-          <p:nvSpPr>
-            <p:cNvPr id="8" name="TextBox 7">
-              <a:extLst>
-                <a:ext uri="{FF2B5EF4-FFF2-40B4-BE49-F238E27FC236}">
-                  <a16:creationId xmlns:a16="http://schemas.microsoft.com/office/drawing/2014/main" id="{08FCA895-A7E9-F949-9B76-56112C06C5BC}"/>
-                </a:ext>
-              </a:extLst>
-            </p:cNvPr>
-            <p:cNvSpPr txBox="1"/>
-            <p:nvPr/>
-          </p:nvSpPr>
-          <p:spPr>
-            <a:xfrm>
-              <a:off x="3930007" y="3059544"/>
-              <a:ext cx="1031051" cy="369332"/>
-            </a:xfrm>
-            <a:prstGeom prst="rect">
-              <a:avLst/>
-            </a:prstGeom>
-            <a:noFill/>
-          </p:spPr>
-          <p:txBody>
-            <a:bodyPr wrap="none" rtlCol="0">
-              <a:spAutoFit/>
-            </a:bodyPr>
-            <a:lstStyle/>
-            <a:p>
-              <a:r>
-                <a:rPr lang="en-US" dirty="0"/>
-                <a:t>Unit test</a:t>
-              </a:r>
-            </a:p>
-          </p:txBody>
-        </p:sp>
-        <p:sp>
-          <p:nvSpPr>
-            <p:cNvPr id="9" name="Rectangle 8">
-              <a:extLst>
-                <a:ext uri="{FF2B5EF4-FFF2-40B4-BE49-F238E27FC236}">
-                  <a16:creationId xmlns:a16="http://schemas.microsoft.com/office/drawing/2014/main" id="{283F9715-7634-0744-8505-079BCADA5C89}"/>
-                </a:ext>
-              </a:extLst>
-            </p:cNvPr>
-            <p:cNvSpPr/>
-            <p:nvPr/>
-          </p:nvSpPr>
-          <p:spPr>
-            <a:xfrm>
-              <a:off x="7507401" y="1284297"/>
-              <a:ext cx="408055" cy="202024"/>
-            </a:xfrm>
-            <a:prstGeom prst="rect">
-              <a:avLst/>
-            </a:prstGeom>
-            <a:solidFill>
-              <a:schemeClr val="accent3">
-                <a:lumMod val="75000"/>
-              </a:schemeClr>
-            </a:solidFill>
-            <a:ln>
-              <a:solidFill>
-                <a:schemeClr val="tx1"/>
-              </a:solidFill>
-            </a:ln>
-          </p:spPr>
-          <p:style>
-            <a:lnRef idx="1">
-              <a:schemeClr val="accent1"/>
-            </a:lnRef>
-            <a:fillRef idx="3">
-              <a:schemeClr val="accent1"/>
-            </a:fillRef>
-            <a:effectRef idx="2">
-              <a:schemeClr val="accent1"/>
-            </a:effectRef>
-            <a:fontRef idx="minor">
-              <a:schemeClr val="lt1"/>
-            </a:fontRef>
-          </p:style>
-          <p:txBody>
-            <a:bodyPr rtlCol="0" anchor="ctr"/>
-            <a:lstStyle/>
-            <a:p>
-              <a:pPr algn="ctr"/>
-              <a:endParaRPr lang="en-US"/>
-            </a:p>
-          </p:txBody>
-        </p:sp>
-        <p:sp>
-          <p:nvSpPr>
-            <p:cNvPr id="10" name="Rectangle 9">
-              <a:extLst>
-                <a:ext uri="{FF2B5EF4-FFF2-40B4-BE49-F238E27FC236}">
-                  <a16:creationId xmlns:a16="http://schemas.microsoft.com/office/drawing/2014/main" id="{9D953E38-8BCA-9640-B2FA-D0D1A572BCBA}"/>
-                </a:ext>
-              </a:extLst>
-            </p:cNvPr>
-            <p:cNvSpPr/>
-            <p:nvPr/>
-          </p:nvSpPr>
-          <p:spPr>
-            <a:xfrm>
-              <a:off x="7507401" y="1783024"/>
-              <a:ext cx="408055" cy="202024"/>
-            </a:xfrm>
-            <a:prstGeom prst="rect">
-              <a:avLst/>
-            </a:prstGeom>
-            <a:solidFill>
-              <a:schemeClr val="accent6">
-                <a:lumMod val="40000"/>
-                <a:lumOff val="60000"/>
-              </a:schemeClr>
-            </a:solidFill>
-            <a:ln>
-              <a:solidFill>
-                <a:schemeClr val="tx1"/>
-              </a:solidFill>
-            </a:ln>
-          </p:spPr>
-          <p:style>
-            <a:lnRef idx="1">
-              <a:schemeClr val="accent1"/>
-            </a:lnRef>
-            <a:fillRef idx="3">
-              <a:schemeClr val="accent1"/>
-            </a:fillRef>
-            <a:effectRef idx="2">
-              <a:schemeClr val="accent1"/>
-            </a:effectRef>
-            <a:fontRef idx="minor">
-              <a:schemeClr val="lt1"/>
-            </a:fontRef>
-          </p:style>
-          <p:txBody>
-            <a:bodyPr rtlCol="0" anchor="ctr"/>
-            <a:lstStyle/>
-            <a:p>
-              <a:pPr algn="ctr"/>
-              <a:endParaRPr lang="en-US"/>
-            </a:p>
-          </p:txBody>
-        </p:sp>
-        <p:sp>
-          <p:nvSpPr>
-            <p:cNvPr id="11" name="TextBox 10">
-              <a:extLst>
-                <a:ext uri="{FF2B5EF4-FFF2-40B4-BE49-F238E27FC236}">
-                  <a16:creationId xmlns:a16="http://schemas.microsoft.com/office/drawing/2014/main" id="{BB593106-7995-0146-A61C-AA30D3C88C1B}"/>
-                </a:ext>
-              </a:extLst>
-            </p:cNvPr>
-            <p:cNvSpPr txBox="1"/>
-            <p:nvPr/>
-          </p:nvSpPr>
-          <p:spPr>
-            <a:xfrm>
-              <a:off x="7915456" y="1670987"/>
-              <a:ext cx="1441420" cy="646331"/>
-            </a:xfrm>
-            <a:prstGeom prst="rect">
-              <a:avLst/>
-            </a:prstGeom>
-            <a:noFill/>
-          </p:spPr>
-          <p:txBody>
-            <a:bodyPr wrap="none" rtlCol="0">
-              <a:spAutoFit/>
-            </a:bodyPr>
-            <a:lstStyle/>
-            <a:p>
-              <a:r>
-                <a:rPr lang="en-US" dirty="0"/>
-                <a:t>Mocked up </a:t>
-              </a:r>
-            </a:p>
-            <a:p>
-              <a:r>
-                <a:rPr lang="en-US" dirty="0"/>
-                <a:t>dependency</a:t>
-              </a:r>
-            </a:p>
-          </p:txBody>
-        </p:sp>
-        <p:sp>
-          <p:nvSpPr>
-            <p:cNvPr id="12" name="TextBox 11">
-              <a:extLst>
-                <a:ext uri="{FF2B5EF4-FFF2-40B4-BE49-F238E27FC236}">
-                  <a16:creationId xmlns:a16="http://schemas.microsoft.com/office/drawing/2014/main" id="{79799BDB-C20C-2443-9BB8-7F690DB08D4C}"/>
-                </a:ext>
-              </a:extLst>
-            </p:cNvPr>
-            <p:cNvSpPr txBox="1"/>
-            <p:nvPr/>
-          </p:nvSpPr>
-          <p:spPr>
-            <a:xfrm>
-              <a:off x="7915455" y="1211668"/>
-              <a:ext cx="1980029" cy="369332"/>
-            </a:xfrm>
-            <a:prstGeom prst="rect">
-              <a:avLst/>
-            </a:prstGeom>
-            <a:noFill/>
-          </p:spPr>
-          <p:txBody>
-            <a:bodyPr wrap="none" rtlCol="0">
-              <a:spAutoFit/>
-            </a:bodyPr>
-            <a:lstStyle/>
-            <a:p>
-              <a:r>
-                <a:rPr lang="en-US" dirty="0"/>
-                <a:t>Real dependency</a:t>
-              </a:r>
-            </a:p>
-          </p:txBody>
-        </p:sp>
-        <p:sp>
-          <p:nvSpPr>
-            <p:cNvPr id="13" name="Block Arc 12">
-              <a:extLst>
-                <a:ext uri="{FF2B5EF4-FFF2-40B4-BE49-F238E27FC236}">
-                  <a16:creationId xmlns:a16="http://schemas.microsoft.com/office/drawing/2014/main" id="{CE87C671-1F12-AC40-9BC4-1B091AE498DB}"/>
-                </a:ext>
-              </a:extLst>
-            </p:cNvPr>
-            <p:cNvSpPr/>
-            <p:nvPr/>
-          </p:nvSpPr>
-          <p:spPr>
-            <a:xfrm>
-              <a:off x="6352900" y="2320868"/>
-              <a:ext cx="2309000" cy="2026325"/>
-            </a:xfrm>
-            <a:prstGeom prst="blockArc">
-              <a:avLst/>
-            </a:prstGeom>
-            <a:solidFill>
-              <a:schemeClr val="accent3">
-                <a:lumMod val="75000"/>
-              </a:schemeClr>
-            </a:solidFill>
-            <a:ln>
-              <a:solidFill>
-                <a:schemeClr val="tx1"/>
-              </a:solidFill>
-            </a:ln>
-          </p:spPr>
-          <p:style>
-            <a:lnRef idx="1">
-              <a:schemeClr val="accent1"/>
-            </a:lnRef>
-            <a:fillRef idx="3">
-              <a:schemeClr val="accent1"/>
-            </a:fillRef>
-            <a:effectRef idx="2">
-              <a:schemeClr val="accent1"/>
-            </a:effectRef>
-            <a:fontRef idx="minor">
-              <a:schemeClr val="lt1"/>
-            </a:fontRef>
-          </p:style>
-          <p:txBody>
-            <a:bodyPr rtlCol="0" anchor="ctr"/>
-            <a:lstStyle/>
-            <a:p>
-              <a:pPr algn="ctr"/>
-              <a:endParaRPr lang="en-US">
-                <a:solidFill>
-                  <a:schemeClr val="tx1"/>
-                </a:solidFill>
-              </a:endParaRPr>
-            </a:p>
-          </p:txBody>
-        </p:sp>
-        <p:sp>
-          <p:nvSpPr>
-            <p:cNvPr id="14" name="Block Arc 13">
-              <a:extLst>
-                <a:ext uri="{FF2B5EF4-FFF2-40B4-BE49-F238E27FC236}">
-                  <a16:creationId xmlns:a16="http://schemas.microsoft.com/office/drawing/2014/main" id="{7BF11E91-E16B-E741-997E-AF813D313E3B}"/>
-                </a:ext>
-              </a:extLst>
-            </p:cNvPr>
-            <p:cNvSpPr/>
-            <p:nvPr/>
-          </p:nvSpPr>
-          <p:spPr>
-            <a:xfrm flipV="1">
-              <a:off x="6352900" y="2319737"/>
-              <a:ext cx="2309000" cy="2027456"/>
-            </a:xfrm>
-            <a:prstGeom prst="blockArc">
-              <a:avLst/>
-            </a:prstGeom>
-            <a:solidFill>
-              <a:schemeClr val="accent3">
-                <a:lumMod val="75000"/>
-              </a:schemeClr>
-            </a:solidFill>
-            <a:ln>
-              <a:solidFill>
-                <a:schemeClr val="tx1"/>
-              </a:solidFill>
-            </a:ln>
-          </p:spPr>
-          <p:style>
-            <a:lnRef idx="1">
-              <a:schemeClr val="accent1"/>
-            </a:lnRef>
-            <a:fillRef idx="3">
-              <a:schemeClr val="accent1"/>
-            </a:fillRef>
-            <a:effectRef idx="2">
-              <a:schemeClr val="accent1"/>
-            </a:effectRef>
-            <a:fontRef idx="minor">
-              <a:schemeClr val="lt1"/>
-            </a:fontRef>
-          </p:style>
-          <p:txBody>
-            <a:bodyPr rtlCol="0" anchor="ctr"/>
-            <a:lstStyle/>
-            <a:p>
-              <a:pPr algn="ctr"/>
-              <a:endParaRPr lang="en-US">
-                <a:ln>
-                  <a:solidFill>
-                    <a:srgbClr val="9BBB59"/>
-                  </a:solidFill>
-                </a:ln>
-                <a:solidFill>
-                  <a:schemeClr val="accent3">
-                    <a:lumMod val="75000"/>
-                  </a:schemeClr>
-                </a:solidFill>
-              </a:endParaRPr>
-            </a:p>
-          </p:txBody>
-        </p:sp>
-        <p:sp>
-          <p:nvSpPr>
-            <p:cNvPr id="15" name="TextBox 14">
-              <a:extLst>
-                <a:ext uri="{FF2B5EF4-FFF2-40B4-BE49-F238E27FC236}">
-                  <a16:creationId xmlns:a16="http://schemas.microsoft.com/office/drawing/2014/main" id="{F7FEFA12-95D3-2043-A9C4-533287D19328}"/>
-                </a:ext>
-              </a:extLst>
-            </p:cNvPr>
-            <p:cNvSpPr txBox="1"/>
-            <p:nvPr/>
-          </p:nvSpPr>
-          <p:spPr>
-            <a:xfrm>
-              <a:off x="6978772" y="3093876"/>
-              <a:ext cx="1031051" cy="369332"/>
-            </a:xfrm>
-            <a:prstGeom prst="rect">
-              <a:avLst/>
-            </a:prstGeom>
-            <a:noFill/>
-          </p:spPr>
-          <p:txBody>
-            <a:bodyPr wrap="none" rtlCol="0">
-              <a:spAutoFit/>
-            </a:bodyPr>
-            <a:lstStyle/>
-            <a:p>
-              <a:r>
-                <a:rPr lang="en-US" dirty="0"/>
-                <a:t>Unit test</a:t>
-              </a:r>
-            </a:p>
-          </p:txBody>
-        </p:sp>
-        <p:sp>
-          <p:nvSpPr>
-            <p:cNvPr id="16" name="Right Arrow 15">
-              <a:extLst>
-                <a:ext uri="{FF2B5EF4-FFF2-40B4-BE49-F238E27FC236}">
-                  <a16:creationId xmlns:a16="http://schemas.microsoft.com/office/drawing/2014/main" id="{63EB76E8-8912-8543-9442-4548F1A4F1B6}"/>
-                </a:ext>
-              </a:extLst>
-            </p:cNvPr>
-            <p:cNvSpPr/>
-            <p:nvPr/>
-          </p:nvSpPr>
-          <p:spPr>
-            <a:xfrm>
-              <a:off x="5767840" y="3142863"/>
-              <a:ext cx="519745" cy="369332"/>
-            </a:xfrm>
-            <a:prstGeom prst="rightArrow">
-              <a:avLst/>
-            </a:prstGeom>
-            <a:solidFill>
-              <a:schemeClr val="tx1"/>
-            </a:solidFill>
-          </p:spPr>
-          <p:style>
-            <a:lnRef idx="1">
-              <a:schemeClr val="accent1"/>
-            </a:lnRef>
-            <a:fillRef idx="3">
-              <a:schemeClr val="accent1"/>
-            </a:fillRef>
-            <a:effectRef idx="2">
-              <a:schemeClr val="accent1"/>
-            </a:effectRef>
-            <a:fontRef idx="minor">
-              <a:schemeClr val="lt1"/>
-            </a:fontRef>
-          </p:style>
-          <p:txBody>
-            <a:bodyPr rtlCol="0" anchor="ctr"/>
-            <a:lstStyle/>
-            <a:p>
-              <a:pPr algn="ctr"/>
-              <a:endParaRPr lang="en-US"/>
-            </a:p>
-          </p:txBody>
-        </p:sp>
-      </p:grpSp>
-    </p:spTree>
-    <p:custDataLst>
-      <p:tags r:id="rId1"/>
-    </p:custDataLst>
-    <p:extLst>
-      <p:ext uri="{BB962C8B-B14F-4D97-AF65-F5344CB8AC3E}">
-        <p14:creationId xmlns:p14="http://schemas.microsoft.com/office/powerpoint/2010/main" val="1663136704"/>
-      </p:ext>
-    </p:extLst>
-  </p:cSld>
-  <p:clrMapOvr>
-    <a:masterClrMapping/>
-  </p:clrMapOvr>
-  <p:timing>
-    <p:tnLst>
-      <p:par>
-        <p:cTn id="1" dur="indefinite" restart="never" nodeType="tmRoot">
-          <p:childTnLst>
-            <p:seq concurrent="1" nextAc="seek">
-              <p:cTn id="2" dur="indefinite" nodeType="mainSeq">
-                <p:childTnLst>
-                  <p:par>
-                    <p:cTn id="3" fill="hold">
-                      <p:stCondLst>
-                        <p:cond delay="indefinite"/>
-                      </p:stCondLst>
-                      <p:childTnLst>
-                        <p:par>
-                          <p:cTn id="4" fill="hold">
-                            <p:stCondLst>
-                              <p:cond delay="0"/>
-                            </p:stCondLst>
-                            <p:childTnLst>
-                              <p:par>
-                                <p:cTn id="5" presetID="1" presetClass="entr" presetSubtype="0" fill="hold" nodeType="clickEffect">
-                                  <p:stCondLst>
-                                    <p:cond delay="0"/>
-                                  </p:stCondLst>
-                                  <p:childTnLst>
-                                    <p:set>
-                                      <p:cBhvr>
-                                        <p:cTn id="6" dur="1" fill="hold">
-                                          <p:stCondLst>
-                                            <p:cond delay="0"/>
-                                          </p:stCondLst>
-                                        </p:cTn>
-                                        <p:tgtEl>
-                                          <p:spTgt spid="4"/>
-                                        </p:tgtEl>
-                                        <p:attrNameLst>
-                                          <p:attrName>style.visibility</p:attrName>
-                                        </p:attrNameLst>
-                                      </p:cBhvr>
-                                      <p:to>
-                                        <p:strVal val="visible"/>
-                                      </p:to>
-                                    </p:set>
-                                  </p:childTnLst>
-                                </p:cTn>
-                              </p:par>
-                            </p:childTnLst>
-                          </p:cTn>
-                        </p:par>
-                      </p:childTnLst>
-                    </p:cTn>
-                  </p:par>
-                </p:childTnLst>
-              </p:cTn>
-              <p:prevCondLst>
-                <p:cond evt="onPrev" delay="0">
-                  <p:tgtEl>
-                    <p:sldTgt/>
-                  </p:tgtEl>
-                </p:cond>
-              </p:prevCondLst>
-              <p:nextCondLst>
-                <p:cond evt="onNext" delay="0">
-                  <p:tgtEl>
-                    <p:sldTgt/>
-                  </p:tgtEl>
-                </p:cond>
-              </p:nextCondLst>
-            </p:seq>
-          </p:childTnLst>
-        </p:cTn>
-      </p:par>
-    </p:tnLst>
-  </p:timing>
-</p:sld>
-</file>
-
 <file path=ppt/tags/tag1.xml><?xml version="1.0" encoding="utf-8"?>
 <p:tagLst xmlns:a="http://schemas.openxmlformats.org/drawingml/2006/main" xmlns:r="http://schemas.openxmlformats.org/officeDocument/2006/relationships" xmlns:p="http://schemas.openxmlformats.org/presentationml/2006/main">
   <p:tag name="TIMING" val="|25.8|7|19.3|5.6|9|17.8|16.3|3.9|16.6|0.7"/>
@@ -15298,12 +15810,9 @@
 </file>
 
 <file path=customXml/item1.xml><?xml version="1.0" encoding="utf-8"?>
-<?mso-contentType ?>
-<FormTemplates xmlns="http://schemas.microsoft.com/sharepoint/v3/contenttype/forms">
-  <Display>DocumentLibraryForm</Display>
-  <Edit>DocumentLibraryForm</Edit>
-  <New>DocumentLibraryForm</New>
-</FormTemplates>
+<p:properties xmlns:p="http://schemas.microsoft.com/office/2006/metadata/properties" xmlns:xsi="http://www.w3.org/2001/XMLSchema-instance" xmlns:pc="http://schemas.microsoft.com/office/infopath/2007/PartnerControls">
+  <documentManagement/>
+</p:properties>
 </file>
 
 <file path=customXml/item2.xml><?xml version="1.0" encoding="utf-8"?>
@@ -15356,15 +15865,25 @@
 </file>
 
 <file path=customXml/item3.xml><?xml version="1.0" encoding="utf-8"?>
-<p:properties xmlns:p="http://schemas.microsoft.com/office/2006/metadata/properties" xmlns:xsi="http://www.w3.org/2001/XMLSchema-instance" xmlns:pc="http://schemas.microsoft.com/office/infopath/2007/PartnerControls">
-  <documentManagement/>
-</p:properties>
+<?mso-contentType ?>
+<FormTemplates xmlns="http://schemas.microsoft.com/sharepoint/v3/contenttype/forms">
+  <Display>DocumentLibraryForm</Display>
+  <Edit>DocumentLibraryForm</Edit>
+  <New>DocumentLibraryForm</New>
+</FormTemplates>
 </file>
 
 <file path=customXml/itemProps1.xml><?xml version="1.0" encoding="utf-8"?>
-<ds:datastoreItem xmlns:ds="http://schemas.openxmlformats.org/officeDocument/2006/customXml" ds:itemID="{19E20559-B232-4371-8690-E3D8007EDB82}">
+<ds:datastoreItem xmlns:ds="http://schemas.openxmlformats.org/officeDocument/2006/customXml" ds:itemID="{A50EC660-24D0-43A0-AE5E-E274115E726B}">
   <ds:schemaRefs>
-    <ds:schemaRef ds:uri="http://schemas.microsoft.com/sharepoint/v3/contenttype/forms"/>
+    <ds:schemaRef ds:uri="http://purl.org/dc/elements/1.1/"/>
+    <ds:schemaRef ds:uri="http://schemas.microsoft.com/office/2006/metadata/properties"/>
+    <ds:schemaRef ds:uri="http://purl.org/dc/terms/"/>
+    <ds:schemaRef ds:uri="http://schemas.openxmlformats.org/package/2006/metadata/core-properties"/>
+    <ds:schemaRef ds:uri="http://schemas.microsoft.com/office/2006/documentManagement/types"/>
+    <ds:schemaRef ds:uri="http://www.w3.org/XML/1998/namespace"/>
+    <ds:schemaRef ds:uri="http://purl.org/dc/dcmitype/"/>
+    <ds:schemaRef ds:uri="http://schemas.microsoft.com/office/infopath/2007/PartnerControls"/>
   </ds:schemaRefs>
 </ds:datastoreItem>
 </file>
@@ -15385,16 +15904,9 @@
 </file>
 
 <file path=customXml/itemProps3.xml><?xml version="1.0" encoding="utf-8"?>
-<ds:datastoreItem xmlns:ds="http://schemas.openxmlformats.org/officeDocument/2006/customXml" ds:itemID="{A50EC660-24D0-43A0-AE5E-E274115E726B}">
+<ds:datastoreItem xmlns:ds="http://schemas.openxmlformats.org/officeDocument/2006/customXml" ds:itemID="{19E20559-B232-4371-8690-E3D8007EDB82}">
   <ds:schemaRefs>
-    <ds:schemaRef ds:uri="http://purl.org/dc/elements/1.1/"/>
-    <ds:schemaRef ds:uri="http://schemas.microsoft.com/office/2006/metadata/properties"/>
-    <ds:schemaRef ds:uri="http://purl.org/dc/terms/"/>
-    <ds:schemaRef ds:uri="http://schemas.openxmlformats.org/package/2006/metadata/core-properties"/>
-    <ds:schemaRef ds:uri="http://schemas.microsoft.com/office/2006/documentManagement/types"/>
-    <ds:schemaRef ds:uri="http://www.w3.org/XML/1998/namespace"/>
-    <ds:schemaRef ds:uri="http://purl.org/dc/dcmitype/"/>
-    <ds:schemaRef ds:uri="http://schemas.microsoft.com/office/infopath/2007/PartnerControls"/>
+    <ds:schemaRef ds:uri="http://schemas.microsoft.com/sharepoint/v3/contenttype/forms"/>
   </ds:schemaRefs>
 </ds:datastoreItem>
 </file>
--- a/testing-advanced.pptx
+++ b/testing-advanced.pptx
@@ -12,7 +12,7 @@
   </p:handoutMasterIdLst>
   <p:sldIdLst>
     <p:sldId id="631" r:id="rId5"/>
-    <p:sldId id="633" r:id="rId6"/>
+    <p:sldId id="320" r:id="rId6"/>
     <p:sldId id="487" r:id="rId7"/>
     <p:sldId id="465" r:id="rId8"/>
     <p:sldId id="634" r:id="rId9"/>
@@ -270,7 +270,7 @@
           <a:p>
             <a:fld id="{0B842F42-2CE9-4E35-95C1-410DC08A50B1}" type="datetimeFigureOut">
               <a:rPr lang="en-US" smtClean="0"/>
-              <a:t>9/7/21</a:t>
+              <a:t>3/25/2022</a:t>
             </a:fld>
             <a:endParaRPr lang="en-US"/>
           </a:p>
@@ -435,7 +435,7 @@
           <a:p>
             <a:fld id="{6F282904-F315-4730-8D91-37D99E141A6F}" type="datetimeFigureOut">
               <a:rPr lang="en-US" smtClean="0"/>
-              <a:t>9/7/21</a:t>
+              <a:t>3/25/2022</a:t>
             </a:fld>
             <a:endParaRPr lang="en-US"/>
           </a:p>
@@ -6401,7 +6401,7 @@
                   <a:srgbClr val="000000"/>
                 </a:solidFill>
               </a:rPr>
-              <a:t>Anshu Dubey</a:t>
+              <a:t>Rinku Gupta</a:t>
             </a:r>
             <a:r>
               <a:rPr lang="en-US" dirty="0">
@@ -6448,7 +6448,7 @@
             </a:pPr>
             <a:r>
               <a:rPr lang="en-US" sz="2000" dirty="0"/>
-              <a:t>Better Scientific Software tutorial @ SC21</a:t>
+              <a:t>Better Scientific Software tutorial @ Improving Scientific Software 2022</a:t>
             </a:r>
           </a:p>
           <a:p>
@@ -8529,7 +8529,7 @@
           <a:noFill/>
           <a:extLst>
             <a:ext uri="{909E8E84-426E-40dd-AFC4-6F175D3DCCD1}">
-              <a14:hiddenFill xmlns="" xmlns:a14="http://schemas.microsoft.com/office/drawing/2010/main">
+              <a14:hiddenFill xmlns:a14="http://schemas.microsoft.com/office/drawing/2010/main" xmlns="">
                 <a:solidFill>
                   <a:srgbClr val="FFFFFF"/>
                 </a:solidFill>
@@ -10961,15 +10961,21 @@
             </a:pPr>
             <a:r>
               <a:rPr lang="en-US" sz="1600" b="1" dirty="0"/>
-              <a:t>The requested citation the overall tutorial is: David E. Bernholdt, Anshu Dubey, Patricia A. Grubel, Rinku K. Gupta, and Gregory R. Watson, Better Scientific Software tutorial, in the International Conference for High-Performance Computing, Networking, Storage, and Analysis (SC21), St. Louis, MO, USA and online, 2021. DOI: </a:t>
+              <a:t>The requested citation the overall tutorial is: David E. Bernholdt, Patricia A. Grubel, Rinku K. Gupta, and David M. Rogers, Better Scientific Software tutorial, in Improving Scientific Software conference, online, 2022. DOI: </a:t>
             </a:r>
             <a:r>
               <a:rPr lang="en-US" sz="1600" b="1" dirty="0">
                 <a:hlinkClick r:id="rId4"/>
               </a:rPr>
-              <a:t>10.6084/m9.figshare.16556628</a:t>
-            </a:r>
-            <a:endParaRPr lang="en-US" sz="1600" b="1" dirty="0"/>
+              <a:t>10.6084/m9.figshare</a:t>
+            </a:r>
+            <a:r>
+              <a:rPr lang="en-US" sz="1600" b="1">
+                <a:hlinkClick r:id="rId4"/>
+              </a:rPr>
+              <a:t>.19416767</a:t>
+            </a:r>
+            <a:endParaRPr lang="en-US" sz="1600" b="1"/>
           </a:p>
           <a:p>
             <a:pPr>
@@ -11141,7 +11147,7 @@
     </p:spTree>
     <p:extLst>
       <p:ext uri="{BB962C8B-B14F-4D97-AF65-F5344CB8AC3E}">
-        <p14:creationId xmlns:p14="http://schemas.microsoft.com/office/powerpoint/2010/main" val="3297254279"/>
+        <p14:creationId xmlns:p14="http://schemas.microsoft.com/office/powerpoint/2010/main" val="978726433"/>
       </p:ext>
     </p:extLst>
   </p:cSld>
@@ -15810,9 +15816,12 @@
 </file>
 
 <file path=customXml/item1.xml><?xml version="1.0" encoding="utf-8"?>
-<p:properties xmlns:p="http://schemas.microsoft.com/office/2006/metadata/properties" xmlns:xsi="http://www.w3.org/2001/XMLSchema-instance" xmlns:pc="http://schemas.microsoft.com/office/infopath/2007/PartnerControls">
-  <documentManagement/>
-</p:properties>
+<?mso-contentType ?>
+<FormTemplates xmlns="http://schemas.microsoft.com/sharepoint/v3/contenttype/forms">
+  <Display>DocumentLibraryForm</Display>
+  <Edit>DocumentLibraryForm</Edit>
+  <New>DocumentLibraryForm</New>
+</FormTemplates>
 </file>
 
 <file path=customXml/item2.xml><?xml version="1.0" encoding="utf-8"?>
@@ -15865,25 +15874,15 @@
 </file>
 
 <file path=customXml/item3.xml><?xml version="1.0" encoding="utf-8"?>
-<?mso-contentType ?>
-<FormTemplates xmlns="http://schemas.microsoft.com/sharepoint/v3/contenttype/forms">
-  <Display>DocumentLibraryForm</Display>
-  <Edit>DocumentLibraryForm</Edit>
-  <New>DocumentLibraryForm</New>
-</FormTemplates>
+<p:properties xmlns:p="http://schemas.microsoft.com/office/2006/metadata/properties" xmlns:xsi="http://www.w3.org/2001/XMLSchema-instance" xmlns:pc="http://schemas.microsoft.com/office/infopath/2007/PartnerControls">
+  <documentManagement/>
+</p:properties>
 </file>
 
 <file path=customXml/itemProps1.xml><?xml version="1.0" encoding="utf-8"?>
-<ds:datastoreItem xmlns:ds="http://schemas.openxmlformats.org/officeDocument/2006/customXml" ds:itemID="{A50EC660-24D0-43A0-AE5E-E274115E726B}">
+<ds:datastoreItem xmlns:ds="http://schemas.openxmlformats.org/officeDocument/2006/customXml" ds:itemID="{19E20559-B232-4371-8690-E3D8007EDB82}">
   <ds:schemaRefs>
-    <ds:schemaRef ds:uri="http://purl.org/dc/elements/1.1/"/>
-    <ds:schemaRef ds:uri="http://schemas.microsoft.com/office/2006/metadata/properties"/>
-    <ds:schemaRef ds:uri="http://purl.org/dc/terms/"/>
-    <ds:schemaRef ds:uri="http://schemas.openxmlformats.org/package/2006/metadata/core-properties"/>
-    <ds:schemaRef ds:uri="http://schemas.microsoft.com/office/2006/documentManagement/types"/>
-    <ds:schemaRef ds:uri="http://www.w3.org/XML/1998/namespace"/>
-    <ds:schemaRef ds:uri="http://purl.org/dc/dcmitype/"/>
-    <ds:schemaRef ds:uri="http://schemas.microsoft.com/office/infopath/2007/PartnerControls"/>
+    <ds:schemaRef ds:uri="http://schemas.microsoft.com/sharepoint/v3/contenttype/forms"/>
   </ds:schemaRefs>
 </ds:datastoreItem>
 </file>
@@ -15904,9 +15903,16 @@
 </file>
 
 <file path=customXml/itemProps3.xml><?xml version="1.0" encoding="utf-8"?>
-<ds:datastoreItem xmlns:ds="http://schemas.openxmlformats.org/officeDocument/2006/customXml" ds:itemID="{19E20559-B232-4371-8690-E3D8007EDB82}">
+<ds:datastoreItem xmlns:ds="http://schemas.openxmlformats.org/officeDocument/2006/customXml" ds:itemID="{A50EC660-24D0-43A0-AE5E-E274115E726B}">
   <ds:schemaRefs>
-    <ds:schemaRef ds:uri="http://schemas.microsoft.com/sharepoint/v3/contenttype/forms"/>
+    <ds:schemaRef ds:uri="http://purl.org/dc/elements/1.1/"/>
+    <ds:schemaRef ds:uri="http://schemas.microsoft.com/office/2006/metadata/properties"/>
+    <ds:schemaRef ds:uri="http://purl.org/dc/terms/"/>
+    <ds:schemaRef ds:uri="http://schemas.openxmlformats.org/package/2006/metadata/core-properties"/>
+    <ds:schemaRef ds:uri="http://schemas.microsoft.com/office/2006/documentManagement/types"/>
+    <ds:schemaRef ds:uri="http://www.w3.org/XML/1998/namespace"/>
+    <ds:schemaRef ds:uri="http://purl.org/dc/dcmitype/"/>
+    <ds:schemaRef ds:uri="http://schemas.microsoft.com/office/infopath/2007/PartnerControls"/>
   </ds:schemaRefs>
 </ds:datastoreItem>
 </file>
--- a/testing-advanced.pptx
+++ b/testing-advanced.pptx
@@ -12,7 +12,7 @@
   </p:handoutMasterIdLst>
   <p:sldIdLst>
     <p:sldId id="631" r:id="rId5"/>
-    <p:sldId id="320" r:id="rId6"/>
+    <p:sldId id="637" r:id="rId6"/>
     <p:sldId id="487" r:id="rId7"/>
     <p:sldId id="465" r:id="rId8"/>
     <p:sldId id="634" r:id="rId9"/>
@@ -270,7 +270,7 @@
           <a:p>
             <a:fld id="{0B842F42-2CE9-4E35-95C1-410DC08A50B1}" type="datetimeFigureOut">
               <a:rPr lang="en-US" smtClean="0"/>
-              <a:t>3/25/2022</a:t>
+              <a:t>4/17/2022</a:t>
             </a:fld>
             <a:endParaRPr lang="en-US"/>
           </a:p>
@@ -435,7 +435,7 @@
           <a:p>
             <a:fld id="{6F282904-F315-4730-8D91-37D99E141A6F}" type="datetimeFigureOut">
               <a:rPr lang="en-US" smtClean="0"/>
-              <a:t>3/25/2022</a:t>
+              <a:t>4/17/2022</a:t>
             </a:fld>
             <a:endParaRPr lang="en-US"/>
           </a:p>
@@ -6401,7 +6401,7 @@
                   <a:srgbClr val="000000"/>
                 </a:solidFill>
               </a:rPr>
-              <a:t>Rinku Gupta</a:t>
+              <a:t>David Rogers</a:t>
             </a:r>
             <a:r>
               <a:rPr lang="en-US" dirty="0">
@@ -6417,7 +6417,7 @@
                   <a:srgbClr val="000000"/>
                 </a:solidFill>
               </a:rPr>
-              <a:t>(she/her)</a:t>
+              <a:t>(he/him)</a:t>
             </a:r>
             <a:br>
               <a:rPr lang="en-US" sz="2000" dirty="0">
@@ -6432,7 +6432,7 @@
                   <a:srgbClr val="000000"/>
                 </a:solidFill>
               </a:rPr>
-              <a:t>Argonne National Laboratory</a:t>
+              <a:t>Oak Ridge National Laboratory</a:t>
             </a:r>
             <a:endParaRPr lang="en-US" sz="1800" dirty="0">
               <a:solidFill>
@@ -6448,7 +6448,7 @@
             </a:pPr>
             <a:r>
               <a:rPr lang="en-US" sz="2000" dirty="0"/>
-              <a:t>Better Scientific Software tutorial @ Improving Scientific Software 2022</a:t>
+              <a:t>Developing a Testing and Continuous Integration Strategy for your Team tutorial @ Exascale Computing Project Annual Meeting</a:t>
             </a:r>
           </a:p>
           <a:p>
@@ -8529,7 +8529,7 @@
           <a:noFill/>
           <a:extLst>
             <a:ext uri="{909E8E84-426E-40dd-AFC4-6F175D3DCCD1}">
-              <a14:hiddenFill xmlns:a14="http://schemas.microsoft.com/office/drawing/2010/main" xmlns="">
+              <a14:hiddenFill xmlns="" xmlns:a14="http://schemas.microsoft.com/office/drawing/2010/main">
                 <a:solidFill>
                   <a:srgbClr val="FFFFFF"/>
                 </a:solidFill>
@@ -10961,21 +10961,23 @@
             </a:pPr>
             <a:r>
               <a:rPr lang="en-US" sz="1600" b="1" dirty="0"/>
-              <a:t>The requested citation the overall tutorial is: David E. Bernholdt, Patricia A. Grubel, Rinku K. Gupta, and David M. Rogers, Better Scientific Software tutorial, in Improving Scientific Software conference, online, 2022. DOI: </a:t>
+              <a:t>The requested citation the overall tutorial is: Gregory R. Watson and David M. </a:t>
+            </a:r>
+            <a:r>
+              <a:rPr lang="en-US" sz="1600" b="1"/>
+              <a:t>Rogers, </a:t>
+            </a:r>
+            <a:r>
+              <a:rPr lang="en-US" sz="1600" b="1" dirty="0"/>
+              <a:t>Developing a Testing and Continuous Integration Strategy for your Team tutorial, in Exascale Computing Project Annual Meeting, online, 2022. DOI: </a:t>
             </a:r>
             <a:r>
               <a:rPr lang="en-US" sz="1600" b="1" dirty="0">
                 <a:hlinkClick r:id="rId4"/>
               </a:rPr>
-              <a:t>10.6084/m9.figshare</a:t>
-            </a:r>
-            <a:r>
-              <a:rPr lang="en-US" sz="1600" b="1">
-                <a:hlinkClick r:id="rId4"/>
-              </a:rPr>
-              <a:t>.19416767</a:t>
-            </a:r>
-            <a:endParaRPr lang="en-US" sz="1600" b="1"/>
+              <a:t>10.6084/m9.figshare.19608927</a:t>
+            </a:r>
+            <a:endParaRPr lang="en-US" sz="1600" b="1" dirty="0"/>
           </a:p>
           <a:p>
             <a:pPr>
@@ -11147,7 +11149,7 @@
     </p:spTree>
     <p:extLst>
       <p:ext uri="{BB962C8B-B14F-4D97-AF65-F5344CB8AC3E}">
-        <p14:creationId xmlns:p14="http://schemas.microsoft.com/office/powerpoint/2010/main" val="978726433"/>
+        <p14:creationId xmlns:p14="http://schemas.microsoft.com/office/powerpoint/2010/main" val="3265149627"/>
       </p:ext>
     </p:extLst>
   </p:cSld>
@@ -15816,12 +15818,9 @@
 </file>
 
 <file path=customXml/item1.xml><?xml version="1.0" encoding="utf-8"?>
-<?mso-contentType ?>
-<FormTemplates xmlns="http://schemas.microsoft.com/sharepoint/v3/contenttype/forms">
-  <Display>DocumentLibraryForm</Display>
-  <Edit>DocumentLibraryForm</Edit>
-  <New>DocumentLibraryForm</New>
-</FormTemplates>
+<p:properties xmlns:p="http://schemas.microsoft.com/office/2006/metadata/properties" xmlns:xsi="http://www.w3.org/2001/XMLSchema-instance" xmlns:pc="http://schemas.microsoft.com/office/infopath/2007/PartnerControls">
+  <documentManagement/>
+</p:properties>
 </file>
 
 <file path=customXml/item2.xml><?xml version="1.0" encoding="utf-8"?>
@@ -15874,15 +15873,25 @@
 </file>
 
 <file path=customXml/item3.xml><?xml version="1.0" encoding="utf-8"?>
-<p:properties xmlns:p="http://schemas.microsoft.com/office/2006/metadata/properties" xmlns:xsi="http://www.w3.org/2001/XMLSchema-instance" xmlns:pc="http://schemas.microsoft.com/office/infopath/2007/PartnerControls">
-  <documentManagement/>
-</p:properties>
+<?mso-contentType ?>
+<FormTemplates xmlns="http://schemas.microsoft.com/sharepoint/v3/contenttype/forms">
+  <Display>DocumentLibraryForm</Display>
+  <Edit>DocumentLibraryForm</Edit>
+  <New>DocumentLibraryForm</New>
+</FormTemplates>
 </file>
 
 <file path=customXml/itemProps1.xml><?xml version="1.0" encoding="utf-8"?>
-<ds:datastoreItem xmlns:ds="http://schemas.openxmlformats.org/officeDocument/2006/customXml" ds:itemID="{19E20559-B232-4371-8690-E3D8007EDB82}">
+<ds:datastoreItem xmlns:ds="http://schemas.openxmlformats.org/officeDocument/2006/customXml" ds:itemID="{A50EC660-24D0-43A0-AE5E-E274115E726B}">
   <ds:schemaRefs>
-    <ds:schemaRef ds:uri="http://schemas.microsoft.com/sharepoint/v3/contenttype/forms"/>
+    <ds:schemaRef ds:uri="http://purl.org/dc/elements/1.1/"/>
+    <ds:schemaRef ds:uri="http://schemas.microsoft.com/office/2006/metadata/properties"/>
+    <ds:schemaRef ds:uri="http://purl.org/dc/terms/"/>
+    <ds:schemaRef ds:uri="http://schemas.openxmlformats.org/package/2006/metadata/core-properties"/>
+    <ds:schemaRef ds:uri="http://schemas.microsoft.com/office/2006/documentManagement/types"/>
+    <ds:schemaRef ds:uri="http://www.w3.org/XML/1998/namespace"/>
+    <ds:schemaRef ds:uri="http://purl.org/dc/dcmitype/"/>
+    <ds:schemaRef ds:uri="http://schemas.microsoft.com/office/infopath/2007/PartnerControls"/>
   </ds:schemaRefs>
 </ds:datastoreItem>
 </file>
@@ -15903,16 +15912,9 @@
 </file>
 
 <file path=customXml/itemProps3.xml><?xml version="1.0" encoding="utf-8"?>
-<ds:datastoreItem xmlns:ds="http://schemas.openxmlformats.org/officeDocument/2006/customXml" ds:itemID="{A50EC660-24D0-43A0-AE5E-E274115E726B}">
+<ds:datastoreItem xmlns:ds="http://schemas.openxmlformats.org/officeDocument/2006/customXml" ds:itemID="{19E20559-B232-4371-8690-E3D8007EDB82}">
   <ds:schemaRefs>
-    <ds:schemaRef ds:uri="http://purl.org/dc/elements/1.1/"/>
-    <ds:schemaRef ds:uri="http://schemas.microsoft.com/office/2006/metadata/properties"/>
-    <ds:schemaRef ds:uri="http://purl.org/dc/terms/"/>
-    <ds:schemaRef ds:uri="http://schemas.openxmlformats.org/package/2006/metadata/core-properties"/>
-    <ds:schemaRef ds:uri="http://schemas.microsoft.com/office/2006/documentManagement/types"/>
-    <ds:schemaRef ds:uri="http://www.w3.org/XML/1998/namespace"/>
-    <ds:schemaRef ds:uri="http://purl.org/dc/dcmitype/"/>
-    <ds:schemaRef ds:uri="http://schemas.microsoft.com/office/infopath/2007/PartnerControls"/>
+    <ds:schemaRef ds:uri="http://schemas.microsoft.com/sharepoint/v3/contenttype/forms"/>
   </ds:schemaRefs>
 </ds:datastoreItem>
 </file>
--- a/testing-advanced.pptx
+++ b/testing-advanced.pptx
@@ -5,10 +5,10 @@
     <p:sldMasterId id="2147483935" r:id="rId4"/>
   </p:sldMasterIdLst>
   <p:notesMasterIdLst>
-    <p:notesMasterId r:id="rId21"/>
+    <p:notesMasterId r:id="rId25"/>
   </p:notesMasterIdLst>
   <p:handoutMasterIdLst>
-    <p:handoutMasterId r:id="rId22"/>
+    <p:handoutMasterId r:id="rId26"/>
   </p:handoutMasterIdLst>
   <p:sldIdLst>
     <p:sldId id="631" r:id="rId5"/>
@@ -26,7 +26,11 @@
     <p:sldId id="472" r:id="rId17"/>
     <p:sldId id="486" r:id="rId18"/>
     <p:sldId id="586" r:id="rId19"/>
-    <p:sldId id="632" r:id="rId20"/>
+    <p:sldId id="1825" r:id="rId20"/>
+    <p:sldId id="1823" r:id="rId21"/>
+    <p:sldId id="1821" r:id="rId22"/>
+    <p:sldId id="1844" r:id="rId23"/>
+    <p:sldId id="632" r:id="rId24"/>
   </p:sldIdLst>
   <p:sldSz cx="12188825" cy="6858000"/>
   <p:notesSz cx="7010400" cy="9296400"/>
@@ -270,7 +274,7 @@
           <a:p>
             <a:fld id="{0B842F42-2CE9-4E35-95C1-410DC08A50B1}" type="datetimeFigureOut">
               <a:rPr lang="en-US" smtClean="0"/>
-              <a:t>4/17/2022</a:t>
+              <a:t>4/27/22</a:t>
             </a:fld>
             <a:endParaRPr lang="en-US"/>
           </a:p>
@@ -435,7 +439,7 @@
           <a:p>
             <a:fld id="{6F282904-F315-4730-8D91-37D99E141A6F}" type="datetimeFigureOut">
               <a:rPr lang="en-US" smtClean="0"/>
-              <a:t>4/17/2022</a:t>
+              <a:t>4/27/22</a:t>
             </a:fld>
             <a:endParaRPr lang="en-US"/>
           </a:p>
@@ -1662,6 +1666,408 @@
     <p:extLst>
       <p:ext uri="{BB962C8B-B14F-4D97-AF65-F5344CB8AC3E}">
         <p14:creationId xmlns:p14="http://schemas.microsoft.com/office/powerpoint/2010/main" val="2146058748"/>
+      </p:ext>
+    </p:extLst>
+  </p:cSld>
+  <p:clrMapOvr>
+    <a:masterClrMapping/>
+  </p:clrMapOvr>
+</p:notes>
+</file>
+
+<file path=ppt/notesSlides/notesSlide15.xml><?xml version="1.0" encoding="utf-8"?>
+<p:notes xmlns:a="http://schemas.openxmlformats.org/drawingml/2006/main" xmlns:r="http://schemas.openxmlformats.org/officeDocument/2006/relationships" xmlns:p="http://schemas.openxmlformats.org/presentationml/2006/main">
+  <p:cSld>
+    <p:spTree>
+      <p:nvGrpSpPr>
+        <p:cNvPr id="1" name=""/>
+        <p:cNvGrpSpPr/>
+        <p:nvPr/>
+      </p:nvGrpSpPr>
+      <p:grpSpPr>
+        <a:xfrm>
+          <a:off x="0" y="0"/>
+          <a:ext cx="0" cy="0"/>
+          <a:chOff x="0" y="0"/>
+          <a:chExt cx="0" cy="0"/>
+        </a:xfrm>
+      </p:grpSpPr>
+      <p:sp>
+        <p:nvSpPr>
+          <p:cNvPr id="2" name="Slide Image Placeholder 1"/>
+          <p:cNvSpPr>
+            <a:spLocks noGrp="1" noRot="1" noChangeAspect="1"/>
+          </p:cNvSpPr>
+          <p:nvPr>
+            <p:ph type="sldImg"/>
+          </p:nvPr>
+        </p:nvSpPr>
+        <p:spPr/>
+      </p:sp>
+      <p:sp>
+        <p:nvSpPr>
+          <p:cNvPr id="3" name="Notes Placeholder 2"/>
+          <p:cNvSpPr>
+            <a:spLocks noGrp="1"/>
+          </p:cNvSpPr>
+          <p:nvPr>
+            <p:ph type="body" idx="1"/>
+          </p:nvPr>
+        </p:nvSpPr>
+        <p:spPr/>
+        <p:txBody>
+          <a:bodyPr/>
+          <a:lstStyle/>
+          <a:p>
+            <a:r>
+              <a:rPr lang="en-US" dirty="0"/>
+              <a:t>Slides from reproducibility talk</a:t>
+            </a:r>
+          </a:p>
+        </p:txBody>
+      </p:sp>
+      <p:sp>
+        <p:nvSpPr>
+          <p:cNvPr id="4" name="Slide Number Placeholder 3"/>
+          <p:cNvSpPr>
+            <a:spLocks noGrp="1"/>
+          </p:cNvSpPr>
+          <p:nvPr>
+            <p:ph type="sldNum" sz="quarter" idx="5"/>
+          </p:nvPr>
+        </p:nvSpPr>
+        <p:spPr/>
+        <p:txBody>
+          <a:bodyPr/>
+          <a:lstStyle/>
+          <a:p>
+            <a:fld id="{54E672D7-8E2D-4611-973D-F4591A707C34}" type="slidenum">
+              <a:rPr lang="en-US" smtClean="0"/>
+              <a:t>16</a:t>
+            </a:fld>
+            <a:endParaRPr lang="en-US"/>
+          </a:p>
+        </p:txBody>
+      </p:sp>
+    </p:spTree>
+    <p:extLst>
+      <p:ext uri="{BB962C8B-B14F-4D97-AF65-F5344CB8AC3E}">
+        <p14:creationId xmlns:p14="http://schemas.microsoft.com/office/powerpoint/2010/main" val="32692605"/>
+      </p:ext>
+    </p:extLst>
+  </p:cSld>
+  <p:clrMapOvr>
+    <a:masterClrMapping/>
+  </p:clrMapOvr>
+</p:notes>
+</file>
+
+<file path=ppt/notesSlides/notesSlide16.xml><?xml version="1.0" encoding="utf-8"?>
+<p:notes xmlns:a="http://schemas.openxmlformats.org/drawingml/2006/main" xmlns:r="http://schemas.openxmlformats.org/officeDocument/2006/relationships" xmlns:p="http://schemas.openxmlformats.org/presentationml/2006/main">
+  <p:cSld>
+    <p:spTree>
+      <p:nvGrpSpPr>
+        <p:cNvPr id="1" name=""/>
+        <p:cNvGrpSpPr/>
+        <p:nvPr/>
+      </p:nvGrpSpPr>
+      <p:grpSpPr>
+        <a:xfrm>
+          <a:off x="0" y="0"/>
+          <a:ext cx="0" cy="0"/>
+          <a:chOff x="0" y="0"/>
+          <a:chExt cx="0" cy="0"/>
+        </a:xfrm>
+      </p:grpSpPr>
+      <p:sp>
+        <p:nvSpPr>
+          <p:cNvPr id="2" name="Slide Image Placeholder 1"/>
+          <p:cNvSpPr>
+            <a:spLocks noGrp="1" noRot="1" noChangeAspect="1"/>
+          </p:cNvSpPr>
+          <p:nvPr>
+            <p:ph type="sldImg"/>
+          </p:nvPr>
+        </p:nvSpPr>
+        <p:spPr/>
+      </p:sp>
+      <p:sp>
+        <p:nvSpPr>
+          <p:cNvPr id="3" name="Notes Placeholder 2"/>
+          <p:cNvSpPr>
+            <a:spLocks noGrp="1"/>
+          </p:cNvSpPr>
+          <p:nvPr>
+            <p:ph type="body" idx="1"/>
+          </p:nvPr>
+        </p:nvSpPr>
+        <p:spPr/>
+        <p:txBody>
+          <a:bodyPr/>
+          <a:lstStyle/>
+          <a:p>
+            <a:pPr marL="0" marR="0" lvl="0" indent="0" algn="l" defTabSz="914400" rtl="0" eaLnBrk="1" fontAlgn="auto" latinLnBrk="0" hangingPunct="1">
+              <a:lnSpc>
+                <a:spcPct val="100000"/>
+              </a:lnSpc>
+              <a:spcBef>
+                <a:spcPts val="0"/>
+              </a:spcBef>
+              <a:spcAft>
+                <a:spcPts val="0"/>
+              </a:spcAft>
+              <a:buClrTx/>
+              <a:buSzTx/>
+              <a:buFontTx/>
+              <a:buNone/>
+              <a:tabLst/>
+              <a:defRPr/>
+            </a:pPr>
+            <a:r>
+              <a:rPr lang="en-US" dirty="0"/>
+              <a:t>Slides from reproducibility talk</a:t>
+            </a:r>
+          </a:p>
+          <a:p>
+            <a:endParaRPr lang="en-US" dirty="0"/>
+          </a:p>
+        </p:txBody>
+      </p:sp>
+      <p:sp>
+        <p:nvSpPr>
+          <p:cNvPr id="4" name="Slide Number Placeholder 3"/>
+          <p:cNvSpPr>
+            <a:spLocks noGrp="1"/>
+          </p:cNvSpPr>
+          <p:nvPr>
+            <p:ph type="sldNum" sz="quarter" idx="5"/>
+          </p:nvPr>
+        </p:nvSpPr>
+        <p:spPr/>
+        <p:txBody>
+          <a:bodyPr/>
+          <a:lstStyle/>
+          <a:p>
+            <a:fld id="{54E672D7-8E2D-4611-973D-F4591A707C34}" type="slidenum">
+              <a:rPr lang="en-US" smtClean="0"/>
+              <a:t>17</a:t>
+            </a:fld>
+            <a:endParaRPr lang="en-US"/>
+          </a:p>
+        </p:txBody>
+      </p:sp>
+    </p:spTree>
+    <p:extLst>
+      <p:ext uri="{BB962C8B-B14F-4D97-AF65-F5344CB8AC3E}">
+        <p14:creationId xmlns:p14="http://schemas.microsoft.com/office/powerpoint/2010/main" val="1120549904"/>
+      </p:ext>
+    </p:extLst>
+  </p:cSld>
+  <p:clrMapOvr>
+    <a:masterClrMapping/>
+  </p:clrMapOvr>
+</p:notes>
+</file>
+
+<file path=ppt/notesSlides/notesSlide17.xml><?xml version="1.0" encoding="utf-8"?>
+<p:notes xmlns:a="http://schemas.openxmlformats.org/drawingml/2006/main" xmlns:r="http://schemas.openxmlformats.org/officeDocument/2006/relationships" xmlns:p="http://schemas.openxmlformats.org/presentationml/2006/main">
+  <p:cSld>
+    <p:spTree>
+      <p:nvGrpSpPr>
+        <p:cNvPr id="1" name=""/>
+        <p:cNvGrpSpPr/>
+        <p:nvPr/>
+      </p:nvGrpSpPr>
+      <p:grpSpPr>
+        <a:xfrm>
+          <a:off x="0" y="0"/>
+          <a:ext cx="0" cy="0"/>
+          <a:chOff x="0" y="0"/>
+          <a:chExt cx="0" cy="0"/>
+        </a:xfrm>
+      </p:grpSpPr>
+      <p:sp>
+        <p:nvSpPr>
+          <p:cNvPr id="2" name="Slide Image Placeholder 1"/>
+          <p:cNvSpPr>
+            <a:spLocks noGrp="1" noRot="1" noChangeAspect="1"/>
+          </p:cNvSpPr>
+          <p:nvPr>
+            <p:ph type="sldImg"/>
+          </p:nvPr>
+        </p:nvSpPr>
+        <p:spPr/>
+      </p:sp>
+      <p:sp>
+        <p:nvSpPr>
+          <p:cNvPr id="3" name="Notes Placeholder 2"/>
+          <p:cNvSpPr>
+            <a:spLocks noGrp="1"/>
+          </p:cNvSpPr>
+          <p:nvPr>
+            <p:ph type="body" idx="1"/>
+          </p:nvPr>
+        </p:nvSpPr>
+        <p:spPr/>
+        <p:txBody>
+          <a:bodyPr/>
+          <a:lstStyle/>
+          <a:p>
+            <a:pPr marL="0" marR="0" lvl="0" indent="0" algn="l" defTabSz="914400" rtl="0" eaLnBrk="1" fontAlgn="auto" latinLnBrk="0" hangingPunct="1">
+              <a:lnSpc>
+                <a:spcPct val="100000"/>
+              </a:lnSpc>
+              <a:spcBef>
+                <a:spcPts val="0"/>
+              </a:spcBef>
+              <a:spcAft>
+                <a:spcPts val="0"/>
+              </a:spcAft>
+              <a:buClrTx/>
+              <a:buSzTx/>
+              <a:buFontTx/>
+              <a:buNone/>
+              <a:tabLst/>
+              <a:defRPr/>
+            </a:pPr>
+            <a:r>
+              <a:rPr lang="en-US" dirty="0"/>
+              <a:t>Slides from reproducibility talk</a:t>
+            </a:r>
+          </a:p>
+        </p:txBody>
+      </p:sp>
+      <p:sp>
+        <p:nvSpPr>
+          <p:cNvPr id="4" name="Slide Number Placeholder 3"/>
+          <p:cNvSpPr>
+            <a:spLocks noGrp="1"/>
+          </p:cNvSpPr>
+          <p:nvPr>
+            <p:ph type="sldNum" sz="quarter" idx="5"/>
+          </p:nvPr>
+        </p:nvSpPr>
+        <p:spPr/>
+        <p:txBody>
+          <a:bodyPr/>
+          <a:lstStyle/>
+          <a:p>
+            <a:fld id="{54E672D7-8E2D-4611-973D-F4591A707C34}" type="slidenum">
+              <a:rPr lang="en-US" smtClean="0"/>
+              <a:t>18</a:t>
+            </a:fld>
+            <a:endParaRPr lang="en-US"/>
+          </a:p>
+        </p:txBody>
+      </p:sp>
+    </p:spTree>
+    <p:extLst>
+      <p:ext uri="{BB962C8B-B14F-4D97-AF65-F5344CB8AC3E}">
+        <p14:creationId xmlns:p14="http://schemas.microsoft.com/office/powerpoint/2010/main" val="2999251483"/>
+      </p:ext>
+    </p:extLst>
+  </p:cSld>
+  <p:clrMapOvr>
+    <a:masterClrMapping/>
+  </p:clrMapOvr>
+</p:notes>
+</file>
+
+<file path=ppt/notesSlides/notesSlide18.xml><?xml version="1.0" encoding="utf-8"?>
+<p:notes xmlns:a="http://schemas.openxmlformats.org/drawingml/2006/main" xmlns:r="http://schemas.openxmlformats.org/officeDocument/2006/relationships" xmlns:p="http://schemas.openxmlformats.org/presentationml/2006/main">
+  <p:cSld>
+    <p:spTree>
+      <p:nvGrpSpPr>
+        <p:cNvPr id="1" name=""/>
+        <p:cNvGrpSpPr/>
+        <p:nvPr/>
+      </p:nvGrpSpPr>
+      <p:grpSpPr>
+        <a:xfrm>
+          <a:off x="0" y="0"/>
+          <a:ext cx="0" cy="0"/>
+          <a:chOff x="0" y="0"/>
+          <a:chExt cx="0" cy="0"/>
+        </a:xfrm>
+      </p:grpSpPr>
+      <p:sp>
+        <p:nvSpPr>
+          <p:cNvPr id="2" name="Slide Image Placeholder 1"/>
+          <p:cNvSpPr>
+            <a:spLocks noGrp="1" noRot="1" noChangeAspect="1"/>
+          </p:cNvSpPr>
+          <p:nvPr>
+            <p:ph type="sldImg"/>
+          </p:nvPr>
+        </p:nvSpPr>
+        <p:spPr/>
+      </p:sp>
+      <p:sp>
+        <p:nvSpPr>
+          <p:cNvPr id="3" name="Notes Placeholder 2"/>
+          <p:cNvSpPr>
+            <a:spLocks noGrp="1"/>
+          </p:cNvSpPr>
+          <p:nvPr>
+            <p:ph type="body" idx="1"/>
+          </p:nvPr>
+        </p:nvSpPr>
+        <p:spPr/>
+        <p:txBody>
+          <a:bodyPr/>
+          <a:lstStyle/>
+          <a:p>
+            <a:pPr marL="0" marR="0" lvl="0" indent="0" algn="l" defTabSz="914400" rtl="0" eaLnBrk="1" fontAlgn="auto" latinLnBrk="0" hangingPunct="1">
+              <a:lnSpc>
+                <a:spcPct val="100000"/>
+              </a:lnSpc>
+              <a:spcBef>
+                <a:spcPts val="0"/>
+              </a:spcBef>
+              <a:spcAft>
+                <a:spcPts val="0"/>
+              </a:spcAft>
+              <a:buClrTx/>
+              <a:buSzTx/>
+              <a:buFontTx/>
+              <a:buNone/>
+              <a:tabLst/>
+              <a:defRPr/>
+            </a:pPr>
+            <a:r>
+              <a:rPr lang="en-US" dirty="0"/>
+              <a:t>Slides from reproducibility talk</a:t>
+            </a:r>
+          </a:p>
+        </p:txBody>
+      </p:sp>
+      <p:sp>
+        <p:nvSpPr>
+          <p:cNvPr id="4" name="Slide Number Placeholder 3"/>
+          <p:cNvSpPr>
+            <a:spLocks noGrp="1"/>
+          </p:cNvSpPr>
+          <p:nvPr>
+            <p:ph type="sldNum" sz="quarter" idx="5"/>
+          </p:nvPr>
+        </p:nvSpPr>
+        <p:spPr/>
+        <p:txBody>
+          <a:bodyPr/>
+          <a:lstStyle/>
+          <a:p>
+            <a:fld id="{54E672D7-8E2D-4611-973D-F4591A707C34}" type="slidenum">
+              <a:rPr lang="en-US" smtClean="0"/>
+              <a:t>19</a:t>
+            </a:fld>
+            <a:endParaRPr lang="en-US"/>
+          </a:p>
+        </p:txBody>
+      </p:sp>
+    </p:spTree>
+    <p:extLst>
+      <p:ext uri="{BB962C8B-B14F-4D97-AF65-F5344CB8AC3E}">
+        <p14:creationId xmlns:p14="http://schemas.microsoft.com/office/powerpoint/2010/main" val="1545291843"/>
       </p:ext>
     </p:extLst>
   </p:cSld>
@@ -6401,7 +6807,7 @@
                   <a:srgbClr val="000000"/>
                 </a:solidFill>
               </a:rPr>
-              <a:t>David Rogers</a:t>
+              <a:t>David M. Rogers</a:t>
             </a:r>
             <a:r>
               <a:rPr lang="en-US" dirty="0">
@@ -6463,7 +6869,23 @@
             </a:pPr>
             <a:r>
               <a:rPr lang="en-US" sz="2000" dirty="0"/>
-              <a:t>Contributors: Anshu Dubey (ANL), Rinku Gupta (ANL), Mark C. Miller (LLNL), David M. Rogers (ORNL)</a:t>
+              <a:t>Contributors: David E. </a:t>
+            </a:r>
+            <a:r>
+              <a:rPr lang="en-US" sz="2000" dirty="0" err="1"/>
+              <a:t>Bernholdt</a:t>
+            </a:r>
+            <a:r>
+              <a:rPr lang="en-US" sz="2000" dirty="0"/>
+              <a:t> (ORNL), </a:t>
+            </a:r>
+            <a:r>
+              <a:rPr lang="en-US" sz="2000" dirty="0" err="1"/>
+              <a:t>Anshu</a:t>
+            </a:r>
+            <a:r>
+              <a:rPr lang="en-US" sz="2000" dirty="0"/>
+              <a:t> Dubey (ANL), Rinku Gupta (ANL), Mark C. Miller (LLNL), David M. Rogers (ORNL)</a:t>
             </a:r>
           </a:p>
           <a:p>
@@ -8529,7 +8951,7 @@
           <a:noFill/>
           <a:extLst>
             <a:ext uri="{909E8E84-426E-40dd-AFC4-6F175D3DCCD1}">
-              <a14:hiddenFill xmlns="" xmlns:a14="http://schemas.microsoft.com/office/drawing/2010/main">
+              <a14:hiddenFill xmlns:a14="http://schemas.microsoft.com/office/drawing/2010/main" xmlns="">
                 <a:solidFill>
                   <a:srgbClr val="FFFFFF"/>
                 </a:solidFill>
@@ -10732,10 +11154,968 @@
       </p:grpSpPr>
       <p:sp>
         <p:nvSpPr>
-          <p:cNvPr id="3" name="Title 2">
+          <p:cNvPr id="4" name="Title 3">
             <a:extLst>
               <a:ext uri="{FF2B5EF4-FFF2-40B4-BE49-F238E27FC236}">
-                <a16:creationId xmlns:a16="http://schemas.microsoft.com/office/drawing/2014/main" id="{03903D65-8FB0-400B-839C-D6202AD9B225}"/>
+                <a16:creationId xmlns:a16="http://schemas.microsoft.com/office/drawing/2014/main" id="{B24CA9EB-43C1-42C5-96E8-92A150169E08}"/>
+              </a:ext>
+            </a:extLst>
+          </p:cNvPr>
+          <p:cNvSpPr>
+            <a:spLocks noGrp="1"/>
+          </p:cNvSpPr>
+          <p:nvPr>
+            <p:ph type="title"/>
+          </p:nvPr>
+        </p:nvSpPr>
+        <p:spPr/>
+        <p:txBody>
+          <a:bodyPr/>
+          <a:lstStyle/>
+          <a:p>
+            <a:r>
+              <a:rPr lang="en-US" dirty="0"/>
+              <a:t>Incentives for Paying Attention to Reproducibility</a:t>
+            </a:r>
+          </a:p>
+        </p:txBody>
+      </p:sp>
+      <p:sp>
+        <p:nvSpPr>
+          <p:cNvPr id="2" name="Content Placeholder 1">
+            <a:extLst>
+              <a:ext uri="{FF2B5EF4-FFF2-40B4-BE49-F238E27FC236}">
+                <a16:creationId xmlns:a16="http://schemas.microsoft.com/office/drawing/2014/main" id="{E9507A47-4449-4A96-A0BA-021FE928EE24}"/>
+              </a:ext>
+            </a:extLst>
+          </p:cNvPr>
+          <p:cNvSpPr>
+            <a:spLocks noGrp="1"/>
+          </p:cNvSpPr>
+          <p:nvPr>
+            <p:ph idx="1"/>
+          </p:nvPr>
+        </p:nvSpPr>
+        <p:spPr>
+          <a:xfrm>
+            <a:off x="365760" y="1007714"/>
+            <a:ext cx="11673840" cy="4047778"/>
+          </a:xfrm>
+        </p:spPr>
+        <p:txBody>
+          <a:bodyPr/>
+          <a:lstStyle/>
+          <a:p>
+            <a:pPr marL="0" indent="0">
+              <a:buNone/>
+            </a:pPr>
+            <a:r>
+              <a:rPr lang="en-US" dirty="0"/>
+              <a:t>Common statement: “I would love to do a better job on my software, but I need to..."</a:t>
+            </a:r>
+          </a:p>
+          <a:p>
+            <a:pPr marL="342900" indent="-342900"/>
+            <a:r>
+              <a:rPr lang="en-US" dirty="0"/>
+              <a:t>Get this paper submitted</a:t>
+            </a:r>
+          </a:p>
+          <a:p>
+            <a:pPr marL="342900" indent="-342900"/>
+            <a:r>
+              <a:rPr lang="en-US" dirty="0"/>
+              <a:t>Complete this project task</a:t>
+            </a:r>
+          </a:p>
+          <a:p>
+            <a:pPr marL="342900" indent="-342900"/>
+            <a:r>
+              <a:rPr lang="en-US" dirty="0"/>
+              <a:t>Do something my employer values more</a:t>
+            </a:r>
+          </a:p>
+          <a:p>
+            <a:pPr marL="0" indent="0">
+              <a:buNone/>
+            </a:pPr>
+            <a:endParaRPr lang="en-US" dirty="0"/>
+          </a:p>
+          <a:p>
+            <a:pPr marL="0" indent="0">
+              <a:buNone/>
+            </a:pPr>
+            <a:endParaRPr lang="en-US" dirty="0"/>
+          </a:p>
+          <a:p>
+            <a:pPr marL="0" indent="0">
+              <a:buNone/>
+            </a:pPr>
+            <a:endParaRPr lang="en-US" sz="1200" dirty="0"/>
+          </a:p>
+          <a:p>
+            <a:pPr marL="0" indent="0">
+              <a:buNone/>
+            </a:pPr>
+            <a:endParaRPr lang="en-US" dirty="0"/>
+          </a:p>
+          <a:p>
+            <a:pPr marL="0" indent="0">
+              <a:buNone/>
+            </a:pPr>
+            <a:r>
+              <a:rPr lang="en-US" b="1" dirty="0"/>
+              <a:t>Goal</a:t>
+            </a:r>
+            <a:r>
+              <a:rPr lang="en-US" dirty="0"/>
+              <a:t>: Change incentives to include valuing of better software, better science</a:t>
+            </a:r>
+          </a:p>
+          <a:p>
+            <a:pPr marL="0" indent="0">
+              <a:buNone/>
+            </a:pPr>
+            <a:r>
+              <a:rPr lang="en-US" dirty="0"/>
+              <a:t>This is a long-term goal, requiring a culture change in (computational) science which in the early stages</a:t>
+            </a:r>
+          </a:p>
+        </p:txBody>
+      </p:sp>
+      <p:grpSp>
+        <p:nvGrpSpPr>
+          <p:cNvPr id="5" name="Group 4">
+            <a:extLst>
+              <a:ext uri="{FF2B5EF4-FFF2-40B4-BE49-F238E27FC236}">
+                <a16:creationId xmlns:a16="http://schemas.microsoft.com/office/drawing/2014/main" id="{7115AEAB-62C9-D74A-8BA9-B47CDAE50E96}"/>
+              </a:ext>
+            </a:extLst>
+          </p:cNvPr>
+          <p:cNvGrpSpPr/>
+          <p:nvPr/>
+        </p:nvGrpSpPr>
+        <p:grpSpPr>
+          <a:xfrm>
+            <a:off x="6051996" y="2581358"/>
+            <a:ext cx="5593094" cy="2165018"/>
+            <a:chOff x="1797837" y="1338521"/>
+            <a:chExt cx="8175230" cy="3619638"/>
+          </a:xfrm>
+        </p:grpSpPr>
+        <p:grpSp>
+          <p:nvGrpSpPr>
+            <p:cNvPr id="6" name="Group 5">
+              <a:extLst>
+                <a:ext uri="{FF2B5EF4-FFF2-40B4-BE49-F238E27FC236}">
+                  <a16:creationId xmlns:a16="http://schemas.microsoft.com/office/drawing/2014/main" id="{2EDD6819-E4AF-CB46-8BD1-16C5D38F2EA2}"/>
+                </a:ext>
+              </a:extLst>
+            </p:cNvPr>
+            <p:cNvGrpSpPr/>
+            <p:nvPr/>
+          </p:nvGrpSpPr>
+          <p:grpSpPr>
+            <a:xfrm>
+              <a:off x="1797837" y="1424300"/>
+              <a:ext cx="8175230" cy="3252646"/>
+              <a:chOff x="-137156" y="1484784"/>
+              <a:chExt cx="8175230" cy="2729235"/>
+            </a:xfrm>
+          </p:grpSpPr>
+          <p:sp>
+            <p:nvSpPr>
+              <p:cNvPr id="9" name="TextBox 8">
+                <a:extLst>
+                  <a:ext uri="{FF2B5EF4-FFF2-40B4-BE49-F238E27FC236}">
+                    <a16:creationId xmlns:a16="http://schemas.microsoft.com/office/drawing/2014/main" id="{19235107-EE62-4D44-BD45-BDBDE944FA38}"/>
+                  </a:ext>
+                </a:extLst>
+              </p:cNvPr>
+              <p:cNvSpPr txBox="1"/>
+              <p:nvPr/>
+            </p:nvSpPr>
+            <p:spPr>
+              <a:xfrm>
+                <a:off x="-137156" y="2189647"/>
+                <a:ext cx="4146622" cy="1295283"/>
+              </a:xfrm>
+              <a:prstGeom prst="rect">
+                <a:avLst/>
+              </a:prstGeom>
+            </p:spPr>
+            <p:style>
+              <a:lnRef idx="2">
+                <a:schemeClr val="dk1"/>
+              </a:lnRef>
+              <a:fillRef idx="1">
+                <a:schemeClr val="lt1"/>
+              </a:fillRef>
+              <a:effectRef idx="0">
+                <a:schemeClr val="dk1"/>
+              </a:effectRef>
+              <a:fontRef idx="minor">
+                <a:schemeClr val="dk1"/>
+              </a:fontRef>
+            </p:style>
+            <p:txBody>
+              <a:bodyPr wrap="square" rtlCol="0">
+                <a:spAutoFit/>
+              </a:bodyPr>
+              <a:lstStyle/>
+              <a:p>
+                <a:pPr algn="ctr" fontAlgn="auto">
+                  <a:spcBef>
+                    <a:spcPts val="0"/>
+                  </a:spcBef>
+                  <a:spcAft>
+                    <a:spcPts val="0"/>
+                  </a:spcAft>
+                </a:pPr>
+                <a:r>
+                  <a:rPr lang="en-US" dirty="0">
+                    <a:solidFill>
+                      <a:prstClr val="black"/>
+                    </a:solidFill>
+                    <a:latin typeface="Arial"/>
+                  </a:rPr>
+                  <a:t>Transparency &amp; Reproducibility Requirements</a:t>
+                </a:r>
+              </a:p>
+            </p:txBody>
+          </p:sp>
+          <p:sp>
+            <p:nvSpPr>
+              <p:cNvPr id="10" name="TextBox 9">
+                <a:extLst>
+                  <a:ext uri="{FF2B5EF4-FFF2-40B4-BE49-F238E27FC236}">
+                    <a16:creationId xmlns:a16="http://schemas.microsoft.com/office/drawing/2014/main" id="{9FD21479-CA6E-C14D-906E-8105E19B9C7B}"/>
+                  </a:ext>
+                </a:extLst>
+              </p:cNvPr>
+              <p:cNvSpPr txBox="1"/>
+              <p:nvPr/>
+            </p:nvSpPr>
+            <p:spPr>
+              <a:xfrm>
+                <a:off x="4239340" y="2171467"/>
+                <a:ext cx="3798734" cy="1165755"/>
+              </a:xfrm>
+              <a:prstGeom prst="rect">
+                <a:avLst/>
+              </a:prstGeom>
+            </p:spPr>
+            <p:style>
+              <a:lnRef idx="2">
+                <a:schemeClr val="dk1"/>
+              </a:lnRef>
+              <a:fillRef idx="1">
+                <a:schemeClr val="lt1"/>
+              </a:fillRef>
+              <a:effectRef idx="0">
+                <a:schemeClr val="dk1"/>
+              </a:effectRef>
+              <a:fontRef idx="minor">
+                <a:schemeClr val="dk1"/>
+              </a:fontRef>
+            </p:style>
+            <p:txBody>
+              <a:bodyPr wrap="square" rtlCol="0">
+                <a:spAutoFit/>
+              </a:bodyPr>
+              <a:lstStyle/>
+              <a:p>
+                <a:pPr algn="ctr" fontAlgn="auto">
+                  <a:spcBef>
+                    <a:spcPts val="0"/>
+                  </a:spcBef>
+                  <a:spcAft>
+                    <a:spcPts val="0"/>
+                  </a:spcAft>
+                </a:pPr>
+                <a:r>
+                  <a:rPr lang="en-US" sz="1600" dirty="0">
+                    <a:solidFill>
+                      <a:prstClr val="black"/>
+                    </a:solidFill>
+                    <a:latin typeface="Arial"/>
+                  </a:rPr>
+                  <a:t>Productivity &amp; Sustainability </a:t>
+                </a:r>
+                <a:br>
+                  <a:rPr lang="en-US" sz="1600" dirty="0">
+                    <a:solidFill>
+                      <a:prstClr val="black"/>
+                    </a:solidFill>
+                    <a:latin typeface="Arial"/>
+                  </a:rPr>
+                </a:br>
+                <a:r>
+                  <a:rPr lang="en-US" sz="1600" dirty="0">
+                    <a:solidFill>
+                      <a:prstClr val="black"/>
+                    </a:solidFill>
+                    <a:latin typeface="Arial"/>
+                  </a:rPr>
+                  <a:t>Investments</a:t>
+                </a:r>
+              </a:p>
+            </p:txBody>
+          </p:sp>
+          <p:sp>
+            <p:nvSpPr>
+              <p:cNvPr id="11" name="U-Turn Arrow 10">
+                <a:extLst>
+                  <a:ext uri="{FF2B5EF4-FFF2-40B4-BE49-F238E27FC236}">
+                    <a16:creationId xmlns:a16="http://schemas.microsoft.com/office/drawing/2014/main" id="{2C491B3C-F320-3440-9979-4C5A287DD54E}"/>
+                  </a:ext>
+                </a:extLst>
+              </p:cNvPr>
+              <p:cNvSpPr/>
+              <p:nvPr/>
+            </p:nvSpPr>
+            <p:spPr>
+              <a:xfrm>
+                <a:off x="1979712" y="1484784"/>
+                <a:ext cx="3960440" cy="658859"/>
+              </a:xfrm>
+              <a:prstGeom prst="uturnArrow">
+                <a:avLst>
+                  <a:gd name="adj1" fmla="val 25000"/>
+                  <a:gd name="adj2" fmla="val 25000"/>
+                  <a:gd name="adj3" fmla="val 26485"/>
+                  <a:gd name="adj4" fmla="val 43750"/>
+                  <a:gd name="adj5" fmla="val 100000"/>
+                </a:avLst>
+              </a:prstGeom>
+              <a:solidFill>
+                <a:srgbClr val="008000"/>
+              </a:solidFill>
+            </p:spPr>
+            <p:style>
+              <a:lnRef idx="1">
+                <a:schemeClr val="accent1"/>
+              </a:lnRef>
+              <a:fillRef idx="3">
+                <a:schemeClr val="accent1"/>
+              </a:fillRef>
+              <a:effectRef idx="2">
+                <a:schemeClr val="accent1"/>
+              </a:effectRef>
+              <a:fontRef idx="minor">
+                <a:schemeClr val="lt1"/>
+              </a:fontRef>
+            </p:style>
+            <p:txBody>
+              <a:bodyPr rtlCol="0" anchor="ctr"/>
+              <a:lstStyle/>
+              <a:p>
+                <a:pPr algn="ctr" fontAlgn="auto">
+                  <a:spcBef>
+                    <a:spcPts val="0"/>
+                  </a:spcBef>
+                  <a:spcAft>
+                    <a:spcPts val="0"/>
+                  </a:spcAft>
+                </a:pPr>
+                <a:endParaRPr lang="en-US">
+                  <a:solidFill>
+                    <a:prstClr val="black"/>
+                  </a:solidFill>
+                  <a:latin typeface="Arial"/>
+                </a:endParaRPr>
+              </a:p>
+            </p:txBody>
+          </p:sp>
+          <p:sp>
+            <p:nvSpPr>
+              <p:cNvPr id="12" name="U-Turn Arrow 11">
+                <a:extLst>
+                  <a:ext uri="{FF2B5EF4-FFF2-40B4-BE49-F238E27FC236}">
+                    <a16:creationId xmlns:a16="http://schemas.microsoft.com/office/drawing/2014/main" id="{2FF8331C-0630-674F-B639-447A7E0CF58F}"/>
+                  </a:ext>
+                </a:extLst>
+              </p:cNvPr>
+              <p:cNvSpPr/>
+              <p:nvPr/>
+            </p:nvSpPr>
+            <p:spPr>
+              <a:xfrm flipH="1" flipV="1">
+                <a:off x="1859372" y="3484930"/>
+                <a:ext cx="4080780" cy="729089"/>
+              </a:xfrm>
+              <a:prstGeom prst="uturnArrow">
+                <a:avLst>
+                  <a:gd name="adj1" fmla="val 25000"/>
+                  <a:gd name="adj2" fmla="val 25000"/>
+                  <a:gd name="adj3" fmla="val 25000"/>
+                  <a:gd name="adj4" fmla="val 43750"/>
+                  <a:gd name="adj5" fmla="val 99940"/>
+                </a:avLst>
+              </a:prstGeom>
+              <a:solidFill>
+                <a:srgbClr val="008000"/>
+              </a:solidFill>
+            </p:spPr>
+            <p:style>
+              <a:lnRef idx="1">
+                <a:schemeClr val="accent1"/>
+              </a:lnRef>
+              <a:fillRef idx="3">
+                <a:schemeClr val="accent1"/>
+              </a:fillRef>
+              <a:effectRef idx="2">
+                <a:schemeClr val="accent1"/>
+              </a:effectRef>
+              <a:fontRef idx="minor">
+                <a:schemeClr val="lt1"/>
+              </a:fontRef>
+            </p:style>
+            <p:txBody>
+              <a:bodyPr rtlCol="0" anchor="ctr"/>
+              <a:lstStyle/>
+              <a:p>
+                <a:pPr algn="ctr" fontAlgn="auto">
+                  <a:spcBef>
+                    <a:spcPts val="0"/>
+                  </a:spcBef>
+                  <a:spcAft>
+                    <a:spcPts val="0"/>
+                  </a:spcAft>
+                </a:pPr>
+                <a:endParaRPr lang="en-US">
+                  <a:solidFill>
+                    <a:prstClr val="black"/>
+                  </a:solidFill>
+                  <a:latin typeface="Arial"/>
+                </a:endParaRPr>
+              </a:p>
+            </p:txBody>
+          </p:sp>
+        </p:grpSp>
+        <p:sp>
+          <p:nvSpPr>
+            <p:cNvPr id="7" name="TextBox 6">
+              <a:extLst>
+                <a:ext uri="{FF2B5EF4-FFF2-40B4-BE49-F238E27FC236}">
+                  <a16:creationId xmlns:a16="http://schemas.microsoft.com/office/drawing/2014/main" id="{B6FEE048-DE35-BB4B-8080-94706CCABF73}"/>
+                </a:ext>
+              </a:extLst>
+            </p:cNvPr>
+            <p:cNvSpPr txBox="1"/>
+            <p:nvPr/>
+          </p:nvSpPr>
+          <p:spPr>
+            <a:xfrm>
+              <a:off x="5194312" y="1338521"/>
+              <a:ext cx="1771238" cy="617477"/>
+            </a:xfrm>
+            <a:prstGeom prst="rect">
+              <a:avLst/>
+            </a:prstGeom>
+          </p:spPr>
+          <p:style>
+            <a:lnRef idx="2">
+              <a:schemeClr val="dk1"/>
+            </a:lnRef>
+            <a:fillRef idx="1">
+              <a:schemeClr val="lt1"/>
+            </a:fillRef>
+            <a:effectRef idx="0">
+              <a:schemeClr val="dk1"/>
+            </a:effectRef>
+            <a:fontRef idx="minor">
+              <a:schemeClr val="dk1"/>
+            </a:fontRef>
+          </p:style>
+          <p:txBody>
+            <a:bodyPr wrap="square" rtlCol="0">
+              <a:spAutoFit/>
+            </a:bodyPr>
+            <a:lstStyle/>
+            <a:p>
+              <a:pPr algn="ctr" fontAlgn="auto">
+                <a:spcBef>
+                  <a:spcPts val="0"/>
+                </a:spcBef>
+                <a:spcAft>
+                  <a:spcPts val="0"/>
+                </a:spcAft>
+              </a:pPr>
+              <a:r>
+                <a:rPr lang="en-US" dirty="0">
+                  <a:solidFill>
+                    <a:prstClr val="black"/>
+                  </a:solidFill>
+                  <a:latin typeface="Arial"/>
+                </a:rPr>
+                <a:t>Demand</a:t>
+              </a:r>
+            </a:p>
+          </p:txBody>
+        </p:sp>
+        <p:sp>
+          <p:nvSpPr>
+            <p:cNvPr id="8" name="TextBox 7">
+              <a:extLst>
+                <a:ext uri="{FF2B5EF4-FFF2-40B4-BE49-F238E27FC236}">
+                  <a16:creationId xmlns:a16="http://schemas.microsoft.com/office/drawing/2014/main" id="{AC6366E1-EFFB-7742-BCF0-C0631CFECC7A}"/>
+                </a:ext>
+              </a:extLst>
+            </p:cNvPr>
+            <p:cNvSpPr txBox="1"/>
+            <p:nvPr/>
+          </p:nvSpPr>
+          <p:spPr>
+            <a:xfrm>
+              <a:off x="5194312" y="4392139"/>
+              <a:ext cx="1224136" cy="566020"/>
+            </a:xfrm>
+            <a:prstGeom prst="rect">
+              <a:avLst/>
+            </a:prstGeom>
+          </p:spPr>
+          <p:style>
+            <a:lnRef idx="2">
+              <a:schemeClr val="dk1"/>
+            </a:lnRef>
+            <a:fillRef idx="1">
+              <a:schemeClr val="lt1"/>
+            </a:fillRef>
+            <a:effectRef idx="0">
+              <a:schemeClr val="dk1"/>
+            </a:effectRef>
+            <a:fontRef idx="minor">
+              <a:schemeClr val="dk1"/>
+            </a:fontRef>
+          </p:style>
+          <p:txBody>
+            <a:bodyPr wrap="square" rtlCol="0">
+              <a:spAutoFit/>
+            </a:bodyPr>
+            <a:lstStyle/>
+            <a:p>
+              <a:pPr fontAlgn="auto">
+                <a:spcBef>
+                  <a:spcPts val="0"/>
+                </a:spcBef>
+                <a:spcAft>
+                  <a:spcPts val="0"/>
+                </a:spcAft>
+              </a:pPr>
+              <a:r>
+                <a:rPr lang="en-US" sz="1600" dirty="0">
+                  <a:solidFill>
+                    <a:prstClr val="black"/>
+                  </a:solidFill>
+                  <a:latin typeface="Arial"/>
+                </a:rPr>
+                <a:t>Enable</a:t>
+              </a:r>
+            </a:p>
+          </p:txBody>
+        </p:sp>
+      </p:grpSp>
+    </p:spTree>
+    <p:extLst>
+      <p:ext uri="{BB962C8B-B14F-4D97-AF65-F5344CB8AC3E}">
+        <p14:creationId xmlns:p14="http://schemas.microsoft.com/office/powerpoint/2010/main" val="1757848152"/>
+      </p:ext>
+    </p:extLst>
+  </p:cSld>
+  <p:clrMapOvr>
+    <a:masterClrMapping/>
+  </p:clrMapOvr>
+</p:sld>
+</file>
+
+<file path=ppt/slides/slide17.xml><?xml version="1.0" encoding="utf-8"?>
+<p:sld xmlns:a="http://schemas.openxmlformats.org/drawingml/2006/main" xmlns:r="http://schemas.openxmlformats.org/officeDocument/2006/relationships" xmlns:p="http://schemas.openxmlformats.org/presentationml/2006/main">
+  <p:cSld>
+    <p:spTree>
+      <p:nvGrpSpPr>
+        <p:cNvPr id="1" name=""/>
+        <p:cNvGrpSpPr/>
+        <p:nvPr/>
+      </p:nvGrpSpPr>
+      <p:grpSpPr>
+        <a:xfrm>
+          <a:off x="0" y="0"/>
+          <a:ext cx="0" cy="0"/>
+          <a:chOff x="0" y="0"/>
+          <a:chExt cx="0" cy="0"/>
+        </a:xfrm>
+      </p:grpSpPr>
+      <p:sp>
+        <p:nvSpPr>
+          <p:cNvPr id="2" name="Title 1">
+            <a:extLst>
+              <a:ext uri="{FF2B5EF4-FFF2-40B4-BE49-F238E27FC236}">
+                <a16:creationId xmlns:a16="http://schemas.microsoft.com/office/drawing/2014/main" id="{593E8855-A57F-4215-A768-115A3708E346}"/>
+              </a:ext>
+            </a:extLst>
+          </p:cNvPr>
+          <p:cNvSpPr>
+            <a:spLocks noGrp="1"/>
+          </p:cNvSpPr>
+          <p:nvPr>
+            <p:ph type="title"/>
+          </p:nvPr>
+        </p:nvSpPr>
+        <p:spPr/>
+        <p:txBody>
+          <a:bodyPr/>
+          <a:lstStyle/>
+          <a:p>
+            <a:r>
+              <a:rPr lang="en-US" dirty="0"/>
+              <a:t>Additional Motivation – Testing Practices</a:t>
+            </a:r>
+          </a:p>
+        </p:txBody>
+      </p:sp>
+      <p:sp>
+        <p:nvSpPr>
+          <p:cNvPr id="3" name="Content Placeholder 2">
+            <a:extLst>
+              <a:ext uri="{FF2B5EF4-FFF2-40B4-BE49-F238E27FC236}">
+                <a16:creationId xmlns:a16="http://schemas.microsoft.com/office/drawing/2014/main" id="{14DD3804-D1BC-40B2-8D0D-D96BD5828410}"/>
+              </a:ext>
+            </a:extLst>
+          </p:cNvPr>
+          <p:cNvSpPr>
+            <a:spLocks noGrp="1"/>
+          </p:cNvSpPr>
+          <p:nvPr>
+            <p:ph idx="1"/>
+          </p:nvPr>
+        </p:nvSpPr>
+        <p:spPr>
+          <a:xfrm>
+            <a:off x="223370" y="1596718"/>
+            <a:ext cx="9543698" cy="4456839"/>
+          </a:xfrm>
+        </p:spPr>
+        <p:txBody>
+          <a:bodyPr/>
+          <a:lstStyle/>
+          <a:p>
+            <a:r>
+              <a:rPr lang="en-US" sz="2800" dirty="0"/>
+              <a:t>Supercomputer Cycles are Scarce Resources</a:t>
+            </a:r>
+          </a:p>
+          <a:p>
+            <a:pPr lvl="1"/>
+            <a:r>
+              <a:rPr lang="en-US" sz="2400" dirty="0"/>
+              <a:t>Goal = capture QA details during science runs</a:t>
+            </a:r>
+          </a:p>
+          <a:p>
+            <a:r>
+              <a:rPr lang="en-US" sz="2800" dirty="0"/>
+              <a:t>Many people need to have confidence</a:t>
+            </a:r>
+          </a:p>
+          <a:p>
+            <a:pPr marL="0" indent="0">
+              <a:spcBef>
+                <a:spcPts val="0"/>
+              </a:spcBef>
+              <a:buNone/>
+            </a:pPr>
+            <a:r>
+              <a:rPr lang="en-US" sz="2800" dirty="0"/>
+              <a:t>   in your results:</a:t>
+            </a:r>
+          </a:p>
+          <a:p>
+            <a:pPr lvl="1">
+              <a:spcBef>
+                <a:spcPts val="200"/>
+              </a:spcBef>
+            </a:pPr>
+            <a:r>
+              <a:rPr lang="en-US" sz="2400" dirty="0"/>
+              <a:t>You</a:t>
+            </a:r>
+          </a:p>
+          <a:p>
+            <a:pPr lvl="1">
+              <a:spcBef>
+                <a:spcPts val="200"/>
+              </a:spcBef>
+            </a:pPr>
+            <a:r>
+              <a:rPr lang="en-US" sz="2400" dirty="0"/>
+              <a:t>Your project lead or boss</a:t>
+            </a:r>
+          </a:p>
+          <a:p>
+            <a:pPr lvl="1">
+              <a:spcBef>
+                <a:spcPts val="200"/>
+              </a:spcBef>
+            </a:pPr>
+            <a:r>
+              <a:rPr lang="en-US" sz="2400" dirty="0"/>
+              <a:t>Your sponsor</a:t>
+            </a:r>
+          </a:p>
+          <a:p>
+            <a:pPr lvl="1">
+              <a:spcBef>
+                <a:spcPts val="200"/>
+              </a:spcBef>
+            </a:pPr>
+            <a:r>
+              <a:rPr lang="en-US" sz="2400" dirty="0"/>
+              <a:t>Your reviewers or referees</a:t>
+            </a:r>
+          </a:p>
+          <a:p>
+            <a:pPr lvl="1">
+              <a:spcBef>
+                <a:spcPts val="200"/>
+              </a:spcBef>
+            </a:pPr>
+            <a:r>
+              <a:rPr lang="en-US" sz="2400" dirty="0"/>
+              <a:t>Your readers</a:t>
+            </a:r>
+          </a:p>
+          <a:p>
+            <a:r>
+              <a:rPr lang="en-US" sz="2800" dirty="0"/>
+              <a:t>Testing helps build credibility </a:t>
+            </a:r>
+            <a:r>
+              <a:rPr lang="en-US" sz="2800" i="1" dirty="0"/>
+              <a:t>without</a:t>
+            </a:r>
+            <a:r>
+              <a:rPr lang="en-US" sz="2800" dirty="0"/>
+              <a:t> repeating runs.</a:t>
+            </a:r>
+          </a:p>
+        </p:txBody>
+      </p:sp>
+      <p:pic>
+        <p:nvPicPr>
+          <p:cNvPr id="4" name="Picture 4" descr="Image result for olcf frontier images">
+            <a:extLst>
+              <a:ext uri="{FF2B5EF4-FFF2-40B4-BE49-F238E27FC236}">
+                <a16:creationId xmlns:a16="http://schemas.microsoft.com/office/drawing/2014/main" id="{99122304-45CB-4B98-BF7B-424A418D269F}"/>
+              </a:ext>
+            </a:extLst>
+          </p:cNvPr>
+          <p:cNvPicPr>
+            <a:picLocks noChangeAspect="1" noChangeArrowheads="1"/>
+          </p:cNvPicPr>
+          <p:nvPr/>
+        </p:nvPicPr>
+        <p:blipFill>
+          <a:blip r:embed="rId3" cstate="print">
+            <a:extLst>
+              <a:ext uri="{28A0092B-C50C-407E-A947-70E740481C1C}">
+                <a14:useLocalDpi xmlns:a14="http://schemas.microsoft.com/office/drawing/2010/main" val="0"/>
+              </a:ext>
+            </a:extLst>
+          </a:blip>
+          <a:srcRect/>
+          <a:stretch>
+            <a:fillRect/>
+          </a:stretch>
+        </p:blipFill>
+        <p:spPr bwMode="auto">
+          <a:xfrm>
+            <a:off x="8360783" y="544297"/>
+            <a:ext cx="3707315" cy="1611330"/>
+          </a:xfrm>
+          <a:prstGeom prst="rect">
+            <a:avLst/>
+          </a:prstGeom>
+          <a:noFill/>
+          <a:extLst>
+            <a:ext uri="{909E8E84-426E-40DD-AFC4-6F175D3DCCD1}">
+              <a14:hiddenFill xmlns:a14="http://schemas.microsoft.com/office/drawing/2010/main">
+                <a:solidFill>
+                  <a:srgbClr val="FFFFFF"/>
+                </a:solidFill>
+              </a14:hiddenFill>
+            </a:ext>
+          </a:extLst>
+        </p:spPr>
+      </p:pic>
+      <p:pic>
+        <p:nvPicPr>
+          <p:cNvPr id="7" name="Picture 6">
+            <a:extLst>
+              <a:ext uri="{FF2B5EF4-FFF2-40B4-BE49-F238E27FC236}">
+                <a16:creationId xmlns:a16="http://schemas.microsoft.com/office/drawing/2014/main" id="{0246831D-1821-B341-A5F6-08DB7D69F547}"/>
+              </a:ext>
+            </a:extLst>
+          </p:cNvPr>
+          <p:cNvPicPr>
+            <a:picLocks noChangeAspect="1"/>
+          </p:cNvPicPr>
+          <p:nvPr/>
+        </p:nvPicPr>
+        <p:blipFill>
+          <a:blip r:embed="rId4">
+            <a:extLst>
+              <a:ext uri="{BEBA8EAE-BF5A-486C-A8C5-ECC9F3942E4B}">
+                <a14:imgProps xmlns:a14="http://schemas.microsoft.com/office/drawing/2010/main">
+                  <a14:imgLayer r:embed="rId5">
+                    <a14:imgEffect>
+                      <a14:backgroundRemoval t="9738" b="89888" l="3789" r="94737">
+                        <a14:foregroundMark x1="92211" y1="45693" x2="92211" y2="45693"/>
+                        <a14:foregroundMark x1="93053" y1="57303" x2="93053" y2="57303"/>
+                        <a14:foregroundMark x1="94737" y1="46067" x2="94737" y2="46067"/>
+                        <a14:foregroundMark x1="8632" y1="41948" x2="8632" y2="41948"/>
+                        <a14:foregroundMark x1="3789" y1="45318" x2="3789" y2="45318"/>
+                        <a14:backgroundMark x1="1053" y1="26966" x2="1053" y2="26966"/>
+                      </a14:backgroundRemoval>
+                    </a14:imgEffect>
+                  </a14:imgLayer>
+                </a14:imgProps>
+              </a:ext>
+            </a:extLst>
+          </a:blip>
+          <a:stretch>
+            <a:fillRect/>
+          </a:stretch>
+        </p:blipFill>
+        <p:spPr>
+          <a:xfrm>
+            <a:off x="8295114" y="2087803"/>
+            <a:ext cx="3893711" cy="2187478"/>
+          </a:xfrm>
+          <a:prstGeom prst="rect">
+            <a:avLst/>
+          </a:prstGeom>
+          <a:ln w="25400" cap="sq">
+            <a:noFill/>
+            <a:prstDash val="solid"/>
+            <a:miter lim="800000"/>
+          </a:ln>
+          <a:effectLst/>
+        </p:spPr>
+      </p:pic>
+      <p:pic>
+        <p:nvPicPr>
+          <p:cNvPr id="8" name="Google Shape;533;p12">
+            <a:extLst>
+              <a:ext uri="{FF2B5EF4-FFF2-40B4-BE49-F238E27FC236}">
+                <a16:creationId xmlns:a16="http://schemas.microsoft.com/office/drawing/2014/main" id="{2B4AEA49-ED44-C44E-A328-743CC74885E4}"/>
+              </a:ext>
+            </a:extLst>
+          </p:cNvPr>
+          <p:cNvPicPr preferRelativeResize="0"/>
+          <p:nvPr/>
+        </p:nvPicPr>
+        <p:blipFill rotWithShape="1">
+          <a:blip r:embed="rId6">
+            <a:alphaModFix/>
+            <a:extLst>
+              <a:ext uri="{BEBA8EAE-BF5A-486C-A8C5-ECC9F3942E4B}">
+                <a14:imgProps xmlns:a14="http://schemas.microsoft.com/office/drawing/2010/main">
+                  <a14:imgLayer r:embed="rId7">
+                    <a14:imgEffect>
+                      <a14:backgroundRemoval t="297" b="98665" l="4092" r="91162">
+                        <a14:foregroundMark x1="20458" y1="5490" x2="20458" y2="5490"/>
+                        <a14:foregroundMark x1="14566" y1="4599" x2="14566" y2="4599"/>
+                        <a14:foregroundMark x1="80360" y1="3561" x2="80360" y2="3561"/>
+                        <a14:foregroundMark x1="79869" y1="4154" x2="79869" y2="4154"/>
+                        <a14:foregroundMark x1="82488" y1="4154" x2="25696" y2="2671"/>
+                        <a14:foregroundMark x1="25696" y1="2671" x2="11293" y2="297"/>
+                        <a14:foregroundMark x1="86907" y1="12315" x2="81997" y2="17211"/>
+                        <a14:foregroundMark x1="87398" y1="13353" x2="90016" y2="15727"/>
+                        <a14:foregroundMark x1="53355" y1="52522" x2="57610" y2="75816"/>
+                        <a14:foregroundMark x1="57610" y1="75816" x2="56628" y2="51039"/>
+                        <a14:foregroundMark x1="56628" y1="51039" x2="72340" y2="70772"/>
+                        <a14:foregroundMark x1="72340" y1="70772" x2="74304" y2="42582"/>
+                        <a14:foregroundMark x1="74304" y1="42582" x2="76105" y2="71365"/>
+                        <a14:foregroundMark x1="65794" y1="48516" x2="73322" y2="41395"/>
+                        <a14:foregroundMark x1="71686" y1="99852" x2="53355" y2="85163"/>
+                        <a14:foregroundMark x1="53355" y1="85163" x2="45336" y2="98813"/>
+                        <a14:foregroundMark x1="7740" y1="4424" x2="8020" y2="1632"/>
+                        <a14:foregroundMark x1="7369" y1="8123" x2="7726" y2="4567"/>
+                        <a14:foregroundMark x1="7038" y1="11424" x2="7222" y2="9589"/>
+                        <a14:foregroundMark x1="4868" y1="6083" x2="5401" y2="3116"/>
+                        <a14:foregroundMark x1="4601" y1="7567" x2="4868" y2="6083"/>
+                        <a14:foregroundMark x1="4255" y1="9496" x2="4601" y2="7567"/>
+                        <a14:foregroundMark x1="91162" y1="12760" x2="82488" y2="16617"/>
+                        <a14:foregroundMark x1="91162" y1="12760" x2="90671" y2="742"/>
+                        <a14:foregroundMark x1="4910" y1="12760" x2="4255" y2="6528"/>
+                        <a14:backgroundMark x1="3273" y1="6083" x2="3273" y2="6083"/>
+                        <a14:backgroundMark x1="3405" y1="4180" x2="5401" y2="3116"/>
+                        <a14:backgroundMark x1="2619" y1="4599" x2="3393" y2="4186"/>
+                        <a14:backgroundMark x1="5326" y1="10853" x2="7038" y2="9941"/>
+                        <a14:backgroundMark x1="4255" y1="11424" x2="4399" y2="11347"/>
+                        <a14:backgroundMark x1="4255" y1="7567" x2="4255" y2="7567"/>
+                        <a14:backgroundMark x1="5892" y1="7567" x2="6547" y2="6973"/>
+                      </a14:backgroundRemoval>
+                    </a14:imgEffect>
+                  </a14:imgLayer>
+                </a14:imgProps>
+              </a:ext>
+            </a:extLst>
+          </a:blip>
+          <a:srcRect/>
+          <a:stretch/>
+        </p:blipFill>
+        <p:spPr>
+          <a:xfrm>
+            <a:off x="10132828" y="4029739"/>
+            <a:ext cx="1832627" cy="2023819"/>
+          </a:xfrm>
+          <a:prstGeom prst="rect">
+            <a:avLst/>
+          </a:prstGeom>
+          <a:noFill/>
+          <a:ln>
+            <a:noFill/>
+          </a:ln>
+        </p:spPr>
+      </p:pic>
+    </p:spTree>
+    <p:extLst>
+      <p:ext uri="{BB962C8B-B14F-4D97-AF65-F5344CB8AC3E}">
+        <p14:creationId xmlns:p14="http://schemas.microsoft.com/office/powerpoint/2010/main" val="2672078498"/>
+      </p:ext>
+    </p:extLst>
+  </p:cSld>
+  <p:clrMapOvr>
+    <a:masterClrMapping/>
+  </p:clrMapOvr>
+</p:sld>
+</file>
+
+<file path=ppt/slides/slide18.xml><?xml version="1.0" encoding="utf-8"?>
+<p:sld xmlns:a="http://schemas.openxmlformats.org/drawingml/2006/main" xmlns:r="http://schemas.openxmlformats.org/officeDocument/2006/relationships" xmlns:p="http://schemas.openxmlformats.org/presentationml/2006/main">
+  <p:cSld>
+    <p:spTree>
+      <p:nvGrpSpPr>
+        <p:cNvPr id="1" name=""/>
+        <p:cNvGrpSpPr/>
+        <p:nvPr/>
+      </p:nvGrpSpPr>
+      <p:grpSpPr>
+        <a:xfrm>
+          <a:off x="0" y="0"/>
+          <a:ext cx="0" cy="0"/>
+          <a:chOff x="0" y="0"/>
+          <a:chExt cx="0" cy="0"/>
+        </a:xfrm>
+      </p:grpSpPr>
+      <p:sp>
+        <p:nvSpPr>
+          <p:cNvPr id="2" name="Title 1">
+            <a:extLst>
+              <a:ext uri="{FF2B5EF4-FFF2-40B4-BE49-F238E27FC236}">
+                <a16:creationId xmlns:a16="http://schemas.microsoft.com/office/drawing/2014/main" id="{AF0E5AE6-BAC5-4D3D-B274-228B336C1693}"/>
               </a:ext>
             </a:extLst>
           </p:cNvPr>
@@ -10749,7 +12129,7 @@
         <p:spPr>
           <a:xfrm>
             <a:off x="365760" y="411480"/>
-            <a:ext cx="11372473" cy="914400"/>
+            <a:ext cx="11438994" cy="914400"/>
           </a:xfrm>
         </p:spPr>
         <p:txBody>
@@ -10758,17 +12138,17 @@
           <a:p>
             <a:r>
               <a:rPr lang="en-US" dirty="0"/>
-              <a:t>Takeaways</a:t>
+              <a:t>Strategies for Improving Reproducibility</a:t>
             </a:r>
           </a:p>
         </p:txBody>
       </p:sp>
       <p:sp>
         <p:nvSpPr>
-          <p:cNvPr id="4" name="Content Placeholder 3">
+          <p:cNvPr id="3" name="Content Placeholder 2">
             <a:extLst>
               <a:ext uri="{FF2B5EF4-FFF2-40B4-BE49-F238E27FC236}">
-                <a16:creationId xmlns:a16="http://schemas.microsoft.com/office/drawing/2014/main" id="{06B62A54-66D8-47E6-BEFA-291A99FA5358}"/>
+                <a16:creationId xmlns:a16="http://schemas.microsoft.com/office/drawing/2014/main" id="{7E3F8F1F-5081-4F6E-81DA-DC14088609D1}"/>
               </a:ext>
             </a:extLst>
           </p:cNvPr>
@@ -10781,8 +12161,8 @@
         </p:nvSpPr>
         <p:spPr>
           <a:xfrm>
-            <a:off x="365760" y="1737360"/>
-            <a:ext cx="11369809" cy="4047778"/>
+            <a:off x="384071" y="1219775"/>
+            <a:ext cx="11369809" cy="5001465"/>
           </a:xfrm>
         </p:spPr>
         <p:txBody>
@@ -10790,49 +12170,482 @@
           <a:lstStyle/>
           <a:p>
             <a:r>
+              <a:rPr lang="en-US" b="1" dirty="0"/>
+              <a:t>Solid versioning practices are fundamental to reproducibility</a:t>
+            </a:r>
+          </a:p>
+          <a:p>
+            <a:pPr lvl="1"/>
+            <a:r>
               <a:rPr lang="en-US" dirty="0"/>
-              <a:t>Context: understand testing needs and costs</a:t>
-            </a:r>
-          </a:p>
-          <a:p>
+              <a:t>Source code, dependencies, copy through to outputs</a:t>
+            </a:r>
+          </a:p>
+          <a:p>
+            <a:r>
+              <a:rPr lang="en-US" b="1" dirty="0"/>
+              <a:t>Build in quality from the start</a:t>
+            </a:r>
+          </a:p>
+          <a:p>
+            <a:pPr lvl="1"/>
             <a:r>
               <a:rPr lang="en-US" dirty="0"/>
-              <a:t>Devise tests to enable quick pinpointing of errors through reasoning about their behavior</a:t>
-            </a:r>
-          </a:p>
-          <a:p>
+              <a:t>Expectation for documentation and level of testing (write in-sync with code).</a:t>
+            </a:r>
+          </a:p>
+          <a:p>
+            <a:pPr lvl="1"/>
             <a:r>
               <a:rPr lang="en-US" dirty="0"/>
-              <a:t>test at various granularities – bottom-up (UNIT/verification) through top-down (integration/validation)</a:t>
-            </a:r>
-          </a:p>
-          <a:p>
+              <a:t>Increasing expectations as code becomes more "public"</a:t>
+            </a:r>
+          </a:p>
+          <a:p>
+            <a:pPr lvl="1"/>
             <a:r>
               <a:rPr lang="en-US" dirty="0"/>
-              <a:t>Tests at various complexities – CI vs. regression</a:t>
+              <a:t>Peer review / team productivity tracking meetings</a:t>
             </a:r>
           </a:p>
           <a:p>
             <a:r>
               <a:rPr lang="en-US" dirty="0"/>
-              <a:t>Maintain a holistic validation strategy: think globally, act locally</a:t>
-            </a:r>
-          </a:p>
-          <a:p>
-            <a:pPr marL="0" indent="0">
-              <a:buNone/>
-            </a:pPr>
+              <a:t>Watch Out for Numerical Artifacts</a:t>
+            </a:r>
+          </a:p>
+          <a:p>
+            <a:pPr lvl="1"/>
             <a:r>
               <a:rPr lang="en-US" dirty="0"/>
-              <a:t>…….Questions ?</a:t>
-            </a:r>
+              <a:t>Integer overflows, floating point underflows, numerical algorithm stability</a:t>
+            </a:r>
+          </a:p>
+          <a:p>
+            <a:r>
+              <a:rPr lang="en-US" dirty="0"/>
+              <a:t>Plan Ahead for Experimental Campaign Progression</a:t>
+            </a:r>
+          </a:p>
+          <a:p>
+            <a:pPr lvl="1"/>
+            <a:r>
+              <a:rPr lang="en-US" dirty="0"/>
+              <a:t>How do scaling tests &amp; intermediate outputs relate to code features?</a:t>
+            </a:r>
+          </a:p>
+          <a:p>
+            <a:pPr lvl="1"/>
+            <a:r>
+              <a:rPr lang="en-US" dirty="0"/>
+              <a:t>What in-run correctness checks exist?</a:t>
+            </a:r>
+          </a:p>
+          <a:p>
+            <a:pPr lvl="1"/>
+            <a:r>
+              <a:rPr lang="en-US" dirty="0"/>
+              <a:t>What if a patch needs to be applied during a campaign?</a:t>
+            </a:r>
+          </a:p>
+          <a:p>
+            <a:endParaRPr lang="en-US" dirty="0"/>
+          </a:p>
+          <a:p>
+            <a:endParaRPr lang="en-US" dirty="0"/>
           </a:p>
         </p:txBody>
       </p:sp>
     </p:spTree>
     <p:extLst>
       <p:ext uri="{BB962C8B-B14F-4D97-AF65-F5344CB8AC3E}">
-        <p14:creationId xmlns:p14="http://schemas.microsoft.com/office/powerpoint/2010/main" val="378344546"/>
+        <p14:creationId xmlns:p14="http://schemas.microsoft.com/office/powerpoint/2010/main" val="993821894"/>
+      </p:ext>
+    </p:extLst>
+  </p:cSld>
+  <p:clrMapOvr>
+    <a:masterClrMapping/>
+  </p:clrMapOvr>
+</p:sld>
+</file>
+
+<file path=ppt/slides/slide19.xml><?xml version="1.0" encoding="utf-8"?>
+<p:sld xmlns:a="http://schemas.openxmlformats.org/drawingml/2006/main" xmlns:r="http://schemas.openxmlformats.org/officeDocument/2006/relationships" xmlns:p="http://schemas.openxmlformats.org/presentationml/2006/main">
+  <p:cSld>
+    <p:spTree>
+      <p:nvGrpSpPr>
+        <p:cNvPr id="1" name=""/>
+        <p:cNvGrpSpPr/>
+        <p:nvPr/>
+      </p:nvGrpSpPr>
+      <p:grpSpPr>
+        <a:xfrm>
+          <a:off x="0" y="0"/>
+          <a:ext cx="0" cy="0"/>
+          <a:chOff x="0" y="0"/>
+          <a:chExt cx="0" cy="0"/>
+        </a:xfrm>
+      </p:grpSpPr>
+      <p:sp>
+        <p:nvSpPr>
+          <p:cNvPr id="2" name="Title 1">
+            <a:extLst>
+              <a:ext uri="{FF2B5EF4-FFF2-40B4-BE49-F238E27FC236}">
+                <a16:creationId xmlns:a16="http://schemas.microsoft.com/office/drawing/2014/main" id="{AF0E5AE6-BAC5-4D3D-B274-228B336C1693}"/>
+              </a:ext>
+            </a:extLst>
+          </p:cNvPr>
+          <p:cNvSpPr>
+            <a:spLocks noGrp="1"/>
+          </p:cNvSpPr>
+          <p:nvPr>
+            <p:ph type="title"/>
+          </p:nvPr>
+        </p:nvSpPr>
+        <p:spPr/>
+        <p:txBody>
+          <a:bodyPr/>
+          <a:lstStyle/>
+          <a:p>
+            <a:r>
+              <a:rPr lang="en-US" dirty="0"/>
+              <a:t>Testing Strategies for Improving Reproducibility</a:t>
+            </a:r>
+            <a:endParaRPr lang="en-US" u="sng" dirty="0"/>
+          </a:p>
+        </p:txBody>
+      </p:sp>
+      <p:sp>
+        <p:nvSpPr>
+          <p:cNvPr id="3" name="Content Placeholder 2">
+            <a:extLst>
+              <a:ext uri="{FF2B5EF4-FFF2-40B4-BE49-F238E27FC236}">
+                <a16:creationId xmlns:a16="http://schemas.microsoft.com/office/drawing/2014/main" id="{7E3F8F1F-5081-4F6E-81DA-DC14088609D1}"/>
+              </a:ext>
+            </a:extLst>
+          </p:cNvPr>
+          <p:cNvSpPr>
+            <a:spLocks noGrp="1"/>
+          </p:cNvSpPr>
+          <p:nvPr>
+            <p:ph sz="half" idx="2"/>
+          </p:nvPr>
+        </p:nvSpPr>
+        <p:spPr>
+          <a:xfrm>
+            <a:off x="457200" y="1114436"/>
+            <a:ext cx="5588582" cy="3373229"/>
+          </a:xfrm>
+          <a:ln>
+            <a:noFill/>
+          </a:ln>
+        </p:spPr>
+        <p:txBody>
+          <a:bodyPr/>
+          <a:lstStyle/>
+          <a:p>
+            <a:r>
+              <a:rPr lang="en-US" sz="2000" b="1" dirty="0">
+                <a:solidFill>
+                  <a:schemeClr val="tx2"/>
+                </a:solidFill>
+              </a:rPr>
+              <a:t>Testing, testing, and more testing!</a:t>
+            </a:r>
+          </a:p>
+          <a:p>
+            <a:r>
+              <a:rPr lang="en-US" sz="2000" dirty="0"/>
+              <a:t>Add “regression tests”</a:t>
+            </a:r>
+          </a:p>
+          <a:p>
+            <a:pPr lvl="1">
+              <a:spcBef>
+                <a:spcPts val="200"/>
+              </a:spcBef>
+            </a:pPr>
+            <a:r>
+              <a:rPr lang="en-US" sz="1800" dirty="0"/>
+              <a:t>If you fix a bug, add a test to make sure that bug doesn’t creep back in</a:t>
+            </a:r>
+          </a:p>
+          <a:p>
+            <a:r>
+              <a:rPr lang="en-US" sz="2000" dirty="0"/>
+              <a:t>Add more tests</a:t>
+            </a:r>
+          </a:p>
+          <a:p>
+            <a:pPr lvl="1">
+              <a:spcBef>
+                <a:spcPts val="200"/>
+              </a:spcBef>
+            </a:pPr>
+            <a:r>
+              <a:rPr lang="en-US" sz="1800" dirty="0"/>
+              <a:t>Be creative</a:t>
+            </a:r>
+          </a:p>
+          <a:p>
+            <a:pPr lvl="1">
+              <a:spcBef>
+                <a:spcPts val="200"/>
+              </a:spcBef>
+            </a:pPr>
+            <a:r>
+              <a:rPr lang="en-US" sz="1800" dirty="0"/>
+              <a:t>Think about common cases, then corner cases</a:t>
+            </a:r>
+          </a:p>
+          <a:p>
+            <a:pPr lvl="1">
+              <a:spcBef>
+                <a:spcPts val="200"/>
+              </a:spcBef>
+            </a:pPr>
+            <a:r>
+              <a:rPr lang="en-US" sz="1800" dirty="0"/>
+              <a:t>Think about misuse (unintentional or intentional)</a:t>
+            </a:r>
+          </a:p>
+          <a:p>
+            <a:pPr lvl="1">
+              <a:spcBef>
+                <a:spcPts val="200"/>
+              </a:spcBef>
+            </a:pPr>
+            <a:r>
+              <a:rPr lang="en-US" sz="1800" dirty="0"/>
+              <a:t>Think about synthetic tests with synthetic data</a:t>
+            </a:r>
+          </a:p>
+          <a:p>
+            <a:pPr lvl="1">
+              <a:spcBef>
+                <a:spcPts val="200"/>
+              </a:spcBef>
+            </a:pPr>
+            <a:r>
+              <a:rPr lang="en-US" sz="1800" dirty="0"/>
+              <a:t>Think about low-cost tests that can be “always on” (even if they’re not so stringent)</a:t>
+            </a:r>
+          </a:p>
+          <a:p>
+            <a:pPr lvl="1">
+              <a:spcBef>
+                <a:spcPts val="200"/>
+              </a:spcBef>
+            </a:pPr>
+            <a:r>
+              <a:rPr lang="en-US" sz="1800" dirty="0"/>
+              <a:t>Can you detect silent data corruption?</a:t>
+            </a:r>
+          </a:p>
+          <a:p>
+            <a:pPr lvl="1">
+              <a:spcBef>
+                <a:spcPts val="200"/>
+              </a:spcBef>
+            </a:pPr>
+            <a:endParaRPr lang="en-US" sz="800" dirty="0"/>
+          </a:p>
+          <a:p>
+            <a:pPr>
+              <a:spcBef>
+                <a:spcPts val="200"/>
+              </a:spcBef>
+            </a:pPr>
+            <a:r>
+              <a:rPr lang="en-US" dirty="0"/>
+              <a:t>Physics / Math Based Strategies</a:t>
+            </a:r>
+          </a:p>
+          <a:p>
+            <a:pPr lvl="1">
+              <a:spcBef>
+                <a:spcPts val="200"/>
+              </a:spcBef>
+            </a:pPr>
+            <a:r>
+              <a:rPr lang="en-US" dirty="0"/>
+              <a:t>Conserved quantities, symmetries, synthetic operators</a:t>
+            </a:r>
+          </a:p>
+          <a:p>
+            <a:pPr lvl="1">
+              <a:spcBef>
+                <a:spcPts val="200"/>
+              </a:spcBef>
+            </a:pPr>
+            <a:endParaRPr lang="en-US" sz="800" dirty="0"/>
+          </a:p>
+          <a:p>
+            <a:pPr>
+              <a:spcBef>
+                <a:spcPts val="200"/>
+              </a:spcBef>
+            </a:pPr>
+            <a:r>
+              <a:rPr lang="en-US" dirty="0"/>
+              <a:t>Design by Contract</a:t>
+            </a:r>
+          </a:p>
+          <a:p>
+            <a:pPr lvl="1">
+              <a:spcBef>
+                <a:spcPts val="200"/>
+              </a:spcBef>
+            </a:pPr>
+            <a:r>
+              <a:rPr lang="en-US" dirty="0"/>
+              <a:t>Input / Output specifications, program invariants</a:t>
+            </a:r>
+          </a:p>
+        </p:txBody>
+      </p:sp>
+      <p:sp>
+        <p:nvSpPr>
+          <p:cNvPr id="6" name="Content Placeholder 5">
+            <a:extLst>
+              <a:ext uri="{FF2B5EF4-FFF2-40B4-BE49-F238E27FC236}">
+                <a16:creationId xmlns:a16="http://schemas.microsoft.com/office/drawing/2014/main" id="{A6E0D8FD-9F37-4AB6-A176-A8A84426CC7A}"/>
+              </a:ext>
+            </a:extLst>
+          </p:cNvPr>
+          <p:cNvSpPr>
+            <a:spLocks noGrp="1"/>
+          </p:cNvSpPr>
+          <p:nvPr>
+            <p:ph sz="quarter" idx="4"/>
+          </p:nvPr>
+        </p:nvSpPr>
+        <p:spPr>
+          <a:xfrm>
+            <a:off x="6218914" y="1114436"/>
+            <a:ext cx="5531934" cy="3373229"/>
+          </a:xfrm>
+          <a:ln>
+            <a:noFill/>
+          </a:ln>
+        </p:spPr>
+        <p:txBody>
+          <a:bodyPr/>
+          <a:lstStyle/>
+          <a:p>
+            <a:r>
+              <a:rPr lang="en-US" sz="2000" dirty="0"/>
+              <a:t>Test your third-party dependencies</a:t>
+            </a:r>
+          </a:p>
+          <a:p>
+            <a:pPr lvl="1">
+              <a:spcBef>
+                <a:spcPts val="200"/>
+              </a:spcBef>
+            </a:pPr>
+            <a:r>
+              <a:rPr lang="en-US" dirty="0"/>
+              <a:t>Are your tools doing what you think they’re doing?</a:t>
+            </a:r>
+          </a:p>
+          <a:p>
+            <a:pPr lvl="1">
+              <a:spcBef>
+                <a:spcPts val="200"/>
+              </a:spcBef>
+            </a:pPr>
+            <a:r>
+              <a:rPr lang="en-US" dirty="0"/>
+              <a:t>What if you’re using a new version?</a:t>
+            </a:r>
+          </a:p>
+          <a:p>
+            <a:pPr lvl="1">
+              <a:spcBef>
+                <a:spcPts val="200"/>
+              </a:spcBef>
+            </a:pPr>
+            <a:r>
+              <a:rPr lang="en-US" dirty="0"/>
+              <a:t>How do you decide if it is okay to upgrade to a new version?</a:t>
+            </a:r>
+          </a:p>
+          <a:p>
+            <a:r>
+              <a:rPr lang="en-US" sz="2000" dirty="0"/>
+              <a:t>Test your tests!</a:t>
+            </a:r>
+          </a:p>
+          <a:p>
+            <a:pPr lvl="1">
+              <a:spcBef>
+                <a:spcPts val="200"/>
+              </a:spcBef>
+            </a:pPr>
+            <a:r>
+              <a:rPr lang="en-US" sz="1800" dirty="0"/>
+              <a:t>Make sure tests fail when they’re supposed to!</a:t>
+            </a:r>
+          </a:p>
+          <a:p>
+            <a:r>
+              <a:rPr lang="en-US" sz="2000" dirty="0"/>
+              <a:t>Thoroughly verify the code</a:t>
+            </a:r>
+          </a:p>
+          <a:p>
+            <a:pPr lvl="1">
+              <a:spcBef>
+                <a:spcPts val="200"/>
+              </a:spcBef>
+            </a:pPr>
+            <a:r>
+              <a:rPr lang="en-US" sz="1800" dirty="0"/>
+              <a:t>Does the code do what you intended it to do?</a:t>
+            </a:r>
+          </a:p>
+          <a:p>
+            <a:pPr lvl="1">
+              <a:spcBef>
+                <a:spcPts val="200"/>
+              </a:spcBef>
+            </a:pPr>
+            <a:r>
+              <a:rPr lang="en-US" sz="1800" dirty="0"/>
+              <a:t>On all relevant platforms (compilers, hardware, etc.)</a:t>
+            </a:r>
+          </a:p>
+          <a:p>
+            <a:r>
+              <a:rPr lang="en-US" sz="2000" dirty="0"/>
+              <a:t>Test regularly</a:t>
+            </a:r>
+          </a:p>
+          <a:p>
+            <a:pPr lvl="1">
+              <a:spcBef>
+                <a:spcPts val="200"/>
+              </a:spcBef>
+            </a:pPr>
+            <a:r>
+              <a:rPr lang="en-US" sz="1800" dirty="0"/>
+              <a:t>To identify and document where changes to the underlying </a:t>
+            </a:r>
+            <a:br>
+              <a:rPr lang="en-US" sz="1800" dirty="0"/>
+            </a:br>
+            <a:r>
+              <a:rPr lang="en-US" sz="1800" dirty="0"/>
+              <a:t>platform change code behavior/results</a:t>
+            </a:r>
+          </a:p>
+        </p:txBody>
+      </p:sp>
+    </p:spTree>
+    <p:extLst>
+      <p:ext uri="{BB962C8B-B14F-4D97-AF65-F5344CB8AC3E}">
+        <p14:creationId xmlns:p14="http://schemas.microsoft.com/office/powerpoint/2010/main" val="2253672400"/>
       </p:ext>
     </p:extLst>
   </p:cSld>
@@ -11159,6 +12972,135 @@
 </p:sld>
 </file>
 
+<file path=ppt/slides/slide20.xml><?xml version="1.0" encoding="utf-8"?>
+<p:sld xmlns:a="http://schemas.openxmlformats.org/drawingml/2006/main" xmlns:r="http://schemas.openxmlformats.org/officeDocument/2006/relationships" xmlns:p="http://schemas.openxmlformats.org/presentationml/2006/main">
+  <p:cSld>
+    <p:spTree>
+      <p:nvGrpSpPr>
+        <p:cNvPr id="1" name=""/>
+        <p:cNvGrpSpPr/>
+        <p:nvPr/>
+      </p:nvGrpSpPr>
+      <p:grpSpPr>
+        <a:xfrm>
+          <a:off x="0" y="0"/>
+          <a:ext cx="0" cy="0"/>
+          <a:chOff x="0" y="0"/>
+          <a:chExt cx="0" cy="0"/>
+        </a:xfrm>
+      </p:grpSpPr>
+      <p:sp>
+        <p:nvSpPr>
+          <p:cNvPr id="3" name="Title 2">
+            <a:extLst>
+              <a:ext uri="{FF2B5EF4-FFF2-40B4-BE49-F238E27FC236}">
+                <a16:creationId xmlns:a16="http://schemas.microsoft.com/office/drawing/2014/main" id="{03903D65-8FB0-400B-839C-D6202AD9B225}"/>
+              </a:ext>
+            </a:extLst>
+          </p:cNvPr>
+          <p:cNvSpPr>
+            <a:spLocks noGrp="1"/>
+          </p:cNvSpPr>
+          <p:nvPr>
+            <p:ph type="title"/>
+          </p:nvPr>
+        </p:nvSpPr>
+        <p:spPr>
+          <a:xfrm>
+            <a:off x="365760" y="411480"/>
+            <a:ext cx="11372473" cy="914400"/>
+          </a:xfrm>
+        </p:spPr>
+        <p:txBody>
+          <a:bodyPr/>
+          <a:lstStyle/>
+          <a:p>
+            <a:r>
+              <a:rPr lang="en-US" dirty="0"/>
+              <a:t>Takeaways</a:t>
+            </a:r>
+          </a:p>
+        </p:txBody>
+      </p:sp>
+      <p:sp>
+        <p:nvSpPr>
+          <p:cNvPr id="4" name="Content Placeholder 3">
+            <a:extLst>
+              <a:ext uri="{FF2B5EF4-FFF2-40B4-BE49-F238E27FC236}">
+                <a16:creationId xmlns:a16="http://schemas.microsoft.com/office/drawing/2014/main" id="{06B62A54-66D8-47E6-BEFA-291A99FA5358}"/>
+              </a:ext>
+            </a:extLst>
+          </p:cNvPr>
+          <p:cNvSpPr>
+            <a:spLocks noGrp="1"/>
+          </p:cNvSpPr>
+          <p:nvPr>
+            <p:ph idx="1"/>
+          </p:nvPr>
+        </p:nvSpPr>
+        <p:spPr>
+          <a:xfrm>
+            <a:off x="365760" y="1737360"/>
+            <a:ext cx="11369809" cy="4047778"/>
+          </a:xfrm>
+        </p:spPr>
+        <p:txBody>
+          <a:bodyPr/>
+          <a:lstStyle/>
+          <a:p>
+            <a:r>
+              <a:rPr lang="en-US" dirty="0"/>
+              <a:t>Context: understand testing needs and costs</a:t>
+            </a:r>
+          </a:p>
+          <a:p>
+            <a:r>
+              <a:rPr lang="en-US" dirty="0"/>
+              <a:t>Devise tests to enable quick pinpointing of errors through reasoning about their behavior</a:t>
+            </a:r>
+          </a:p>
+          <a:p>
+            <a:r>
+              <a:rPr lang="en-US" dirty="0"/>
+              <a:t>test at various granularities – bottom-up (UNIT/verification) through top-down (integration/validation)</a:t>
+            </a:r>
+          </a:p>
+          <a:p>
+            <a:r>
+              <a:rPr lang="en-US" dirty="0"/>
+              <a:t>Tests at various complexities – CI vs. regression</a:t>
+            </a:r>
+          </a:p>
+          <a:p>
+            <a:r>
+              <a:rPr lang="en-US" dirty="0"/>
+              <a:t>Maintain a holistic validation strategy: think globally, act locally</a:t>
+            </a:r>
+          </a:p>
+          <a:p>
+            <a:pPr marL="0" indent="0">
+              <a:buNone/>
+            </a:pPr>
+            <a:r>
+              <a:rPr lang="en-US" dirty="0"/>
+              <a:t>…….Questions ?</a:t>
+            </a:r>
+          </a:p>
+        </p:txBody>
+      </p:sp>
+    </p:spTree>
+    <p:extLst>
+      <p:ext uri="{BB962C8B-B14F-4D97-AF65-F5344CB8AC3E}">
+        <p14:creationId xmlns:p14="http://schemas.microsoft.com/office/powerpoint/2010/main" val="378344546"/>
+      </p:ext>
+    </p:extLst>
+  </p:cSld>
+  <p:clrMapOvr>
+    <a:masterClrMapping/>
+  </p:clrMapOvr>
+</p:sld>
+</file>
+
 <file path=ppt/slides/slide3.xml><?xml version="1.0" encoding="utf-8"?>
 <p:sld xmlns:a="http://schemas.openxmlformats.org/drawingml/2006/main" xmlns:r="http://schemas.openxmlformats.org/officeDocument/2006/relationships" xmlns:p="http://schemas.openxmlformats.org/presentationml/2006/main">
   <p:cSld>
@@ -11234,7 +13176,7 @@
             <a:pPr lvl="1"/>
             <a:r>
               <a:rPr lang="en-US" dirty="0"/>
-              <a:t>Nightly / scheduled testing </a:t>
+              <a:t>Automated / scheduled testing </a:t>
             </a:r>
           </a:p>
           <a:p>
@@ -15818,12 +17760,6 @@
 </file>
 
 <file path=customXml/item1.xml><?xml version="1.0" encoding="utf-8"?>
-<p:properties xmlns:p="http://schemas.microsoft.com/office/2006/metadata/properties" xmlns:xsi="http://www.w3.org/2001/XMLSchema-instance" xmlns:pc="http://schemas.microsoft.com/office/infopath/2007/PartnerControls">
-  <documentManagement/>
-</p:properties>
-</file>
-
-<file path=customXml/item2.xml><?xml version="1.0" encoding="utf-8"?>
 <ct:contentTypeSchema xmlns:ct="http://schemas.microsoft.com/office/2006/metadata/contentType" xmlns:ma="http://schemas.microsoft.com/office/2006/metadata/properties/metaAttributes" ct:_="" ma:_="" ma:contentTypeName="Document" ma:contentTypeID="0x010100565464437F680748A68B85EB6594EA7D" ma:contentTypeVersion="0" ma:contentTypeDescription="Create a new document." ma:contentTypeScope="" ma:versionID="fe3f4dd58d5914c51cfc6deaa8ad845c">
   <xsd:schema xmlns:xsd="http://www.w3.org/2001/XMLSchema" xmlns:p="http://schemas.microsoft.com/office/2006/metadata/properties" targetNamespace="http://schemas.microsoft.com/office/2006/metadata/properties" ma:root="true" ma:fieldsID="4aeb20c0e3442673af7ee10786458764">
     <xsd:element name="properties">
@@ -15872,6 +17808,12 @@
 </ct:contentTypeSchema>
 </file>
 
+<file path=customXml/item2.xml><?xml version="1.0" encoding="utf-8"?>
+<p:properties xmlns:p="http://schemas.microsoft.com/office/2006/metadata/properties" xmlns:xsi="http://www.w3.org/2001/XMLSchema-instance" xmlns:pc="http://schemas.microsoft.com/office/infopath/2007/PartnerControls">
+  <documentManagement/>
+</p:properties>
+</file>
+
 <file path=customXml/item3.xml><?xml version="1.0" encoding="utf-8"?>
 <?mso-contentType ?>
 <FormTemplates xmlns="http://schemas.microsoft.com/sharepoint/v3/contenttype/forms">
@@ -15882,6 +17824,21 @@
 </file>
 
 <file path=customXml/itemProps1.xml><?xml version="1.0" encoding="utf-8"?>
+<ds:datastoreItem xmlns:ds="http://schemas.openxmlformats.org/officeDocument/2006/customXml" ds:itemID="{E8DB7DEB-074E-4EE8-9B6E-FD277323109C}">
+  <ds:schemaRefs>
+    <ds:schemaRef ds:uri="http://schemas.microsoft.com/office/2006/metadata/contentType"/>
+    <ds:schemaRef ds:uri="http://schemas.microsoft.com/office/2006/metadata/properties/metaAttributes"/>
+    <ds:schemaRef ds:uri="http://www.w3.org/2001/XMLSchema"/>
+    <ds:schemaRef ds:uri="http://schemas.microsoft.com/office/2006/metadata/properties"/>
+    <ds:schemaRef ds:uri="http://schemas.openxmlformats.org/package/2006/metadata/core-properties"/>
+    <ds:schemaRef ds:uri="http://purl.org/dc/elements/1.1/"/>
+    <ds:schemaRef ds:uri="http://purl.org/dc/terms/"/>
+    <ds:schemaRef ds:uri="http://schemas.microsoft.com/office/internal/2005/internalDocumentation"/>
+  </ds:schemaRefs>
+</ds:datastoreItem>
+</file>
+
+<file path=customXml/itemProps2.xml><?xml version="1.0" encoding="utf-8"?>
 <ds:datastoreItem xmlns:ds="http://schemas.openxmlformats.org/officeDocument/2006/customXml" ds:itemID="{A50EC660-24D0-43A0-AE5E-E274115E726B}">
   <ds:schemaRefs>
     <ds:schemaRef ds:uri="http://purl.org/dc/elements/1.1/"/>
@@ -15896,21 +17853,6 @@
 </ds:datastoreItem>
 </file>
 
-<file path=customXml/itemProps2.xml><?xml version="1.0" encoding="utf-8"?>
-<ds:datastoreItem xmlns:ds="http://schemas.openxmlformats.org/officeDocument/2006/customXml" ds:itemID="{E8DB7DEB-074E-4EE8-9B6E-FD277323109C}">
-  <ds:schemaRefs>
-    <ds:schemaRef ds:uri="http://schemas.microsoft.com/office/2006/metadata/contentType"/>
-    <ds:schemaRef ds:uri="http://schemas.microsoft.com/office/2006/metadata/properties/metaAttributes"/>
-    <ds:schemaRef ds:uri="http://www.w3.org/2001/XMLSchema"/>
-    <ds:schemaRef ds:uri="http://schemas.microsoft.com/office/2006/metadata/properties"/>
-    <ds:schemaRef ds:uri="http://schemas.openxmlformats.org/package/2006/metadata/core-properties"/>
-    <ds:schemaRef ds:uri="http://purl.org/dc/elements/1.1/"/>
-    <ds:schemaRef ds:uri="http://purl.org/dc/terms/"/>
-    <ds:schemaRef ds:uri="http://schemas.microsoft.com/office/internal/2005/internalDocumentation"/>
-  </ds:schemaRefs>
-</ds:datastoreItem>
-</file>
-
 <file path=customXml/itemProps3.xml><?xml version="1.0" encoding="utf-8"?>
 <ds:datastoreItem xmlns:ds="http://schemas.openxmlformats.org/officeDocument/2006/customXml" ds:itemID="{19E20559-B232-4371-8690-E3D8007EDB82}">
   <ds:schemaRefs>

--- a/testing-advanced.pptx
+++ b/testing-advanced.pptx
@@ -274,7 +274,7 @@
           <a:p>
             <a:fld id="{0B842F42-2CE9-4E35-95C1-410DC08A50B1}" type="datetimeFigureOut">
               <a:rPr lang="en-US" smtClean="0"/>
-              <a:t>4/27/22</a:t>
+              <a:t>5/6/2022</a:t>
             </a:fld>
             <a:endParaRPr lang="en-US"/>
           </a:p>
@@ -439,7 +439,7 @@
           <a:p>
             <a:fld id="{6F282904-F315-4730-8D91-37D99E141A6F}" type="datetimeFigureOut">
               <a:rPr lang="en-US" smtClean="0"/>
-              <a:t>4/27/22</a:t>
+              <a:t>5/6/2022</a:t>
             </a:fld>
             <a:endParaRPr lang="en-US"/>
           </a:p>
@@ -12458,7 +12458,7 @@
             </a:pPr>
             <a:r>
               <a:rPr lang="en-US" dirty="0"/>
-              <a:t>Physics / Math Based Strategies</a:t>
+              <a:t>Physics/math based strategies</a:t>
             </a:r>
           </a:p>
           <a:p>
@@ -12499,7 +12499,7 @@
             </a:pPr>
             <a:r>
               <a:rPr lang="en-US" dirty="0"/>
-              <a:t>Input / Output specifications, program invariants</a:t>
+              <a:t>Input/output specifications, program invariants</a:t>
             </a:r>
           </a:p>
         </p:txBody>
